--- a/Slide.pptx
+++ b/Slide.pptx
@@ -12943,6 +12943,24 @@
               </a:rPr>
               <a:t> 1:</a:t>
             </a:r>
+          </a:p>
+          <a:p>
+            <a:pPr lvl="1"/>
+            <a:r>
+              <a:rPr lang="en-US" dirty="0">
+                <a:latin typeface="UVN Bai Sau Nhe" panose="04030405020802020C03" pitchFamily="82" charset="0"/>
+              </a:rPr>
+              <a:t>152 </a:t>
+            </a:r>
+            <a:r>
+              <a:rPr lang="en-US">
+                <a:latin typeface="UVN Bai Sau Nhe" panose="04030405020802020C03" pitchFamily="82" charset="0"/>
+              </a:rPr>
+              <a:t>dòng</a:t>
+            </a:r>
+            <a:endParaRPr lang="en-US" dirty="0">
+              <a:latin typeface="UVN Bai Sau Nhe" panose="04030405020802020C03" pitchFamily="82" charset="0"/>
+            </a:endParaRPr>
           </a:p>
           <a:p>
             <a:endParaRPr lang="en-US" dirty="0">

--- a/Slide.pptx
+++ b/Slide.pptx
@@ -5,7 +5,7 @@
     <p:sldMasterId id="2147483648" r:id="rId1"/>
   </p:sldMasterIdLst>
   <p:notesMasterIdLst>
-    <p:notesMasterId r:id="rId19"/>
+    <p:notesMasterId r:id="rId31"/>
   </p:notesMasterIdLst>
   <p:sldIdLst>
     <p:sldId id="256" r:id="rId2"/>
@@ -22,9 +22,21 @@
     <p:sldId id="268" r:id="rId13"/>
     <p:sldId id="269" r:id="rId14"/>
     <p:sldId id="271" r:id="rId15"/>
-    <p:sldId id="272" r:id="rId16"/>
-    <p:sldId id="273" r:id="rId17"/>
-    <p:sldId id="274" r:id="rId18"/>
+    <p:sldId id="275" r:id="rId16"/>
+    <p:sldId id="272" r:id="rId17"/>
+    <p:sldId id="276" r:id="rId18"/>
+    <p:sldId id="277" r:id="rId19"/>
+    <p:sldId id="278" r:id="rId20"/>
+    <p:sldId id="279" r:id="rId21"/>
+    <p:sldId id="280" r:id="rId22"/>
+    <p:sldId id="281" r:id="rId23"/>
+    <p:sldId id="273" r:id="rId24"/>
+    <p:sldId id="282" r:id="rId25"/>
+    <p:sldId id="283" r:id="rId26"/>
+    <p:sldId id="284" r:id="rId27"/>
+    <p:sldId id="285" r:id="rId28"/>
+    <p:sldId id="286" r:id="rId29"/>
+    <p:sldId id="274" r:id="rId30"/>
   </p:sldIdLst>
   <p:sldSz cx="12192000" cy="6858000"/>
   <p:notesSz cx="6858000" cy="9144000"/>
@@ -6238,7 +6250,7 @@
               <a:rPr lang="en-US" sz="2000" dirty="0">
                 <a:latin typeface="UVN Bai Sau Nhe" panose="04030405020802020C03" pitchFamily="82" charset="0"/>
               </a:rPr>
-              <a:t>Orientation: H</a:t>
+              <a:t>orientation: H</a:t>
             </a:r>
             <a:r>
               <a:rPr lang="vi-VN" sz="2000" dirty="0">
@@ -7083,6 +7095,138 @@
               </a:rPr>
               <a:t> 2:</a:t>
             </a:r>
+          </a:p>
+          <a:p>
+            <a:pPr lvl="1"/>
+            <a:r>
+              <a:rPr lang="en-US" dirty="0" err="1">
+                <a:latin typeface="UVN Bai Sau Nhe" panose="04030405020802020C03" pitchFamily="82" charset="0"/>
+              </a:rPr>
+              <a:t>Nhóm</a:t>
+            </a:r>
+            <a:r>
+              <a:rPr lang="en-US" dirty="0">
+                <a:latin typeface="UVN Bai Sau Nhe" panose="04030405020802020C03" pitchFamily="82" charset="0"/>
+              </a:rPr>
+              <a:t> </a:t>
+            </a:r>
+            <a:r>
+              <a:rPr lang="en-US" dirty="0" err="1">
+                <a:latin typeface="UVN Bai Sau Nhe" panose="04030405020802020C03" pitchFamily="82" charset="0"/>
+              </a:rPr>
+              <a:t>thu</a:t>
+            </a:r>
+            <a:r>
+              <a:rPr lang="en-US" dirty="0">
+                <a:latin typeface="UVN Bai Sau Nhe" panose="04030405020802020C03" pitchFamily="82" charset="0"/>
+              </a:rPr>
+              <a:t> </a:t>
+            </a:r>
+            <a:r>
+              <a:rPr lang="en-US" dirty="0" err="1">
+                <a:latin typeface="UVN Bai Sau Nhe" panose="04030405020802020C03" pitchFamily="82" charset="0"/>
+              </a:rPr>
+              <a:t>thập</a:t>
+            </a:r>
+            <a:r>
+              <a:rPr lang="en-US" dirty="0">
+                <a:latin typeface="UVN Bai Sau Nhe" panose="04030405020802020C03" pitchFamily="82" charset="0"/>
+              </a:rPr>
+              <a:t> </a:t>
+            </a:r>
+            <a:r>
+              <a:rPr lang="en-US" dirty="0" err="1">
+                <a:latin typeface="UVN Bai Sau Nhe" panose="04030405020802020C03" pitchFamily="82" charset="0"/>
+              </a:rPr>
+              <a:t>dữ</a:t>
+            </a:r>
+            <a:r>
+              <a:rPr lang="en-US" dirty="0">
+                <a:latin typeface="UVN Bai Sau Nhe" panose="04030405020802020C03" pitchFamily="82" charset="0"/>
+              </a:rPr>
+              <a:t> </a:t>
+            </a:r>
+            <a:r>
+              <a:rPr lang="en-US" dirty="0" err="1">
+                <a:latin typeface="UVN Bai Sau Nhe" panose="04030405020802020C03" pitchFamily="82" charset="0"/>
+              </a:rPr>
+              <a:t>liệu</a:t>
+            </a:r>
+            <a:r>
+              <a:rPr lang="en-US" dirty="0">
+                <a:latin typeface="UVN Bai Sau Nhe" panose="04030405020802020C03" pitchFamily="82" charset="0"/>
+              </a:rPr>
+              <a:t> </a:t>
+            </a:r>
+            <a:r>
+              <a:rPr lang="en-US" dirty="0" err="1">
+                <a:latin typeface="UVN Bai Sau Nhe" panose="04030405020802020C03" pitchFamily="82" charset="0"/>
+              </a:rPr>
+              <a:t>trong</a:t>
+            </a:r>
+            <a:r>
+              <a:rPr lang="en-US" dirty="0">
+                <a:latin typeface="UVN Bai Sau Nhe" panose="04030405020802020C03" pitchFamily="82" charset="0"/>
+              </a:rPr>
+              <a:t> 3 </a:t>
+            </a:r>
+            <a:r>
+              <a:rPr lang="en-US" dirty="0" err="1">
+                <a:latin typeface="UVN Bai Sau Nhe" panose="04030405020802020C03" pitchFamily="82" charset="0"/>
+              </a:rPr>
+              <a:t>ngày</a:t>
+            </a:r>
+            <a:endParaRPr lang="en-US" dirty="0">
+              <a:latin typeface="UVN Bai Sau Nhe" panose="04030405020802020C03" pitchFamily="82" charset="0"/>
+            </a:endParaRPr>
+          </a:p>
+          <a:p>
+            <a:pPr lvl="1"/>
+            <a:r>
+              <a:rPr lang="en-US" dirty="0" err="1">
+                <a:latin typeface="UVN Bai Sau Nhe" panose="04030405020802020C03" pitchFamily="82" charset="0"/>
+              </a:rPr>
+              <a:t>Tổng</a:t>
+            </a:r>
+            <a:r>
+              <a:rPr lang="en-US" dirty="0">
+                <a:latin typeface="UVN Bai Sau Nhe" panose="04030405020802020C03" pitchFamily="82" charset="0"/>
+              </a:rPr>
+              <a:t> </a:t>
+            </a:r>
+            <a:r>
+              <a:rPr lang="en-US" dirty="0" err="1">
+                <a:latin typeface="UVN Bai Sau Nhe" panose="04030405020802020C03" pitchFamily="82" charset="0"/>
+              </a:rPr>
+              <a:t>số</a:t>
+            </a:r>
+            <a:r>
+              <a:rPr lang="en-US" dirty="0">
+                <a:latin typeface="UVN Bai Sau Nhe" panose="04030405020802020C03" pitchFamily="82" charset="0"/>
+              </a:rPr>
+              <a:t> </a:t>
+            </a:r>
+            <a:r>
+              <a:rPr lang="en-US" dirty="0" err="1">
+                <a:latin typeface="UVN Bai Sau Nhe" panose="04030405020802020C03" pitchFamily="82" charset="0"/>
+              </a:rPr>
+              <a:t>dòng</a:t>
+            </a:r>
+            <a:r>
+              <a:rPr lang="en-US" dirty="0">
+                <a:latin typeface="UVN Bai Sau Nhe" panose="04030405020802020C03" pitchFamily="82" charset="0"/>
+              </a:rPr>
+              <a:t>: 5287 </a:t>
+            </a:r>
+            <a:r>
+              <a:rPr lang="en-US" dirty="0" err="1">
+                <a:latin typeface="UVN Bai Sau Nhe" panose="04030405020802020C03" pitchFamily="82" charset="0"/>
+              </a:rPr>
+              <a:t>dòng</a:t>
+            </a:r>
+            <a:endParaRPr lang="en-US" dirty="0">
+              <a:latin typeface="UVN Bai Sau Nhe" panose="04030405020802020C03" pitchFamily="82" charset="0"/>
+            </a:endParaRPr>
           </a:p>
         </p:txBody>
       </p:sp>
@@ -8484,6 +8628,144 @@
           <a:bodyPr/>
           <a:lstStyle/>
           <a:p>
+            <a:r>
+              <a:rPr lang="en-US" dirty="0" err="1">
+                <a:latin typeface="UVN Bai Sau Nhe" panose="04030405020802020C03" pitchFamily="82" charset="0"/>
+              </a:rPr>
+              <a:t>Nhóm</a:t>
+            </a:r>
+            <a:r>
+              <a:rPr lang="en-US" dirty="0">
+                <a:latin typeface="UVN Bai Sau Nhe" panose="04030405020802020C03" pitchFamily="82" charset="0"/>
+              </a:rPr>
+              <a:t> </a:t>
+            </a:r>
+            <a:r>
+              <a:rPr lang="en-US" dirty="0" err="1">
+                <a:latin typeface="UVN Bai Sau Nhe" panose="04030405020802020C03" pitchFamily="82" charset="0"/>
+              </a:rPr>
+              <a:t>đánh</a:t>
+            </a:r>
+            <a:r>
+              <a:rPr lang="en-US" dirty="0">
+                <a:latin typeface="UVN Bai Sau Nhe" panose="04030405020802020C03" pitchFamily="82" charset="0"/>
+              </a:rPr>
+              <a:t> </a:t>
+            </a:r>
+            <a:r>
+              <a:rPr lang="en-US" dirty="0" err="1">
+                <a:latin typeface="UVN Bai Sau Nhe" panose="04030405020802020C03" pitchFamily="82" charset="0"/>
+              </a:rPr>
+              <a:t>giá</a:t>
+            </a:r>
+            <a:r>
+              <a:rPr lang="en-US" dirty="0">
+                <a:latin typeface="UVN Bai Sau Nhe" panose="04030405020802020C03" pitchFamily="82" charset="0"/>
+              </a:rPr>
+              <a:t> </a:t>
+            </a:r>
+            <a:r>
+              <a:rPr lang="en-US" dirty="0" err="1">
+                <a:latin typeface="UVN Bai Sau Nhe" panose="04030405020802020C03" pitchFamily="82" charset="0"/>
+              </a:rPr>
+              <a:t>một</a:t>
+            </a:r>
+            <a:r>
+              <a:rPr lang="en-US" dirty="0">
+                <a:latin typeface="UVN Bai Sau Nhe" panose="04030405020802020C03" pitchFamily="82" charset="0"/>
+              </a:rPr>
+              <a:t> </a:t>
+            </a:r>
+            <a:r>
+              <a:rPr lang="en-US" dirty="0" err="1">
+                <a:latin typeface="UVN Bai Sau Nhe" panose="04030405020802020C03" pitchFamily="82" charset="0"/>
+              </a:rPr>
+              <a:t>số</a:t>
+            </a:r>
+            <a:r>
+              <a:rPr lang="en-US" dirty="0">
+                <a:latin typeface="UVN Bai Sau Nhe" panose="04030405020802020C03" pitchFamily="82" charset="0"/>
+              </a:rPr>
+              <a:t> </a:t>
+            </a:r>
+            <a:r>
+              <a:rPr lang="en-US" dirty="0" err="1">
+                <a:latin typeface="UVN Bai Sau Nhe" panose="04030405020802020C03" pitchFamily="82" charset="0"/>
+              </a:rPr>
+              <a:t>thuộc</a:t>
+            </a:r>
+            <a:r>
+              <a:rPr lang="en-US" dirty="0">
+                <a:latin typeface="UVN Bai Sau Nhe" panose="04030405020802020C03" pitchFamily="82" charset="0"/>
+              </a:rPr>
+              <a:t> </a:t>
+            </a:r>
+            <a:r>
+              <a:rPr lang="en-US" dirty="0" err="1">
+                <a:latin typeface="UVN Bai Sau Nhe" panose="04030405020802020C03" pitchFamily="82" charset="0"/>
+              </a:rPr>
+              <a:t>tính</a:t>
+            </a:r>
+            <a:r>
+              <a:rPr lang="en-US" dirty="0">
+                <a:latin typeface="UVN Bai Sau Nhe" panose="04030405020802020C03" pitchFamily="82" charset="0"/>
+              </a:rPr>
+              <a:t> </a:t>
+            </a:r>
+            <a:r>
+              <a:rPr lang="en-US" dirty="0" err="1">
+                <a:latin typeface="UVN Bai Sau Nhe" panose="04030405020802020C03" pitchFamily="82" charset="0"/>
+              </a:rPr>
+              <a:t>liên</a:t>
+            </a:r>
+            <a:r>
+              <a:rPr lang="en-US" dirty="0">
+                <a:latin typeface="UVN Bai Sau Nhe" panose="04030405020802020C03" pitchFamily="82" charset="0"/>
+              </a:rPr>
+              <a:t> </a:t>
+            </a:r>
+            <a:r>
+              <a:rPr lang="en-US" dirty="0" err="1">
+                <a:latin typeface="UVN Bai Sau Nhe" panose="04030405020802020C03" pitchFamily="82" charset="0"/>
+              </a:rPr>
+              <a:t>hệ</a:t>
+            </a:r>
+            <a:r>
+              <a:rPr lang="en-US" dirty="0">
+                <a:latin typeface="UVN Bai Sau Nhe" panose="04030405020802020C03" pitchFamily="82" charset="0"/>
+              </a:rPr>
+              <a:t> </a:t>
+            </a:r>
+            <a:r>
+              <a:rPr lang="en-US" dirty="0" err="1">
+                <a:latin typeface="UVN Bai Sau Nhe" panose="04030405020802020C03" pitchFamily="82" charset="0"/>
+              </a:rPr>
+              <a:t>với</a:t>
+            </a:r>
+            <a:r>
+              <a:rPr lang="en-US" dirty="0">
+                <a:latin typeface="UVN Bai Sau Nhe" panose="04030405020802020C03" pitchFamily="82" charset="0"/>
+              </a:rPr>
+              <a:t> </a:t>
+            </a:r>
+            <a:r>
+              <a:rPr lang="en-US" dirty="0" err="1">
+                <a:latin typeface="UVN Bai Sau Nhe" panose="04030405020802020C03" pitchFamily="82" charset="0"/>
+              </a:rPr>
+              <a:t>giá</a:t>
+            </a:r>
+            <a:r>
+              <a:rPr lang="en-US" dirty="0">
+                <a:latin typeface="UVN Bai Sau Nhe" panose="04030405020802020C03" pitchFamily="82" charset="0"/>
+              </a:rPr>
+              <a:t> </a:t>
+            </a:r>
+            <a:r>
+              <a:rPr lang="en-US" dirty="0" err="1">
+                <a:latin typeface="UVN Bai Sau Nhe" panose="04030405020802020C03" pitchFamily="82" charset="0"/>
+              </a:rPr>
+              <a:t>phòng</a:t>
+            </a:r>
             <a:endParaRPr lang="en-US" dirty="0">
               <a:latin typeface="UVN Bai Sau Nhe" panose="04030405020802020C03" pitchFamily="82" charset="0"/>
             </a:endParaRPr>
@@ -8522,7 +8804,7 @@
     </p:spTree>
     <p:extLst>
       <p:ext uri="{BB962C8B-B14F-4D97-AF65-F5344CB8AC3E}">
-        <p14:creationId xmlns:p14="http://schemas.microsoft.com/office/powerpoint/2010/main" val="3005106011"/>
+        <p14:creationId xmlns:p14="http://schemas.microsoft.com/office/powerpoint/2010/main" val="3302452628"/>
       </p:ext>
     </p:extLst>
   </p:cSld>
@@ -8567,33 +8849,375 @@
         </p:nvSpPr>
         <p:spPr/>
         <p:txBody>
-          <a:bodyPr/>
+          <a:bodyPr>
+            <a:normAutofit fontScale="90000"/>
+          </a:bodyPr>
           <a:lstStyle/>
           <a:p>
-            <a:r>
-              <a:rPr lang="en-US" dirty="0" err="1">
-                <a:solidFill>
-                  <a:schemeClr val="accent1">
-                    <a:lumMod val="75000"/>
-                  </a:schemeClr>
-                </a:solidFill>
-                <a:latin typeface="UVN Bai Sau Nhe" panose="04030405020802020C03" pitchFamily="82" charset="0"/>
-              </a:rPr>
-              <a:t>Phân</a:t>
-            </a:r>
-            <a:r>
-              <a:rPr lang="en-US" dirty="0">
-                <a:solidFill>
-                  <a:schemeClr val="accent1">
-                    <a:lumMod val="75000"/>
-                  </a:schemeClr>
-                </a:solidFill>
-                <a:latin typeface="UVN Bai Sau Nhe" panose="04030405020802020C03" pitchFamily="82" charset="0"/>
-              </a:rPr>
-              <a:t> </a:t>
-            </a:r>
-            <a:r>
-              <a:rPr lang="en-US" dirty="0" err="1">
+            <a:br>
+              <a:rPr lang="en-US" dirty="0">
+                <a:solidFill>
+                  <a:schemeClr val="accent1">
+                    <a:lumMod val="75000"/>
+                  </a:schemeClr>
+                </a:solidFill>
+                <a:latin typeface="UVN Bai Sau Nhe" panose="04030405020802020C03" pitchFamily="82" charset="0"/>
+              </a:rPr>
+            </a:br>
+            <a:r>
+              <a:rPr lang="vi-VN" dirty="0" err="1">
+                <a:solidFill>
+                  <a:schemeClr val="accent1">
+                    <a:lumMod val="75000"/>
+                  </a:schemeClr>
+                </a:solidFill>
+                <a:latin typeface="UVN Bai Sau Nhe" panose="04030405020802020C03" pitchFamily="82" charset="0"/>
+              </a:rPr>
+              <a:t>Khám</a:t>
+            </a:r>
+            <a:r>
+              <a:rPr lang="vi-VN" dirty="0">
+                <a:solidFill>
+                  <a:schemeClr val="accent1">
+                    <a:lumMod val="75000"/>
+                  </a:schemeClr>
+                </a:solidFill>
+                <a:latin typeface="UVN Bai Sau Nhe" panose="04030405020802020C03" pitchFamily="82" charset="0"/>
+              </a:rPr>
+              <a:t> </a:t>
+            </a:r>
+            <a:r>
+              <a:rPr lang="vi-VN" dirty="0" err="1">
+                <a:solidFill>
+                  <a:schemeClr val="accent1">
+                    <a:lumMod val="75000"/>
+                  </a:schemeClr>
+                </a:solidFill>
+                <a:latin typeface="UVN Bai Sau Nhe" panose="04030405020802020C03" pitchFamily="82" charset="0"/>
+              </a:rPr>
+              <a:t>phá</a:t>
+            </a:r>
+            <a:r>
+              <a:rPr lang="vi-VN" dirty="0">
+                <a:solidFill>
+                  <a:schemeClr val="accent1">
+                    <a:lumMod val="75000"/>
+                  </a:schemeClr>
+                </a:solidFill>
+                <a:latin typeface="UVN Bai Sau Nhe" panose="04030405020802020C03" pitchFamily="82" charset="0"/>
+              </a:rPr>
+              <a:t> </a:t>
+            </a:r>
+            <a:r>
+              <a:rPr lang="vi-VN" dirty="0" err="1">
+                <a:solidFill>
+                  <a:schemeClr val="accent1">
+                    <a:lumMod val="75000"/>
+                  </a:schemeClr>
+                </a:solidFill>
+                <a:latin typeface="UVN Bai Sau Nhe" panose="04030405020802020C03" pitchFamily="82" charset="0"/>
+              </a:rPr>
+              <a:t>dữ</a:t>
+            </a:r>
+            <a:r>
+              <a:rPr lang="vi-VN" dirty="0">
+                <a:solidFill>
+                  <a:schemeClr val="accent1">
+                    <a:lumMod val="75000"/>
+                  </a:schemeClr>
+                </a:solidFill>
+                <a:latin typeface="UVN Bai Sau Nhe" panose="04030405020802020C03" pitchFamily="82" charset="0"/>
+              </a:rPr>
+              <a:t> </a:t>
+            </a:r>
+            <a:r>
+              <a:rPr lang="vi-VN" dirty="0" err="1">
+                <a:solidFill>
+                  <a:schemeClr val="accent1">
+                    <a:lumMod val="75000"/>
+                  </a:schemeClr>
+                </a:solidFill>
+                <a:latin typeface="UVN Bai Sau Nhe" panose="04030405020802020C03" pitchFamily="82" charset="0"/>
+              </a:rPr>
+              <a:t>liệu</a:t>
+            </a:r>
+            <a:r>
+              <a:rPr lang="vi-VN" dirty="0">
+                <a:solidFill>
+                  <a:schemeClr val="accent1">
+                    <a:lumMod val="75000"/>
+                  </a:schemeClr>
+                </a:solidFill>
+                <a:latin typeface="UVN Bai Sau Nhe" panose="04030405020802020C03" pitchFamily="82" charset="0"/>
+              </a:rPr>
+              <a:t> </a:t>
+            </a:r>
+            <a:r>
+              <a:rPr lang="vi-VN" dirty="0" err="1">
+                <a:solidFill>
+                  <a:schemeClr val="accent1">
+                    <a:lumMod val="75000"/>
+                  </a:schemeClr>
+                </a:solidFill>
+                <a:latin typeface="UVN Bai Sau Nhe" panose="04030405020802020C03" pitchFamily="82" charset="0"/>
+              </a:rPr>
+              <a:t>và</a:t>
+            </a:r>
+            <a:r>
+              <a:rPr lang="vi-VN" dirty="0">
+                <a:solidFill>
+                  <a:schemeClr val="accent1">
+                    <a:lumMod val="75000"/>
+                  </a:schemeClr>
+                </a:solidFill>
+                <a:latin typeface="UVN Bai Sau Nhe" panose="04030405020802020C03" pitchFamily="82" charset="0"/>
+              </a:rPr>
+              <a:t> </a:t>
+            </a:r>
+            <a:r>
+              <a:rPr lang="vi-VN" dirty="0" err="1">
+                <a:solidFill>
+                  <a:schemeClr val="accent1">
+                    <a:lumMod val="75000"/>
+                  </a:schemeClr>
+                </a:solidFill>
+                <a:latin typeface="UVN Bai Sau Nhe" panose="04030405020802020C03" pitchFamily="82" charset="0"/>
+              </a:rPr>
+              <a:t>tiền</a:t>
+            </a:r>
+            <a:r>
+              <a:rPr lang="vi-VN" dirty="0">
+                <a:solidFill>
+                  <a:schemeClr val="accent1">
+                    <a:lumMod val="75000"/>
+                  </a:schemeClr>
+                </a:solidFill>
+                <a:latin typeface="UVN Bai Sau Nhe" panose="04030405020802020C03" pitchFamily="82" charset="0"/>
+              </a:rPr>
+              <a:t> </a:t>
+            </a:r>
+            <a:r>
+              <a:rPr lang="vi-VN" dirty="0" err="1">
+                <a:solidFill>
+                  <a:schemeClr val="accent1">
+                    <a:lumMod val="75000"/>
+                  </a:schemeClr>
+                </a:solidFill>
+                <a:latin typeface="UVN Bai Sau Nhe" panose="04030405020802020C03" pitchFamily="82" charset="0"/>
+              </a:rPr>
+              <a:t>xử</a:t>
+            </a:r>
+            <a:r>
+              <a:rPr lang="vi-VN" dirty="0">
+                <a:solidFill>
+                  <a:schemeClr val="accent1">
+                    <a:lumMod val="75000"/>
+                  </a:schemeClr>
+                </a:solidFill>
+                <a:latin typeface="UVN Bai Sau Nhe" panose="04030405020802020C03" pitchFamily="82" charset="0"/>
+              </a:rPr>
+              <a:t> </a:t>
+            </a:r>
+            <a:r>
+              <a:rPr lang="vi-VN" dirty="0" err="1">
+                <a:solidFill>
+                  <a:schemeClr val="accent1">
+                    <a:lumMod val="75000"/>
+                  </a:schemeClr>
+                </a:solidFill>
+                <a:latin typeface="UVN Bai Sau Nhe" panose="04030405020802020C03" pitchFamily="82" charset="0"/>
+              </a:rPr>
+              <a:t>lí</a:t>
+            </a:r>
+            <a:r>
+              <a:rPr lang="vi-VN" dirty="0">
+                <a:solidFill>
+                  <a:schemeClr val="accent1">
+                    <a:lumMod val="75000"/>
+                  </a:schemeClr>
+                </a:solidFill>
+                <a:latin typeface="UVN Bai Sau Nhe" panose="04030405020802020C03" pitchFamily="82" charset="0"/>
+              </a:rPr>
+              <a:t> </a:t>
+            </a:r>
+            <a:r>
+              <a:rPr lang="vi-VN" dirty="0" err="1">
+                <a:solidFill>
+                  <a:schemeClr val="accent1">
+                    <a:lumMod val="75000"/>
+                  </a:schemeClr>
+                </a:solidFill>
+                <a:latin typeface="UVN Bai Sau Nhe" panose="04030405020802020C03" pitchFamily="82" charset="0"/>
+              </a:rPr>
+              <a:t>để</a:t>
+            </a:r>
+            <a:r>
+              <a:rPr lang="vi-VN" dirty="0">
+                <a:solidFill>
+                  <a:schemeClr val="accent1">
+                    <a:lumMod val="75000"/>
+                  </a:schemeClr>
+                </a:solidFill>
+                <a:latin typeface="UVN Bai Sau Nhe" panose="04030405020802020C03" pitchFamily="82" charset="0"/>
+              </a:rPr>
+              <a:t> </a:t>
+            </a:r>
+            <a:r>
+              <a:rPr lang="vi-VN" dirty="0" err="1">
+                <a:solidFill>
+                  <a:schemeClr val="accent1">
+                    <a:lumMod val="75000"/>
+                  </a:schemeClr>
+                </a:solidFill>
+                <a:latin typeface="UVN Bai Sau Nhe" panose="04030405020802020C03" pitchFamily="82" charset="0"/>
+              </a:rPr>
+              <a:t>có</a:t>
+            </a:r>
+            <a:r>
+              <a:rPr lang="vi-VN" dirty="0">
+                <a:solidFill>
+                  <a:schemeClr val="accent1">
+                    <a:lumMod val="75000"/>
+                  </a:schemeClr>
+                </a:solidFill>
+                <a:latin typeface="UVN Bai Sau Nhe" panose="04030405020802020C03" pitchFamily="82" charset="0"/>
+              </a:rPr>
+              <a:t> </a:t>
+            </a:r>
+            <a:r>
+              <a:rPr lang="vi-VN" dirty="0" err="1">
+                <a:solidFill>
+                  <a:schemeClr val="accent1">
+                    <a:lumMod val="75000"/>
+                  </a:schemeClr>
+                </a:solidFill>
+                <a:latin typeface="UVN Bai Sau Nhe" panose="04030405020802020C03" pitchFamily="82" charset="0"/>
+              </a:rPr>
+              <a:t>được</a:t>
+            </a:r>
+            <a:r>
+              <a:rPr lang="vi-VN" dirty="0">
+                <a:solidFill>
+                  <a:schemeClr val="accent1">
+                    <a:lumMod val="75000"/>
+                  </a:schemeClr>
+                </a:solidFill>
+                <a:latin typeface="UVN Bai Sau Nhe" panose="04030405020802020C03" pitchFamily="82" charset="0"/>
+              </a:rPr>
+              <a:t> </a:t>
+            </a:r>
+            <a:r>
+              <a:rPr lang="vi-VN" dirty="0" err="1">
+                <a:solidFill>
+                  <a:schemeClr val="accent1">
+                    <a:lumMod val="75000"/>
+                  </a:schemeClr>
+                </a:solidFill>
+                <a:latin typeface="UVN Bai Sau Nhe" panose="04030405020802020C03" pitchFamily="82" charset="0"/>
+              </a:rPr>
+              <a:t>dữ</a:t>
+            </a:r>
+            <a:r>
+              <a:rPr lang="vi-VN" dirty="0">
+                <a:solidFill>
+                  <a:schemeClr val="accent1">
+                    <a:lumMod val="75000"/>
+                  </a:schemeClr>
+                </a:solidFill>
+                <a:latin typeface="UVN Bai Sau Nhe" panose="04030405020802020C03" pitchFamily="82" charset="0"/>
+              </a:rPr>
+              <a:t> </a:t>
+            </a:r>
+            <a:r>
+              <a:rPr lang="vi-VN" dirty="0" err="1">
+                <a:solidFill>
+                  <a:schemeClr val="accent1">
+                    <a:lumMod val="75000"/>
+                  </a:schemeClr>
+                </a:solidFill>
+                <a:latin typeface="UVN Bai Sau Nhe" panose="04030405020802020C03" pitchFamily="82" charset="0"/>
+              </a:rPr>
+              <a:t>liệu</a:t>
+            </a:r>
+            <a:r>
+              <a:rPr lang="vi-VN" dirty="0">
+                <a:solidFill>
+                  <a:schemeClr val="accent1">
+                    <a:lumMod val="75000"/>
+                  </a:schemeClr>
+                </a:solidFill>
+                <a:latin typeface="UVN Bai Sau Nhe" panose="04030405020802020C03" pitchFamily="82" charset="0"/>
+              </a:rPr>
+              <a:t> </a:t>
+            </a:r>
+            <a:r>
+              <a:rPr lang="vi-VN" dirty="0" err="1">
+                <a:solidFill>
+                  <a:schemeClr val="accent1">
+                    <a:lumMod val="75000"/>
+                  </a:schemeClr>
+                </a:solidFill>
+                <a:latin typeface="UVN Bai Sau Nhe" panose="04030405020802020C03" pitchFamily="82" charset="0"/>
+              </a:rPr>
+              <a:t>mà</a:t>
+            </a:r>
+            <a:r>
+              <a:rPr lang="vi-VN" dirty="0">
+                <a:solidFill>
+                  <a:schemeClr val="accent1">
+                    <a:lumMod val="75000"/>
+                  </a:schemeClr>
+                </a:solidFill>
+                <a:latin typeface="UVN Bai Sau Nhe" panose="04030405020802020C03" pitchFamily="82" charset="0"/>
+              </a:rPr>
+              <a:t> </a:t>
+            </a:r>
+            <a:r>
+              <a:rPr lang="vi-VN" dirty="0" err="1">
+                <a:solidFill>
+                  <a:schemeClr val="accent1">
+                    <a:lumMod val="75000"/>
+                  </a:schemeClr>
+                </a:solidFill>
+                <a:latin typeface="UVN Bai Sau Nhe" panose="04030405020802020C03" pitchFamily="82" charset="0"/>
+              </a:rPr>
+              <a:t>có</a:t>
+            </a:r>
+            <a:r>
+              <a:rPr lang="vi-VN" dirty="0">
+                <a:solidFill>
+                  <a:schemeClr val="accent1">
+                    <a:lumMod val="75000"/>
+                  </a:schemeClr>
+                </a:solidFill>
+                <a:latin typeface="UVN Bai Sau Nhe" panose="04030405020802020C03" pitchFamily="82" charset="0"/>
+              </a:rPr>
+              <a:t> </a:t>
+            </a:r>
+            <a:r>
+              <a:rPr lang="vi-VN" dirty="0" err="1">
+                <a:solidFill>
+                  <a:schemeClr val="accent1">
+                    <a:lumMod val="75000"/>
+                  </a:schemeClr>
+                </a:solidFill>
+                <a:latin typeface="UVN Bai Sau Nhe" panose="04030405020802020C03" pitchFamily="82" charset="0"/>
+              </a:rPr>
+              <a:t>thể</a:t>
+            </a:r>
+            <a:r>
+              <a:rPr lang="vi-VN" dirty="0">
+                <a:solidFill>
+                  <a:schemeClr val="accent1">
+                    <a:lumMod val="75000"/>
+                  </a:schemeClr>
+                </a:solidFill>
+                <a:latin typeface="UVN Bai Sau Nhe" panose="04030405020802020C03" pitchFamily="82" charset="0"/>
+              </a:rPr>
+              <a:t> phân </a:t>
+            </a:r>
+            <a:r>
+              <a:rPr lang="vi-VN" dirty="0" err="1">
                 <a:solidFill>
                   <a:schemeClr val="accent1">
                     <a:lumMod val="75000"/>
@@ -8604,137 +9228,37 @@
               <a:t>tích</a:t>
             </a:r>
             <a:r>
-              <a:rPr lang="en-US" dirty="0">
-                <a:solidFill>
-                  <a:schemeClr val="accent1">
-                    <a:lumMod val="75000"/>
-                  </a:schemeClr>
-                </a:solidFill>
-                <a:latin typeface="UVN Bai Sau Nhe" panose="04030405020802020C03" pitchFamily="82" charset="0"/>
-              </a:rPr>
-              <a:t> </a:t>
-            </a:r>
-            <a:r>
-              <a:rPr lang="en-US" dirty="0" err="1">
-                <a:solidFill>
-                  <a:schemeClr val="accent1">
-                    <a:lumMod val="75000"/>
-                  </a:schemeClr>
-                </a:solidFill>
-                <a:latin typeface="UVN Bai Sau Nhe" panose="04030405020802020C03" pitchFamily="82" charset="0"/>
-              </a:rPr>
-              <a:t>và</a:t>
-            </a:r>
-            <a:r>
-              <a:rPr lang="en-US" dirty="0">
-                <a:solidFill>
-                  <a:schemeClr val="accent1">
-                    <a:lumMod val="75000"/>
-                  </a:schemeClr>
-                </a:solidFill>
-                <a:latin typeface="UVN Bai Sau Nhe" panose="04030405020802020C03" pitchFamily="82" charset="0"/>
-              </a:rPr>
-              <a:t> </a:t>
-            </a:r>
-            <a:r>
-              <a:rPr lang="en-US" dirty="0" err="1">
-                <a:solidFill>
-                  <a:schemeClr val="accent1">
-                    <a:lumMod val="75000"/>
-                  </a:schemeClr>
-                </a:solidFill>
-                <a:latin typeface="UVN Bai Sau Nhe" panose="04030405020802020C03" pitchFamily="82" charset="0"/>
-              </a:rPr>
-              <a:t>mô</a:t>
-            </a:r>
-            <a:r>
-              <a:rPr lang="en-US" dirty="0">
-                <a:solidFill>
-                  <a:schemeClr val="accent1">
-                    <a:lumMod val="75000"/>
-                  </a:schemeClr>
-                </a:solidFill>
-                <a:latin typeface="UVN Bai Sau Nhe" panose="04030405020802020C03" pitchFamily="82" charset="0"/>
-              </a:rPr>
-              <a:t> </a:t>
-            </a:r>
-            <a:r>
-              <a:rPr lang="en-US" dirty="0" err="1">
-                <a:solidFill>
-                  <a:schemeClr val="accent1">
-                    <a:lumMod val="75000"/>
-                  </a:schemeClr>
-                </a:solidFill>
-                <a:latin typeface="UVN Bai Sau Nhe" panose="04030405020802020C03" pitchFamily="82" charset="0"/>
-              </a:rPr>
-              <a:t>hình</a:t>
-            </a:r>
-            <a:r>
-              <a:rPr lang="en-US" dirty="0">
-                <a:solidFill>
-                  <a:schemeClr val="accent1">
-                    <a:lumMod val="75000"/>
-                  </a:schemeClr>
-                </a:solidFill>
-                <a:latin typeface="UVN Bai Sau Nhe" panose="04030405020802020C03" pitchFamily="82" charset="0"/>
-              </a:rPr>
-              <a:t> </a:t>
-            </a:r>
-            <a:r>
-              <a:rPr lang="en-US" dirty="0" err="1">
-                <a:solidFill>
-                  <a:schemeClr val="accent1">
-                    <a:lumMod val="75000"/>
-                  </a:schemeClr>
-                </a:solidFill>
-                <a:latin typeface="UVN Bai Sau Nhe" panose="04030405020802020C03" pitchFamily="82" charset="0"/>
-              </a:rPr>
-              <a:t>hóa</a:t>
-            </a:r>
-            <a:r>
-              <a:rPr lang="en-US" dirty="0">
-                <a:solidFill>
-                  <a:schemeClr val="accent1">
-                    <a:lumMod val="75000"/>
-                  </a:schemeClr>
-                </a:solidFill>
-                <a:latin typeface="UVN Bai Sau Nhe" panose="04030405020802020C03" pitchFamily="82" charset="0"/>
-              </a:rPr>
-              <a:t> </a:t>
-            </a:r>
-            <a:r>
-              <a:rPr lang="en-US" dirty="0" err="1">
-                <a:solidFill>
-                  <a:schemeClr val="accent1">
-                    <a:lumMod val="75000"/>
-                  </a:schemeClr>
-                </a:solidFill>
-                <a:latin typeface="UVN Bai Sau Nhe" panose="04030405020802020C03" pitchFamily="82" charset="0"/>
-              </a:rPr>
-              <a:t>dữ</a:t>
-            </a:r>
-            <a:r>
-              <a:rPr lang="en-US" dirty="0">
-                <a:solidFill>
-                  <a:schemeClr val="accent1">
-                    <a:lumMod val="75000"/>
-                  </a:schemeClr>
-                </a:solidFill>
-                <a:latin typeface="UVN Bai Sau Nhe" panose="04030405020802020C03" pitchFamily="82" charset="0"/>
-              </a:rPr>
-              <a:t> </a:t>
-            </a:r>
-            <a:r>
-              <a:rPr lang="en-US" dirty="0" err="1">
-                <a:solidFill>
-                  <a:schemeClr val="accent1">
-                    <a:lumMod val="75000"/>
-                  </a:schemeClr>
-                </a:solidFill>
-                <a:latin typeface="UVN Bai Sau Nhe" panose="04030405020802020C03" pitchFamily="82" charset="0"/>
-              </a:rPr>
-              <a:t>liệu</a:t>
-            </a:r>
+              <a:rPr lang="vi-VN" dirty="0">
+                <a:solidFill>
+                  <a:schemeClr val="accent1">
+                    <a:lumMod val="75000"/>
+                  </a:schemeClr>
+                </a:solidFill>
+                <a:latin typeface="UVN Bai Sau Nhe" panose="04030405020802020C03" pitchFamily="82" charset="0"/>
+              </a:rPr>
+              <a:t> </a:t>
+            </a:r>
+            <a:r>
+              <a:rPr lang="vi-VN" dirty="0" err="1">
+                <a:solidFill>
+                  <a:schemeClr val="accent1">
+                    <a:lumMod val="75000"/>
+                  </a:schemeClr>
+                </a:solidFill>
+                <a:latin typeface="UVN Bai Sau Nhe" panose="04030405020802020C03" pitchFamily="82" charset="0"/>
+              </a:rPr>
+              <a:t>được</a:t>
+            </a:r>
+            <a:br>
+              <a:rPr lang="vi-VN" dirty="0">
+                <a:solidFill>
+                  <a:schemeClr val="accent1">
+                    <a:lumMod val="75000"/>
+                  </a:schemeClr>
+                </a:solidFill>
+                <a:latin typeface="UVN Bai Sau Nhe" panose="04030405020802020C03" pitchFamily="82" charset="0"/>
+              </a:rPr>
+            </a:br>
             <a:endParaRPr lang="en-US" dirty="0">
               <a:solidFill>
                 <a:schemeClr val="accent1">
@@ -8767,9 +9291,12 @@
           <a:bodyPr/>
           <a:lstStyle/>
           <a:p>
-            <a:endParaRPr lang="en-US" dirty="0">
-              <a:latin typeface="UVN Bai Sau Nhe" panose="04030405020802020C03" pitchFamily="82" charset="0"/>
-            </a:endParaRPr>
+            <a:r>
+              <a:rPr lang="en-US" dirty="0">
+                <a:latin typeface="UVN Bai Sau Nhe" panose="04030405020802020C03" pitchFamily="82" charset="0"/>
+              </a:rPr>
+              <a:t>star - price</a:t>
+            </a:r>
           </a:p>
         </p:txBody>
       </p:sp>
@@ -8778,7 +9305,7 @@
           <p:cNvPr id="4" name="Chỗ dành sẵn cho Số hiệu Bản chiếu 3">
             <a:extLst>
               <a:ext uri="{FF2B5EF4-FFF2-40B4-BE49-F238E27FC236}">
-                <a16:creationId xmlns:a16="http://schemas.microsoft.com/office/drawing/2014/main" id="{D17D921C-2EF5-40A8-8F6E-F3F279A34F85}"/>
+                <a16:creationId xmlns:a16="http://schemas.microsoft.com/office/drawing/2014/main" id="{C9EE6B47-9E90-4C3D-86CD-99A2F0300918}"/>
               </a:ext>
             </a:extLst>
           </p:cNvPr>
@@ -8802,10 +9329,40 @@
           </a:p>
         </p:txBody>
       </p:sp>
+      <p:pic>
+        <p:nvPicPr>
+          <p:cNvPr id="5" name="Picture 4">
+            <a:extLst>
+              <a:ext uri="{FF2B5EF4-FFF2-40B4-BE49-F238E27FC236}">
+                <a16:creationId xmlns:a16="http://schemas.microsoft.com/office/drawing/2014/main" id="{457F7FE9-DEF7-4C88-B8E4-FEE058B4187D}"/>
+              </a:ext>
+            </a:extLst>
+          </p:cNvPr>
+          <p:cNvPicPr>
+            <a:picLocks noChangeAspect="1"/>
+          </p:cNvPicPr>
+          <p:nvPr/>
+        </p:nvPicPr>
+        <p:blipFill>
+          <a:blip r:embed="rId2"/>
+          <a:stretch>
+            <a:fillRect/>
+          </a:stretch>
+        </p:blipFill>
+        <p:spPr>
+          <a:xfrm>
+            <a:off x="2385392" y="2201299"/>
+            <a:ext cx="7036904" cy="4520176"/>
+          </a:xfrm>
+          <a:prstGeom prst="rect">
+            <a:avLst/>
+          </a:prstGeom>
+        </p:spPr>
+      </p:pic>
     </p:spTree>
     <p:extLst>
       <p:ext uri="{BB962C8B-B14F-4D97-AF65-F5344CB8AC3E}">
-        <p14:creationId xmlns:p14="http://schemas.microsoft.com/office/powerpoint/2010/main" val="185957236"/>
+        <p14:creationId xmlns:p14="http://schemas.microsoft.com/office/powerpoint/2010/main" val="3005106011"/>
       </p:ext>
     </p:extLst>
   </p:cSld>
@@ -8850,86 +9407,416 @@
         </p:nvSpPr>
         <p:spPr/>
         <p:txBody>
-          <a:bodyPr/>
+          <a:bodyPr>
+            <a:normAutofit fontScale="90000"/>
+          </a:bodyPr>
           <a:lstStyle/>
           <a:p>
-            <a:r>
-              <a:rPr lang="en-US" dirty="0" err="1">
-                <a:solidFill>
-                  <a:schemeClr val="accent1">
-                    <a:lumMod val="75000"/>
-                  </a:schemeClr>
-                </a:solidFill>
-                <a:latin typeface="UVN Bai Sau Nhe" panose="04030405020802020C03" pitchFamily="82" charset="0"/>
-              </a:rPr>
-              <a:t>Truyền</a:t>
-            </a:r>
-            <a:r>
-              <a:rPr lang="en-US" dirty="0">
-                <a:solidFill>
-                  <a:schemeClr val="accent1">
-                    <a:lumMod val="75000"/>
-                  </a:schemeClr>
-                </a:solidFill>
-                <a:latin typeface="UVN Bai Sau Nhe" panose="04030405020802020C03" pitchFamily="82" charset="0"/>
-              </a:rPr>
-              <a:t> </a:t>
-            </a:r>
-            <a:r>
-              <a:rPr lang="en-US" dirty="0" err="1">
-                <a:solidFill>
-                  <a:schemeClr val="accent1">
-                    <a:lumMod val="75000"/>
-                  </a:schemeClr>
-                </a:solidFill>
-                <a:latin typeface="UVN Bai Sau Nhe" panose="04030405020802020C03" pitchFamily="82" charset="0"/>
-              </a:rPr>
-              <a:t>thông</a:t>
-            </a:r>
-            <a:r>
-              <a:rPr lang="en-US" dirty="0">
-                <a:solidFill>
-                  <a:schemeClr val="accent1">
-                    <a:lumMod val="75000"/>
-                  </a:schemeClr>
-                </a:solidFill>
-                <a:latin typeface="UVN Bai Sau Nhe" panose="04030405020802020C03" pitchFamily="82" charset="0"/>
-              </a:rPr>
-              <a:t> </a:t>
-            </a:r>
-            <a:r>
-              <a:rPr lang="en-US" dirty="0" err="1">
-                <a:solidFill>
-                  <a:schemeClr val="accent1">
-                    <a:lumMod val="75000"/>
-                  </a:schemeClr>
-                </a:solidFill>
-                <a:latin typeface="UVN Bai Sau Nhe" panose="04030405020802020C03" pitchFamily="82" charset="0"/>
-              </a:rPr>
-              <a:t>kết</a:t>
-            </a:r>
-            <a:r>
-              <a:rPr lang="en-US" dirty="0">
-                <a:solidFill>
-                  <a:schemeClr val="accent1">
-                    <a:lumMod val="75000"/>
-                  </a:schemeClr>
-                </a:solidFill>
-                <a:latin typeface="UVN Bai Sau Nhe" panose="04030405020802020C03" pitchFamily="82" charset="0"/>
-              </a:rPr>
-              <a:t> </a:t>
-            </a:r>
-            <a:r>
-              <a:rPr lang="en-US" dirty="0" err="1">
-                <a:solidFill>
-                  <a:schemeClr val="accent1">
-                    <a:lumMod val="75000"/>
-                  </a:schemeClr>
-                </a:solidFill>
-                <a:latin typeface="UVN Bai Sau Nhe" panose="04030405020802020C03" pitchFamily="82" charset="0"/>
-              </a:rPr>
-              <a:t>quả</a:t>
-            </a:r>
+            <a:br>
+              <a:rPr lang="en-US" dirty="0">
+                <a:solidFill>
+                  <a:schemeClr val="accent1">
+                    <a:lumMod val="75000"/>
+                  </a:schemeClr>
+                </a:solidFill>
+                <a:latin typeface="UVN Bai Sau Nhe" panose="04030405020802020C03" pitchFamily="82" charset="0"/>
+              </a:rPr>
+            </a:br>
+            <a:r>
+              <a:rPr lang="vi-VN" dirty="0" err="1">
+                <a:solidFill>
+                  <a:schemeClr val="accent1">
+                    <a:lumMod val="75000"/>
+                  </a:schemeClr>
+                </a:solidFill>
+                <a:latin typeface="UVN Bai Sau Nhe" panose="04030405020802020C03" pitchFamily="82" charset="0"/>
+              </a:rPr>
+              <a:t>Khám</a:t>
+            </a:r>
+            <a:r>
+              <a:rPr lang="vi-VN" dirty="0">
+                <a:solidFill>
+                  <a:schemeClr val="accent1">
+                    <a:lumMod val="75000"/>
+                  </a:schemeClr>
+                </a:solidFill>
+                <a:latin typeface="UVN Bai Sau Nhe" panose="04030405020802020C03" pitchFamily="82" charset="0"/>
+              </a:rPr>
+              <a:t> </a:t>
+            </a:r>
+            <a:r>
+              <a:rPr lang="vi-VN" dirty="0" err="1">
+                <a:solidFill>
+                  <a:schemeClr val="accent1">
+                    <a:lumMod val="75000"/>
+                  </a:schemeClr>
+                </a:solidFill>
+                <a:latin typeface="UVN Bai Sau Nhe" panose="04030405020802020C03" pitchFamily="82" charset="0"/>
+              </a:rPr>
+              <a:t>phá</a:t>
+            </a:r>
+            <a:r>
+              <a:rPr lang="vi-VN" dirty="0">
+                <a:solidFill>
+                  <a:schemeClr val="accent1">
+                    <a:lumMod val="75000"/>
+                  </a:schemeClr>
+                </a:solidFill>
+                <a:latin typeface="UVN Bai Sau Nhe" panose="04030405020802020C03" pitchFamily="82" charset="0"/>
+              </a:rPr>
+              <a:t> </a:t>
+            </a:r>
+            <a:r>
+              <a:rPr lang="vi-VN" dirty="0" err="1">
+                <a:solidFill>
+                  <a:schemeClr val="accent1">
+                    <a:lumMod val="75000"/>
+                  </a:schemeClr>
+                </a:solidFill>
+                <a:latin typeface="UVN Bai Sau Nhe" panose="04030405020802020C03" pitchFamily="82" charset="0"/>
+              </a:rPr>
+              <a:t>dữ</a:t>
+            </a:r>
+            <a:r>
+              <a:rPr lang="vi-VN" dirty="0">
+                <a:solidFill>
+                  <a:schemeClr val="accent1">
+                    <a:lumMod val="75000"/>
+                  </a:schemeClr>
+                </a:solidFill>
+                <a:latin typeface="UVN Bai Sau Nhe" panose="04030405020802020C03" pitchFamily="82" charset="0"/>
+              </a:rPr>
+              <a:t> </a:t>
+            </a:r>
+            <a:r>
+              <a:rPr lang="vi-VN" dirty="0" err="1">
+                <a:solidFill>
+                  <a:schemeClr val="accent1">
+                    <a:lumMod val="75000"/>
+                  </a:schemeClr>
+                </a:solidFill>
+                <a:latin typeface="UVN Bai Sau Nhe" panose="04030405020802020C03" pitchFamily="82" charset="0"/>
+              </a:rPr>
+              <a:t>liệu</a:t>
+            </a:r>
+            <a:r>
+              <a:rPr lang="vi-VN" dirty="0">
+                <a:solidFill>
+                  <a:schemeClr val="accent1">
+                    <a:lumMod val="75000"/>
+                  </a:schemeClr>
+                </a:solidFill>
+                <a:latin typeface="UVN Bai Sau Nhe" panose="04030405020802020C03" pitchFamily="82" charset="0"/>
+              </a:rPr>
+              <a:t> </a:t>
+            </a:r>
+            <a:r>
+              <a:rPr lang="vi-VN" dirty="0" err="1">
+                <a:solidFill>
+                  <a:schemeClr val="accent1">
+                    <a:lumMod val="75000"/>
+                  </a:schemeClr>
+                </a:solidFill>
+                <a:latin typeface="UVN Bai Sau Nhe" panose="04030405020802020C03" pitchFamily="82" charset="0"/>
+              </a:rPr>
+              <a:t>và</a:t>
+            </a:r>
+            <a:r>
+              <a:rPr lang="vi-VN" dirty="0">
+                <a:solidFill>
+                  <a:schemeClr val="accent1">
+                    <a:lumMod val="75000"/>
+                  </a:schemeClr>
+                </a:solidFill>
+                <a:latin typeface="UVN Bai Sau Nhe" panose="04030405020802020C03" pitchFamily="82" charset="0"/>
+              </a:rPr>
+              <a:t> </a:t>
+            </a:r>
+            <a:r>
+              <a:rPr lang="vi-VN" dirty="0" err="1">
+                <a:solidFill>
+                  <a:schemeClr val="accent1">
+                    <a:lumMod val="75000"/>
+                  </a:schemeClr>
+                </a:solidFill>
+                <a:latin typeface="UVN Bai Sau Nhe" panose="04030405020802020C03" pitchFamily="82" charset="0"/>
+              </a:rPr>
+              <a:t>tiền</a:t>
+            </a:r>
+            <a:r>
+              <a:rPr lang="vi-VN" dirty="0">
+                <a:solidFill>
+                  <a:schemeClr val="accent1">
+                    <a:lumMod val="75000"/>
+                  </a:schemeClr>
+                </a:solidFill>
+                <a:latin typeface="UVN Bai Sau Nhe" panose="04030405020802020C03" pitchFamily="82" charset="0"/>
+              </a:rPr>
+              <a:t> </a:t>
+            </a:r>
+            <a:r>
+              <a:rPr lang="vi-VN" dirty="0" err="1">
+                <a:solidFill>
+                  <a:schemeClr val="accent1">
+                    <a:lumMod val="75000"/>
+                  </a:schemeClr>
+                </a:solidFill>
+                <a:latin typeface="UVN Bai Sau Nhe" panose="04030405020802020C03" pitchFamily="82" charset="0"/>
+              </a:rPr>
+              <a:t>xử</a:t>
+            </a:r>
+            <a:r>
+              <a:rPr lang="vi-VN" dirty="0">
+                <a:solidFill>
+                  <a:schemeClr val="accent1">
+                    <a:lumMod val="75000"/>
+                  </a:schemeClr>
+                </a:solidFill>
+                <a:latin typeface="UVN Bai Sau Nhe" panose="04030405020802020C03" pitchFamily="82" charset="0"/>
+              </a:rPr>
+              <a:t> </a:t>
+            </a:r>
+            <a:r>
+              <a:rPr lang="vi-VN" dirty="0" err="1">
+                <a:solidFill>
+                  <a:schemeClr val="accent1">
+                    <a:lumMod val="75000"/>
+                  </a:schemeClr>
+                </a:solidFill>
+                <a:latin typeface="UVN Bai Sau Nhe" panose="04030405020802020C03" pitchFamily="82" charset="0"/>
+              </a:rPr>
+              <a:t>lí</a:t>
+            </a:r>
+            <a:r>
+              <a:rPr lang="vi-VN" dirty="0">
+                <a:solidFill>
+                  <a:schemeClr val="accent1">
+                    <a:lumMod val="75000"/>
+                  </a:schemeClr>
+                </a:solidFill>
+                <a:latin typeface="UVN Bai Sau Nhe" panose="04030405020802020C03" pitchFamily="82" charset="0"/>
+              </a:rPr>
+              <a:t> </a:t>
+            </a:r>
+            <a:r>
+              <a:rPr lang="vi-VN" dirty="0" err="1">
+                <a:solidFill>
+                  <a:schemeClr val="accent1">
+                    <a:lumMod val="75000"/>
+                  </a:schemeClr>
+                </a:solidFill>
+                <a:latin typeface="UVN Bai Sau Nhe" panose="04030405020802020C03" pitchFamily="82" charset="0"/>
+              </a:rPr>
+              <a:t>để</a:t>
+            </a:r>
+            <a:r>
+              <a:rPr lang="vi-VN" dirty="0">
+                <a:solidFill>
+                  <a:schemeClr val="accent1">
+                    <a:lumMod val="75000"/>
+                  </a:schemeClr>
+                </a:solidFill>
+                <a:latin typeface="UVN Bai Sau Nhe" panose="04030405020802020C03" pitchFamily="82" charset="0"/>
+              </a:rPr>
+              <a:t> </a:t>
+            </a:r>
+            <a:r>
+              <a:rPr lang="vi-VN" dirty="0" err="1">
+                <a:solidFill>
+                  <a:schemeClr val="accent1">
+                    <a:lumMod val="75000"/>
+                  </a:schemeClr>
+                </a:solidFill>
+                <a:latin typeface="UVN Bai Sau Nhe" panose="04030405020802020C03" pitchFamily="82" charset="0"/>
+              </a:rPr>
+              <a:t>có</a:t>
+            </a:r>
+            <a:r>
+              <a:rPr lang="vi-VN" dirty="0">
+                <a:solidFill>
+                  <a:schemeClr val="accent1">
+                    <a:lumMod val="75000"/>
+                  </a:schemeClr>
+                </a:solidFill>
+                <a:latin typeface="UVN Bai Sau Nhe" panose="04030405020802020C03" pitchFamily="82" charset="0"/>
+              </a:rPr>
+              <a:t> </a:t>
+            </a:r>
+            <a:r>
+              <a:rPr lang="vi-VN" dirty="0" err="1">
+                <a:solidFill>
+                  <a:schemeClr val="accent1">
+                    <a:lumMod val="75000"/>
+                  </a:schemeClr>
+                </a:solidFill>
+                <a:latin typeface="UVN Bai Sau Nhe" panose="04030405020802020C03" pitchFamily="82" charset="0"/>
+              </a:rPr>
+              <a:t>được</a:t>
+            </a:r>
+            <a:r>
+              <a:rPr lang="vi-VN" dirty="0">
+                <a:solidFill>
+                  <a:schemeClr val="accent1">
+                    <a:lumMod val="75000"/>
+                  </a:schemeClr>
+                </a:solidFill>
+                <a:latin typeface="UVN Bai Sau Nhe" panose="04030405020802020C03" pitchFamily="82" charset="0"/>
+              </a:rPr>
+              <a:t> </a:t>
+            </a:r>
+            <a:r>
+              <a:rPr lang="vi-VN" dirty="0" err="1">
+                <a:solidFill>
+                  <a:schemeClr val="accent1">
+                    <a:lumMod val="75000"/>
+                  </a:schemeClr>
+                </a:solidFill>
+                <a:latin typeface="UVN Bai Sau Nhe" panose="04030405020802020C03" pitchFamily="82" charset="0"/>
+              </a:rPr>
+              <a:t>dữ</a:t>
+            </a:r>
+            <a:r>
+              <a:rPr lang="vi-VN" dirty="0">
+                <a:solidFill>
+                  <a:schemeClr val="accent1">
+                    <a:lumMod val="75000"/>
+                  </a:schemeClr>
+                </a:solidFill>
+                <a:latin typeface="UVN Bai Sau Nhe" panose="04030405020802020C03" pitchFamily="82" charset="0"/>
+              </a:rPr>
+              <a:t> </a:t>
+            </a:r>
+            <a:r>
+              <a:rPr lang="vi-VN" dirty="0" err="1">
+                <a:solidFill>
+                  <a:schemeClr val="accent1">
+                    <a:lumMod val="75000"/>
+                  </a:schemeClr>
+                </a:solidFill>
+                <a:latin typeface="UVN Bai Sau Nhe" panose="04030405020802020C03" pitchFamily="82" charset="0"/>
+              </a:rPr>
+              <a:t>liệu</a:t>
+            </a:r>
+            <a:r>
+              <a:rPr lang="vi-VN" dirty="0">
+                <a:solidFill>
+                  <a:schemeClr val="accent1">
+                    <a:lumMod val="75000"/>
+                  </a:schemeClr>
+                </a:solidFill>
+                <a:latin typeface="UVN Bai Sau Nhe" panose="04030405020802020C03" pitchFamily="82" charset="0"/>
+              </a:rPr>
+              <a:t> </a:t>
+            </a:r>
+            <a:r>
+              <a:rPr lang="vi-VN" dirty="0" err="1">
+                <a:solidFill>
+                  <a:schemeClr val="accent1">
+                    <a:lumMod val="75000"/>
+                  </a:schemeClr>
+                </a:solidFill>
+                <a:latin typeface="UVN Bai Sau Nhe" panose="04030405020802020C03" pitchFamily="82" charset="0"/>
+              </a:rPr>
+              <a:t>mà</a:t>
+            </a:r>
+            <a:r>
+              <a:rPr lang="vi-VN" dirty="0">
+                <a:solidFill>
+                  <a:schemeClr val="accent1">
+                    <a:lumMod val="75000"/>
+                  </a:schemeClr>
+                </a:solidFill>
+                <a:latin typeface="UVN Bai Sau Nhe" panose="04030405020802020C03" pitchFamily="82" charset="0"/>
+              </a:rPr>
+              <a:t> </a:t>
+            </a:r>
+            <a:r>
+              <a:rPr lang="vi-VN" dirty="0" err="1">
+                <a:solidFill>
+                  <a:schemeClr val="accent1">
+                    <a:lumMod val="75000"/>
+                  </a:schemeClr>
+                </a:solidFill>
+                <a:latin typeface="UVN Bai Sau Nhe" panose="04030405020802020C03" pitchFamily="82" charset="0"/>
+              </a:rPr>
+              <a:t>có</a:t>
+            </a:r>
+            <a:r>
+              <a:rPr lang="vi-VN" dirty="0">
+                <a:solidFill>
+                  <a:schemeClr val="accent1">
+                    <a:lumMod val="75000"/>
+                  </a:schemeClr>
+                </a:solidFill>
+                <a:latin typeface="UVN Bai Sau Nhe" panose="04030405020802020C03" pitchFamily="82" charset="0"/>
+              </a:rPr>
+              <a:t> </a:t>
+            </a:r>
+            <a:r>
+              <a:rPr lang="vi-VN" dirty="0" err="1">
+                <a:solidFill>
+                  <a:schemeClr val="accent1">
+                    <a:lumMod val="75000"/>
+                  </a:schemeClr>
+                </a:solidFill>
+                <a:latin typeface="UVN Bai Sau Nhe" panose="04030405020802020C03" pitchFamily="82" charset="0"/>
+              </a:rPr>
+              <a:t>thể</a:t>
+            </a:r>
+            <a:r>
+              <a:rPr lang="vi-VN" dirty="0">
+                <a:solidFill>
+                  <a:schemeClr val="accent1">
+                    <a:lumMod val="75000"/>
+                  </a:schemeClr>
+                </a:solidFill>
+                <a:latin typeface="UVN Bai Sau Nhe" panose="04030405020802020C03" pitchFamily="82" charset="0"/>
+              </a:rPr>
+              <a:t> phân </a:t>
+            </a:r>
+            <a:r>
+              <a:rPr lang="vi-VN" dirty="0" err="1">
+                <a:solidFill>
+                  <a:schemeClr val="accent1">
+                    <a:lumMod val="75000"/>
+                  </a:schemeClr>
+                </a:solidFill>
+                <a:latin typeface="UVN Bai Sau Nhe" panose="04030405020802020C03" pitchFamily="82" charset="0"/>
+              </a:rPr>
+              <a:t>tích</a:t>
+            </a:r>
+            <a:r>
+              <a:rPr lang="vi-VN" dirty="0">
+                <a:solidFill>
+                  <a:schemeClr val="accent1">
+                    <a:lumMod val="75000"/>
+                  </a:schemeClr>
+                </a:solidFill>
+                <a:latin typeface="UVN Bai Sau Nhe" panose="04030405020802020C03" pitchFamily="82" charset="0"/>
+              </a:rPr>
+              <a:t> </a:t>
+            </a:r>
+            <a:r>
+              <a:rPr lang="vi-VN" dirty="0" err="1">
+                <a:solidFill>
+                  <a:schemeClr val="accent1">
+                    <a:lumMod val="75000"/>
+                  </a:schemeClr>
+                </a:solidFill>
+                <a:latin typeface="UVN Bai Sau Nhe" panose="04030405020802020C03" pitchFamily="82" charset="0"/>
+              </a:rPr>
+              <a:t>được</a:t>
+            </a:r>
+            <a:br>
+              <a:rPr lang="vi-VN" dirty="0">
+                <a:solidFill>
+                  <a:schemeClr val="accent1">
+                    <a:lumMod val="75000"/>
+                  </a:schemeClr>
+                </a:solidFill>
+                <a:latin typeface="UVN Bai Sau Nhe" panose="04030405020802020C03" pitchFamily="82" charset="0"/>
+              </a:rPr>
+            </a:br>
             <a:endParaRPr lang="en-US" dirty="0">
               <a:solidFill>
                 <a:schemeClr val="accent1">
@@ -8962,9 +9849,12 @@
           <a:bodyPr/>
           <a:lstStyle/>
           <a:p>
-            <a:endParaRPr lang="en-US" dirty="0">
-              <a:latin typeface="UVN Bai Sau Nhe" panose="04030405020802020C03" pitchFamily="82" charset="0"/>
-            </a:endParaRPr>
+            <a:r>
+              <a:rPr lang="en-US" dirty="0">
+                <a:latin typeface="UVN Bai Sau Nhe" panose="04030405020802020C03" pitchFamily="82" charset="0"/>
+              </a:rPr>
+              <a:t>size - price</a:t>
+            </a:r>
           </a:p>
         </p:txBody>
       </p:sp>
@@ -8973,7 +9863,7 @@
           <p:cNvPr id="4" name="Chỗ dành sẵn cho Số hiệu Bản chiếu 3">
             <a:extLst>
               <a:ext uri="{FF2B5EF4-FFF2-40B4-BE49-F238E27FC236}">
-                <a16:creationId xmlns:a16="http://schemas.microsoft.com/office/drawing/2014/main" id="{4C057417-4375-4D3A-9CBE-722EBC74CA7B}"/>
+                <a16:creationId xmlns:a16="http://schemas.microsoft.com/office/drawing/2014/main" id="{C9EE6B47-9E90-4C3D-86CD-99A2F0300918}"/>
               </a:ext>
             </a:extLst>
           </p:cNvPr>
@@ -8997,10 +9887,1360 @@
           </a:p>
         </p:txBody>
       </p:sp>
+      <p:pic>
+        <p:nvPicPr>
+          <p:cNvPr id="6" name="Picture 5">
+            <a:extLst>
+              <a:ext uri="{FF2B5EF4-FFF2-40B4-BE49-F238E27FC236}">
+                <a16:creationId xmlns:a16="http://schemas.microsoft.com/office/drawing/2014/main" id="{32A952C9-B5ED-45E0-B012-CF973BA8C952}"/>
+              </a:ext>
+            </a:extLst>
+          </p:cNvPr>
+          <p:cNvPicPr>
+            <a:picLocks noChangeAspect="1"/>
+          </p:cNvPicPr>
+          <p:nvPr/>
+        </p:nvPicPr>
+        <p:blipFill>
+          <a:blip r:embed="rId2"/>
+          <a:stretch>
+            <a:fillRect/>
+          </a:stretch>
+        </p:blipFill>
+        <p:spPr>
+          <a:xfrm>
+            <a:off x="2352807" y="2201862"/>
+            <a:ext cx="6566269" cy="4154488"/>
+          </a:xfrm>
+          <a:prstGeom prst="rect">
+            <a:avLst/>
+          </a:prstGeom>
+        </p:spPr>
+      </p:pic>
     </p:spTree>
     <p:extLst>
       <p:ext uri="{BB962C8B-B14F-4D97-AF65-F5344CB8AC3E}">
-        <p14:creationId xmlns:p14="http://schemas.microsoft.com/office/powerpoint/2010/main" val="1750192053"/>
+        <p14:creationId xmlns:p14="http://schemas.microsoft.com/office/powerpoint/2010/main" val="2557132893"/>
+      </p:ext>
+    </p:extLst>
+  </p:cSld>
+  <p:clrMapOvr>
+    <a:masterClrMapping/>
+  </p:clrMapOvr>
+</p:sld>
+</file>
+
+<file path=ppt/slides/slide18.xml><?xml version="1.0" encoding="utf-8"?>
+<p:sld xmlns:a="http://schemas.openxmlformats.org/drawingml/2006/main" xmlns:r="http://schemas.openxmlformats.org/officeDocument/2006/relationships" xmlns:p="http://schemas.openxmlformats.org/presentationml/2006/main">
+  <p:cSld>
+    <p:spTree>
+      <p:nvGrpSpPr>
+        <p:cNvPr id="1" name=""/>
+        <p:cNvGrpSpPr/>
+        <p:nvPr/>
+      </p:nvGrpSpPr>
+      <p:grpSpPr>
+        <a:xfrm>
+          <a:off x="0" y="0"/>
+          <a:ext cx="0" cy="0"/>
+          <a:chOff x="0" y="0"/>
+          <a:chExt cx="0" cy="0"/>
+        </a:xfrm>
+      </p:grpSpPr>
+      <p:sp>
+        <p:nvSpPr>
+          <p:cNvPr id="2" name="Tiêu đề 1">
+            <a:extLst>
+              <a:ext uri="{FF2B5EF4-FFF2-40B4-BE49-F238E27FC236}">
+                <a16:creationId xmlns:a16="http://schemas.microsoft.com/office/drawing/2014/main" id="{FEB487A8-D070-44EC-BFFA-383AC850A504}"/>
+              </a:ext>
+            </a:extLst>
+          </p:cNvPr>
+          <p:cNvSpPr>
+            <a:spLocks noGrp="1"/>
+          </p:cNvSpPr>
+          <p:nvPr>
+            <p:ph type="title"/>
+          </p:nvPr>
+        </p:nvSpPr>
+        <p:spPr/>
+        <p:txBody>
+          <a:bodyPr>
+            <a:normAutofit fontScale="90000"/>
+          </a:bodyPr>
+          <a:lstStyle/>
+          <a:p>
+            <a:br>
+              <a:rPr lang="en-US" dirty="0">
+                <a:solidFill>
+                  <a:schemeClr val="accent1">
+                    <a:lumMod val="75000"/>
+                  </a:schemeClr>
+                </a:solidFill>
+                <a:latin typeface="UVN Bai Sau Nhe" panose="04030405020802020C03" pitchFamily="82" charset="0"/>
+              </a:rPr>
+            </a:br>
+            <a:r>
+              <a:rPr lang="vi-VN" dirty="0" err="1">
+                <a:solidFill>
+                  <a:schemeClr val="accent1">
+                    <a:lumMod val="75000"/>
+                  </a:schemeClr>
+                </a:solidFill>
+                <a:latin typeface="UVN Bai Sau Nhe" panose="04030405020802020C03" pitchFamily="82" charset="0"/>
+              </a:rPr>
+              <a:t>Khám</a:t>
+            </a:r>
+            <a:r>
+              <a:rPr lang="vi-VN" dirty="0">
+                <a:solidFill>
+                  <a:schemeClr val="accent1">
+                    <a:lumMod val="75000"/>
+                  </a:schemeClr>
+                </a:solidFill>
+                <a:latin typeface="UVN Bai Sau Nhe" panose="04030405020802020C03" pitchFamily="82" charset="0"/>
+              </a:rPr>
+              <a:t> </a:t>
+            </a:r>
+            <a:r>
+              <a:rPr lang="vi-VN" dirty="0" err="1">
+                <a:solidFill>
+                  <a:schemeClr val="accent1">
+                    <a:lumMod val="75000"/>
+                  </a:schemeClr>
+                </a:solidFill>
+                <a:latin typeface="UVN Bai Sau Nhe" panose="04030405020802020C03" pitchFamily="82" charset="0"/>
+              </a:rPr>
+              <a:t>phá</a:t>
+            </a:r>
+            <a:r>
+              <a:rPr lang="vi-VN" dirty="0">
+                <a:solidFill>
+                  <a:schemeClr val="accent1">
+                    <a:lumMod val="75000"/>
+                  </a:schemeClr>
+                </a:solidFill>
+                <a:latin typeface="UVN Bai Sau Nhe" panose="04030405020802020C03" pitchFamily="82" charset="0"/>
+              </a:rPr>
+              <a:t> </a:t>
+            </a:r>
+            <a:r>
+              <a:rPr lang="vi-VN" dirty="0" err="1">
+                <a:solidFill>
+                  <a:schemeClr val="accent1">
+                    <a:lumMod val="75000"/>
+                  </a:schemeClr>
+                </a:solidFill>
+                <a:latin typeface="UVN Bai Sau Nhe" panose="04030405020802020C03" pitchFamily="82" charset="0"/>
+              </a:rPr>
+              <a:t>dữ</a:t>
+            </a:r>
+            <a:r>
+              <a:rPr lang="vi-VN" dirty="0">
+                <a:solidFill>
+                  <a:schemeClr val="accent1">
+                    <a:lumMod val="75000"/>
+                  </a:schemeClr>
+                </a:solidFill>
+                <a:latin typeface="UVN Bai Sau Nhe" panose="04030405020802020C03" pitchFamily="82" charset="0"/>
+              </a:rPr>
+              <a:t> </a:t>
+            </a:r>
+            <a:r>
+              <a:rPr lang="vi-VN" dirty="0" err="1">
+                <a:solidFill>
+                  <a:schemeClr val="accent1">
+                    <a:lumMod val="75000"/>
+                  </a:schemeClr>
+                </a:solidFill>
+                <a:latin typeface="UVN Bai Sau Nhe" panose="04030405020802020C03" pitchFamily="82" charset="0"/>
+              </a:rPr>
+              <a:t>liệu</a:t>
+            </a:r>
+            <a:r>
+              <a:rPr lang="vi-VN" dirty="0">
+                <a:solidFill>
+                  <a:schemeClr val="accent1">
+                    <a:lumMod val="75000"/>
+                  </a:schemeClr>
+                </a:solidFill>
+                <a:latin typeface="UVN Bai Sau Nhe" panose="04030405020802020C03" pitchFamily="82" charset="0"/>
+              </a:rPr>
+              <a:t> </a:t>
+            </a:r>
+            <a:r>
+              <a:rPr lang="vi-VN" dirty="0" err="1">
+                <a:solidFill>
+                  <a:schemeClr val="accent1">
+                    <a:lumMod val="75000"/>
+                  </a:schemeClr>
+                </a:solidFill>
+                <a:latin typeface="UVN Bai Sau Nhe" panose="04030405020802020C03" pitchFamily="82" charset="0"/>
+              </a:rPr>
+              <a:t>và</a:t>
+            </a:r>
+            <a:r>
+              <a:rPr lang="vi-VN" dirty="0">
+                <a:solidFill>
+                  <a:schemeClr val="accent1">
+                    <a:lumMod val="75000"/>
+                  </a:schemeClr>
+                </a:solidFill>
+                <a:latin typeface="UVN Bai Sau Nhe" panose="04030405020802020C03" pitchFamily="82" charset="0"/>
+              </a:rPr>
+              <a:t> </a:t>
+            </a:r>
+            <a:r>
+              <a:rPr lang="vi-VN" dirty="0" err="1">
+                <a:solidFill>
+                  <a:schemeClr val="accent1">
+                    <a:lumMod val="75000"/>
+                  </a:schemeClr>
+                </a:solidFill>
+                <a:latin typeface="UVN Bai Sau Nhe" panose="04030405020802020C03" pitchFamily="82" charset="0"/>
+              </a:rPr>
+              <a:t>tiền</a:t>
+            </a:r>
+            <a:r>
+              <a:rPr lang="vi-VN" dirty="0">
+                <a:solidFill>
+                  <a:schemeClr val="accent1">
+                    <a:lumMod val="75000"/>
+                  </a:schemeClr>
+                </a:solidFill>
+                <a:latin typeface="UVN Bai Sau Nhe" panose="04030405020802020C03" pitchFamily="82" charset="0"/>
+              </a:rPr>
+              <a:t> </a:t>
+            </a:r>
+            <a:r>
+              <a:rPr lang="vi-VN" dirty="0" err="1">
+                <a:solidFill>
+                  <a:schemeClr val="accent1">
+                    <a:lumMod val="75000"/>
+                  </a:schemeClr>
+                </a:solidFill>
+                <a:latin typeface="UVN Bai Sau Nhe" panose="04030405020802020C03" pitchFamily="82" charset="0"/>
+              </a:rPr>
+              <a:t>xử</a:t>
+            </a:r>
+            <a:r>
+              <a:rPr lang="vi-VN" dirty="0">
+                <a:solidFill>
+                  <a:schemeClr val="accent1">
+                    <a:lumMod val="75000"/>
+                  </a:schemeClr>
+                </a:solidFill>
+                <a:latin typeface="UVN Bai Sau Nhe" panose="04030405020802020C03" pitchFamily="82" charset="0"/>
+              </a:rPr>
+              <a:t> </a:t>
+            </a:r>
+            <a:r>
+              <a:rPr lang="vi-VN" dirty="0" err="1">
+                <a:solidFill>
+                  <a:schemeClr val="accent1">
+                    <a:lumMod val="75000"/>
+                  </a:schemeClr>
+                </a:solidFill>
+                <a:latin typeface="UVN Bai Sau Nhe" panose="04030405020802020C03" pitchFamily="82" charset="0"/>
+              </a:rPr>
+              <a:t>lí</a:t>
+            </a:r>
+            <a:r>
+              <a:rPr lang="vi-VN" dirty="0">
+                <a:solidFill>
+                  <a:schemeClr val="accent1">
+                    <a:lumMod val="75000"/>
+                  </a:schemeClr>
+                </a:solidFill>
+                <a:latin typeface="UVN Bai Sau Nhe" panose="04030405020802020C03" pitchFamily="82" charset="0"/>
+              </a:rPr>
+              <a:t> </a:t>
+            </a:r>
+            <a:r>
+              <a:rPr lang="vi-VN" dirty="0" err="1">
+                <a:solidFill>
+                  <a:schemeClr val="accent1">
+                    <a:lumMod val="75000"/>
+                  </a:schemeClr>
+                </a:solidFill>
+                <a:latin typeface="UVN Bai Sau Nhe" panose="04030405020802020C03" pitchFamily="82" charset="0"/>
+              </a:rPr>
+              <a:t>để</a:t>
+            </a:r>
+            <a:r>
+              <a:rPr lang="vi-VN" dirty="0">
+                <a:solidFill>
+                  <a:schemeClr val="accent1">
+                    <a:lumMod val="75000"/>
+                  </a:schemeClr>
+                </a:solidFill>
+                <a:latin typeface="UVN Bai Sau Nhe" panose="04030405020802020C03" pitchFamily="82" charset="0"/>
+              </a:rPr>
+              <a:t> </a:t>
+            </a:r>
+            <a:r>
+              <a:rPr lang="vi-VN" dirty="0" err="1">
+                <a:solidFill>
+                  <a:schemeClr val="accent1">
+                    <a:lumMod val="75000"/>
+                  </a:schemeClr>
+                </a:solidFill>
+                <a:latin typeface="UVN Bai Sau Nhe" panose="04030405020802020C03" pitchFamily="82" charset="0"/>
+              </a:rPr>
+              <a:t>có</a:t>
+            </a:r>
+            <a:r>
+              <a:rPr lang="vi-VN" dirty="0">
+                <a:solidFill>
+                  <a:schemeClr val="accent1">
+                    <a:lumMod val="75000"/>
+                  </a:schemeClr>
+                </a:solidFill>
+                <a:latin typeface="UVN Bai Sau Nhe" panose="04030405020802020C03" pitchFamily="82" charset="0"/>
+              </a:rPr>
+              <a:t> </a:t>
+            </a:r>
+            <a:r>
+              <a:rPr lang="vi-VN" dirty="0" err="1">
+                <a:solidFill>
+                  <a:schemeClr val="accent1">
+                    <a:lumMod val="75000"/>
+                  </a:schemeClr>
+                </a:solidFill>
+                <a:latin typeface="UVN Bai Sau Nhe" panose="04030405020802020C03" pitchFamily="82" charset="0"/>
+              </a:rPr>
+              <a:t>được</a:t>
+            </a:r>
+            <a:r>
+              <a:rPr lang="vi-VN" dirty="0">
+                <a:solidFill>
+                  <a:schemeClr val="accent1">
+                    <a:lumMod val="75000"/>
+                  </a:schemeClr>
+                </a:solidFill>
+                <a:latin typeface="UVN Bai Sau Nhe" panose="04030405020802020C03" pitchFamily="82" charset="0"/>
+              </a:rPr>
+              <a:t> </a:t>
+            </a:r>
+            <a:r>
+              <a:rPr lang="vi-VN" dirty="0" err="1">
+                <a:solidFill>
+                  <a:schemeClr val="accent1">
+                    <a:lumMod val="75000"/>
+                  </a:schemeClr>
+                </a:solidFill>
+                <a:latin typeface="UVN Bai Sau Nhe" panose="04030405020802020C03" pitchFamily="82" charset="0"/>
+              </a:rPr>
+              <a:t>dữ</a:t>
+            </a:r>
+            <a:r>
+              <a:rPr lang="vi-VN" dirty="0">
+                <a:solidFill>
+                  <a:schemeClr val="accent1">
+                    <a:lumMod val="75000"/>
+                  </a:schemeClr>
+                </a:solidFill>
+                <a:latin typeface="UVN Bai Sau Nhe" panose="04030405020802020C03" pitchFamily="82" charset="0"/>
+              </a:rPr>
+              <a:t> </a:t>
+            </a:r>
+            <a:r>
+              <a:rPr lang="vi-VN" dirty="0" err="1">
+                <a:solidFill>
+                  <a:schemeClr val="accent1">
+                    <a:lumMod val="75000"/>
+                  </a:schemeClr>
+                </a:solidFill>
+                <a:latin typeface="UVN Bai Sau Nhe" panose="04030405020802020C03" pitchFamily="82" charset="0"/>
+              </a:rPr>
+              <a:t>liệu</a:t>
+            </a:r>
+            <a:r>
+              <a:rPr lang="vi-VN" dirty="0">
+                <a:solidFill>
+                  <a:schemeClr val="accent1">
+                    <a:lumMod val="75000"/>
+                  </a:schemeClr>
+                </a:solidFill>
+                <a:latin typeface="UVN Bai Sau Nhe" panose="04030405020802020C03" pitchFamily="82" charset="0"/>
+              </a:rPr>
+              <a:t> </a:t>
+            </a:r>
+            <a:r>
+              <a:rPr lang="vi-VN" dirty="0" err="1">
+                <a:solidFill>
+                  <a:schemeClr val="accent1">
+                    <a:lumMod val="75000"/>
+                  </a:schemeClr>
+                </a:solidFill>
+                <a:latin typeface="UVN Bai Sau Nhe" panose="04030405020802020C03" pitchFamily="82" charset="0"/>
+              </a:rPr>
+              <a:t>mà</a:t>
+            </a:r>
+            <a:r>
+              <a:rPr lang="vi-VN" dirty="0">
+                <a:solidFill>
+                  <a:schemeClr val="accent1">
+                    <a:lumMod val="75000"/>
+                  </a:schemeClr>
+                </a:solidFill>
+                <a:latin typeface="UVN Bai Sau Nhe" panose="04030405020802020C03" pitchFamily="82" charset="0"/>
+              </a:rPr>
+              <a:t> </a:t>
+            </a:r>
+            <a:r>
+              <a:rPr lang="vi-VN" dirty="0" err="1">
+                <a:solidFill>
+                  <a:schemeClr val="accent1">
+                    <a:lumMod val="75000"/>
+                  </a:schemeClr>
+                </a:solidFill>
+                <a:latin typeface="UVN Bai Sau Nhe" panose="04030405020802020C03" pitchFamily="82" charset="0"/>
+              </a:rPr>
+              <a:t>có</a:t>
+            </a:r>
+            <a:r>
+              <a:rPr lang="vi-VN" dirty="0">
+                <a:solidFill>
+                  <a:schemeClr val="accent1">
+                    <a:lumMod val="75000"/>
+                  </a:schemeClr>
+                </a:solidFill>
+                <a:latin typeface="UVN Bai Sau Nhe" panose="04030405020802020C03" pitchFamily="82" charset="0"/>
+              </a:rPr>
+              <a:t> </a:t>
+            </a:r>
+            <a:r>
+              <a:rPr lang="vi-VN" dirty="0" err="1">
+                <a:solidFill>
+                  <a:schemeClr val="accent1">
+                    <a:lumMod val="75000"/>
+                  </a:schemeClr>
+                </a:solidFill>
+                <a:latin typeface="UVN Bai Sau Nhe" panose="04030405020802020C03" pitchFamily="82" charset="0"/>
+              </a:rPr>
+              <a:t>thể</a:t>
+            </a:r>
+            <a:r>
+              <a:rPr lang="vi-VN" dirty="0">
+                <a:solidFill>
+                  <a:schemeClr val="accent1">
+                    <a:lumMod val="75000"/>
+                  </a:schemeClr>
+                </a:solidFill>
+                <a:latin typeface="UVN Bai Sau Nhe" panose="04030405020802020C03" pitchFamily="82" charset="0"/>
+              </a:rPr>
+              <a:t> phân </a:t>
+            </a:r>
+            <a:r>
+              <a:rPr lang="vi-VN" dirty="0" err="1">
+                <a:solidFill>
+                  <a:schemeClr val="accent1">
+                    <a:lumMod val="75000"/>
+                  </a:schemeClr>
+                </a:solidFill>
+                <a:latin typeface="UVN Bai Sau Nhe" panose="04030405020802020C03" pitchFamily="82" charset="0"/>
+              </a:rPr>
+              <a:t>tích</a:t>
+            </a:r>
+            <a:r>
+              <a:rPr lang="vi-VN" dirty="0">
+                <a:solidFill>
+                  <a:schemeClr val="accent1">
+                    <a:lumMod val="75000"/>
+                  </a:schemeClr>
+                </a:solidFill>
+                <a:latin typeface="UVN Bai Sau Nhe" panose="04030405020802020C03" pitchFamily="82" charset="0"/>
+              </a:rPr>
+              <a:t> </a:t>
+            </a:r>
+            <a:r>
+              <a:rPr lang="vi-VN" dirty="0" err="1">
+                <a:solidFill>
+                  <a:schemeClr val="accent1">
+                    <a:lumMod val="75000"/>
+                  </a:schemeClr>
+                </a:solidFill>
+                <a:latin typeface="UVN Bai Sau Nhe" panose="04030405020802020C03" pitchFamily="82" charset="0"/>
+              </a:rPr>
+              <a:t>được</a:t>
+            </a:r>
+            <a:br>
+              <a:rPr lang="vi-VN" dirty="0">
+                <a:solidFill>
+                  <a:schemeClr val="accent1">
+                    <a:lumMod val="75000"/>
+                  </a:schemeClr>
+                </a:solidFill>
+                <a:latin typeface="UVN Bai Sau Nhe" panose="04030405020802020C03" pitchFamily="82" charset="0"/>
+              </a:rPr>
+            </a:br>
+            <a:endParaRPr lang="en-US" dirty="0">
+              <a:solidFill>
+                <a:schemeClr val="accent1">
+                  <a:lumMod val="75000"/>
+                </a:schemeClr>
+              </a:solidFill>
+              <a:latin typeface="UVN Bai Sau Nhe" panose="04030405020802020C03" pitchFamily="82" charset="0"/>
+            </a:endParaRPr>
+          </a:p>
+        </p:txBody>
+      </p:sp>
+      <p:sp>
+        <p:nvSpPr>
+          <p:cNvPr id="3" name="Chỗ dành sẵn cho Nội dung 2">
+            <a:extLst>
+              <a:ext uri="{FF2B5EF4-FFF2-40B4-BE49-F238E27FC236}">
+                <a16:creationId xmlns:a16="http://schemas.microsoft.com/office/drawing/2014/main" id="{B009B68D-914C-43B3-A914-D219D48B5C13}"/>
+              </a:ext>
+            </a:extLst>
+          </p:cNvPr>
+          <p:cNvSpPr>
+            <a:spLocks noGrp="1"/>
+          </p:cNvSpPr>
+          <p:nvPr>
+            <p:ph idx="1"/>
+          </p:nvPr>
+        </p:nvSpPr>
+        <p:spPr/>
+        <p:txBody>
+          <a:bodyPr/>
+          <a:lstStyle/>
+          <a:p>
+            <a:r>
+              <a:rPr lang="en-US" dirty="0" err="1">
+                <a:latin typeface="UVN Bai Sau Nhe" panose="04030405020802020C03" pitchFamily="82" charset="0"/>
+              </a:rPr>
+              <a:t>Sử</a:t>
+            </a:r>
+            <a:r>
+              <a:rPr lang="en-US" dirty="0">
+                <a:latin typeface="UVN Bai Sau Nhe" panose="04030405020802020C03" pitchFamily="82" charset="0"/>
+              </a:rPr>
+              <a:t> </a:t>
+            </a:r>
+            <a:r>
+              <a:rPr lang="en-US" dirty="0" err="1">
+                <a:latin typeface="UVN Bai Sau Nhe" panose="04030405020802020C03" pitchFamily="82" charset="0"/>
+              </a:rPr>
+              <a:t>dụng</a:t>
+            </a:r>
+            <a:r>
+              <a:rPr lang="en-US" dirty="0">
+                <a:latin typeface="UVN Bai Sau Nhe" panose="04030405020802020C03" pitchFamily="82" charset="0"/>
+              </a:rPr>
+              <a:t> 2 </a:t>
+            </a:r>
+            <a:r>
+              <a:rPr lang="en-US" dirty="0" err="1">
+                <a:latin typeface="UVN Bai Sau Nhe" panose="04030405020802020C03" pitchFamily="82" charset="0"/>
+              </a:rPr>
+              <a:t>tham</a:t>
+            </a:r>
+            <a:r>
+              <a:rPr lang="en-US" dirty="0">
+                <a:latin typeface="UVN Bai Sau Nhe" panose="04030405020802020C03" pitchFamily="82" charset="0"/>
+              </a:rPr>
+              <a:t> </a:t>
+            </a:r>
+            <a:r>
+              <a:rPr lang="en-US" dirty="0" err="1">
+                <a:latin typeface="UVN Bai Sau Nhe" panose="04030405020802020C03" pitchFamily="82" charset="0"/>
+              </a:rPr>
+              <a:t>số</a:t>
+            </a:r>
+            <a:r>
+              <a:rPr lang="en-US" dirty="0">
+                <a:latin typeface="UVN Bai Sau Nhe" panose="04030405020802020C03" pitchFamily="82" charset="0"/>
+              </a:rPr>
+              <a:t> [star, size] </a:t>
+            </a:r>
+            <a:r>
+              <a:rPr lang="en-US" dirty="0" err="1">
+                <a:latin typeface="UVN Bai Sau Nhe" panose="04030405020802020C03" pitchFamily="82" charset="0"/>
+              </a:rPr>
+              <a:t>để</a:t>
+            </a:r>
+            <a:r>
+              <a:rPr lang="en-US" dirty="0">
+                <a:latin typeface="UVN Bai Sau Nhe" panose="04030405020802020C03" pitchFamily="82" charset="0"/>
+              </a:rPr>
+              <a:t> </a:t>
+            </a:r>
+            <a:r>
+              <a:rPr lang="en-US" dirty="0" err="1">
+                <a:latin typeface="UVN Bai Sau Nhe" panose="04030405020802020C03" pitchFamily="82" charset="0"/>
+              </a:rPr>
+              <a:t>dự</a:t>
+            </a:r>
+            <a:r>
+              <a:rPr lang="en-US" dirty="0">
+                <a:latin typeface="UVN Bai Sau Nhe" panose="04030405020802020C03" pitchFamily="82" charset="0"/>
+              </a:rPr>
+              <a:t> </a:t>
+            </a:r>
+            <a:r>
+              <a:rPr lang="en-US" dirty="0" err="1">
+                <a:latin typeface="UVN Bai Sau Nhe" panose="04030405020802020C03" pitchFamily="82" charset="0"/>
+              </a:rPr>
+              <a:t>đoán</a:t>
+            </a:r>
+            <a:r>
+              <a:rPr lang="en-US" dirty="0">
+                <a:latin typeface="UVN Bai Sau Nhe" panose="04030405020802020C03" pitchFamily="82" charset="0"/>
+              </a:rPr>
+              <a:t> price. R</a:t>
+            </a:r>
+            <a:r>
+              <a:rPr lang="en-US" baseline="30000" dirty="0">
+                <a:latin typeface="UVN Bai Sau Nhe" panose="04030405020802020C03" pitchFamily="82" charset="0"/>
+              </a:rPr>
+              <a:t>2</a:t>
+            </a:r>
+            <a:r>
+              <a:rPr lang="en-US" dirty="0">
+                <a:latin typeface="UVN Bai Sau Nhe" panose="04030405020802020C03" pitchFamily="82" charset="0"/>
+              </a:rPr>
+              <a:t> score: 0.55</a:t>
+            </a:r>
+          </a:p>
+        </p:txBody>
+      </p:sp>
+      <p:sp>
+        <p:nvSpPr>
+          <p:cNvPr id="4" name="Chỗ dành sẵn cho Số hiệu Bản chiếu 3">
+            <a:extLst>
+              <a:ext uri="{FF2B5EF4-FFF2-40B4-BE49-F238E27FC236}">
+                <a16:creationId xmlns:a16="http://schemas.microsoft.com/office/drawing/2014/main" id="{C9EE6B47-9E90-4C3D-86CD-99A2F0300918}"/>
+              </a:ext>
+            </a:extLst>
+          </p:cNvPr>
+          <p:cNvSpPr>
+            <a:spLocks noGrp="1"/>
+          </p:cNvSpPr>
+          <p:nvPr>
+            <p:ph type="sldNum" sz="quarter" idx="12"/>
+          </p:nvPr>
+        </p:nvSpPr>
+        <p:spPr/>
+        <p:txBody>
+          <a:bodyPr/>
+          <a:lstStyle/>
+          <a:p>
+            <a:fld id="{A1703E46-08D3-493D-87DC-EAF3522C7E57}" type="slidenum">
+              <a:rPr lang="en-US" smtClean="0"/>
+              <a:t>18</a:t>
+            </a:fld>
+            <a:endParaRPr lang="en-US"/>
+          </a:p>
+        </p:txBody>
+      </p:sp>
+      <p:pic>
+        <p:nvPicPr>
+          <p:cNvPr id="6" name="Picture 5">
+            <a:extLst>
+              <a:ext uri="{FF2B5EF4-FFF2-40B4-BE49-F238E27FC236}">
+                <a16:creationId xmlns:a16="http://schemas.microsoft.com/office/drawing/2014/main" id="{BBE305BA-93A2-4753-A266-291E97EB830E}"/>
+              </a:ext>
+            </a:extLst>
+          </p:cNvPr>
+          <p:cNvPicPr>
+            <a:picLocks noChangeAspect="1"/>
+          </p:cNvPicPr>
+          <p:nvPr/>
+        </p:nvPicPr>
+        <p:blipFill>
+          <a:blip r:embed="rId2"/>
+          <a:stretch>
+            <a:fillRect/>
+          </a:stretch>
+        </p:blipFill>
+        <p:spPr>
+          <a:xfrm>
+            <a:off x="2637252" y="2394108"/>
+            <a:ext cx="6511961" cy="4305301"/>
+          </a:xfrm>
+          <a:prstGeom prst="rect">
+            <a:avLst/>
+          </a:prstGeom>
+        </p:spPr>
+      </p:pic>
+    </p:spTree>
+    <p:extLst>
+      <p:ext uri="{BB962C8B-B14F-4D97-AF65-F5344CB8AC3E}">
+        <p14:creationId xmlns:p14="http://schemas.microsoft.com/office/powerpoint/2010/main" val="1839893919"/>
+      </p:ext>
+    </p:extLst>
+  </p:cSld>
+  <p:clrMapOvr>
+    <a:masterClrMapping/>
+  </p:clrMapOvr>
+</p:sld>
+</file>
+
+<file path=ppt/slides/slide19.xml><?xml version="1.0" encoding="utf-8"?>
+<p:sld xmlns:a="http://schemas.openxmlformats.org/drawingml/2006/main" xmlns:r="http://schemas.openxmlformats.org/officeDocument/2006/relationships" xmlns:p="http://schemas.openxmlformats.org/presentationml/2006/main">
+  <p:cSld>
+    <p:spTree>
+      <p:nvGrpSpPr>
+        <p:cNvPr id="1" name=""/>
+        <p:cNvGrpSpPr/>
+        <p:nvPr/>
+      </p:nvGrpSpPr>
+      <p:grpSpPr>
+        <a:xfrm>
+          <a:off x="0" y="0"/>
+          <a:ext cx="0" cy="0"/>
+          <a:chOff x="0" y="0"/>
+          <a:chExt cx="0" cy="0"/>
+        </a:xfrm>
+      </p:grpSpPr>
+      <p:sp>
+        <p:nvSpPr>
+          <p:cNvPr id="2" name="Tiêu đề 1">
+            <a:extLst>
+              <a:ext uri="{FF2B5EF4-FFF2-40B4-BE49-F238E27FC236}">
+                <a16:creationId xmlns:a16="http://schemas.microsoft.com/office/drawing/2014/main" id="{FEB487A8-D070-44EC-BFFA-383AC850A504}"/>
+              </a:ext>
+            </a:extLst>
+          </p:cNvPr>
+          <p:cNvSpPr>
+            <a:spLocks noGrp="1"/>
+          </p:cNvSpPr>
+          <p:nvPr>
+            <p:ph type="title"/>
+          </p:nvPr>
+        </p:nvSpPr>
+        <p:spPr/>
+        <p:txBody>
+          <a:bodyPr>
+            <a:normAutofit fontScale="90000"/>
+          </a:bodyPr>
+          <a:lstStyle/>
+          <a:p>
+            <a:br>
+              <a:rPr lang="en-US" dirty="0">
+                <a:solidFill>
+                  <a:schemeClr val="accent1">
+                    <a:lumMod val="75000"/>
+                  </a:schemeClr>
+                </a:solidFill>
+                <a:latin typeface="UVN Bai Sau Nhe" panose="04030405020802020C03" pitchFamily="82" charset="0"/>
+              </a:rPr>
+            </a:br>
+            <a:r>
+              <a:rPr lang="vi-VN" dirty="0" err="1">
+                <a:solidFill>
+                  <a:schemeClr val="accent1">
+                    <a:lumMod val="75000"/>
+                  </a:schemeClr>
+                </a:solidFill>
+                <a:latin typeface="UVN Bai Sau Nhe" panose="04030405020802020C03" pitchFamily="82" charset="0"/>
+              </a:rPr>
+              <a:t>Khám</a:t>
+            </a:r>
+            <a:r>
+              <a:rPr lang="vi-VN" dirty="0">
+                <a:solidFill>
+                  <a:schemeClr val="accent1">
+                    <a:lumMod val="75000"/>
+                  </a:schemeClr>
+                </a:solidFill>
+                <a:latin typeface="UVN Bai Sau Nhe" panose="04030405020802020C03" pitchFamily="82" charset="0"/>
+              </a:rPr>
+              <a:t> </a:t>
+            </a:r>
+            <a:r>
+              <a:rPr lang="vi-VN" dirty="0" err="1">
+                <a:solidFill>
+                  <a:schemeClr val="accent1">
+                    <a:lumMod val="75000"/>
+                  </a:schemeClr>
+                </a:solidFill>
+                <a:latin typeface="UVN Bai Sau Nhe" panose="04030405020802020C03" pitchFamily="82" charset="0"/>
+              </a:rPr>
+              <a:t>phá</a:t>
+            </a:r>
+            <a:r>
+              <a:rPr lang="vi-VN" dirty="0">
+                <a:solidFill>
+                  <a:schemeClr val="accent1">
+                    <a:lumMod val="75000"/>
+                  </a:schemeClr>
+                </a:solidFill>
+                <a:latin typeface="UVN Bai Sau Nhe" panose="04030405020802020C03" pitchFamily="82" charset="0"/>
+              </a:rPr>
+              <a:t> </a:t>
+            </a:r>
+            <a:r>
+              <a:rPr lang="vi-VN" dirty="0" err="1">
+                <a:solidFill>
+                  <a:schemeClr val="accent1">
+                    <a:lumMod val="75000"/>
+                  </a:schemeClr>
+                </a:solidFill>
+                <a:latin typeface="UVN Bai Sau Nhe" panose="04030405020802020C03" pitchFamily="82" charset="0"/>
+              </a:rPr>
+              <a:t>dữ</a:t>
+            </a:r>
+            <a:r>
+              <a:rPr lang="vi-VN" dirty="0">
+                <a:solidFill>
+                  <a:schemeClr val="accent1">
+                    <a:lumMod val="75000"/>
+                  </a:schemeClr>
+                </a:solidFill>
+                <a:latin typeface="UVN Bai Sau Nhe" panose="04030405020802020C03" pitchFamily="82" charset="0"/>
+              </a:rPr>
+              <a:t> </a:t>
+            </a:r>
+            <a:r>
+              <a:rPr lang="vi-VN" dirty="0" err="1">
+                <a:solidFill>
+                  <a:schemeClr val="accent1">
+                    <a:lumMod val="75000"/>
+                  </a:schemeClr>
+                </a:solidFill>
+                <a:latin typeface="UVN Bai Sau Nhe" panose="04030405020802020C03" pitchFamily="82" charset="0"/>
+              </a:rPr>
+              <a:t>liệu</a:t>
+            </a:r>
+            <a:r>
+              <a:rPr lang="vi-VN" dirty="0">
+                <a:solidFill>
+                  <a:schemeClr val="accent1">
+                    <a:lumMod val="75000"/>
+                  </a:schemeClr>
+                </a:solidFill>
+                <a:latin typeface="UVN Bai Sau Nhe" panose="04030405020802020C03" pitchFamily="82" charset="0"/>
+              </a:rPr>
+              <a:t> </a:t>
+            </a:r>
+            <a:r>
+              <a:rPr lang="vi-VN" dirty="0" err="1">
+                <a:solidFill>
+                  <a:schemeClr val="accent1">
+                    <a:lumMod val="75000"/>
+                  </a:schemeClr>
+                </a:solidFill>
+                <a:latin typeface="UVN Bai Sau Nhe" panose="04030405020802020C03" pitchFamily="82" charset="0"/>
+              </a:rPr>
+              <a:t>và</a:t>
+            </a:r>
+            <a:r>
+              <a:rPr lang="vi-VN" dirty="0">
+                <a:solidFill>
+                  <a:schemeClr val="accent1">
+                    <a:lumMod val="75000"/>
+                  </a:schemeClr>
+                </a:solidFill>
+                <a:latin typeface="UVN Bai Sau Nhe" panose="04030405020802020C03" pitchFamily="82" charset="0"/>
+              </a:rPr>
+              <a:t> </a:t>
+            </a:r>
+            <a:r>
+              <a:rPr lang="vi-VN" dirty="0" err="1">
+                <a:solidFill>
+                  <a:schemeClr val="accent1">
+                    <a:lumMod val="75000"/>
+                  </a:schemeClr>
+                </a:solidFill>
+                <a:latin typeface="UVN Bai Sau Nhe" panose="04030405020802020C03" pitchFamily="82" charset="0"/>
+              </a:rPr>
+              <a:t>tiền</a:t>
+            </a:r>
+            <a:r>
+              <a:rPr lang="vi-VN" dirty="0">
+                <a:solidFill>
+                  <a:schemeClr val="accent1">
+                    <a:lumMod val="75000"/>
+                  </a:schemeClr>
+                </a:solidFill>
+                <a:latin typeface="UVN Bai Sau Nhe" panose="04030405020802020C03" pitchFamily="82" charset="0"/>
+              </a:rPr>
+              <a:t> </a:t>
+            </a:r>
+            <a:r>
+              <a:rPr lang="vi-VN" dirty="0" err="1">
+                <a:solidFill>
+                  <a:schemeClr val="accent1">
+                    <a:lumMod val="75000"/>
+                  </a:schemeClr>
+                </a:solidFill>
+                <a:latin typeface="UVN Bai Sau Nhe" panose="04030405020802020C03" pitchFamily="82" charset="0"/>
+              </a:rPr>
+              <a:t>xử</a:t>
+            </a:r>
+            <a:r>
+              <a:rPr lang="vi-VN" dirty="0">
+                <a:solidFill>
+                  <a:schemeClr val="accent1">
+                    <a:lumMod val="75000"/>
+                  </a:schemeClr>
+                </a:solidFill>
+                <a:latin typeface="UVN Bai Sau Nhe" panose="04030405020802020C03" pitchFamily="82" charset="0"/>
+              </a:rPr>
+              <a:t> </a:t>
+            </a:r>
+            <a:r>
+              <a:rPr lang="vi-VN" dirty="0" err="1">
+                <a:solidFill>
+                  <a:schemeClr val="accent1">
+                    <a:lumMod val="75000"/>
+                  </a:schemeClr>
+                </a:solidFill>
+                <a:latin typeface="UVN Bai Sau Nhe" panose="04030405020802020C03" pitchFamily="82" charset="0"/>
+              </a:rPr>
+              <a:t>lí</a:t>
+            </a:r>
+            <a:r>
+              <a:rPr lang="vi-VN" dirty="0">
+                <a:solidFill>
+                  <a:schemeClr val="accent1">
+                    <a:lumMod val="75000"/>
+                  </a:schemeClr>
+                </a:solidFill>
+                <a:latin typeface="UVN Bai Sau Nhe" panose="04030405020802020C03" pitchFamily="82" charset="0"/>
+              </a:rPr>
+              <a:t> </a:t>
+            </a:r>
+            <a:r>
+              <a:rPr lang="vi-VN" dirty="0" err="1">
+                <a:solidFill>
+                  <a:schemeClr val="accent1">
+                    <a:lumMod val="75000"/>
+                  </a:schemeClr>
+                </a:solidFill>
+                <a:latin typeface="UVN Bai Sau Nhe" panose="04030405020802020C03" pitchFamily="82" charset="0"/>
+              </a:rPr>
+              <a:t>để</a:t>
+            </a:r>
+            <a:r>
+              <a:rPr lang="vi-VN" dirty="0">
+                <a:solidFill>
+                  <a:schemeClr val="accent1">
+                    <a:lumMod val="75000"/>
+                  </a:schemeClr>
+                </a:solidFill>
+                <a:latin typeface="UVN Bai Sau Nhe" panose="04030405020802020C03" pitchFamily="82" charset="0"/>
+              </a:rPr>
+              <a:t> </a:t>
+            </a:r>
+            <a:r>
+              <a:rPr lang="vi-VN" dirty="0" err="1">
+                <a:solidFill>
+                  <a:schemeClr val="accent1">
+                    <a:lumMod val="75000"/>
+                  </a:schemeClr>
+                </a:solidFill>
+                <a:latin typeface="UVN Bai Sau Nhe" panose="04030405020802020C03" pitchFamily="82" charset="0"/>
+              </a:rPr>
+              <a:t>có</a:t>
+            </a:r>
+            <a:r>
+              <a:rPr lang="vi-VN" dirty="0">
+                <a:solidFill>
+                  <a:schemeClr val="accent1">
+                    <a:lumMod val="75000"/>
+                  </a:schemeClr>
+                </a:solidFill>
+                <a:latin typeface="UVN Bai Sau Nhe" panose="04030405020802020C03" pitchFamily="82" charset="0"/>
+              </a:rPr>
+              <a:t> </a:t>
+            </a:r>
+            <a:r>
+              <a:rPr lang="vi-VN" dirty="0" err="1">
+                <a:solidFill>
+                  <a:schemeClr val="accent1">
+                    <a:lumMod val="75000"/>
+                  </a:schemeClr>
+                </a:solidFill>
+                <a:latin typeface="UVN Bai Sau Nhe" panose="04030405020802020C03" pitchFamily="82" charset="0"/>
+              </a:rPr>
+              <a:t>được</a:t>
+            </a:r>
+            <a:r>
+              <a:rPr lang="vi-VN" dirty="0">
+                <a:solidFill>
+                  <a:schemeClr val="accent1">
+                    <a:lumMod val="75000"/>
+                  </a:schemeClr>
+                </a:solidFill>
+                <a:latin typeface="UVN Bai Sau Nhe" panose="04030405020802020C03" pitchFamily="82" charset="0"/>
+              </a:rPr>
+              <a:t> </a:t>
+            </a:r>
+            <a:r>
+              <a:rPr lang="vi-VN" dirty="0" err="1">
+                <a:solidFill>
+                  <a:schemeClr val="accent1">
+                    <a:lumMod val="75000"/>
+                  </a:schemeClr>
+                </a:solidFill>
+                <a:latin typeface="UVN Bai Sau Nhe" panose="04030405020802020C03" pitchFamily="82" charset="0"/>
+              </a:rPr>
+              <a:t>dữ</a:t>
+            </a:r>
+            <a:r>
+              <a:rPr lang="vi-VN" dirty="0">
+                <a:solidFill>
+                  <a:schemeClr val="accent1">
+                    <a:lumMod val="75000"/>
+                  </a:schemeClr>
+                </a:solidFill>
+                <a:latin typeface="UVN Bai Sau Nhe" panose="04030405020802020C03" pitchFamily="82" charset="0"/>
+              </a:rPr>
+              <a:t> </a:t>
+            </a:r>
+            <a:r>
+              <a:rPr lang="vi-VN" dirty="0" err="1">
+                <a:solidFill>
+                  <a:schemeClr val="accent1">
+                    <a:lumMod val="75000"/>
+                  </a:schemeClr>
+                </a:solidFill>
+                <a:latin typeface="UVN Bai Sau Nhe" panose="04030405020802020C03" pitchFamily="82" charset="0"/>
+              </a:rPr>
+              <a:t>liệu</a:t>
+            </a:r>
+            <a:r>
+              <a:rPr lang="vi-VN" dirty="0">
+                <a:solidFill>
+                  <a:schemeClr val="accent1">
+                    <a:lumMod val="75000"/>
+                  </a:schemeClr>
+                </a:solidFill>
+                <a:latin typeface="UVN Bai Sau Nhe" panose="04030405020802020C03" pitchFamily="82" charset="0"/>
+              </a:rPr>
+              <a:t> </a:t>
+            </a:r>
+            <a:r>
+              <a:rPr lang="vi-VN" dirty="0" err="1">
+                <a:solidFill>
+                  <a:schemeClr val="accent1">
+                    <a:lumMod val="75000"/>
+                  </a:schemeClr>
+                </a:solidFill>
+                <a:latin typeface="UVN Bai Sau Nhe" panose="04030405020802020C03" pitchFamily="82" charset="0"/>
+              </a:rPr>
+              <a:t>mà</a:t>
+            </a:r>
+            <a:r>
+              <a:rPr lang="vi-VN" dirty="0">
+                <a:solidFill>
+                  <a:schemeClr val="accent1">
+                    <a:lumMod val="75000"/>
+                  </a:schemeClr>
+                </a:solidFill>
+                <a:latin typeface="UVN Bai Sau Nhe" panose="04030405020802020C03" pitchFamily="82" charset="0"/>
+              </a:rPr>
+              <a:t> </a:t>
+            </a:r>
+            <a:r>
+              <a:rPr lang="vi-VN" dirty="0" err="1">
+                <a:solidFill>
+                  <a:schemeClr val="accent1">
+                    <a:lumMod val="75000"/>
+                  </a:schemeClr>
+                </a:solidFill>
+                <a:latin typeface="UVN Bai Sau Nhe" panose="04030405020802020C03" pitchFamily="82" charset="0"/>
+              </a:rPr>
+              <a:t>có</a:t>
+            </a:r>
+            <a:r>
+              <a:rPr lang="vi-VN" dirty="0">
+                <a:solidFill>
+                  <a:schemeClr val="accent1">
+                    <a:lumMod val="75000"/>
+                  </a:schemeClr>
+                </a:solidFill>
+                <a:latin typeface="UVN Bai Sau Nhe" panose="04030405020802020C03" pitchFamily="82" charset="0"/>
+              </a:rPr>
+              <a:t> </a:t>
+            </a:r>
+            <a:r>
+              <a:rPr lang="vi-VN" dirty="0" err="1">
+                <a:solidFill>
+                  <a:schemeClr val="accent1">
+                    <a:lumMod val="75000"/>
+                  </a:schemeClr>
+                </a:solidFill>
+                <a:latin typeface="UVN Bai Sau Nhe" panose="04030405020802020C03" pitchFamily="82" charset="0"/>
+              </a:rPr>
+              <a:t>thể</a:t>
+            </a:r>
+            <a:r>
+              <a:rPr lang="vi-VN" dirty="0">
+                <a:solidFill>
+                  <a:schemeClr val="accent1">
+                    <a:lumMod val="75000"/>
+                  </a:schemeClr>
+                </a:solidFill>
+                <a:latin typeface="UVN Bai Sau Nhe" panose="04030405020802020C03" pitchFamily="82" charset="0"/>
+              </a:rPr>
+              <a:t> phân </a:t>
+            </a:r>
+            <a:r>
+              <a:rPr lang="vi-VN" dirty="0" err="1">
+                <a:solidFill>
+                  <a:schemeClr val="accent1">
+                    <a:lumMod val="75000"/>
+                  </a:schemeClr>
+                </a:solidFill>
+                <a:latin typeface="UVN Bai Sau Nhe" panose="04030405020802020C03" pitchFamily="82" charset="0"/>
+              </a:rPr>
+              <a:t>tích</a:t>
+            </a:r>
+            <a:r>
+              <a:rPr lang="vi-VN" dirty="0">
+                <a:solidFill>
+                  <a:schemeClr val="accent1">
+                    <a:lumMod val="75000"/>
+                  </a:schemeClr>
+                </a:solidFill>
+                <a:latin typeface="UVN Bai Sau Nhe" panose="04030405020802020C03" pitchFamily="82" charset="0"/>
+              </a:rPr>
+              <a:t> </a:t>
+            </a:r>
+            <a:r>
+              <a:rPr lang="vi-VN" dirty="0" err="1">
+                <a:solidFill>
+                  <a:schemeClr val="accent1">
+                    <a:lumMod val="75000"/>
+                  </a:schemeClr>
+                </a:solidFill>
+                <a:latin typeface="UVN Bai Sau Nhe" panose="04030405020802020C03" pitchFamily="82" charset="0"/>
+              </a:rPr>
+              <a:t>được</a:t>
+            </a:r>
+            <a:br>
+              <a:rPr lang="vi-VN" dirty="0">
+                <a:solidFill>
+                  <a:schemeClr val="accent1">
+                    <a:lumMod val="75000"/>
+                  </a:schemeClr>
+                </a:solidFill>
+                <a:latin typeface="UVN Bai Sau Nhe" panose="04030405020802020C03" pitchFamily="82" charset="0"/>
+              </a:rPr>
+            </a:br>
+            <a:endParaRPr lang="en-US" dirty="0">
+              <a:solidFill>
+                <a:schemeClr val="accent1">
+                  <a:lumMod val="75000"/>
+                </a:schemeClr>
+              </a:solidFill>
+              <a:latin typeface="UVN Bai Sau Nhe" panose="04030405020802020C03" pitchFamily="82" charset="0"/>
+            </a:endParaRPr>
+          </a:p>
+        </p:txBody>
+      </p:sp>
+      <p:sp>
+        <p:nvSpPr>
+          <p:cNvPr id="3" name="Chỗ dành sẵn cho Nội dung 2">
+            <a:extLst>
+              <a:ext uri="{FF2B5EF4-FFF2-40B4-BE49-F238E27FC236}">
+                <a16:creationId xmlns:a16="http://schemas.microsoft.com/office/drawing/2014/main" id="{B009B68D-914C-43B3-A914-D219D48B5C13}"/>
+              </a:ext>
+            </a:extLst>
+          </p:cNvPr>
+          <p:cNvSpPr>
+            <a:spLocks noGrp="1"/>
+          </p:cNvSpPr>
+          <p:nvPr>
+            <p:ph idx="1"/>
+          </p:nvPr>
+        </p:nvSpPr>
+        <p:spPr/>
+        <p:txBody>
+          <a:bodyPr/>
+          <a:lstStyle/>
+          <a:p>
+            <a:r>
+              <a:rPr lang="en-US" dirty="0" err="1">
+                <a:latin typeface="UVN Bai Sau Nhe" panose="04030405020802020C03" pitchFamily="82" charset="0"/>
+              </a:rPr>
+              <a:t>Sử</a:t>
+            </a:r>
+            <a:r>
+              <a:rPr lang="en-US" dirty="0">
+                <a:latin typeface="UVN Bai Sau Nhe" panose="04030405020802020C03" pitchFamily="82" charset="0"/>
+              </a:rPr>
+              <a:t> </a:t>
+            </a:r>
+            <a:r>
+              <a:rPr lang="en-US" dirty="0" err="1">
+                <a:latin typeface="UVN Bai Sau Nhe" panose="04030405020802020C03" pitchFamily="82" charset="0"/>
+              </a:rPr>
+              <a:t>dụng</a:t>
+            </a:r>
+            <a:r>
+              <a:rPr lang="en-US" dirty="0">
+                <a:latin typeface="UVN Bai Sau Nhe" panose="04030405020802020C03" pitchFamily="82" charset="0"/>
+              </a:rPr>
+              <a:t> 4 </a:t>
+            </a:r>
+            <a:r>
+              <a:rPr lang="en-US" dirty="0" err="1">
+                <a:latin typeface="UVN Bai Sau Nhe" panose="04030405020802020C03" pitchFamily="82" charset="0"/>
+              </a:rPr>
+              <a:t>tham</a:t>
+            </a:r>
+            <a:r>
+              <a:rPr lang="en-US" dirty="0">
+                <a:latin typeface="UVN Bai Sau Nhe" panose="04030405020802020C03" pitchFamily="82" charset="0"/>
+              </a:rPr>
+              <a:t> </a:t>
+            </a:r>
+            <a:r>
+              <a:rPr lang="en-US" dirty="0" err="1">
+                <a:latin typeface="UVN Bai Sau Nhe" panose="04030405020802020C03" pitchFamily="82" charset="0"/>
+              </a:rPr>
+              <a:t>số</a:t>
+            </a:r>
+            <a:r>
+              <a:rPr lang="en-US" dirty="0">
+                <a:latin typeface="UVN Bai Sau Nhe" panose="04030405020802020C03" pitchFamily="82" charset="0"/>
+              </a:rPr>
+              <a:t> [star, size, </a:t>
+            </a:r>
+            <a:r>
+              <a:rPr lang="en-US" dirty="0" err="1">
+                <a:latin typeface="UVN Bai Sau Nhe" panose="04030405020802020C03" pitchFamily="82" charset="0"/>
+              </a:rPr>
+              <a:t>have_breakfast</a:t>
+            </a:r>
+            <a:r>
+              <a:rPr lang="en-US" dirty="0">
+                <a:latin typeface="UVN Bai Sau Nhe" panose="04030405020802020C03" pitchFamily="82" charset="0"/>
+              </a:rPr>
+              <a:t>, </a:t>
+            </a:r>
+            <a:r>
+              <a:rPr lang="en-US" dirty="0" err="1">
+                <a:latin typeface="UVN Bai Sau Nhe" panose="04030405020802020C03" pitchFamily="82" charset="0"/>
+              </a:rPr>
+              <a:t>cancel_ticket</a:t>
+            </a:r>
+            <a:r>
+              <a:rPr lang="en-US" dirty="0">
+                <a:latin typeface="UVN Bai Sau Nhe" panose="04030405020802020C03" pitchFamily="82" charset="0"/>
+              </a:rPr>
+              <a:t>] </a:t>
+            </a:r>
+            <a:r>
+              <a:rPr lang="en-US" dirty="0" err="1">
+                <a:latin typeface="UVN Bai Sau Nhe" panose="04030405020802020C03" pitchFamily="82" charset="0"/>
+              </a:rPr>
+              <a:t>để</a:t>
+            </a:r>
+            <a:r>
+              <a:rPr lang="en-US" dirty="0">
+                <a:latin typeface="UVN Bai Sau Nhe" panose="04030405020802020C03" pitchFamily="82" charset="0"/>
+              </a:rPr>
+              <a:t> </a:t>
+            </a:r>
+            <a:r>
+              <a:rPr lang="en-US" dirty="0" err="1">
+                <a:latin typeface="UVN Bai Sau Nhe" panose="04030405020802020C03" pitchFamily="82" charset="0"/>
+              </a:rPr>
+              <a:t>dự</a:t>
+            </a:r>
+            <a:r>
+              <a:rPr lang="en-US" dirty="0">
+                <a:latin typeface="UVN Bai Sau Nhe" panose="04030405020802020C03" pitchFamily="82" charset="0"/>
+              </a:rPr>
+              <a:t> </a:t>
+            </a:r>
+            <a:r>
+              <a:rPr lang="en-US" dirty="0" err="1">
+                <a:latin typeface="UVN Bai Sau Nhe" panose="04030405020802020C03" pitchFamily="82" charset="0"/>
+              </a:rPr>
+              <a:t>đoán</a:t>
+            </a:r>
+            <a:r>
+              <a:rPr lang="en-US" dirty="0">
+                <a:latin typeface="UVN Bai Sau Nhe" panose="04030405020802020C03" pitchFamily="82" charset="0"/>
+              </a:rPr>
+              <a:t> price. R</a:t>
+            </a:r>
+            <a:r>
+              <a:rPr lang="en-US" baseline="30000" dirty="0">
+                <a:latin typeface="UVN Bai Sau Nhe" panose="04030405020802020C03" pitchFamily="82" charset="0"/>
+              </a:rPr>
+              <a:t>2</a:t>
+            </a:r>
+            <a:r>
+              <a:rPr lang="en-US" dirty="0">
+                <a:latin typeface="UVN Bai Sau Nhe" panose="04030405020802020C03" pitchFamily="82" charset="0"/>
+              </a:rPr>
+              <a:t> score: 0.82</a:t>
+            </a:r>
+          </a:p>
+        </p:txBody>
+      </p:sp>
+      <p:sp>
+        <p:nvSpPr>
+          <p:cNvPr id="4" name="Chỗ dành sẵn cho Số hiệu Bản chiếu 3">
+            <a:extLst>
+              <a:ext uri="{FF2B5EF4-FFF2-40B4-BE49-F238E27FC236}">
+                <a16:creationId xmlns:a16="http://schemas.microsoft.com/office/drawing/2014/main" id="{C9EE6B47-9E90-4C3D-86CD-99A2F0300918}"/>
+              </a:ext>
+            </a:extLst>
+          </p:cNvPr>
+          <p:cNvSpPr>
+            <a:spLocks noGrp="1"/>
+          </p:cNvSpPr>
+          <p:nvPr>
+            <p:ph type="sldNum" sz="quarter" idx="12"/>
+          </p:nvPr>
+        </p:nvSpPr>
+        <p:spPr/>
+        <p:txBody>
+          <a:bodyPr/>
+          <a:lstStyle/>
+          <a:p>
+            <a:fld id="{A1703E46-08D3-493D-87DC-EAF3522C7E57}" type="slidenum">
+              <a:rPr lang="en-US" smtClean="0"/>
+              <a:t>19</a:t>
+            </a:fld>
+            <a:endParaRPr lang="en-US"/>
+          </a:p>
+        </p:txBody>
+      </p:sp>
+      <p:pic>
+        <p:nvPicPr>
+          <p:cNvPr id="5" name="Picture 4">
+            <a:extLst>
+              <a:ext uri="{FF2B5EF4-FFF2-40B4-BE49-F238E27FC236}">
+                <a16:creationId xmlns:a16="http://schemas.microsoft.com/office/drawing/2014/main" id="{C262F37A-11F4-42B5-BD12-C6DC964B1812}"/>
+              </a:ext>
+            </a:extLst>
+          </p:cNvPr>
+          <p:cNvPicPr>
+            <a:picLocks noChangeAspect="1"/>
+          </p:cNvPicPr>
+          <p:nvPr/>
+        </p:nvPicPr>
+        <p:blipFill>
+          <a:blip r:embed="rId2"/>
+          <a:stretch>
+            <a:fillRect/>
+          </a:stretch>
+        </p:blipFill>
+        <p:spPr>
+          <a:xfrm>
+            <a:off x="3008242" y="2738603"/>
+            <a:ext cx="6256731" cy="3982872"/>
+          </a:xfrm>
+          <a:prstGeom prst="rect">
+            <a:avLst/>
+          </a:prstGeom>
+        </p:spPr>
+      </p:pic>
+    </p:spTree>
+    <p:extLst>
+      <p:ext uri="{BB962C8B-B14F-4D97-AF65-F5344CB8AC3E}">
+        <p14:creationId xmlns:p14="http://schemas.microsoft.com/office/powerpoint/2010/main" val="3352771994"/>
       </p:ext>
     </p:extLst>
   </p:cSld>
@@ -9692,6 +11932,6985 @@
     <p:extLst>
       <p:ext uri="{BB962C8B-B14F-4D97-AF65-F5344CB8AC3E}">
         <p14:creationId xmlns:p14="http://schemas.microsoft.com/office/powerpoint/2010/main" val="986991629"/>
+      </p:ext>
+    </p:extLst>
+  </p:cSld>
+  <p:clrMapOvr>
+    <a:masterClrMapping/>
+  </p:clrMapOvr>
+</p:sld>
+</file>
+
+<file path=ppt/slides/slide20.xml><?xml version="1.0" encoding="utf-8"?>
+<p:sld xmlns:a="http://schemas.openxmlformats.org/drawingml/2006/main" xmlns:r="http://schemas.openxmlformats.org/officeDocument/2006/relationships" xmlns:p="http://schemas.openxmlformats.org/presentationml/2006/main">
+  <p:cSld>
+    <p:spTree>
+      <p:nvGrpSpPr>
+        <p:cNvPr id="1" name=""/>
+        <p:cNvGrpSpPr/>
+        <p:nvPr/>
+      </p:nvGrpSpPr>
+      <p:grpSpPr>
+        <a:xfrm>
+          <a:off x="0" y="0"/>
+          <a:ext cx="0" cy="0"/>
+          <a:chOff x="0" y="0"/>
+          <a:chExt cx="0" cy="0"/>
+        </a:xfrm>
+      </p:grpSpPr>
+      <p:sp>
+        <p:nvSpPr>
+          <p:cNvPr id="2" name="Tiêu đề 1">
+            <a:extLst>
+              <a:ext uri="{FF2B5EF4-FFF2-40B4-BE49-F238E27FC236}">
+                <a16:creationId xmlns:a16="http://schemas.microsoft.com/office/drawing/2014/main" id="{FEB487A8-D070-44EC-BFFA-383AC850A504}"/>
+              </a:ext>
+            </a:extLst>
+          </p:cNvPr>
+          <p:cNvSpPr>
+            <a:spLocks noGrp="1"/>
+          </p:cNvSpPr>
+          <p:nvPr>
+            <p:ph type="title"/>
+          </p:nvPr>
+        </p:nvSpPr>
+        <p:spPr/>
+        <p:txBody>
+          <a:bodyPr>
+            <a:normAutofit fontScale="90000"/>
+          </a:bodyPr>
+          <a:lstStyle/>
+          <a:p>
+            <a:br>
+              <a:rPr lang="en-US" dirty="0">
+                <a:solidFill>
+                  <a:schemeClr val="accent1">
+                    <a:lumMod val="75000"/>
+                  </a:schemeClr>
+                </a:solidFill>
+                <a:latin typeface="UVN Bai Sau Nhe" panose="04030405020802020C03" pitchFamily="82" charset="0"/>
+              </a:rPr>
+            </a:br>
+            <a:r>
+              <a:rPr lang="vi-VN" dirty="0" err="1">
+                <a:solidFill>
+                  <a:schemeClr val="accent1">
+                    <a:lumMod val="75000"/>
+                  </a:schemeClr>
+                </a:solidFill>
+                <a:latin typeface="UVN Bai Sau Nhe" panose="04030405020802020C03" pitchFamily="82" charset="0"/>
+              </a:rPr>
+              <a:t>Khám</a:t>
+            </a:r>
+            <a:r>
+              <a:rPr lang="vi-VN" dirty="0">
+                <a:solidFill>
+                  <a:schemeClr val="accent1">
+                    <a:lumMod val="75000"/>
+                  </a:schemeClr>
+                </a:solidFill>
+                <a:latin typeface="UVN Bai Sau Nhe" panose="04030405020802020C03" pitchFamily="82" charset="0"/>
+              </a:rPr>
+              <a:t> </a:t>
+            </a:r>
+            <a:r>
+              <a:rPr lang="vi-VN" dirty="0" err="1">
+                <a:solidFill>
+                  <a:schemeClr val="accent1">
+                    <a:lumMod val="75000"/>
+                  </a:schemeClr>
+                </a:solidFill>
+                <a:latin typeface="UVN Bai Sau Nhe" panose="04030405020802020C03" pitchFamily="82" charset="0"/>
+              </a:rPr>
+              <a:t>phá</a:t>
+            </a:r>
+            <a:r>
+              <a:rPr lang="vi-VN" dirty="0">
+                <a:solidFill>
+                  <a:schemeClr val="accent1">
+                    <a:lumMod val="75000"/>
+                  </a:schemeClr>
+                </a:solidFill>
+                <a:latin typeface="UVN Bai Sau Nhe" panose="04030405020802020C03" pitchFamily="82" charset="0"/>
+              </a:rPr>
+              <a:t> </a:t>
+            </a:r>
+            <a:r>
+              <a:rPr lang="vi-VN" dirty="0" err="1">
+                <a:solidFill>
+                  <a:schemeClr val="accent1">
+                    <a:lumMod val="75000"/>
+                  </a:schemeClr>
+                </a:solidFill>
+                <a:latin typeface="UVN Bai Sau Nhe" panose="04030405020802020C03" pitchFamily="82" charset="0"/>
+              </a:rPr>
+              <a:t>dữ</a:t>
+            </a:r>
+            <a:r>
+              <a:rPr lang="vi-VN" dirty="0">
+                <a:solidFill>
+                  <a:schemeClr val="accent1">
+                    <a:lumMod val="75000"/>
+                  </a:schemeClr>
+                </a:solidFill>
+                <a:latin typeface="UVN Bai Sau Nhe" panose="04030405020802020C03" pitchFamily="82" charset="0"/>
+              </a:rPr>
+              <a:t> </a:t>
+            </a:r>
+            <a:r>
+              <a:rPr lang="vi-VN" dirty="0" err="1">
+                <a:solidFill>
+                  <a:schemeClr val="accent1">
+                    <a:lumMod val="75000"/>
+                  </a:schemeClr>
+                </a:solidFill>
+                <a:latin typeface="UVN Bai Sau Nhe" panose="04030405020802020C03" pitchFamily="82" charset="0"/>
+              </a:rPr>
+              <a:t>liệu</a:t>
+            </a:r>
+            <a:r>
+              <a:rPr lang="vi-VN" dirty="0">
+                <a:solidFill>
+                  <a:schemeClr val="accent1">
+                    <a:lumMod val="75000"/>
+                  </a:schemeClr>
+                </a:solidFill>
+                <a:latin typeface="UVN Bai Sau Nhe" panose="04030405020802020C03" pitchFamily="82" charset="0"/>
+              </a:rPr>
+              <a:t> </a:t>
+            </a:r>
+            <a:r>
+              <a:rPr lang="vi-VN" dirty="0" err="1">
+                <a:solidFill>
+                  <a:schemeClr val="accent1">
+                    <a:lumMod val="75000"/>
+                  </a:schemeClr>
+                </a:solidFill>
+                <a:latin typeface="UVN Bai Sau Nhe" panose="04030405020802020C03" pitchFamily="82" charset="0"/>
+              </a:rPr>
+              <a:t>và</a:t>
+            </a:r>
+            <a:r>
+              <a:rPr lang="vi-VN" dirty="0">
+                <a:solidFill>
+                  <a:schemeClr val="accent1">
+                    <a:lumMod val="75000"/>
+                  </a:schemeClr>
+                </a:solidFill>
+                <a:latin typeface="UVN Bai Sau Nhe" panose="04030405020802020C03" pitchFamily="82" charset="0"/>
+              </a:rPr>
+              <a:t> </a:t>
+            </a:r>
+            <a:r>
+              <a:rPr lang="vi-VN" dirty="0" err="1">
+                <a:solidFill>
+                  <a:schemeClr val="accent1">
+                    <a:lumMod val="75000"/>
+                  </a:schemeClr>
+                </a:solidFill>
+                <a:latin typeface="UVN Bai Sau Nhe" panose="04030405020802020C03" pitchFamily="82" charset="0"/>
+              </a:rPr>
+              <a:t>tiền</a:t>
+            </a:r>
+            <a:r>
+              <a:rPr lang="vi-VN" dirty="0">
+                <a:solidFill>
+                  <a:schemeClr val="accent1">
+                    <a:lumMod val="75000"/>
+                  </a:schemeClr>
+                </a:solidFill>
+                <a:latin typeface="UVN Bai Sau Nhe" panose="04030405020802020C03" pitchFamily="82" charset="0"/>
+              </a:rPr>
+              <a:t> </a:t>
+            </a:r>
+            <a:r>
+              <a:rPr lang="vi-VN" dirty="0" err="1">
+                <a:solidFill>
+                  <a:schemeClr val="accent1">
+                    <a:lumMod val="75000"/>
+                  </a:schemeClr>
+                </a:solidFill>
+                <a:latin typeface="UVN Bai Sau Nhe" panose="04030405020802020C03" pitchFamily="82" charset="0"/>
+              </a:rPr>
+              <a:t>xử</a:t>
+            </a:r>
+            <a:r>
+              <a:rPr lang="vi-VN" dirty="0">
+                <a:solidFill>
+                  <a:schemeClr val="accent1">
+                    <a:lumMod val="75000"/>
+                  </a:schemeClr>
+                </a:solidFill>
+                <a:latin typeface="UVN Bai Sau Nhe" panose="04030405020802020C03" pitchFamily="82" charset="0"/>
+              </a:rPr>
+              <a:t> </a:t>
+            </a:r>
+            <a:r>
+              <a:rPr lang="vi-VN" dirty="0" err="1">
+                <a:solidFill>
+                  <a:schemeClr val="accent1">
+                    <a:lumMod val="75000"/>
+                  </a:schemeClr>
+                </a:solidFill>
+                <a:latin typeface="UVN Bai Sau Nhe" panose="04030405020802020C03" pitchFamily="82" charset="0"/>
+              </a:rPr>
+              <a:t>lí</a:t>
+            </a:r>
+            <a:r>
+              <a:rPr lang="vi-VN" dirty="0">
+                <a:solidFill>
+                  <a:schemeClr val="accent1">
+                    <a:lumMod val="75000"/>
+                  </a:schemeClr>
+                </a:solidFill>
+                <a:latin typeface="UVN Bai Sau Nhe" panose="04030405020802020C03" pitchFamily="82" charset="0"/>
+              </a:rPr>
+              <a:t> </a:t>
+            </a:r>
+            <a:r>
+              <a:rPr lang="vi-VN" dirty="0" err="1">
+                <a:solidFill>
+                  <a:schemeClr val="accent1">
+                    <a:lumMod val="75000"/>
+                  </a:schemeClr>
+                </a:solidFill>
+                <a:latin typeface="UVN Bai Sau Nhe" panose="04030405020802020C03" pitchFamily="82" charset="0"/>
+              </a:rPr>
+              <a:t>để</a:t>
+            </a:r>
+            <a:r>
+              <a:rPr lang="vi-VN" dirty="0">
+                <a:solidFill>
+                  <a:schemeClr val="accent1">
+                    <a:lumMod val="75000"/>
+                  </a:schemeClr>
+                </a:solidFill>
+                <a:latin typeface="UVN Bai Sau Nhe" panose="04030405020802020C03" pitchFamily="82" charset="0"/>
+              </a:rPr>
+              <a:t> </a:t>
+            </a:r>
+            <a:r>
+              <a:rPr lang="vi-VN" dirty="0" err="1">
+                <a:solidFill>
+                  <a:schemeClr val="accent1">
+                    <a:lumMod val="75000"/>
+                  </a:schemeClr>
+                </a:solidFill>
+                <a:latin typeface="UVN Bai Sau Nhe" panose="04030405020802020C03" pitchFamily="82" charset="0"/>
+              </a:rPr>
+              <a:t>có</a:t>
+            </a:r>
+            <a:r>
+              <a:rPr lang="vi-VN" dirty="0">
+                <a:solidFill>
+                  <a:schemeClr val="accent1">
+                    <a:lumMod val="75000"/>
+                  </a:schemeClr>
+                </a:solidFill>
+                <a:latin typeface="UVN Bai Sau Nhe" panose="04030405020802020C03" pitchFamily="82" charset="0"/>
+              </a:rPr>
+              <a:t> </a:t>
+            </a:r>
+            <a:r>
+              <a:rPr lang="vi-VN" dirty="0" err="1">
+                <a:solidFill>
+                  <a:schemeClr val="accent1">
+                    <a:lumMod val="75000"/>
+                  </a:schemeClr>
+                </a:solidFill>
+                <a:latin typeface="UVN Bai Sau Nhe" panose="04030405020802020C03" pitchFamily="82" charset="0"/>
+              </a:rPr>
+              <a:t>được</a:t>
+            </a:r>
+            <a:r>
+              <a:rPr lang="vi-VN" dirty="0">
+                <a:solidFill>
+                  <a:schemeClr val="accent1">
+                    <a:lumMod val="75000"/>
+                  </a:schemeClr>
+                </a:solidFill>
+                <a:latin typeface="UVN Bai Sau Nhe" panose="04030405020802020C03" pitchFamily="82" charset="0"/>
+              </a:rPr>
+              <a:t> </a:t>
+            </a:r>
+            <a:r>
+              <a:rPr lang="vi-VN" dirty="0" err="1">
+                <a:solidFill>
+                  <a:schemeClr val="accent1">
+                    <a:lumMod val="75000"/>
+                  </a:schemeClr>
+                </a:solidFill>
+                <a:latin typeface="UVN Bai Sau Nhe" panose="04030405020802020C03" pitchFamily="82" charset="0"/>
+              </a:rPr>
+              <a:t>dữ</a:t>
+            </a:r>
+            <a:r>
+              <a:rPr lang="vi-VN" dirty="0">
+                <a:solidFill>
+                  <a:schemeClr val="accent1">
+                    <a:lumMod val="75000"/>
+                  </a:schemeClr>
+                </a:solidFill>
+                <a:latin typeface="UVN Bai Sau Nhe" panose="04030405020802020C03" pitchFamily="82" charset="0"/>
+              </a:rPr>
+              <a:t> </a:t>
+            </a:r>
+            <a:r>
+              <a:rPr lang="vi-VN" dirty="0" err="1">
+                <a:solidFill>
+                  <a:schemeClr val="accent1">
+                    <a:lumMod val="75000"/>
+                  </a:schemeClr>
+                </a:solidFill>
+                <a:latin typeface="UVN Bai Sau Nhe" panose="04030405020802020C03" pitchFamily="82" charset="0"/>
+              </a:rPr>
+              <a:t>liệu</a:t>
+            </a:r>
+            <a:r>
+              <a:rPr lang="vi-VN" dirty="0">
+                <a:solidFill>
+                  <a:schemeClr val="accent1">
+                    <a:lumMod val="75000"/>
+                  </a:schemeClr>
+                </a:solidFill>
+                <a:latin typeface="UVN Bai Sau Nhe" panose="04030405020802020C03" pitchFamily="82" charset="0"/>
+              </a:rPr>
+              <a:t> </a:t>
+            </a:r>
+            <a:r>
+              <a:rPr lang="vi-VN" dirty="0" err="1">
+                <a:solidFill>
+                  <a:schemeClr val="accent1">
+                    <a:lumMod val="75000"/>
+                  </a:schemeClr>
+                </a:solidFill>
+                <a:latin typeface="UVN Bai Sau Nhe" panose="04030405020802020C03" pitchFamily="82" charset="0"/>
+              </a:rPr>
+              <a:t>mà</a:t>
+            </a:r>
+            <a:r>
+              <a:rPr lang="vi-VN" dirty="0">
+                <a:solidFill>
+                  <a:schemeClr val="accent1">
+                    <a:lumMod val="75000"/>
+                  </a:schemeClr>
+                </a:solidFill>
+                <a:latin typeface="UVN Bai Sau Nhe" panose="04030405020802020C03" pitchFamily="82" charset="0"/>
+              </a:rPr>
+              <a:t> </a:t>
+            </a:r>
+            <a:r>
+              <a:rPr lang="vi-VN" dirty="0" err="1">
+                <a:solidFill>
+                  <a:schemeClr val="accent1">
+                    <a:lumMod val="75000"/>
+                  </a:schemeClr>
+                </a:solidFill>
+                <a:latin typeface="UVN Bai Sau Nhe" panose="04030405020802020C03" pitchFamily="82" charset="0"/>
+              </a:rPr>
+              <a:t>có</a:t>
+            </a:r>
+            <a:r>
+              <a:rPr lang="vi-VN" dirty="0">
+                <a:solidFill>
+                  <a:schemeClr val="accent1">
+                    <a:lumMod val="75000"/>
+                  </a:schemeClr>
+                </a:solidFill>
+                <a:latin typeface="UVN Bai Sau Nhe" panose="04030405020802020C03" pitchFamily="82" charset="0"/>
+              </a:rPr>
+              <a:t> </a:t>
+            </a:r>
+            <a:r>
+              <a:rPr lang="vi-VN" dirty="0" err="1">
+                <a:solidFill>
+                  <a:schemeClr val="accent1">
+                    <a:lumMod val="75000"/>
+                  </a:schemeClr>
+                </a:solidFill>
+                <a:latin typeface="UVN Bai Sau Nhe" panose="04030405020802020C03" pitchFamily="82" charset="0"/>
+              </a:rPr>
+              <a:t>thể</a:t>
+            </a:r>
+            <a:r>
+              <a:rPr lang="vi-VN" dirty="0">
+                <a:solidFill>
+                  <a:schemeClr val="accent1">
+                    <a:lumMod val="75000"/>
+                  </a:schemeClr>
+                </a:solidFill>
+                <a:latin typeface="UVN Bai Sau Nhe" panose="04030405020802020C03" pitchFamily="82" charset="0"/>
+              </a:rPr>
+              <a:t> phân </a:t>
+            </a:r>
+            <a:r>
+              <a:rPr lang="vi-VN" dirty="0" err="1">
+                <a:solidFill>
+                  <a:schemeClr val="accent1">
+                    <a:lumMod val="75000"/>
+                  </a:schemeClr>
+                </a:solidFill>
+                <a:latin typeface="UVN Bai Sau Nhe" panose="04030405020802020C03" pitchFamily="82" charset="0"/>
+              </a:rPr>
+              <a:t>tích</a:t>
+            </a:r>
+            <a:r>
+              <a:rPr lang="vi-VN" dirty="0">
+                <a:solidFill>
+                  <a:schemeClr val="accent1">
+                    <a:lumMod val="75000"/>
+                  </a:schemeClr>
+                </a:solidFill>
+                <a:latin typeface="UVN Bai Sau Nhe" panose="04030405020802020C03" pitchFamily="82" charset="0"/>
+              </a:rPr>
+              <a:t> </a:t>
+            </a:r>
+            <a:r>
+              <a:rPr lang="vi-VN" dirty="0" err="1">
+                <a:solidFill>
+                  <a:schemeClr val="accent1">
+                    <a:lumMod val="75000"/>
+                  </a:schemeClr>
+                </a:solidFill>
+                <a:latin typeface="UVN Bai Sau Nhe" panose="04030405020802020C03" pitchFamily="82" charset="0"/>
+              </a:rPr>
+              <a:t>được</a:t>
+            </a:r>
+            <a:br>
+              <a:rPr lang="vi-VN" dirty="0">
+                <a:solidFill>
+                  <a:schemeClr val="accent1">
+                    <a:lumMod val="75000"/>
+                  </a:schemeClr>
+                </a:solidFill>
+                <a:latin typeface="UVN Bai Sau Nhe" panose="04030405020802020C03" pitchFamily="82" charset="0"/>
+              </a:rPr>
+            </a:br>
+            <a:endParaRPr lang="en-US" dirty="0">
+              <a:solidFill>
+                <a:schemeClr val="accent1">
+                  <a:lumMod val="75000"/>
+                </a:schemeClr>
+              </a:solidFill>
+              <a:latin typeface="UVN Bai Sau Nhe" panose="04030405020802020C03" pitchFamily="82" charset="0"/>
+            </a:endParaRPr>
+          </a:p>
+        </p:txBody>
+      </p:sp>
+      <p:sp>
+        <p:nvSpPr>
+          <p:cNvPr id="3" name="Chỗ dành sẵn cho Nội dung 2">
+            <a:extLst>
+              <a:ext uri="{FF2B5EF4-FFF2-40B4-BE49-F238E27FC236}">
+                <a16:creationId xmlns:a16="http://schemas.microsoft.com/office/drawing/2014/main" id="{B009B68D-914C-43B3-A914-D219D48B5C13}"/>
+              </a:ext>
+            </a:extLst>
+          </p:cNvPr>
+          <p:cNvSpPr>
+            <a:spLocks noGrp="1"/>
+          </p:cNvSpPr>
+          <p:nvPr>
+            <p:ph idx="1"/>
+          </p:nvPr>
+        </p:nvSpPr>
+        <p:spPr/>
+        <p:txBody>
+          <a:bodyPr/>
+          <a:lstStyle/>
+          <a:p>
+            <a:r>
+              <a:rPr lang="en-US" dirty="0" err="1">
+                <a:latin typeface="UVN Bai Sau Nhe" panose="04030405020802020C03" pitchFamily="82" charset="0"/>
+              </a:rPr>
+              <a:t>Tiền</a:t>
+            </a:r>
+            <a:r>
+              <a:rPr lang="en-US" dirty="0">
+                <a:latin typeface="UVN Bai Sau Nhe" panose="04030405020802020C03" pitchFamily="82" charset="0"/>
+              </a:rPr>
+              <a:t> </a:t>
+            </a:r>
+            <a:r>
+              <a:rPr lang="en-US" dirty="0" err="1">
+                <a:latin typeface="UVN Bai Sau Nhe" panose="04030405020802020C03" pitchFamily="82" charset="0"/>
+              </a:rPr>
+              <a:t>xử</a:t>
+            </a:r>
+            <a:r>
+              <a:rPr lang="en-US" dirty="0">
+                <a:latin typeface="UVN Bai Sau Nhe" panose="04030405020802020C03" pitchFamily="82" charset="0"/>
+              </a:rPr>
+              <a:t> </a:t>
+            </a:r>
+            <a:r>
+              <a:rPr lang="en-US" dirty="0" err="1">
+                <a:latin typeface="UVN Bai Sau Nhe" panose="04030405020802020C03" pitchFamily="82" charset="0"/>
+              </a:rPr>
+              <a:t>lý</a:t>
+            </a:r>
+            <a:r>
+              <a:rPr lang="en-US" dirty="0">
+                <a:latin typeface="UVN Bai Sau Nhe" panose="04030405020802020C03" pitchFamily="82" charset="0"/>
+              </a:rPr>
+              <a:t>:</a:t>
+            </a:r>
+          </a:p>
+          <a:p>
+            <a:pPr>
+              <a:buFontTx/>
+              <a:buChar char="-"/>
+            </a:pPr>
+            <a:r>
+              <a:rPr lang="en-US" dirty="0" err="1">
+                <a:latin typeface="UVN Bai Sau Nhe" panose="04030405020802020C03" pitchFamily="82" charset="0"/>
+              </a:rPr>
+              <a:t>Từ</a:t>
+            </a:r>
+            <a:r>
+              <a:rPr lang="en-US" dirty="0">
+                <a:latin typeface="UVN Bai Sau Nhe" panose="04030405020802020C03" pitchFamily="82" charset="0"/>
+              </a:rPr>
+              <a:t> </a:t>
+            </a:r>
+            <a:r>
+              <a:rPr lang="en-US" dirty="0" err="1">
+                <a:latin typeface="UVN Bai Sau Nhe" panose="04030405020802020C03" pitchFamily="82" charset="0"/>
+              </a:rPr>
+              <a:t>thuộc</a:t>
+            </a:r>
+            <a:r>
+              <a:rPr lang="en-US" dirty="0">
+                <a:latin typeface="UVN Bai Sau Nhe" panose="04030405020802020C03" pitchFamily="82" charset="0"/>
+              </a:rPr>
+              <a:t> </a:t>
+            </a:r>
+            <a:r>
+              <a:rPr lang="en-US" dirty="0" err="1">
+                <a:latin typeface="UVN Bai Sau Nhe" panose="04030405020802020C03" pitchFamily="82" charset="0"/>
+              </a:rPr>
+              <a:t>tính</a:t>
+            </a:r>
+            <a:r>
+              <a:rPr lang="en-US" dirty="0">
+                <a:latin typeface="UVN Bai Sau Nhe" panose="04030405020802020C03" pitchFamily="82" charset="0"/>
+              </a:rPr>
+              <a:t> </a:t>
+            </a:r>
+            <a:r>
+              <a:rPr lang="en-US" dirty="0" err="1">
+                <a:latin typeface="UVN Bai Sau Nhe" panose="04030405020802020C03" pitchFamily="82" charset="0"/>
+              </a:rPr>
+              <a:t>lat,long</a:t>
+            </a:r>
+            <a:r>
+              <a:rPr lang="en-US" dirty="0">
+                <a:latin typeface="UVN Bai Sau Nhe" panose="04030405020802020C03" pitchFamily="82" charset="0"/>
+              </a:rPr>
+              <a:t> </a:t>
+            </a:r>
+            <a:r>
+              <a:rPr lang="en-US" dirty="0">
+                <a:latin typeface="UVN Bai Sau Nhe" panose="04030405020802020C03" pitchFamily="82" charset="0"/>
+                <a:sym typeface="Wingdings" panose="05000000000000000000" pitchFamily="2" charset="2"/>
+              </a:rPr>
+              <a:t> </a:t>
+            </a:r>
+            <a:r>
+              <a:rPr lang="en-US" dirty="0" err="1">
+                <a:latin typeface="UVN Bai Sau Nhe" panose="04030405020802020C03" pitchFamily="82" charset="0"/>
+                <a:sym typeface="Wingdings" panose="05000000000000000000" pitchFamily="2" charset="2"/>
+              </a:rPr>
+              <a:t>thêm</a:t>
+            </a:r>
+            <a:r>
+              <a:rPr lang="en-US" dirty="0">
+                <a:latin typeface="UVN Bai Sau Nhe" panose="04030405020802020C03" pitchFamily="82" charset="0"/>
+                <a:sym typeface="Wingdings" panose="05000000000000000000" pitchFamily="2" charset="2"/>
+              </a:rPr>
+              <a:t> 3 </a:t>
+            </a:r>
+            <a:r>
+              <a:rPr lang="en-US" dirty="0" err="1">
+                <a:latin typeface="UVN Bai Sau Nhe" panose="04030405020802020C03" pitchFamily="82" charset="0"/>
+                <a:sym typeface="Wingdings" panose="05000000000000000000" pitchFamily="2" charset="2"/>
+              </a:rPr>
+              <a:t>thuộc</a:t>
+            </a:r>
+            <a:r>
+              <a:rPr lang="en-US" dirty="0">
+                <a:latin typeface="UVN Bai Sau Nhe" panose="04030405020802020C03" pitchFamily="82" charset="0"/>
+                <a:sym typeface="Wingdings" panose="05000000000000000000" pitchFamily="2" charset="2"/>
+              </a:rPr>
+              <a:t> </a:t>
+            </a:r>
+            <a:r>
+              <a:rPr lang="en-US" dirty="0" err="1">
+                <a:latin typeface="UVN Bai Sau Nhe" panose="04030405020802020C03" pitchFamily="82" charset="0"/>
+                <a:sym typeface="Wingdings" panose="05000000000000000000" pitchFamily="2" charset="2"/>
+              </a:rPr>
+              <a:t>tính</a:t>
+            </a:r>
+            <a:r>
+              <a:rPr lang="en-US" dirty="0">
+                <a:latin typeface="UVN Bai Sau Nhe" panose="04030405020802020C03" pitchFamily="82" charset="0"/>
+                <a:sym typeface="Wingdings" panose="05000000000000000000" pitchFamily="2" charset="2"/>
+              </a:rPr>
+              <a:t> </a:t>
+            </a:r>
+            <a:r>
+              <a:rPr lang="en-US" dirty="0" err="1">
+                <a:latin typeface="UVN Bai Sau Nhe" panose="04030405020802020C03" pitchFamily="82" charset="0"/>
+                <a:sym typeface="Wingdings" panose="05000000000000000000" pitchFamily="2" charset="2"/>
+              </a:rPr>
+              <a:t>khoảng</a:t>
+            </a:r>
+            <a:r>
+              <a:rPr lang="en-US" dirty="0">
+                <a:latin typeface="UVN Bai Sau Nhe" panose="04030405020802020C03" pitchFamily="82" charset="0"/>
+                <a:sym typeface="Wingdings" panose="05000000000000000000" pitchFamily="2" charset="2"/>
+              </a:rPr>
+              <a:t> </a:t>
+            </a:r>
+            <a:r>
+              <a:rPr lang="en-US" dirty="0" err="1">
+                <a:latin typeface="UVN Bai Sau Nhe" panose="04030405020802020C03" pitchFamily="82" charset="0"/>
+                <a:sym typeface="Wingdings" panose="05000000000000000000" pitchFamily="2" charset="2"/>
+              </a:rPr>
+              <a:t>cách</a:t>
+            </a:r>
+            <a:r>
+              <a:rPr lang="en-US" dirty="0">
+                <a:latin typeface="UVN Bai Sau Nhe" panose="04030405020802020C03" pitchFamily="82" charset="0"/>
+                <a:sym typeface="Wingdings" panose="05000000000000000000" pitchFamily="2" charset="2"/>
+              </a:rPr>
+              <a:t> </a:t>
+            </a:r>
+            <a:r>
+              <a:rPr lang="en-US" dirty="0" err="1">
+                <a:latin typeface="UVN Bai Sau Nhe" panose="04030405020802020C03" pitchFamily="82" charset="0"/>
+                <a:sym typeface="Wingdings" panose="05000000000000000000" pitchFamily="2" charset="2"/>
+              </a:rPr>
+              <a:t>từ</a:t>
+            </a:r>
+            <a:r>
+              <a:rPr lang="en-US" dirty="0">
+                <a:latin typeface="UVN Bai Sau Nhe" panose="04030405020802020C03" pitchFamily="82" charset="0"/>
+                <a:sym typeface="Wingdings" panose="05000000000000000000" pitchFamily="2" charset="2"/>
+              </a:rPr>
+              <a:t> </a:t>
+            </a:r>
+            <a:r>
+              <a:rPr lang="en-US" dirty="0" err="1">
+                <a:latin typeface="UVN Bai Sau Nhe" panose="04030405020802020C03" pitchFamily="82" charset="0"/>
+                <a:sym typeface="Wingdings" panose="05000000000000000000" pitchFamily="2" charset="2"/>
+              </a:rPr>
+              <a:t>khách</a:t>
+            </a:r>
+            <a:r>
+              <a:rPr lang="en-US" dirty="0">
+                <a:latin typeface="UVN Bai Sau Nhe" panose="04030405020802020C03" pitchFamily="82" charset="0"/>
+                <a:sym typeface="Wingdings" panose="05000000000000000000" pitchFamily="2" charset="2"/>
+              </a:rPr>
+              <a:t> </a:t>
+            </a:r>
+            <a:r>
+              <a:rPr lang="en-US" dirty="0" err="1">
+                <a:latin typeface="UVN Bai Sau Nhe" panose="04030405020802020C03" pitchFamily="82" charset="0"/>
+                <a:sym typeface="Wingdings" panose="05000000000000000000" pitchFamily="2" charset="2"/>
+              </a:rPr>
+              <a:t>sạn</a:t>
+            </a:r>
+            <a:r>
+              <a:rPr lang="en-US" dirty="0">
+                <a:latin typeface="UVN Bai Sau Nhe" panose="04030405020802020C03" pitchFamily="82" charset="0"/>
+                <a:sym typeface="Wingdings" panose="05000000000000000000" pitchFamily="2" charset="2"/>
+              </a:rPr>
+              <a:t> </a:t>
+            </a:r>
+            <a:r>
+              <a:rPr lang="en-US" dirty="0" err="1">
+                <a:latin typeface="UVN Bai Sau Nhe" panose="04030405020802020C03" pitchFamily="82" charset="0"/>
+                <a:sym typeface="Wingdings" panose="05000000000000000000" pitchFamily="2" charset="2"/>
+              </a:rPr>
+              <a:t>đến</a:t>
+            </a:r>
+            <a:r>
+              <a:rPr lang="en-US" dirty="0">
+                <a:latin typeface="UVN Bai Sau Nhe" panose="04030405020802020C03" pitchFamily="82" charset="0"/>
+                <a:sym typeface="Wingdings" panose="05000000000000000000" pitchFamily="2" charset="2"/>
+              </a:rPr>
+              <a:t> </a:t>
+            </a:r>
+            <a:r>
+              <a:rPr lang="en-US" dirty="0" err="1">
+                <a:latin typeface="UVN Bai Sau Nhe" panose="04030405020802020C03" pitchFamily="82" charset="0"/>
+                <a:sym typeface="Wingdings" panose="05000000000000000000" pitchFamily="2" charset="2"/>
+              </a:rPr>
+              <a:t>sân</a:t>
+            </a:r>
+            <a:r>
+              <a:rPr lang="en-US" dirty="0">
+                <a:latin typeface="UVN Bai Sau Nhe" panose="04030405020802020C03" pitchFamily="82" charset="0"/>
+                <a:sym typeface="Wingdings" panose="05000000000000000000" pitchFamily="2" charset="2"/>
+              </a:rPr>
+              <a:t> bay, </a:t>
+            </a:r>
+            <a:r>
+              <a:rPr lang="en-US" dirty="0" err="1">
+                <a:latin typeface="UVN Bai Sau Nhe" panose="04030405020802020C03" pitchFamily="82" charset="0"/>
+                <a:sym typeface="Wingdings" panose="05000000000000000000" pitchFamily="2" charset="2"/>
+              </a:rPr>
+              <a:t>từ</a:t>
+            </a:r>
+            <a:r>
+              <a:rPr lang="en-US" dirty="0">
+                <a:latin typeface="UVN Bai Sau Nhe" panose="04030405020802020C03" pitchFamily="82" charset="0"/>
+                <a:sym typeface="Wingdings" panose="05000000000000000000" pitchFamily="2" charset="2"/>
+              </a:rPr>
+              <a:t> </a:t>
+            </a:r>
+            <a:r>
+              <a:rPr lang="en-US" dirty="0" err="1">
+                <a:latin typeface="UVN Bai Sau Nhe" panose="04030405020802020C03" pitchFamily="82" charset="0"/>
+                <a:sym typeface="Wingdings" panose="05000000000000000000" pitchFamily="2" charset="2"/>
+              </a:rPr>
+              <a:t>khách</a:t>
+            </a:r>
+            <a:r>
+              <a:rPr lang="en-US" dirty="0">
+                <a:latin typeface="UVN Bai Sau Nhe" panose="04030405020802020C03" pitchFamily="82" charset="0"/>
+                <a:sym typeface="Wingdings" panose="05000000000000000000" pitchFamily="2" charset="2"/>
+              </a:rPr>
+              <a:t> </a:t>
+            </a:r>
+            <a:r>
+              <a:rPr lang="en-US" dirty="0" err="1">
+                <a:latin typeface="UVN Bai Sau Nhe" panose="04030405020802020C03" pitchFamily="82" charset="0"/>
+                <a:sym typeface="Wingdings" panose="05000000000000000000" pitchFamily="2" charset="2"/>
+              </a:rPr>
+              <a:t>sạn</a:t>
+            </a:r>
+            <a:r>
+              <a:rPr lang="en-US" dirty="0">
+                <a:latin typeface="UVN Bai Sau Nhe" panose="04030405020802020C03" pitchFamily="82" charset="0"/>
+                <a:sym typeface="Wingdings" panose="05000000000000000000" pitchFamily="2" charset="2"/>
+              </a:rPr>
+              <a:t> </a:t>
+            </a:r>
+            <a:r>
+              <a:rPr lang="en-US" dirty="0" err="1">
+                <a:latin typeface="UVN Bai Sau Nhe" panose="04030405020802020C03" pitchFamily="82" charset="0"/>
+                <a:sym typeface="Wingdings" panose="05000000000000000000" pitchFamily="2" charset="2"/>
+              </a:rPr>
+              <a:t>đến</a:t>
+            </a:r>
+            <a:r>
+              <a:rPr lang="en-US" dirty="0">
+                <a:latin typeface="UVN Bai Sau Nhe" panose="04030405020802020C03" pitchFamily="82" charset="0"/>
+                <a:sym typeface="Wingdings" panose="05000000000000000000" pitchFamily="2" charset="2"/>
+              </a:rPr>
+              <a:t> </a:t>
+            </a:r>
+            <a:r>
+              <a:rPr lang="en-US" dirty="0" err="1">
+                <a:latin typeface="UVN Bai Sau Nhe" panose="04030405020802020C03" pitchFamily="82" charset="0"/>
+                <a:sym typeface="Wingdings" panose="05000000000000000000" pitchFamily="2" charset="2"/>
+              </a:rPr>
+              <a:t>bến</a:t>
+            </a:r>
+            <a:r>
+              <a:rPr lang="en-US" dirty="0">
+                <a:latin typeface="UVN Bai Sau Nhe" panose="04030405020802020C03" pitchFamily="82" charset="0"/>
+                <a:sym typeface="Wingdings" panose="05000000000000000000" pitchFamily="2" charset="2"/>
+              </a:rPr>
+              <a:t> </a:t>
+            </a:r>
+            <a:r>
+              <a:rPr lang="en-US" dirty="0" err="1">
+                <a:latin typeface="UVN Bai Sau Nhe" panose="04030405020802020C03" pitchFamily="82" charset="0"/>
+                <a:sym typeface="Wingdings" panose="05000000000000000000" pitchFamily="2" charset="2"/>
+              </a:rPr>
+              <a:t>xe</a:t>
+            </a:r>
+            <a:r>
+              <a:rPr lang="en-US" dirty="0">
+                <a:latin typeface="UVN Bai Sau Nhe" panose="04030405020802020C03" pitchFamily="82" charset="0"/>
+                <a:sym typeface="Wingdings" panose="05000000000000000000" pitchFamily="2" charset="2"/>
+              </a:rPr>
+              <a:t>, </a:t>
+            </a:r>
+            <a:r>
+              <a:rPr lang="en-US" dirty="0" err="1">
+                <a:latin typeface="UVN Bai Sau Nhe" panose="04030405020802020C03" pitchFamily="82" charset="0"/>
+                <a:sym typeface="Wingdings" panose="05000000000000000000" pitchFamily="2" charset="2"/>
+              </a:rPr>
+              <a:t>từ</a:t>
+            </a:r>
+            <a:r>
+              <a:rPr lang="en-US" dirty="0">
+                <a:latin typeface="UVN Bai Sau Nhe" panose="04030405020802020C03" pitchFamily="82" charset="0"/>
+                <a:sym typeface="Wingdings" panose="05000000000000000000" pitchFamily="2" charset="2"/>
+              </a:rPr>
+              <a:t> </a:t>
+            </a:r>
+            <a:r>
+              <a:rPr lang="en-US" dirty="0" err="1">
+                <a:latin typeface="UVN Bai Sau Nhe" panose="04030405020802020C03" pitchFamily="82" charset="0"/>
+                <a:sym typeface="Wingdings" panose="05000000000000000000" pitchFamily="2" charset="2"/>
+              </a:rPr>
+              <a:t>khách</a:t>
+            </a:r>
+            <a:r>
+              <a:rPr lang="en-US" dirty="0">
+                <a:latin typeface="UVN Bai Sau Nhe" panose="04030405020802020C03" pitchFamily="82" charset="0"/>
+                <a:sym typeface="Wingdings" panose="05000000000000000000" pitchFamily="2" charset="2"/>
+              </a:rPr>
+              <a:t> </a:t>
+            </a:r>
+            <a:r>
+              <a:rPr lang="en-US" dirty="0" err="1">
+                <a:latin typeface="UVN Bai Sau Nhe" panose="04030405020802020C03" pitchFamily="82" charset="0"/>
+                <a:sym typeface="Wingdings" panose="05000000000000000000" pitchFamily="2" charset="2"/>
+              </a:rPr>
+              <a:t>sạn</a:t>
+            </a:r>
+            <a:r>
+              <a:rPr lang="en-US" dirty="0">
+                <a:latin typeface="UVN Bai Sau Nhe" panose="04030405020802020C03" pitchFamily="82" charset="0"/>
+                <a:sym typeface="Wingdings" panose="05000000000000000000" pitchFamily="2" charset="2"/>
+              </a:rPr>
+              <a:t> </a:t>
+            </a:r>
+            <a:r>
+              <a:rPr lang="en-US" dirty="0" err="1">
+                <a:latin typeface="UVN Bai Sau Nhe" panose="04030405020802020C03" pitchFamily="82" charset="0"/>
+                <a:sym typeface="Wingdings" panose="05000000000000000000" pitchFamily="2" charset="2"/>
+              </a:rPr>
+              <a:t>đến</a:t>
+            </a:r>
+            <a:r>
+              <a:rPr lang="en-US" dirty="0">
+                <a:latin typeface="UVN Bai Sau Nhe" panose="04030405020802020C03" pitchFamily="82" charset="0"/>
+                <a:sym typeface="Wingdings" panose="05000000000000000000" pitchFamily="2" charset="2"/>
+              </a:rPr>
+              <a:t> </a:t>
+            </a:r>
+            <a:r>
+              <a:rPr lang="en-US" dirty="0" err="1">
+                <a:latin typeface="UVN Bai Sau Nhe" panose="04030405020802020C03" pitchFamily="82" charset="0"/>
+                <a:sym typeface="Wingdings" panose="05000000000000000000" pitchFamily="2" charset="2"/>
+              </a:rPr>
+              <a:t>trung</a:t>
+            </a:r>
+            <a:r>
+              <a:rPr lang="en-US" dirty="0">
+                <a:latin typeface="UVN Bai Sau Nhe" panose="04030405020802020C03" pitchFamily="82" charset="0"/>
+                <a:sym typeface="Wingdings" panose="05000000000000000000" pitchFamily="2" charset="2"/>
+              </a:rPr>
+              <a:t> </a:t>
+            </a:r>
+            <a:r>
+              <a:rPr lang="en-US" dirty="0" err="1">
+                <a:latin typeface="UVN Bai Sau Nhe" panose="04030405020802020C03" pitchFamily="82" charset="0"/>
+                <a:sym typeface="Wingdings" panose="05000000000000000000" pitchFamily="2" charset="2"/>
+              </a:rPr>
+              <a:t>tâm</a:t>
+            </a:r>
+            <a:r>
+              <a:rPr lang="en-US" dirty="0">
+                <a:latin typeface="UVN Bai Sau Nhe" panose="04030405020802020C03" pitchFamily="82" charset="0"/>
+                <a:sym typeface="Wingdings" panose="05000000000000000000" pitchFamily="2" charset="2"/>
+              </a:rPr>
+              <a:t> </a:t>
+            </a:r>
+            <a:r>
+              <a:rPr lang="en-US" dirty="0" err="1">
+                <a:latin typeface="UVN Bai Sau Nhe" panose="04030405020802020C03" pitchFamily="82" charset="0"/>
+                <a:sym typeface="Wingdings" panose="05000000000000000000" pitchFamily="2" charset="2"/>
+              </a:rPr>
+              <a:t>thành</a:t>
+            </a:r>
+            <a:r>
+              <a:rPr lang="en-US" dirty="0">
+                <a:latin typeface="UVN Bai Sau Nhe" panose="04030405020802020C03" pitchFamily="82" charset="0"/>
+                <a:sym typeface="Wingdings" panose="05000000000000000000" pitchFamily="2" charset="2"/>
+              </a:rPr>
+              <a:t> </a:t>
+            </a:r>
+            <a:r>
+              <a:rPr lang="en-US" dirty="0" err="1">
+                <a:latin typeface="UVN Bai Sau Nhe" panose="04030405020802020C03" pitchFamily="82" charset="0"/>
+                <a:sym typeface="Wingdings" panose="05000000000000000000" pitchFamily="2" charset="2"/>
+              </a:rPr>
+              <a:t>phố</a:t>
+            </a:r>
+            <a:endParaRPr lang="en-US" dirty="0">
+              <a:latin typeface="UVN Bai Sau Nhe" panose="04030405020802020C03" pitchFamily="82" charset="0"/>
+              <a:sym typeface="Wingdings" panose="05000000000000000000" pitchFamily="2" charset="2"/>
+            </a:endParaRPr>
+          </a:p>
+          <a:p>
+            <a:pPr>
+              <a:buFontTx/>
+              <a:buChar char="-"/>
+            </a:pPr>
+            <a:r>
+              <a:rPr lang="en-US" dirty="0" err="1">
+                <a:latin typeface="UVN Bai Sau Nhe" panose="04030405020802020C03" pitchFamily="82" charset="0"/>
+                <a:sym typeface="Wingdings" panose="05000000000000000000" pitchFamily="2" charset="2"/>
+              </a:rPr>
+              <a:t>Từ</a:t>
+            </a:r>
+            <a:r>
+              <a:rPr lang="en-US" dirty="0">
+                <a:latin typeface="UVN Bai Sau Nhe" panose="04030405020802020C03" pitchFamily="82" charset="0"/>
+                <a:sym typeface="Wingdings" panose="05000000000000000000" pitchFamily="2" charset="2"/>
+              </a:rPr>
+              <a:t> </a:t>
+            </a:r>
+            <a:r>
+              <a:rPr lang="en-US" dirty="0" err="1">
+                <a:latin typeface="UVN Bai Sau Nhe" panose="04030405020802020C03" pitchFamily="82" charset="0"/>
+                <a:sym typeface="Wingdings" panose="05000000000000000000" pitchFamily="2" charset="2"/>
+              </a:rPr>
+              <a:t>thuộc</a:t>
+            </a:r>
+            <a:r>
+              <a:rPr lang="en-US" dirty="0">
+                <a:latin typeface="UVN Bai Sau Nhe" panose="04030405020802020C03" pitchFamily="82" charset="0"/>
+                <a:sym typeface="Wingdings" panose="05000000000000000000" pitchFamily="2" charset="2"/>
+              </a:rPr>
+              <a:t> </a:t>
+            </a:r>
+            <a:r>
+              <a:rPr lang="en-US" dirty="0" err="1">
+                <a:latin typeface="UVN Bai Sau Nhe" panose="04030405020802020C03" pitchFamily="82" charset="0"/>
+                <a:sym typeface="Wingdings" panose="05000000000000000000" pitchFamily="2" charset="2"/>
+              </a:rPr>
+              <a:t>tính</a:t>
+            </a:r>
+            <a:r>
+              <a:rPr lang="en-US" dirty="0">
+                <a:latin typeface="UVN Bai Sau Nhe" panose="04030405020802020C03" pitchFamily="82" charset="0"/>
+                <a:sym typeface="Wingdings" panose="05000000000000000000" pitchFamily="2" charset="2"/>
+              </a:rPr>
+              <a:t> </a:t>
+            </a:r>
+            <a:r>
+              <a:rPr lang="en-US" dirty="0" err="1">
+                <a:latin typeface="UVN Bai Sau Nhe" panose="04030405020802020C03" pitchFamily="82" charset="0"/>
+                <a:sym typeface="Wingdings" panose="05000000000000000000" pitchFamily="2" charset="2"/>
+              </a:rPr>
+              <a:t>checkin_day</a:t>
+            </a:r>
+            <a:r>
+              <a:rPr lang="en-US" dirty="0">
+                <a:latin typeface="UVN Bai Sau Nhe" panose="04030405020802020C03" pitchFamily="82" charset="0"/>
+                <a:sym typeface="Wingdings" panose="05000000000000000000" pitchFamily="2" charset="2"/>
+              </a:rPr>
+              <a:t>  </a:t>
+            </a:r>
+            <a:r>
+              <a:rPr lang="en-US" dirty="0" err="1">
+                <a:latin typeface="UVN Bai Sau Nhe" panose="04030405020802020C03" pitchFamily="82" charset="0"/>
+                <a:sym typeface="Wingdings" panose="05000000000000000000" pitchFamily="2" charset="2"/>
+              </a:rPr>
+              <a:t>thêm</a:t>
+            </a:r>
+            <a:r>
+              <a:rPr lang="en-US" dirty="0">
+                <a:latin typeface="UVN Bai Sau Nhe" panose="04030405020802020C03" pitchFamily="82" charset="0"/>
+                <a:sym typeface="Wingdings" panose="05000000000000000000" pitchFamily="2" charset="2"/>
+              </a:rPr>
+              <a:t> 3 </a:t>
+            </a:r>
+            <a:r>
+              <a:rPr lang="en-US" dirty="0" err="1">
+                <a:latin typeface="UVN Bai Sau Nhe" panose="04030405020802020C03" pitchFamily="82" charset="0"/>
+                <a:sym typeface="Wingdings" panose="05000000000000000000" pitchFamily="2" charset="2"/>
+              </a:rPr>
+              <a:t>thuộc</a:t>
+            </a:r>
+            <a:r>
+              <a:rPr lang="en-US" dirty="0">
+                <a:latin typeface="UVN Bai Sau Nhe" panose="04030405020802020C03" pitchFamily="82" charset="0"/>
+                <a:sym typeface="Wingdings" panose="05000000000000000000" pitchFamily="2" charset="2"/>
+              </a:rPr>
+              <a:t> </a:t>
+            </a:r>
+            <a:r>
+              <a:rPr lang="en-US" dirty="0" err="1">
+                <a:latin typeface="UVN Bai Sau Nhe" panose="04030405020802020C03" pitchFamily="82" charset="0"/>
+                <a:sym typeface="Wingdings" panose="05000000000000000000" pitchFamily="2" charset="2"/>
+              </a:rPr>
+              <a:t>tính</a:t>
+            </a:r>
+            <a:r>
+              <a:rPr lang="en-US" dirty="0">
+                <a:latin typeface="UVN Bai Sau Nhe" panose="04030405020802020C03" pitchFamily="82" charset="0"/>
+                <a:sym typeface="Wingdings" panose="05000000000000000000" pitchFamily="2" charset="2"/>
+              </a:rPr>
+              <a:t> </a:t>
+            </a:r>
+            <a:r>
+              <a:rPr lang="en-US" dirty="0" err="1">
+                <a:latin typeface="UVN Bai Sau Nhe" panose="04030405020802020C03" pitchFamily="82" charset="0"/>
+                <a:sym typeface="Wingdings" panose="05000000000000000000" pitchFamily="2" charset="2"/>
+              </a:rPr>
+              <a:t>khoảng</a:t>
+            </a:r>
+            <a:r>
+              <a:rPr lang="en-US" dirty="0">
+                <a:latin typeface="UVN Bai Sau Nhe" panose="04030405020802020C03" pitchFamily="82" charset="0"/>
+                <a:sym typeface="Wingdings" panose="05000000000000000000" pitchFamily="2" charset="2"/>
+              </a:rPr>
+              <a:t> </a:t>
+            </a:r>
+            <a:r>
+              <a:rPr lang="en-US" dirty="0" err="1">
+                <a:latin typeface="UVN Bai Sau Nhe" panose="04030405020802020C03" pitchFamily="82" charset="0"/>
+                <a:sym typeface="Wingdings" panose="05000000000000000000" pitchFamily="2" charset="2"/>
+              </a:rPr>
+              <a:t>cách</a:t>
+            </a:r>
+            <a:r>
+              <a:rPr lang="en-US" dirty="0">
+                <a:latin typeface="UVN Bai Sau Nhe" panose="04030405020802020C03" pitchFamily="82" charset="0"/>
+                <a:sym typeface="Wingdings" panose="05000000000000000000" pitchFamily="2" charset="2"/>
+              </a:rPr>
+              <a:t> </a:t>
+            </a:r>
+            <a:r>
+              <a:rPr lang="en-US" dirty="0" err="1">
+                <a:latin typeface="UVN Bai Sau Nhe" panose="04030405020802020C03" pitchFamily="82" charset="0"/>
+                <a:sym typeface="Wingdings" panose="05000000000000000000" pitchFamily="2" charset="2"/>
+              </a:rPr>
+              <a:t>từ</a:t>
+            </a:r>
+            <a:r>
+              <a:rPr lang="en-US" dirty="0">
+                <a:latin typeface="UVN Bai Sau Nhe" panose="04030405020802020C03" pitchFamily="82" charset="0"/>
+                <a:sym typeface="Wingdings" panose="05000000000000000000" pitchFamily="2" charset="2"/>
+              </a:rPr>
+              <a:t> </a:t>
+            </a:r>
+            <a:r>
+              <a:rPr lang="en-US" dirty="0" err="1">
+                <a:latin typeface="UVN Bai Sau Nhe" panose="04030405020802020C03" pitchFamily="82" charset="0"/>
+                <a:sym typeface="Wingdings" panose="05000000000000000000" pitchFamily="2" charset="2"/>
+              </a:rPr>
+              <a:t>ngày</a:t>
+            </a:r>
+            <a:r>
+              <a:rPr lang="en-US" dirty="0">
+                <a:latin typeface="UVN Bai Sau Nhe" panose="04030405020802020C03" pitchFamily="82" charset="0"/>
+                <a:sym typeface="Wingdings" panose="05000000000000000000" pitchFamily="2" charset="2"/>
+              </a:rPr>
+              <a:t> </a:t>
+            </a:r>
+            <a:r>
+              <a:rPr lang="en-US" dirty="0" err="1">
+                <a:latin typeface="UVN Bai Sau Nhe" panose="04030405020802020C03" pitchFamily="82" charset="0"/>
+                <a:sym typeface="Wingdings" panose="05000000000000000000" pitchFamily="2" charset="2"/>
+              </a:rPr>
+              <a:t>đặt</a:t>
+            </a:r>
+            <a:r>
+              <a:rPr lang="en-US" dirty="0">
+                <a:latin typeface="UVN Bai Sau Nhe" panose="04030405020802020C03" pitchFamily="82" charset="0"/>
+                <a:sym typeface="Wingdings" panose="05000000000000000000" pitchFamily="2" charset="2"/>
+              </a:rPr>
+              <a:t> </a:t>
+            </a:r>
+            <a:r>
+              <a:rPr lang="en-US" dirty="0" err="1">
+                <a:latin typeface="UVN Bai Sau Nhe" panose="04030405020802020C03" pitchFamily="82" charset="0"/>
+                <a:sym typeface="Wingdings" panose="05000000000000000000" pitchFamily="2" charset="2"/>
+              </a:rPr>
+              <a:t>phòng</a:t>
+            </a:r>
+            <a:r>
+              <a:rPr lang="en-US" dirty="0">
+                <a:latin typeface="UVN Bai Sau Nhe" panose="04030405020802020C03" pitchFamily="82" charset="0"/>
+                <a:sym typeface="Wingdings" panose="05000000000000000000" pitchFamily="2" charset="2"/>
+              </a:rPr>
+              <a:t> </a:t>
+            </a:r>
+            <a:r>
+              <a:rPr lang="en-US" dirty="0" err="1">
+                <a:latin typeface="UVN Bai Sau Nhe" panose="04030405020802020C03" pitchFamily="82" charset="0"/>
+                <a:sym typeface="Wingdings" panose="05000000000000000000" pitchFamily="2" charset="2"/>
+              </a:rPr>
+              <a:t>đến</a:t>
+            </a:r>
+            <a:r>
+              <a:rPr lang="en-US" dirty="0">
+                <a:latin typeface="UVN Bai Sau Nhe" panose="04030405020802020C03" pitchFamily="82" charset="0"/>
+                <a:sym typeface="Wingdings" panose="05000000000000000000" pitchFamily="2" charset="2"/>
+              </a:rPr>
+              <a:t> </a:t>
+            </a:r>
+            <a:r>
+              <a:rPr lang="en-US" dirty="0" err="1">
+                <a:latin typeface="UVN Bai Sau Nhe" panose="04030405020802020C03" pitchFamily="82" charset="0"/>
+                <a:sym typeface="Wingdings" panose="05000000000000000000" pitchFamily="2" charset="2"/>
+              </a:rPr>
+              <a:t>ngày</a:t>
+            </a:r>
+            <a:r>
+              <a:rPr lang="en-US" dirty="0">
+                <a:latin typeface="UVN Bai Sau Nhe" panose="04030405020802020C03" pitchFamily="82" charset="0"/>
+                <a:sym typeface="Wingdings" panose="05000000000000000000" pitchFamily="2" charset="2"/>
+              </a:rPr>
+              <a:t> </a:t>
+            </a:r>
+            <a:r>
+              <a:rPr lang="en-US" dirty="0" err="1">
+                <a:latin typeface="UVN Bai Sau Nhe" panose="04030405020802020C03" pitchFamily="82" charset="0"/>
+                <a:sym typeface="Wingdings" panose="05000000000000000000" pitchFamily="2" charset="2"/>
+              </a:rPr>
+              <a:t>nhận</a:t>
+            </a:r>
+            <a:r>
+              <a:rPr lang="en-US" dirty="0">
+                <a:latin typeface="UVN Bai Sau Nhe" panose="04030405020802020C03" pitchFamily="82" charset="0"/>
+                <a:sym typeface="Wingdings" panose="05000000000000000000" pitchFamily="2" charset="2"/>
+              </a:rPr>
+              <a:t> </a:t>
+            </a:r>
+            <a:r>
+              <a:rPr lang="en-US" dirty="0" err="1">
+                <a:latin typeface="UVN Bai Sau Nhe" panose="04030405020802020C03" pitchFamily="82" charset="0"/>
+                <a:sym typeface="Wingdings" panose="05000000000000000000" pitchFamily="2" charset="2"/>
+              </a:rPr>
+              <a:t>phòng</a:t>
+            </a:r>
+            <a:r>
+              <a:rPr lang="en-US" dirty="0">
+                <a:latin typeface="UVN Bai Sau Nhe" panose="04030405020802020C03" pitchFamily="82" charset="0"/>
+                <a:sym typeface="Wingdings" panose="05000000000000000000" pitchFamily="2" charset="2"/>
+              </a:rPr>
+              <a:t>, </a:t>
+            </a:r>
+            <a:r>
+              <a:rPr lang="en-US" dirty="0" err="1">
+                <a:latin typeface="UVN Bai Sau Nhe" panose="04030405020802020C03" pitchFamily="82" charset="0"/>
+                <a:sym typeface="Wingdings" panose="05000000000000000000" pitchFamily="2" charset="2"/>
+              </a:rPr>
+              <a:t>có</a:t>
+            </a:r>
+            <a:r>
+              <a:rPr lang="en-US" dirty="0">
+                <a:latin typeface="UVN Bai Sau Nhe" panose="04030405020802020C03" pitchFamily="82" charset="0"/>
+                <a:sym typeface="Wingdings" panose="05000000000000000000" pitchFamily="2" charset="2"/>
+              </a:rPr>
+              <a:t> </a:t>
+            </a:r>
+            <a:r>
+              <a:rPr lang="en-US" dirty="0" err="1">
+                <a:latin typeface="UVN Bai Sau Nhe" panose="04030405020802020C03" pitchFamily="82" charset="0"/>
+                <a:sym typeface="Wingdings" panose="05000000000000000000" pitchFamily="2" charset="2"/>
+              </a:rPr>
+              <a:t>phải</a:t>
+            </a:r>
+            <a:r>
+              <a:rPr lang="en-US" dirty="0">
+                <a:latin typeface="UVN Bai Sau Nhe" panose="04030405020802020C03" pitchFamily="82" charset="0"/>
+                <a:sym typeface="Wingdings" panose="05000000000000000000" pitchFamily="2" charset="2"/>
+              </a:rPr>
+              <a:t> </a:t>
+            </a:r>
+            <a:r>
+              <a:rPr lang="en-US" dirty="0" err="1">
+                <a:latin typeface="UVN Bai Sau Nhe" panose="04030405020802020C03" pitchFamily="82" charset="0"/>
+                <a:sym typeface="Wingdings" panose="05000000000000000000" pitchFamily="2" charset="2"/>
+              </a:rPr>
+              <a:t>kì</a:t>
+            </a:r>
+            <a:r>
+              <a:rPr lang="en-US" dirty="0">
+                <a:latin typeface="UVN Bai Sau Nhe" panose="04030405020802020C03" pitchFamily="82" charset="0"/>
+                <a:sym typeface="Wingdings" panose="05000000000000000000" pitchFamily="2" charset="2"/>
+              </a:rPr>
+              <a:t> </a:t>
+            </a:r>
+            <a:r>
+              <a:rPr lang="en-US" dirty="0" err="1">
+                <a:latin typeface="UVN Bai Sau Nhe" panose="04030405020802020C03" pitchFamily="82" charset="0"/>
+                <a:sym typeface="Wingdings" panose="05000000000000000000" pitchFamily="2" charset="2"/>
+              </a:rPr>
+              <a:t>nghĩ</a:t>
+            </a:r>
+            <a:r>
+              <a:rPr lang="en-US" dirty="0">
+                <a:latin typeface="UVN Bai Sau Nhe" panose="04030405020802020C03" pitchFamily="82" charset="0"/>
+                <a:sym typeface="Wingdings" panose="05000000000000000000" pitchFamily="2" charset="2"/>
+              </a:rPr>
+              <a:t> </a:t>
+            </a:r>
+            <a:r>
+              <a:rPr lang="en-US" dirty="0" err="1">
+                <a:latin typeface="UVN Bai Sau Nhe" panose="04030405020802020C03" pitchFamily="82" charset="0"/>
+                <a:sym typeface="Wingdings" panose="05000000000000000000" pitchFamily="2" charset="2"/>
+              </a:rPr>
+              <a:t>lễ</a:t>
+            </a:r>
+            <a:r>
+              <a:rPr lang="en-US" dirty="0">
+                <a:latin typeface="UVN Bai Sau Nhe" panose="04030405020802020C03" pitchFamily="82" charset="0"/>
+                <a:sym typeface="Wingdings" panose="05000000000000000000" pitchFamily="2" charset="2"/>
+              </a:rPr>
+              <a:t> hay </a:t>
+            </a:r>
+            <a:r>
+              <a:rPr lang="en-US" dirty="0" err="1">
+                <a:latin typeface="UVN Bai Sau Nhe" panose="04030405020802020C03" pitchFamily="82" charset="0"/>
+                <a:sym typeface="Wingdings" panose="05000000000000000000" pitchFamily="2" charset="2"/>
+              </a:rPr>
+              <a:t>không</a:t>
+            </a:r>
+            <a:r>
+              <a:rPr lang="en-US" dirty="0">
+                <a:latin typeface="UVN Bai Sau Nhe" panose="04030405020802020C03" pitchFamily="82" charset="0"/>
+                <a:sym typeface="Wingdings" panose="05000000000000000000" pitchFamily="2" charset="2"/>
+              </a:rPr>
+              <a:t>, </a:t>
+            </a:r>
+            <a:r>
+              <a:rPr lang="en-US" dirty="0" err="1">
+                <a:latin typeface="UVN Bai Sau Nhe" panose="04030405020802020C03" pitchFamily="82" charset="0"/>
+                <a:sym typeface="Wingdings" panose="05000000000000000000" pitchFamily="2" charset="2"/>
+              </a:rPr>
+              <a:t>ngày</a:t>
+            </a:r>
+            <a:r>
+              <a:rPr lang="en-US" dirty="0">
+                <a:latin typeface="UVN Bai Sau Nhe" panose="04030405020802020C03" pitchFamily="82" charset="0"/>
+                <a:sym typeface="Wingdings" panose="05000000000000000000" pitchFamily="2" charset="2"/>
+              </a:rPr>
+              <a:t> </a:t>
+            </a:r>
+            <a:r>
+              <a:rPr lang="en-US" dirty="0" err="1">
+                <a:latin typeface="UVN Bai Sau Nhe" panose="04030405020802020C03" pitchFamily="82" charset="0"/>
+                <a:sym typeface="Wingdings" panose="05000000000000000000" pitchFamily="2" charset="2"/>
+              </a:rPr>
+              <a:t>nhận</a:t>
+            </a:r>
+            <a:r>
+              <a:rPr lang="en-US" dirty="0">
+                <a:latin typeface="UVN Bai Sau Nhe" panose="04030405020802020C03" pitchFamily="82" charset="0"/>
+                <a:sym typeface="Wingdings" panose="05000000000000000000" pitchFamily="2" charset="2"/>
+              </a:rPr>
+              <a:t> </a:t>
+            </a:r>
+            <a:r>
+              <a:rPr lang="en-US" dirty="0" err="1">
+                <a:latin typeface="UVN Bai Sau Nhe" panose="04030405020802020C03" pitchFamily="82" charset="0"/>
+                <a:sym typeface="Wingdings" panose="05000000000000000000" pitchFamily="2" charset="2"/>
+              </a:rPr>
+              <a:t>phòng</a:t>
+            </a:r>
+            <a:r>
+              <a:rPr lang="en-US" dirty="0">
+                <a:latin typeface="UVN Bai Sau Nhe" panose="04030405020802020C03" pitchFamily="82" charset="0"/>
+                <a:sym typeface="Wingdings" panose="05000000000000000000" pitchFamily="2" charset="2"/>
+              </a:rPr>
+              <a:t> </a:t>
+            </a:r>
+            <a:r>
+              <a:rPr lang="en-US" dirty="0" err="1">
+                <a:latin typeface="UVN Bai Sau Nhe" panose="04030405020802020C03" pitchFamily="82" charset="0"/>
+                <a:sym typeface="Wingdings" panose="05000000000000000000" pitchFamily="2" charset="2"/>
+              </a:rPr>
+              <a:t>là</a:t>
+            </a:r>
+            <a:r>
+              <a:rPr lang="en-US" dirty="0">
+                <a:latin typeface="UVN Bai Sau Nhe" panose="04030405020802020C03" pitchFamily="82" charset="0"/>
+                <a:sym typeface="Wingdings" panose="05000000000000000000" pitchFamily="2" charset="2"/>
+              </a:rPr>
+              <a:t> </a:t>
+            </a:r>
+            <a:r>
+              <a:rPr lang="en-US" dirty="0" err="1">
+                <a:latin typeface="UVN Bai Sau Nhe" panose="04030405020802020C03" pitchFamily="82" charset="0"/>
+                <a:sym typeface="Wingdings" panose="05000000000000000000" pitchFamily="2" charset="2"/>
+              </a:rPr>
+              <a:t>thứ</a:t>
+            </a:r>
+            <a:r>
+              <a:rPr lang="en-US" dirty="0">
+                <a:latin typeface="UVN Bai Sau Nhe" panose="04030405020802020C03" pitchFamily="82" charset="0"/>
+                <a:sym typeface="Wingdings" panose="05000000000000000000" pitchFamily="2" charset="2"/>
+              </a:rPr>
+              <a:t> </a:t>
+            </a:r>
+            <a:r>
+              <a:rPr lang="en-US" dirty="0" err="1">
+                <a:latin typeface="UVN Bai Sau Nhe" panose="04030405020802020C03" pitchFamily="82" charset="0"/>
+                <a:sym typeface="Wingdings" panose="05000000000000000000" pitchFamily="2" charset="2"/>
+              </a:rPr>
+              <a:t>mấy</a:t>
+            </a:r>
+            <a:r>
+              <a:rPr lang="en-US" dirty="0">
+                <a:latin typeface="UVN Bai Sau Nhe" panose="04030405020802020C03" pitchFamily="82" charset="0"/>
+                <a:sym typeface="Wingdings" panose="05000000000000000000" pitchFamily="2" charset="2"/>
+              </a:rPr>
+              <a:t> </a:t>
+            </a:r>
+            <a:r>
+              <a:rPr lang="en-US" dirty="0" err="1">
+                <a:latin typeface="UVN Bai Sau Nhe" panose="04030405020802020C03" pitchFamily="82" charset="0"/>
+                <a:sym typeface="Wingdings" panose="05000000000000000000" pitchFamily="2" charset="2"/>
+              </a:rPr>
+              <a:t>trong</a:t>
+            </a:r>
+            <a:r>
+              <a:rPr lang="en-US" dirty="0">
+                <a:latin typeface="UVN Bai Sau Nhe" panose="04030405020802020C03" pitchFamily="82" charset="0"/>
+                <a:sym typeface="Wingdings" panose="05000000000000000000" pitchFamily="2" charset="2"/>
+              </a:rPr>
+              <a:t> </a:t>
+            </a:r>
+            <a:r>
+              <a:rPr lang="en-US" dirty="0" err="1">
+                <a:latin typeface="UVN Bai Sau Nhe" panose="04030405020802020C03" pitchFamily="82" charset="0"/>
+                <a:sym typeface="Wingdings" panose="05000000000000000000" pitchFamily="2" charset="2"/>
+              </a:rPr>
+              <a:t>tuần</a:t>
+            </a:r>
+            <a:r>
+              <a:rPr lang="en-US" dirty="0">
+                <a:latin typeface="UVN Bai Sau Nhe" panose="04030405020802020C03" pitchFamily="82" charset="0"/>
+                <a:sym typeface="Wingdings" panose="05000000000000000000" pitchFamily="2" charset="2"/>
+              </a:rPr>
+              <a:t> </a:t>
+            </a:r>
+            <a:endParaRPr lang="en-US" dirty="0">
+              <a:latin typeface="UVN Bai Sau Nhe" panose="04030405020802020C03" pitchFamily="82" charset="0"/>
+            </a:endParaRPr>
+          </a:p>
+          <a:p>
+            <a:pPr lvl="1"/>
+            <a:endParaRPr lang="en-US" dirty="0">
+              <a:latin typeface="UVN Bai Sau Nhe" panose="04030405020802020C03" pitchFamily="82" charset="0"/>
+            </a:endParaRPr>
+          </a:p>
+          <a:p>
+            <a:endParaRPr lang="en-US" dirty="0">
+              <a:latin typeface="UVN Bai Sau Nhe" panose="04030405020802020C03" pitchFamily="82" charset="0"/>
+            </a:endParaRPr>
+          </a:p>
+        </p:txBody>
+      </p:sp>
+      <p:sp>
+        <p:nvSpPr>
+          <p:cNvPr id="4" name="Chỗ dành sẵn cho Số hiệu Bản chiếu 3">
+            <a:extLst>
+              <a:ext uri="{FF2B5EF4-FFF2-40B4-BE49-F238E27FC236}">
+                <a16:creationId xmlns:a16="http://schemas.microsoft.com/office/drawing/2014/main" id="{C9EE6B47-9E90-4C3D-86CD-99A2F0300918}"/>
+              </a:ext>
+            </a:extLst>
+          </p:cNvPr>
+          <p:cNvSpPr>
+            <a:spLocks noGrp="1"/>
+          </p:cNvSpPr>
+          <p:nvPr>
+            <p:ph type="sldNum" sz="quarter" idx="12"/>
+          </p:nvPr>
+        </p:nvSpPr>
+        <p:spPr/>
+        <p:txBody>
+          <a:bodyPr/>
+          <a:lstStyle/>
+          <a:p>
+            <a:fld id="{A1703E46-08D3-493D-87DC-EAF3522C7E57}" type="slidenum">
+              <a:rPr lang="en-US" smtClean="0"/>
+              <a:t>20</a:t>
+            </a:fld>
+            <a:endParaRPr lang="en-US"/>
+          </a:p>
+        </p:txBody>
+      </p:sp>
+    </p:spTree>
+    <p:extLst>
+      <p:ext uri="{BB962C8B-B14F-4D97-AF65-F5344CB8AC3E}">
+        <p14:creationId xmlns:p14="http://schemas.microsoft.com/office/powerpoint/2010/main" val="1475826311"/>
+      </p:ext>
+    </p:extLst>
+  </p:cSld>
+  <p:clrMapOvr>
+    <a:masterClrMapping/>
+  </p:clrMapOvr>
+</p:sld>
+</file>
+
+<file path=ppt/slides/slide21.xml><?xml version="1.0" encoding="utf-8"?>
+<p:sld xmlns:a="http://schemas.openxmlformats.org/drawingml/2006/main" xmlns:r="http://schemas.openxmlformats.org/officeDocument/2006/relationships" xmlns:p="http://schemas.openxmlformats.org/presentationml/2006/main">
+  <p:cSld>
+    <p:spTree>
+      <p:nvGrpSpPr>
+        <p:cNvPr id="1" name=""/>
+        <p:cNvGrpSpPr/>
+        <p:nvPr/>
+      </p:nvGrpSpPr>
+      <p:grpSpPr>
+        <a:xfrm>
+          <a:off x="0" y="0"/>
+          <a:ext cx="0" cy="0"/>
+          <a:chOff x="0" y="0"/>
+          <a:chExt cx="0" cy="0"/>
+        </a:xfrm>
+      </p:grpSpPr>
+      <p:sp>
+        <p:nvSpPr>
+          <p:cNvPr id="2" name="Tiêu đề 1">
+            <a:extLst>
+              <a:ext uri="{FF2B5EF4-FFF2-40B4-BE49-F238E27FC236}">
+                <a16:creationId xmlns:a16="http://schemas.microsoft.com/office/drawing/2014/main" id="{FEB487A8-D070-44EC-BFFA-383AC850A504}"/>
+              </a:ext>
+            </a:extLst>
+          </p:cNvPr>
+          <p:cNvSpPr>
+            <a:spLocks noGrp="1"/>
+          </p:cNvSpPr>
+          <p:nvPr>
+            <p:ph type="title"/>
+          </p:nvPr>
+        </p:nvSpPr>
+        <p:spPr/>
+        <p:txBody>
+          <a:bodyPr>
+            <a:normAutofit fontScale="90000"/>
+          </a:bodyPr>
+          <a:lstStyle/>
+          <a:p>
+            <a:br>
+              <a:rPr lang="en-US" dirty="0">
+                <a:solidFill>
+                  <a:schemeClr val="accent1">
+                    <a:lumMod val="75000"/>
+                  </a:schemeClr>
+                </a:solidFill>
+                <a:latin typeface="UVN Bai Sau Nhe" panose="04030405020802020C03" pitchFamily="82" charset="0"/>
+              </a:rPr>
+            </a:br>
+            <a:r>
+              <a:rPr lang="vi-VN" dirty="0" err="1">
+                <a:solidFill>
+                  <a:schemeClr val="accent1">
+                    <a:lumMod val="75000"/>
+                  </a:schemeClr>
+                </a:solidFill>
+                <a:latin typeface="UVN Bai Sau Nhe" panose="04030405020802020C03" pitchFamily="82" charset="0"/>
+              </a:rPr>
+              <a:t>Khám</a:t>
+            </a:r>
+            <a:r>
+              <a:rPr lang="vi-VN" dirty="0">
+                <a:solidFill>
+                  <a:schemeClr val="accent1">
+                    <a:lumMod val="75000"/>
+                  </a:schemeClr>
+                </a:solidFill>
+                <a:latin typeface="UVN Bai Sau Nhe" panose="04030405020802020C03" pitchFamily="82" charset="0"/>
+              </a:rPr>
+              <a:t> </a:t>
+            </a:r>
+            <a:r>
+              <a:rPr lang="vi-VN" dirty="0" err="1">
+                <a:solidFill>
+                  <a:schemeClr val="accent1">
+                    <a:lumMod val="75000"/>
+                  </a:schemeClr>
+                </a:solidFill>
+                <a:latin typeface="UVN Bai Sau Nhe" panose="04030405020802020C03" pitchFamily="82" charset="0"/>
+              </a:rPr>
+              <a:t>phá</a:t>
+            </a:r>
+            <a:r>
+              <a:rPr lang="vi-VN" dirty="0">
+                <a:solidFill>
+                  <a:schemeClr val="accent1">
+                    <a:lumMod val="75000"/>
+                  </a:schemeClr>
+                </a:solidFill>
+                <a:latin typeface="UVN Bai Sau Nhe" panose="04030405020802020C03" pitchFamily="82" charset="0"/>
+              </a:rPr>
+              <a:t> </a:t>
+            </a:r>
+            <a:r>
+              <a:rPr lang="vi-VN" dirty="0" err="1">
+                <a:solidFill>
+                  <a:schemeClr val="accent1">
+                    <a:lumMod val="75000"/>
+                  </a:schemeClr>
+                </a:solidFill>
+                <a:latin typeface="UVN Bai Sau Nhe" panose="04030405020802020C03" pitchFamily="82" charset="0"/>
+              </a:rPr>
+              <a:t>dữ</a:t>
+            </a:r>
+            <a:r>
+              <a:rPr lang="vi-VN" dirty="0">
+                <a:solidFill>
+                  <a:schemeClr val="accent1">
+                    <a:lumMod val="75000"/>
+                  </a:schemeClr>
+                </a:solidFill>
+                <a:latin typeface="UVN Bai Sau Nhe" panose="04030405020802020C03" pitchFamily="82" charset="0"/>
+              </a:rPr>
+              <a:t> </a:t>
+            </a:r>
+            <a:r>
+              <a:rPr lang="vi-VN" dirty="0" err="1">
+                <a:solidFill>
+                  <a:schemeClr val="accent1">
+                    <a:lumMod val="75000"/>
+                  </a:schemeClr>
+                </a:solidFill>
+                <a:latin typeface="UVN Bai Sau Nhe" panose="04030405020802020C03" pitchFamily="82" charset="0"/>
+              </a:rPr>
+              <a:t>liệu</a:t>
+            </a:r>
+            <a:r>
+              <a:rPr lang="vi-VN" dirty="0">
+                <a:solidFill>
+                  <a:schemeClr val="accent1">
+                    <a:lumMod val="75000"/>
+                  </a:schemeClr>
+                </a:solidFill>
+                <a:latin typeface="UVN Bai Sau Nhe" panose="04030405020802020C03" pitchFamily="82" charset="0"/>
+              </a:rPr>
+              <a:t> </a:t>
+            </a:r>
+            <a:r>
+              <a:rPr lang="vi-VN" dirty="0" err="1">
+                <a:solidFill>
+                  <a:schemeClr val="accent1">
+                    <a:lumMod val="75000"/>
+                  </a:schemeClr>
+                </a:solidFill>
+                <a:latin typeface="UVN Bai Sau Nhe" panose="04030405020802020C03" pitchFamily="82" charset="0"/>
+              </a:rPr>
+              <a:t>và</a:t>
+            </a:r>
+            <a:r>
+              <a:rPr lang="vi-VN" dirty="0">
+                <a:solidFill>
+                  <a:schemeClr val="accent1">
+                    <a:lumMod val="75000"/>
+                  </a:schemeClr>
+                </a:solidFill>
+                <a:latin typeface="UVN Bai Sau Nhe" panose="04030405020802020C03" pitchFamily="82" charset="0"/>
+              </a:rPr>
+              <a:t> </a:t>
+            </a:r>
+            <a:r>
+              <a:rPr lang="vi-VN" dirty="0" err="1">
+                <a:solidFill>
+                  <a:schemeClr val="accent1">
+                    <a:lumMod val="75000"/>
+                  </a:schemeClr>
+                </a:solidFill>
+                <a:latin typeface="UVN Bai Sau Nhe" panose="04030405020802020C03" pitchFamily="82" charset="0"/>
+              </a:rPr>
+              <a:t>tiền</a:t>
+            </a:r>
+            <a:r>
+              <a:rPr lang="vi-VN" dirty="0">
+                <a:solidFill>
+                  <a:schemeClr val="accent1">
+                    <a:lumMod val="75000"/>
+                  </a:schemeClr>
+                </a:solidFill>
+                <a:latin typeface="UVN Bai Sau Nhe" panose="04030405020802020C03" pitchFamily="82" charset="0"/>
+              </a:rPr>
+              <a:t> </a:t>
+            </a:r>
+            <a:r>
+              <a:rPr lang="vi-VN" dirty="0" err="1">
+                <a:solidFill>
+                  <a:schemeClr val="accent1">
+                    <a:lumMod val="75000"/>
+                  </a:schemeClr>
+                </a:solidFill>
+                <a:latin typeface="UVN Bai Sau Nhe" panose="04030405020802020C03" pitchFamily="82" charset="0"/>
+              </a:rPr>
+              <a:t>xử</a:t>
+            </a:r>
+            <a:r>
+              <a:rPr lang="vi-VN" dirty="0">
+                <a:solidFill>
+                  <a:schemeClr val="accent1">
+                    <a:lumMod val="75000"/>
+                  </a:schemeClr>
+                </a:solidFill>
+                <a:latin typeface="UVN Bai Sau Nhe" panose="04030405020802020C03" pitchFamily="82" charset="0"/>
+              </a:rPr>
+              <a:t> </a:t>
+            </a:r>
+            <a:r>
+              <a:rPr lang="vi-VN" dirty="0" err="1">
+                <a:solidFill>
+                  <a:schemeClr val="accent1">
+                    <a:lumMod val="75000"/>
+                  </a:schemeClr>
+                </a:solidFill>
+                <a:latin typeface="UVN Bai Sau Nhe" panose="04030405020802020C03" pitchFamily="82" charset="0"/>
+              </a:rPr>
+              <a:t>lí</a:t>
+            </a:r>
+            <a:r>
+              <a:rPr lang="vi-VN" dirty="0">
+                <a:solidFill>
+                  <a:schemeClr val="accent1">
+                    <a:lumMod val="75000"/>
+                  </a:schemeClr>
+                </a:solidFill>
+                <a:latin typeface="UVN Bai Sau Nhe" panose="04030405020802020C03" pitchFamily="82" charset="0"/>
+              </a:rPr>
+              <a:t> </a:t>
+            </a:r>
+            <a:r>
+              <a:rPr lang="vi-VN" dirty="0" err="1">
+                <a:solidFill>
+                  <a:schemeClr val="accent1">
+                    <a:lumMod val="75000"/>
+                  </a:schemeClr>
+                </a:solidFill>
+                <a:latin typeface="UVN Bai Sau Nhe" panose="04030405020802020C03" pitchFamily="82" charset="0"/>
+              </a:rPr>
+              <a:t>để</a:t>
+            </a:r>
+            <a:r>
+              <a:rPr lang="vi-VN" dirty="0">
+                <a:solidFill>
+                  <a:schemeClr val="accent1">
+                    <a:lumMod val="75000"/>
+                  </a:schemeClr>
+                </a:solidFill>
+                <a:latin typeface="UVN Bai Sau Nhe" panose="04030405020802020C03" pitchFamily="82" charset="0"/>
+              </a:rPr>
+              <a:t> </a:t>
+            </a:r>
+            <a:r>
+              <a:rPr lang="vi-VN" dirty="0" err="1">
+                <a:solidFill>
+                  <a:schemeClr val="accent1">
+                    <a:lumMod val="75000"/>
+                  </a:schemeClr>
+                </a:solidFill>
+                <a:latin typeface="UVN Bai Sau Nhe" panose="04030405020802020C03" pitchFamily="82" charset="0"/>
+              </a:rPr>
+              <a:t>có</a:t>
+            </a:r>
+            <a:r>
+              <a:rPr lang="vi-VN" dirty="0">
+                <a:solidFill>
+                  <a:schemeClr val="accent1">
+                    <a:lumMod val="75000"/>
+                  </a:schemeClr>
+                </a:solidFill>
+                <a:latin typeface="UVN Bai Sau Nhe" panose="04030405020802020C03" pitchFamily="82" charset="0"/>
+              </a:rPr>
+              <a:t> </a:t>
+            </a:r>
+            <a:r>
+              <a:rPr lang="vi-VN" dirty="0" err="1">
+                <a:solidFill>
+                  <a:schemeClr val="accent1">
+                    <a:lumMod val="75000"/>
+                  </a:schemeClr>
+                </a:solidFill>
+                <a:latin typeface="UVN Bai Sau Nhe" panose="04030405020802020C03" pitchFamily="82" charset="0"/>
+              </a:rPr>
+              <a:t>được</a:t>
+            </a:r>
+            <a:r>
+              <a:rPr lang="vi-VN" dirty="0">
+                <a:solidFill>
+                  <a:schemeClr val="accent1">
+                    <a:lumMod val="75000"/>
+                  </a:schemeClr>
+                </a:solidFill>
+                <a:latin typeface="UVN Bai Sau Nhe" panose="04030405020802020C03" pitchFamily="82" charset="0"/>
+              </a:rPr>
+              <a:t> </a:t>
+            </a:r>
+            <a:r>
+              <a:rPr lang="vi-VN" dirty="0" err="1">
+                <a:solidFill>
+                  <a:schemeClr val="accent1">
+                    <a:lumMod val="75000"/>
+                  </a:schemeClr>
+                </a:solidFill>
+                <a:latin typeface="UVN Bai Sau Nhe" panose="04030405020802020C03" pitchFamily="82" charset="0"/>
+              </a:rPr>
+              <a:t>dữ</a:t>
+            </a:r>
+            <a:r>
+              <a:rPr lang="vi-VN" dirty="0">
+                <a:solidFill>
+                  <a:schemeClr val="accent1">
+                    <a:lumMod val="75000"/>
+                  </a:schemeClr>
+                </a:solidFill>
+                <a:latin typeface="UVN Bai Sau Nhe" panose="04030405020802020C03" pitchFamily="82" charset="0"/>
+              </a:rPr>
+              <a:t> </a:t>
+            </a:r>
+            <a:r>
+              <a:rPr lang="vi-VN" dirty="0" err="1">
+                <a:solidFill>
+                  <a:schemeClr val="accent1">
+                    <a:lumMod val="75000"/>
+                  </a:schemeClr>
+                </a:solidFill>
+                <a:latin typeface="UVN Bai Sau Nhe" panose="04030405020802020C03" pitchFamily="82" charset="0"/>
+              </a:rPr>
+              <a:t>liệu</a:t>
+            </a:r>
+            <a:r>
+              <a:rPr lang="vi-VN" dirty="0">
+                <a:solidFill>
+                  <a:schemeClr val="accent1">
+                    <a:lumMod val="75000"/>
+                  </a:schemeClr>
+                </a:solidFill>
+                <a:latin typeface="UVN Bai Sau Nhe" panose="04030405020802020C03" pitchFamily="82" charset="0"/>
+              </a:rPr>
+              <a:t> </a:t>
+            </a:r>
+            <a:r>
+              <a:rPr lang="vi-VN" dirty="0" err="1">
+                <a:solidFill>
+                  <a:schemeClr val="accent1">
+                    <a:lumMod val="75000"/>
+                  </a:schemeClr>
+                </a:solidFill>
+                <a:latin typeface="UVN Bai Sau Nhe" panose="04030405020802020C03" pitchFamily="82" charset="0"/>
+              </a:rPr>
+              <a:t>mà</a:t>
+            </a:r>
+            <a:r>
+              <a:rPr lang="vi-VN" dirty="0">
+                <a:solidFill>
+                  <a:schemeClr val="accent1">
+                    <a:lumMod val="75000"/>
+                  </a:schemeClr>
+                </a:solidFill>
+                <a:latin typeface="UVN Bai Sau Nhe" panose="04030405020802020C03" pitchFamily="82" charset="0"/>
+              </a:rPr>
+              <a:t> </a:t>
+            </a:r>
+            <a:r>
+              <a:rPr lang="vi-VN" dirty="0" err="1">
+                <a:solidFill>
+                  <a:schemeClr val="accent1">
+                    <a:lumMod val="75000"/>
+                  </a:schemeClr>
+                </a:solidFill>
+                <a:latin typeface="UVN Bai Sau Nhe" panose="04030405020802020C03" pitchFamily="82" charset="0"/>
+              </a:rPr>
+              <a:t>có</a:t>
+            </a:r>
+            <a:r>
+              <a:rPr lang="vi-VN" dirty="0">
+                <a:solidFill>
+                  <a:schemeClr val="accent1">
+                    <a:lumMod val="75000"/>
+                  </a:schemeClr>
+                </a:solidFill>
+                <a:latin typeface="UVN Bai Sau Nhe" panose="04030405020802020C03" pitchFamily="82" charset="0"/>
+              </a:rPr>
+              <a:t> </a:t>
+            </a:r>
+            <a:r>
+              <a:rPr lang="vi-VN" dirty="0" err="1">
+                <a:solidFill>
+                  <a:schemeClr val="accent1">
+                    <a:lumMod val="75000"/>
+                  </a:schemeClr>
+                </a:solidFill>
+                <a:latin typeface="UVN Bai Sau Nhe" panose="04030405020802020C03" pitchFamily="82" charset="0"/>
+              </a:rPr>
+              <a:t>thể</a:t>
+            </a:r>
+            <a:r>
+              <a:rPr lang="vi-VN" dirty="0">
+                <a:solidFill>
+                  <a:schemeClr val="accent1">
+                    <a:lumMod val="75000"/>
+                  </a:schemeClr>
+                </a:solidFill>
+                <a:latin typeface="UVN Bai Sau Nhe" panose="04030405020802020C03" pitchFamily="82" charset="0"/>
+              </a:rPr>
+              <a:t> phân </a:t>
+            </a:r>
+            <a:r>
+              <a:rPr lang="vi-VN" dirty="0" err="1">
+                <a:solidFill>
+                  <a:schemeClr val="accent1">
+                    <a:lumMod val="75000"/>
+                  </a:schemeClr>
+                </a:solidFill>
+                <a:latin typeface="UVN Bai Sau Nhe" panose="04030405020802020C03" pitchFamily="82" charset="0"/>
+              </a:rPr>
+              <a:t>tích</a:t>
+            </a:r>
+            <a:r>
+              <a:rPr lang="vi-VN" dirty="0">
+                <a:solidFill>
+                  <a:schemeClr val="accent1">
+                    <a:lumMod val="75000"/>
+                  </a:schemeClr>
+                </a:solidFill>
+                <a:latin typeface="UVN Bai Sau Nhe" panose="04030405020802020C03" pitchFamily="82" charset="0"/>
+              </a:rPr>
+              <a:t> </a:t>
+            </a:r>
+            <a:r>
+              <a:rPr lang="vi-VN" dirty="0" err="1">
+                <a:solidFill>
+                  <a:schemeClr val="accent1">
+                    <a:lumMod val="75000"/>
+                  </a:schemeClr>
+                </a:solidFill>
+                <a:latin typeface="UVN Bai Sau Nhe" panose="04030405020802020C03" pitchFamily="82" charset="0"/>
+              </a:rPr>
+              <a:t>được</a:t>
+            </a:r>
+            <a:br>
+              <a:rPr lang="vi-VN" dirty="0">
+                <a:solidFill>
+                  <a:schemeClr val="accent1">
+                    <a:lumMod val="75000"/>
+                  </a:schemeClr>
+                </a:solidFill>
+                <a:latin typeface="UVN Bai Sau Nhe" panose="04030405020802020C03" pitchFamily="82" charset="0"/>
+              </a:rPr>
+            </a:br>
+            <a:endParaRPr lang="en-US" dirty="0">
+              <a:solidFill>
+                <a:schemeClr val="accent1">
+                  <a:lumMod val="75000"/>
+                </a:schemeClr>
+              </a:solidFill>
+              <a:latin typeface="UVN Bai Sau Nhe" panose="04030405020802020C03" pitchFamily="82" charset="0"/>
+            </a:endParaRPr>
+          </a:p>
+        </p:txBody>
+      </p:sp>
+      <p:sp>
+        <p:nvSpPr>
+          <p:cNvPr id="3" name="Chỗ dành sẵn cho Nội dung 2">
+            <a:extLst>
+              <a:ext uri="{FF2B5EF4-FFF2-40B4-BE49-F238E27FC236}">
+                <a16:creationId xmlns:a16="http://schemas.microsoft.com/office/drawing/2014/main" id="{B009B68D-914C-43B3-A914-D219D48B5C13}"/>
+              </a:ext>
+            </a:extLst>
+          </p:cNvPr>
+          <p:cNvSpPr>
+            <a:spLocks noGrp="1"/>
+          </p:cNvSpPr>
+          <p:nvPr>
+            <p:ph idx="1"/>
+          </p:nvPr>
+        </p:nvSpPr>
+        <p:spPr/>
+        <p:txBody>
+          <a:bodyPr/>
+          <a:lstStyle/>
+          <a:p>
+            <a:r>
+              <a:rPr lang="en-US" dirty="0" err="1">
+                <a:latin typeface="UVN Bai Sau Nhe" panose="04030405020802020C03" pitchFamily="82" charset="0"/>
+              </a:rPr>
+              <a:t>Tiền</a:t>
+            </a:r>
+            <a:r>
+              <a:rPr lang="en-US" dirty="0">
+                <a:latin typeface="UVN Bai Sau Nhe" panose="04030405020802020C03" pitchFamily="82" charset="0"/>
+              </a:rPr>
+              <a:t> </a:t>
+            </a:r>
+            <a:r>
+              <a:rPr lang="en-US" dirty="0" err="1">
+                <a:latin typeface="UVN Bai Sau Nhe" panose="04030405020802020C03" pitchFamily="82" charset="0"/>
+              </a:rPr>
+              <a:t>xử</a:t>
+            </a:r>
+            <a:r>
+              <a:rPr lang="en-US" dirty="0">
+                <a:latin typeface="UVN Bai Sau Nhe" panose="04030405020802020C03" pitchFamily="82" charset="0"/>
+              </a:rPr>
+              <a:t> </a:t>
+            </a:r>
+            <a:r>
+              <a:rPr lang="en-US" dirty="0" err="1">
+                <a:latin typeface="UVN Bai Sau Nhe" panose="04030405020802020C03" pitchFamily="82" charset="0"/>
+              </a:rPr>
+              <a:t>lý</a:t>
+            </a:r>
+            <a:r>
+              <a:rPr lang="en-US" dirty="0">
+                <a:latin typeface="UVN Bai Sau Nhe" panose="04030405020802020C03" pitchFamily="82" charset="0"/>
+              </a:rPr>
+              <a:t>:</a:t>
+            </a:r>
+          </a:p>
+          <a:p>
+            <a:pPr>
+              <a:buFontTx/>
+              <a:buChar char="-"/>
+            </a:pPr>
+            <a:r>
+              <a:rPr lang="en-US" dirty="0" err="1">
+                <a:latin typeface="UVN Bai Sau Nhe" panose="04030405020802020C03" pitchFamily="82" charset="0"/>
+              </a:rPr>
+              <a:t>Xử</a:t>
+            </a:r>
+            <a:r>
+              <a:rPr lang="en-US" dirty="0">
+                <a:latin typeface="UVN Bai Sau Nhe" panose="04030405020802020C03" pitchFamily="82" charset="0"/>
+              </a:rPr>
+              <a:t> </a:t>
+            </a:r>
+            <a:r>
+              <a:rPr lang="en-US" dirty="0" err="1">
+                <a:latin typeface="UVN Bai Sau Nhe" panose="04030405020802020C03" pitchFamily="82" charset="0"/>
+              </a:rPr>
+              <a:t>lý</a:t>
+            </a:r>
+            <a:r>
+              <a:rPr lang="en-US" dirty="0">
+                <a:latin typeface="UVN Bai Sau Nhe" panose="04030405020802020C03" pitchFamily="82" charset="0"/>
+              </a:rPr>
+              <a:t> One-Hot-Encoder </a:t>
+            </a:r>
+            <a:r>
+              <a:rPr lang="en-US" dirty="0" err="1">
+                <a:latin typeface="UVN Bai Sau Nhe" panose="04030405020802020C03" pitchFamily="82" charset="0"/>
+              </a:rPr>
+              <a:t>với</a:t>
+            </a:r>
+            <a:r>
+              <a:rPr lang="en-US" dirty="0">
+                <a:latin typeface="UVN Bai Sau Nhe" panose="04030405020802020C03" pitchFamily="82" charset="0"/>
+              </a:rPr>
+              <a:t> </a:t>
+            </a:r>
+            <a:r>
+              <a:rPr lang="en-US" dirty="0" err="1">
+                <a:latin typeface="UVN Bai Sau Nhe" panose="04030405020802020C03" pitchFamily="82" charset="0"/>
+              </a:rPr>
+              <a:t>một</a:t>
+            </a:r>
+            <a:r>
+              <a:rPr lang="en-US" dirty="0">
+                <a:latin typeface="UVN Bai Sau Nhe" panose="04030405020802020C03" pitchFamily="82" charset="0"/>
+              </a:rPr>
+              <a:t> </a:t>
+            </a:r>
+            <a:r>
+              <a:rPr lang="en-US" dirty="0" err="1">
+                <a:latin typeface="UVN Bai Sau Nhe" panose="04030405020802020C03" pitchFamily="82" charset="0"/>
+              </a:rPr>
+              <a:t>số</a:t>
+            </a:r>
+            <a:r>
+              <a:rPr lang="en-US" dirty="0">
+                <a:latin typeface="UVN Bai Sau Nhe" panose="04030405020802020C03" pitchFamily="82" charset="0"/>
+              </a:rPr>
+              <a:t> </a:t>
+            </a:r>
+            <a:r>
+              <a:rPr lang="en-US" dirty="0" err="1">
+                <a:latin typeface="UVN Bai Sau Nhe" panose="04030405020802020C03" pitchFamily="82" charset="0"/>
+              </a:rPr>
+              <a:t>thuộc</a:t>
+            </a:r>
+            <a:r>
+              <a:rPr lang="en-US" dirty="0">
+                <a:latin typeface="UVN Bai Sau Nhe" panose="04030405020802020C03" pitchFamily="82" charset="0"/>
+              </a:rPr>
+              <a:t> </a:t>
+            </a:r>
+            <a:r>
+              <a:rPr lang="en-US" dirty="0" err="1">
+                <a:latin typeface="UVN Bai Sau Nhe" panose="04030405020802020C03" pitchFamily="82" charset="0"/>
+              </a:rPr>
+              <a:t>tính</a:t>
+            </a:r>
+            <a:endParaRPr lang="en-US" dirty="0">
+              <a:latin typeface="UVN Bai Sau Nhe" panose="04030405020802020C03" pitchFamily="82" charset="0"/>
+            </a:endParaRPr>
+          </a:p>
+          <a:p>
+            <a:pPr lvl="1">
+              <a:buFontTx/>
+              <a:buChar char="-"/>
+            </a:pPr>
+            <a:r>
+              <a:rPr lang="en-US" dirty="0">
+                <a:latin typeface="UVN Bai Sau Nhe" panose="04030405020802020C03" pitchFamily="82" charset="0"/>
+              </a:rPr>
+              <a:t>Bed:</a:t>
+            </a:r>
+          </a:p>
+          <a:p>
+            <a:pPr lvl="2">
+              <a:buFontTx/>
+              <a:buChar char="-"/>
+            </a:pPr>
+            <a:r>
+              <a:rPr lang="en-US" dirty="0" err="1">
+                <a:latin typeface="UVN Bai Sau Nhe" panose="04030405020802020C03" pitchFamily="82" charset="0"/>
+              </a:rPr>
+              <a:t>Ví</a:t>
+            </a:r>
+            <a:r>
+              <a:rPr lang="en-US" dirty="0">
+                <a:latin typeface="UVN Bai Sau Nhe" panose="04030405020802020C03" pitchFamily="82" charset="0"/>
+              </a:rPr>
+              <a:t> </a:t>
+            </a:r>
+            <a:r>
+              <a:rPr lang="en-US" dirty="0" err="1">
+                <a:latin typeface="UVN Bai Sau Nhe" panose="04030405020802020C03" pitchFamily="82" charset="0"/>
+              </a:rPr>
+              <a:t>dụ</a:t>
+            </a:r>
+            <a:r>
+              <a:rPr lang="en-US" dirty="0">
+                <a:latin typeface="UVN Bai Sau Nhe" panose="04030405020802020C03" pitchFamily="82" charset="0"/>
+              </a:rPr>
+              <a:t>: 2 </a:t>
+            </a:r>
+            <a:r>
+              <a:rPr lang="en-US" dirty="0" err="1">
+                <a:latin typeface="UVN Bai Sau Nhe" panose="04030405020802020C03" pitchFamily="82" charset="0"/>
+              </a:rPr>
+              <a:t>giường</a:t>
+            </a:r>
+            <a:r>
+              <a:rPr lang="en-US" dirty="0">
+                <a:latin typeface="UVN Bai Sau Nhe" panose="04030405020802020C03" pitchFamily="82" charset="0"/>
+              </a:rPr>
+              <a:t> đ</a:t>
+            </a:r>
+            <a:r>
+              <a:rPr lang="vi-VN" dirty="0">
+                <a:latin typeface="UVN Bai Sau Nhe" panose="04030405020802020C03" pitchFamily="82" charset="0"/>
+              </a:rPr>
+              <a:t>ơ</a:t>
+            </a:r>
+            <a:r>
+              <a:rPr lang="en-US" dirty="0">
+                <a:latin typeface="UVN Bai Sau Nhe" panose="04030405020802020C03" pitchFamily="82" charset="0"/>
+              </a:rPr>
+              <a:t>n, 1 </a:t>
+            </a:r>
+            <a:r>
+              <a:rPr lang="en-US" dirty="0" err="1">
+                <a:latin typeface="UVN Bai Sau Nhe" panose="04030405020802020C03" pitchFamily="82" charset="0"/>
+              </a:rPr>
+              <a:t>gi</a:t>
+            </a:r>
+            <a:r>
+              <a:rPr lang="vi-VN" dirty="0">
+                <a:latin typeface="UVN Bai Sau Nhe" panose="04030405020802020C03" pitchFamily="82" charset="0"/>
+              </a:rPr>
+              <a:t>ư</a:t>
+            </a:r>
+            <a:r>
+              <a:rPr lang="en-US" dirty="0" err="1">
+                <a:latin typeface="UVN Bai Sau Nhe" panose="04030405020802020C03" pitchFamily="82" charset="0"/>
+              </a:rPr>
+              <a:t>ờng</a:t>
+            </a:r>
+            <a:r>
+              <a:rPr lang="en-US" dirty="0">
+                <a:latin typeface="UVN Bai Sau Nhe" panose="04030405020802020C03" pitchFamily="82" charset="0"/>
+              </a:rPr>
+              <a:t> </a:t>
+            </a:r>
+            <a:r>
+              <a:rPr lang="en-US" dirty="0" err="1">
+                <a:latin typeface="UVN Bai Sau Nhe" panose="04030405020802020C03" pitchFamily="82" charset="0"/>
+              </a:rPr>
+              <a:t>đôi</a:t>
+            </a:r>
+            <a:r>
+              <a:rPr lang="en-US" dirty="0">
+                <a:latin typeface="UVN Bai Sau Nhe" panose="04030405020802020C03" pitchFamily="82" charset="0"/>
+              </a:rPr>
+              <a:t> </a:t>
+            </a:r>
+            <a:r>
+              <a:rPr lang="en-US" dirty="0">
+                <a:latin typeface="UVN Bai Sau Nhe" panose="04030405020802020C03" pitchFamily="82" charset="0"/>
+                <a:sym typeface="Wingdings" panose="05000000000000000000" pitchFamily="2" charset="2"/>
+              </a:rPr>
+              <a:t> [2, 1, …. ]</a:t>
+            </a:r>
+          </a:p>
+          <a:p>
+            <a:pPr lvl="1">
+              <a:buFontTx/>
+              <a:buChar char="-"/>
+            </a:pPr>
+            <a:r>
+              <a:rPr lang="en-US" dirty="0" err="1">
+                <a:latin typeface="UVN Bai Sau Nhe" panose="04030405020802020C03" pitchFamily="82" charset="0"/>
+                <a:sym typeface="Wingdings" panose="05000000000000000000" pitchFamily="2" charset="2"/>
+              </a:rPr>
+              <a:t>Thứ</a:t>
+            </a:r>
+            <a:r>
+              <a:rPr lang="en-US" dirty="0">
+                <a:latin typeface="UVN Bai Sau Nhe" panose="04030405020802020C03" pitchFamily="82" charset="0"/>
+                <a:sym typeface="Wingdings" panose="05000000000000000000" pitchFamily="2" charset="2"/>
+              </a:rPr>
+              <a:t> </a:t>
+            </a:r>
+            <a:r>
+              <a:rPr lang="en-US" dirty="0" err="1">
+                <a:latin typeface="UVN Bai Sau Nhe" panose="04030405020802020C03" pitchFamily="82" charset="0"/>
+                <a:sym typeface="Wingdings" panose="05000000000000000000" pitchFamily="2" charset="2"/>
+              </a:rPr>
+              <a:t>trong</a:t>
+            </a:r>
+            <a:r>
+              <a:rPr lang="en-US" dirty="0">
+                <a:latin typeface="UVN Bai Sau Nhe" panose="04030405020802020C03" pitchFamily="82" charset="0"/>
+                <a:sym typeface="Wingdings" panose="05000000000000000000" pitchFamily="2" charset="2"/>
+              </a:rPr>
+              <a:t> </a:t>
+            </a:r>
+            <a:r>
+              <a:rPr lang="en-US" dirty="0" err="1">
+                <a:latin typeface="UVN Bai Sau Nhe" panose="04030405020802020C03" pitchFamily="82" charset="0"/>
+                <a:sym typeface="Wingdings" panose="05000000000000000000" pitchFamily="2" charset="2"/>
+              </a:rPr>
+              <a:t>tuần</a:t>
+            </a:r>
+            <a:endParaRPr lang="en-US" dirty="0">
+              <a:latin typeface="UVN Bai Sau Nhe" panose="04030405020802020C03" pitchFamily="82" charset="0"/>
+              <a:sym typeface="Wingdings" panose="05000000000000000000" pitchFamily="2" charset="2"/>
+            </a:endParaRPr>
+          </a:p>
+          <a:p>
+            <a:pPr lvl="2">
+              <a:buFontTx/>
+              <a:buChar char="-"/>
+            </a:pPr>
+            <a:r>
+              <a:rPr lang="en-US" dirty="0" err="1">
+                <a:latin typeface="UVN Bai Sau Nhe" panose="04030405020802020C03" pitchFamily="82" charset="0"/>
+                <a:sym typeface="Wingdings" panose="05000000000000000000" pitchFamily="2" charset="2"/>
+              </a:rPr>
+              <a:t>Ví</a:t>
+            </a:r>
+            <a:r>
+              <a:rPr lang="en-US" dirty="0">
+                <a:latin typeface="UVN Bai Sau Nhe" panose="04030405020802020C03" pitchFamily="82" charset="0"/>
+                <a:sym typeface="Wingdings" panose="05000000000000000000" pitchFamily="2" charset="2"/>
+              </a:rPr>
+              <a:t> </a:t>
+            </a:r>
+            <a:r>
+              <a:rPr lang="en-US" dirty="0" err="1">
+                <a:latin typeface="UVN Bai Sau Nhe" panose="04030405020802020C03" pitchFamily="82" charset="0"/>
+                <a:sym typeface="Wingdings" panose="05000000000000000000" pitchFamily="2" charset="2"/>
+              </a:rPr>
+              <a:t>dụ</a:t>
+            </a:r>
+            <a:r>
+              <a:rPr lang="en-US" dirty="0">
+                <a:latin typeface="UVN Bai Sau Nhe" panose="04030405020802020C03" pitchFamily="82" charset="0"/>
+                <a:sym typeface="Wingdings" panose="05000000000000000000" pitchFamily="2" charset="2"/>
+              </a:rPr>
+              <a:t>: </a:t>
+            </a:r>
+            <a:r>
+              <a:rPr lang="en-US" dirty="0" err="1">
+                <a:latin typeface="UVN Bai Sau Nhe" panose="04030405020802020C03" pitchFamily="82" charset="0"/>
+                <a:sym typeface="Wingdings" panose="05000000000000000000" pitchFamily="2" charset="2"/>
+              </a:rPr>
+              <a:t>thứ</a:t>
+            </a:r>
+            <a:r>
+              <a:rPr lang="en-US" dirty="0">
+                <a:latin typeface="UVN Bai Sau Nhe" panose="04030405020802020C03" pitchFamily="82" charset="0"/>
+                <a:sym typeface="Wingdings" panose="05000000000000000000" pitchFamily="2" charset="2"/>
+              </a:rPr>
+              <a:t> 7  [0, 0, 0, 0, 0, 1, 0 ] </a:t>
+            </a:r>
+            <a:endParaRPr lang="en-US" dirty="0">
+              <a:latin typeface="UVN Bai Sau Nhe" panose="04030405020802020C03" pitchFamily="82" charset="0"/>
+            </a:endParaRPr>
+          </a:p>
+          <a:p>
+            <a:pPr lvl="1">
+              <a:buFontTx/>
+              <a:buChar char="-"/>
+            </a:pPr>
+            <a:r>
+              <a:rPr lang="en-US" dirty="0">
+                <a:latin typeface="UVN Bai Sau Nhe" panose="04030405020802020C03" pitchFamily="82" charset="0"/>
+                <a:sym typeface="Wingdings" panose="05000000000000000000" pitchFamily="2" charset="2"/>
+              </a:rPr>
+              <a:t>H</a:t>
+            </a:r>
+            <a:r>
+              <a:rPr lang="vi-VN" dirty="0">
+                <a:latin typeface="UVN Bai Sau Nhe" panose="04030405020802020C03" pitchFamily="82" charset="0"/>
+                <a:sym typeface="Wingdings" panose="05000000000000000000" pitchFamily="2" charset="2"/>
+              </a:rPr>
+              <a:t>ư</a:t>
+            </a:r>
+            <a:r>
+              <a:rPr lang="en-US" dirty="0" err="1">
+                <a:latin typeface="UVN Bai Sau Nhe" panose="04030405020802020C03" pitchFamily="82" charset="0"/>
+                <a:sym typeface="Wingdings" panose="05000000000000000000" pitchFamily="2" charset="2"/>
+              </a:rPr>
+              <a:t>ớng</a:t>
+            </a:r>
+            <a:r>
+              <a:rPr lang="en-US" dirty="0">
+                <a:latin typeface="UVN Bai Sau Nhe" panose="04030405020802020C03" pitchFamily="82" charset="0"/>
+                <a:sym typeface="Wingdings" panose="05000000000000000000" pitchFamily="2" charset="2"/>
+              </a:rPr>
+              <a:t> </a:t>
+            </a:r>
+            <a:r>
+              <a:rPr lang="en-US" dirty="0" err="1">
+                <a:latin typeface="UVN Bai Sau Nhe" panose="04030405020802020C03" pitchFamily="82" charset="0"/>
+                <a:sym typeface="Wingdings" panose="05000000000000000000" pitchFamily="2" charset="2"/>
+              </a:rPr>
+              <a:t>phòng</a:t>
+            </a:r>
+            <a:r>
+              <a:rPr lang="en-US" dirty="0">
+                <a:latin typeface="UVN Bai Sau Nhe" panose="04030405020802020C03" pitchFamily="82" charset="0"/>
+                <a:sym typeface="Wingdings" panose="05000000000000000000" pitchFamily="2" charset="2"/>
+              </a:rPr>
+              <a:t> (h</a:t>
+            </a:r>
+            <a:r>
+              <a:rPr lang="vi-VN" dirty="0">
+                <a:latin typeface="UVN Bai Sau Nhe" panose="04030405020802020C03" pitchFamily="82" charset="0"/>
+                <a:sym typeface="Wingdings" panose="05000000000000000000" pitchFamily="2" charset="2"/>
+              </a:rPr>
+              <a:t>ư</a:t>
+            </a:r>
+            <a:r>
+              <a:rPr lang="en-US" dirty="0" err="1">
+                <a:latin typeface="UVN Bai Sau Nhe" panose="04030405020802020C03" pitchFamily="82" charset="0"/>
+                <a:sym typeface="Wingdings" panose="05000000000000000000" pitchFamily="2" charset="2"/>
+              </a:rPr>
+              <a:t>ớng</a:t>
+            </a:r>
+            <a:r>
+              <a:rPr lang="en-US" dirty="0">
+                <a:latin typeface="UVN Bai Sau Nhe" panose="04030405020802020C03" pitchFamily="82" charset="0"/>
+                <a:sym typeface="Wingdings" panose="05000000000000000000" pitchFamily="2" charset="2"/>
+              </a:rPr>
+              <a:t> </a:t>
+            </a:r>
+            <a:r>
+              <a:rPr lang="en-US" dirty="0" err="1">
+                <a:latin typeface="UVN Bai Sau Nhe" panose="04030405020802020C03" pitchFamily="82" charset="0"/>
+                <a:sym typeface="Wingdings" panose="05000000000000000000" pitchFamily="2" charset="2"/>
+              </a:rPr>
+              <a:t>phố</a:t>
+            </a:r>
+            <a:r>
+              <a:rPr lang="en-US" dirty="0">
+                <a:latin typeface="UVN Bai Sau Nhe" panose="04030405020802020C03" pitchFamily="82" charset="0"/>
+                <a:sym typeface="Wingdings" panose="05000000000000000000" pitchFamily="2" charset="2"/>
+              </a:rPr>
+              <a:t>, h</a:t>
+            </a:r>
+            <a:r>
+              <a:rPr lang="vi-VN" dirty="0">
+                <a:latin typeface="UVN Bai Sau Nhe" panose="04030405020802020C03" pitchFamily="82" charset="0"/>
+                <a:sym typeface="Wingdings" panose="05000000000000000000" pitchFamily="2" charset="2"/>
+              </a:rPr>
+              <a:t>ư</a:t>
+            </a:r>
+            <a:r>
+              <a:rPr lang="en-US" dirty="0" err="1">
+                <a:latin typeface="UVN Bai Sau Nhe" panose="04030405020802020C03" pitchFamily="82" charset="0"/>
+                <a:sym typeface="Wingdings" panose="05000000000000000000" pitchFamily="2" charset="2"/>
+              </a:rPr>
+              <a:t>ớng</a:t>
+            </a:r>
+            <a:r>
+              <a:rPr lang="en-US" dirty="0">
+                <a:latin typeface="UVN Bai Sau Nhe" panose="04030405020802020C03" pitchFamily="82" charset="0"/>
+                <a:sym typeface="Wingdings" panose="05000000000000000000" pitchFamily="2" charset="2"/>
+              </a:rPr>
+              <a:t> v</a:t>
+            </a:r>
+            <a:r>
+              <a:rPr lang="vi-VN" dirty="0">
+                <a:latin typeface="UVN Bai Sau Nhe" panose="04030405020802020C03" pitchFamily="82" charset="0"/>
+                <a:sym typeface="Wingdings" panose="05000000000000000000" pitchFamily="2" charset="2"/>
+              </a:rPr>
+              <a:t>ư</a:t>
+            </a:r>
+            <a:r>
+              <a:rPr lang="en-US" dirty="0" err="1">
+                <a:latin typeface="UVN Bai Sau Nhe" panose="04030405020802020C03" pitchFamily="82" charset="0"/>
+                <a:sym typeface="Wingdings" panose="05000000000000000000" pitchFamily="2" charset="2"/>
+              </a:rPr>
+              <a:t>ờn</a:t>
+            </a:r>
+            <a:r>
+              <a:rPr lang="en-US" dirty="0">
+                <a:latin typeface="UVN Bai Sau Nhe" panose="04030405020802020C03" pitchFamily="82" charset="0"/>
+                <a:sym typeface="Wingdings" panose="05000000000000000000" pitchFamily="2" charset="2"/>
+              </a:rPr>
+              <a:t>, </a:t>
+            </a:r>
+            <a:r>
+              <a:rPr lang="en-US" dirty="0" err="1">
+                <a:latin typeface="UVN Bai Sau Nhe" panose="04030405020802020C03" pitchFamily="82" charset="0"/>
+                <a:sym typeface="Wingdings" panose="05000000000000000000" pitchFamily="2" charset="2"/>
+              </a:rPr>
+              <a:t>không</a:t>
+            </a:r>
+            <a:r>
+              <a:rPr lang="en-US" dirty="0">
+                <a:latin typeface="UVN Bai Sau Nhe" panose="04030405020802020C03" pitchFamily="82" charset="0"/>
+                <a:sym typeface="Wingdings" panose="05000000000000000000" pitchFamily="2" charset="2"/>
+              </a:rPr>
+              <a:t> </a:t>
+            </a:r>
+            <a:r>
+              <a:rPr lang="en-US" dirty="0" err="1">
+                <a:latin typeface="UVN Bai Sau Nhe" panose="04030405020802020C03" pitchFamily="82" charset="0"/>
+                <a:sym typeface="Wingdings" panose="05000000000000000000" pitchFamily="2" charset="2"/>
+              </a:rPr>
+              <a:t>cửa</a:t>
+            </a:r>
+            <a:r>
+              <a:rPr lang="en-US" dirty="0">
+                <a:latin typeface="UVN Bai Sau Nhe" panose="04030405020802020C03" pitchFamily="82" charset="0"/>
+                <a:sym typeface="Wingdings" panose="05000000000000000000" pitchFamily="2" charset="2"/>
+              </a:rPr>
+              <a:t> </a:t>
+            </a:r>
+            <a:r>
+              <a:rPr lang="en-US" dirty="0" err="1">
+                <a:latin typeface="UVN Bai Sau Nhe" panose="04030405020802020C03" pitchFamily="82" charset="0"/>
+                <a:sym typeface="Wingdings" panose="05000000000000000000" pitchFamily="2" charset="2"/>
+              </a:rPr>
+              <a:t>sổ</a:t>
+            </a:r>
+            <a:r>
+              <a:rPr lang="en-US" dirty="0">
+                <a:latin typeface="UVN Bai Sau Nhe" panose="04030405020802020C03" pitchFamily="82" charset="0"/>
+                <a:sym typeface="Wingdings" panose="05000000000000000000" pitchFamily="2" charset="2"/>
+              </a:rPr>
+              <a:t>, …):</a:t>
+            </a:r>
+          </a:p>
+          <a:p>
+            <a:pPr lvl="2">
+              <a:buFontTx/>
+              <a:buChar char="-"/>
+            </a:pPr>
+            <a:r>
+              <a:rPr lang="en-US" dirty="0" err="1">
+                <a:latin typeface="UVN Bai Sau Nhe" panose="04030405020802020C03" pitchFamily="82" charset="0"/>
+                <a:sym typeface="Wingdings" panose="05000000000000000000" pitchFamily="2" charset="2"/>
+              </a:rPr>
+              <a:t>Ví</a:t>
+            </a:r>
+            <a:r>
+              <a:rPr lang="en-US" dirty="0">
+                <a:latin typeface="UVN Bai Sau Nhe" panose="04030405020802020C03" pitchFamily="82" charset="0"/>
+                <a:sym typeface="Wingdings" panose="05000000000000000000" pitchFamily="2" charset="2"/>
+              </a:rPr>
+              <a:t> </a:t>
+            </a:r>
+            <a:r>
+              <a:rPr lang="en-US" dirty="0" err="1">
+                <a:latin typeface="UVN Bai Sau Nhe" panose="04030405020802020C03" pitchFamily="82" charset="0"/>
+                <a:sym typeface="Wingdings" panose="05000000000000000000" pitchFamily="2" charset="2"/>
+              </a:rPr>
+              <a:t>dụ</a:t>
+            </a:r>
+            <a:r>
+              <a:rPr lang="en-US" dirty="0">
+                <a:latin typeface="UVN Bai Sau Nhe" panose="04030405020802020C03" pitchFamily="82" charset="0"/>
+                <a:sym typeface="Wingdings" panose="05000000000000000000" pitchFamily="2" charset="2"/>
+              </a:rPr>
+              <a:t>: h</a:t>
+            </a:r>
+            <a:r>
+              <a:rPr lang="vi-VN" dirty="0">
+                <a:latin typeface="UVN Bai Sau Nhe" panose="04030405020802020C03" pitchFamily="82" charset="0"/>
+                <a:sym typeface="Wingdings" panose="05000000000000000000" pitchFamily="2" charset="2"/>
+              </a:rPr>
+              <a:t>ư</a:t>
+            </a:r>
+            <a:r>
+              <a:rPr lang="en-US" dirty="0" err="1">
+                <a:latin typeface="UVN Bai Sau Nhe" panose="04030405020802020C03" pitchFamily="82" charset="0"/>
+                <a:sym typeface="Wingdings" panose="05000000000000000000" pitchFamily="2" charset="2"/>
+              </a:rPr>
+              <a:t>ớng</a:t>
+            </a:r>
+            <a:r>
+              <a:rPr lang="en-US" dirty="0">
+                <a:latin typeface="UVN Bai Sau Nhe" panose="04030405020802020C03" pitchFamily="82" charset="0"/>
+                <a:sym typeface="Wingdings" panose="05000000000000000000" pitchFamily="2" charset="2"/>
+              </a:rPr>
+              <a:t> v</a:t>
+            </a:r>
+            <a:r>
+              <a:rPr lang="vi-VN" dirty="0">
+                <a:latin typeface="UVN Bai Sau Nhe" panose="04030405020802020C03" pitchFamily="82" charset="0"/>
+                <a:sym typeface="Wingdings" panose="05000000000000000000" pitchFamily="2" charset="2"/>
+              </a:rPr>
+              <a:t>ư</a:t>
+            </a:r>
+            <a:r>
+              <a:rPr lang="en-US" dirty="0" err="1">
+                <a:latin typeface="UVN Bai Sau Nhe" panose="04030405020802020C03" pitchFamily="82" charset="0"/>
+                <a:sym typeface="Wingdings" panose="05000000000000000000" pitchFamily="2" charset="2"/>
+              </a:rPr>
+              <a:t>ờn</a:t>
+            </a:r>
+            <a:r>
+              <a:rPr lang="en-US" dirty="0">
+                <a:latin typeface="UVN Bai Sau Nhe" panose="04030405020802020C03" pitchFamily="82" charset="0"/>
+                <a:sym typeface="Wingdings" panose="05000000000000000000" pitchFamily="2" charset="2"/>
+              </a:rPr>
+              <a:t>  [0, 1, 0, … ] </a:t>
+            </a:r>
+          </a:p>
+          <a:p>
+            <a:pPr lvl="1"/>
+            <a:endParaRPr lang="en-US" dirty="0">
+              <a:latin typeface="UVN Bai Sau Nhe" panose="04030405020802020C03" pitchFamily="82" charset="0"/>
+            </a:endParaRPr>
+          </a:p>
+          <a:p>
+            <a:endParaRPr lang="en-US" dirty="0">
+              <a:latin typeface="UVN Bai Sau Nhe" panose="04030405020802020C03" pitchFamily="82" charset="0"/>
+            </a:endParaRPr>
+          </a:p>
+        </p:txBody>
+      </p:sp>
+      <p:sp>
+        <p:nvSpPr>
+          <p:cNvPr id="4" name="Chỗ dành sẵn cho Số hiệu Bản chiếu 3">
+            <a:extLst>
+              <a:ext uri="{FF2B5EF4-FFF2-40B4-BE49-F238E27FC236}">
+                <a16:creationId xmlns:a16="http://schemas.microsoft.com/office/drawing/2014/main" id="{C9EE6B47-9E90-4C3D-86CD-99A2F0300918}"/>
+              </a:ext>
+            </a:extLst>
+          </p:cNvPr>
+          <p:cNvSpPr>
+            <a:spLocks noGrp="1"/>
+          </p:cNvSpPr>
+          <p:nvPr>
+            <p:ph type="sldNum" sz="quarter" idx="12"/>
+          </p:nvPr>
+        </p:nvSpPr>
+        <p:spPr/>
+        <p:txBody>
+          <a:bodyPr/>
+          <a:lstStyle/>
+          <a:p>
+            <a:fld id="{A1703E46-08D3-493D-87DC-EAF3522C7E57}" type="slidenum">
+              <a:rPr lang="en-US" smtClean="0"/>
+              <a:t>21</a:t>
+            </a:fld>
+            <a:endParaRPr lang="en-US"/>
+          </a:p>
+        </p:txBody>
+      </p:sp>
+    </p:spTree>
+    <p:extLst>
+      <p:ext uri="{BB962C8B-B14F-4D97-AF65-F5344CB8AC3E}">
+        <p14:creationId xmlns:p14="http://schemas.microsoft.com/office/powerpoint/2010/main" val="3040745627"/>
+      </p:ext>
+    </p:extLst>
+  </p:cSld>
+  <p:clrMapOvr>
+    <a:masterClrMapping/>
+  </p:clrMapOvr>
+</p:sld>
+</file>
+
+<file path=ppt/slides/slide22.xml><?xml version="1.0" encoding="utf-8"?>
+<p:sld xmlns:a="http://schemas.openxmlformats.org/drawingml/2006/main" xmlns:r="http://schemas.openxmlformats.org/officeDocument/2006/relationships" xmlns:p="http://schemas.openxmlformats.org/presentationml/2006/main">
+  <p:cSld>
+    <p:spTree>
+      <p:nvGrpSpPr>
+        <p:cNvPr id="1" name=""/>
+        <p:cNvGrpSpPr/>
+        <p:nvPr/>
+      </p:nvGrpSpPr>
+      <p:grpSpPr>
+        <a:xfrm>
+          <a:off x="0" y="0"/>
+          <a:ext cx="0" cy="0"/>
+          <a:chOff x="0" y="0"/>
+          <a:chExt cx="0" cy="0"/>
+        </a:xfrm>
+      </p:grpSpPr>
+      <p:sp>
+        <p:nvSpPr>
+          <p:cNvPr id="2" name="Tiêu đề 1">
+            <a:extLst>
+              <a:ext uri="{FF2B5EF4-FFF2-40B4-BE49-F238E27FC236}">
+                <a16:creationId xmlns:a16="http://schemas.microsoft.com/office/drawing/2014/main" id="{FEB487A8-D070-44EC-BFFA-383AC850A504}"/>
+              </a:ext>
+            </a:extLst>
+          </p:cNvPr>
+          <p:cNvSpPr>
+            <a:spLocks noGrp="1"/>
+          </p:cNvSpPr>
+          <p:nvPr>
+            <p:ph type="title"/>
+          </p:nvPr>
+        </p:nvSpPr>
+        <p:spPr/>
+        <p:txBody>
+          <a:bodyPr>
+            <a:normAutofit fontScale="90000"/>
+          </a:bodyPr>
+          <a:lstStyle/>
+          <a:p>
+            <a:br>
+              <a:rPr lang="en-US" dirty="0">
+                <a:solidFill>
+                  <a:schemeClr val="accent1">
+                    <a:lumMod val="75000"/>
+                  </a:schemeClr>
+                </a:solidFill>
+                <a:latin typeface="UVN Bai Sau Nhe" panose="04030405020802020C03" pitchFamily="82" charset="0"/>
+              </a:rPr>
+            </a:br>
+            <a:r>
+              <a:rPr lang="vi-VN" dirty="0" err="1">
+                <a:solidFill>
+                  <a:schemeClr val="accent1">
+                    <a:lumMod val="75000"/>
+                  </a:schemeClr>
+                </a:solidFill>
+                <a:latin typeface="UVN Bai Sau Nhe" panose="04030405020802020C03" pitchFamily="82" charset="0"/>
+              </a:rPr>
+              <a:t>Khám</a:t>
+            </a:r>
+            <a:r>
+              <a:rPr lang="vi-VN" dirty="0">
+                <a:solidFill>
+                  <a:schemeClr val="accent1">
+                    <a:lumMod val="75000"/>
+                  </a:schemeClr>
+                </a:solidFill>
+                <a:latin typeface="UVN Bai Sau Nhe" panose="04030405020802020C03" pitchFamily="82" charset="0"/>
+              </a:rPr>
+              <a:t> </a:t>
+            </a:r>
+            <a:r>
+              <a:rPr lang="vi-VN" dirty="0" err="1">
+                <a:solidFill>
+                  <a:schemeClr val="accent1">
+                    <a:lumMod val="75000"/>
+                  </a:schemeClr>
+                </a:solidFill>
+                <a:latin typeface="UVN Bai Sau Nhe" panose="04030405020802020C03" pitchFamily="82" charset="0"/>
+              </a:rPr>
+              <a:t>phá</a:t>
+            </a:r>
+            <a:r>
+              <a:rPr lang="vi-VN" dirty="0">
+                <a:solidFill>
+                  <a:schemeClr val="accent1">
+                    <a:lumMod val="75000"/>
+                  </a:schemeClr>
+                </a:solidFill>
+                <a:latin typeface="UVN Bai Sau Nhe" panose="04030405020802020C03" pitchFamily="82" charset="0"/>
+              </a:rPr>
+              <a:t> </a:t>
+            </a:r>
+            <a:r>
+              <a:rPr lang="vi-VN" dirty="0" err="1">
+                <a:solidFill>
+                  <a:schemeClr val="accent1">
+                    <a:lumMod val="75000"/>
+                  </a:schemeClr>
+                </a:solidFill>
+                <a:latin typeface="UVN Bai Sau Nhe" panose="04030405020802020C03" pitchFamily="82" charset="0"/>
+              </a:rPr>
+              <a:t>dữ</a:t>
+            </a:r>
+            <a:r>
+              <a:rPr lang="vi-VN" dirty="0">
+                <a:solidFill>
+                  <a:schemeClr val="accent1">
+                    <a:lumMod val="75000"/>
+                  </a:schemeClr>
+                </a:solidFill>
+                <a:latin typeface="UVN Bai Sau Nhe" panose="04030405020802020C03" pitchFamily="82" charset="0"/>
+              </a:rPr>
+              <a:t> </a:t>
+            </a:r>
+            <a:r>
+              <a:rPr lang="vi-VN" dirty="0" err="1">
+                <a:solidFill>
+                  <a:schemeClr val="accent1">
+                    <a:lumMod val="75000"/>
+                  </a:schemeClr>
+                </a:solidFill>
+                <a:latin typeface="UVN Bai Sau Nhe" panose="04030405020802020C03" pitchFamily="82" charset="0"/>
+              </a:rPr>
+              <a:t>liệu</a:t>
+            </a:r>
+            <a:r>
+              <a:rPr lang="vi-VN" dirty="0">
+                <a:solidFill>
+                  <a:schemeClr val="accent1">
+                    <a:lumMod val="75000"/>
+                  </a:schemeClr>
+                </a:solidFill>
+                <a:latin typeface="UVN Bai Sau Nhe" panose="04030405020802020C03" pitchFamily="82" charset="0"/>
+              </a:rPr>
+              <a:t> </a:t>
+            </a:r>
+            <a:r>
+              <a:rPr lang="vi-VN" dirty="0" err="1">
+                <a:solidFill>
+                  <a:schemeClr val="accent1">
+                    <a:lumMod val="75000"/>
+                  </a:schemeClr>
+                </a:solidFill>
+                <a:latin typeface="UVN Bai Sau Nhe" panose="04030405020802020C03" pitchFamily="82" charset="0"/>
+              </a:rPr>
+              <a:t>và</a:t>
+            </a:r>
+            <a:r>
+              <a:rPr lang="vi-VN" dirty="0">
+                <a:solidFill>
+                  <a:schemeClr val="accent1">
+                    <a:lumMod val="75000"/>
+                  </a:schemeClr>
+                </a:solidFill>
+                <a:latin typeface="UVN Bai Sau Nhe" panose="04030405020802020C03" pitchFamily="82" charset="0"/>
+              </a:rPr>
+              <a:t> </a:t>
+            </a:r>
+            <a:r>
+              <a:rPr lang="vi-VN" dirty="0" err="1">
+                <a:solidFill>
+                  <a:schemeClr val="accent1">
+                    <a:lumMod val="75000"/>
+                  </a:schemeClr>
+                </a:solidFill>
+                <a:latin typeface="UVN Bai Sau Nhe" panose="04030405020802020C03" pitchFamily="82" charset="0"/>
+              </a:rPr>
+              <a:t>tiền</a:t>
+            </a:r>
+            <a:r>
+              <a:rPr lang="vi-VN" dirty="0">
+                <a:solidFill>
+                  <a:schemeClr val="accent1">
+                    <a:lumMod val="75000"/>
+                  </a:schemeClr>
+                </a:solidFill>
+                <a:latin typeface="UVN Bai Sau Nhe" panose="04030405020802020C03" pitchFamily="82" charset="0"/>
+              </a:rPr>
+              <a:t> </a:t>
+            </a:r>
+            <a:r>
+              <a:rPr lang="vi-VN" dirty="0" err="1">
+                <a:solidFill>
+                  <a:schemeClr val="accent1">
+                    <a:lumMod val="75000"/>
+                  </a:schemeClr>
+                </a:solidFill>
+                <a:latin typeface="UVN Bai Sau Nhe" panose="04030405020802020C03" pitchFamily="82" charset="0"/>
+              </a:rPr>
+              <a:t>xử</a:t>
+            </a:r>
+            <a:r>
+              <a:rPr lang="vi-VN" dirty="0">
+                <a:solidFill>
+                  <a:schemeClr val="accent1">
+                    <a:lumMod val="75000"/>
+                  </a:schemeClr>
+                </a:solidFill>
+                <a:latin typeface="UVN Bai Sau Nhe" panose="04030405020802020C03" pitchFamily="82" charset="0"/>
+              </a:rPr>
+              <a:t> </a:t>
+            </a:r>
+            <a:r>
+              <a:rPr lang="vi-VN" dirty="0" err="1">
+                <a:solidFill>
+                  <a:schemeClr val="accent1">
+                    <a:lumMod val="75000"/>
+                  </a:schemeClr>
+                </a:solidFill>
+                <a:latin typeface="UVN Bai Sau Nhe" panose="04030405020802020C03" pitchFamily="82" charset="0"/>
+              </a:rPr>
+              <a:t>lí</a:t>
+            </a:r>
+            <a:r>
+              <a:rPr lang="vi-VN" dirty="0">
+                <a:solidFill>
+                  <a:schemeClr val="accent1">
+                    <a:lumMod val="75000"/>
+                  </a:schemeClr>
+                </a:solidFill>
+                <a:latin typeface="UVN Bai Sau Nhe" panose="04030405020802020C03" pitchFamily="82" charset="0"/>
+              </a:rPr>
+              <a:t> </a:t>
+            </a:r>
+            <a:r>
+              <a:rPr lang="vi-VN" dirty="0" err="1">
+                <a:solidFill>
+                  <a:schemeClr val="accent1">
+                    <a:lumMod val="75000"/>
+                  </a:schemeClr>
+                </a:solidFill>
+                <a:latin typeface="UVN Bai Sau Nhe" panose="04030405020802020C03" pitchFamily="82" charset="0"/>
+              </a:rPr>
+              <a:t>để</a:t>
+            </a:r>
+            <a:r>
+              <a:rPr lang="vi-VN" dirty="0">
+                <a:solidFill>
+                  <a:schemeClr val="accent1">
+                    <a:lumMod val="75000"/>
+                  </a:schemeClr>
+                </a:solidFill>
+                <a:latin typeface="UVN Bai Sau Nhe" panose="04030405020802020C03" pitchFamily="82" charset="0"/>
+              </a:rPr>
+              <a:t> </a:t>
+            </a:r>
+            <a:r>
+              <a:rPr lang="vi-VN" dirty="0" err="1">
+                <a:solidFill>
+                  <a:schemeClr val="accent1">
+                    <a:lumMod val="75000"/>
+                  </a:schemeClr>
+                </a:solidFill>
+                <a:latin typeface="UVN Bai Sau Nhe" panose="04030405020802020C03" pitchFamily="82" charset="0"/>
+              </a:rPr>
+              <a:t>có</a:t>
+            </a:r>
+            <a:r>
+              <a:rPr lang="vi-VN" dirty="0">
+                <a:solidFill>
+                  <a:schemeClr val="accent1">
+                    <a:lumMod val="75000"/>
+                  </a:schemeClr>
+                </a:solidFill>
+                <a:latin typeface="UVN Bai Sau Nhe" panose="04030405020802020C03" pitchFamily="82" charset="0"/>
+              </a:rPr>
+              <a:t> </a:t>
+            </a:r>
+            <a:r>
+              <a:rPr lang="vi-VN" dirty="0" err="1">
+                <a:solidFill>
+                  <a:schemeClr val="accent1">
+                    <a:lumMod val="75000"/>
+                  </a:schemeClr>
+                </a:solidFill>
+                <a:latin typeface="UVN Bai Sau Nhe" panose="04030405020802020C03" pitchFamily="82" charset="0"/>
+              </a:rPr>
+              <a:t>được</a:t>
+            </a:r>
+            <a:r>
+              <a:rPr lang="vi-VN" dirty="0">
+                <a:solidFill>
+                  <a:schemeClr val="accent1">
+                    <a:lumMod val="75000"/>
+                  </a:schemeClr>
+                </a:solidFill>
+                <a:latin typeface="UVN Bai Sau Nhe" panose="04030405020802020C03" pitchFamily="82" charset="0"/>
+              </a:rPr>
+              <a:t> </a:t>
+            </a:r>
+            <a:r>
+              <a:rPr lang="vi-VN" dirty="0" err="1">
+                <a:solidFill>
+                  <a:schemeClr val="accent1">
+                    <a:lumMod val="75000"/>
+                  </a:schemeClr>
+                </a:solidFill>
+                <a:latin typeface="UVN Bai Sau Nhe" panose="04030405020802020C03" pitchFamily="82" charset="0"/>
+              </a:rPr>
+              <a:t>dữ</a:t>
+            </a:r>
+            <a:r>
+              <a:rPr lang="vi-VN" dirty="0">
+                <a:solidFill>
+                  <a:schemeClr val="accent1">
+                    <a:lumMod val="75000"/>
+                  </a:schemeClr>
+                </a:solidFill>
+                <a:latin typeface="UVN Bai Sau Nhe" panose="04030405020802020C03" pitchFamily="82" charset="0"/>
+              </a:rPr>
+              <a:t> </a:t>
+            </a:r>
+            <a:r>
+              <a:rPr lang="vi-VN" dirty="0" err="1">
+                <a:solidFill>
+                  <a:schemeClr val="accent1">
+                    <a:lumMod val="75000"/>
+                  </a:schemeClr>
+                </a:solidFill>
+                <a:latin typeface="UVN Bai Sau Nhe" panose="04030405020802020C03" pitchFamily="82" charset="0"/>
+              </a:rPr>
+              <a:t>liệu</a:t>
+            </a:r>
+            <a:r>
+              <a:rPr lang="vi-VN" dirty="0">
+                <a:solidFill>
+                  <a:schemeClr val="accent1">
+                    <a:lumMod val="75000"/>
+                  </a:schemeClr>
+                </a:solidFill>
+                <a:latin typeface="UVN Bai Sau Nhe" panose="04030405020802020C03" pitchFamily="82" charset="0"/>
+              </a:rPr>
+              <a:t> </a:t>
+            </a:r>
+            <a:r>
+              <a:rPr lang="vi-VN" dirty="0" err="1">
+                <a:solidFill>
+                  <a:schemeClr val="accent1">
+                    <a:lumMod val="75000"/>
+                  </a:schemeClr>
+                </a:solidFill>
+                <a:latin typeface="UVN Bai Sau Nhe" panose="04030405020802020C03" pitchFamily="82" charset="0"/>
+              </a:rPr>
+              <a:t>mà</a:t>
+            </a:r>
+            <a:r>
+              <a:rPr lang="vi-VN" dirty="0">
+                <a:solidFill>
+                  <a:schemeClr val="accent1">
+                    <a:lumMod val="75000"/>
+                  </a:schemeClr>
+                </a:solidFill>
+                <a:latin typeface="UVN Bai Sau Nhe" panose="04030405020802020C03" pitchFamily="82" charset="0"/>
+              </a:rPr>
+              <a:t> </a:t>
+            </a:r>
+            <a:r>
+              <a:rPr lang="vi-VN" dirty="0" err="1">
+                <a:solidFill>
+                  <a:schemeClr val="accent1">
+                    <a:lumMod val="75000"/>
+                  </a:schemeClr>
+                </a:solidFill>
+                <a:latin typeface="UVN Bai Sau Nhe" panose="04030405020802020C03" pitchFamily="82" charset="0"/>
+              </a:rPr>
+              <a:t>có</a:t>
+            </a:r>
+            <a:r>
+              <a:rPr lang="vi-VN" dirty="0">
+                <a:solidFill>
+                  <a:schemeClr val="accent1">
+                    <a:lumMod val="75000"/>
+                  </a:schemeClr>
+                </a:solidFill>
+                <a:latin typeface="UVN Bai Sau Nhe" panose="04030405020802020C03" pitchFamily="82" charset="0"/>
+              </a:rPr>
+              <a:t> </a:t>
+            </a:r>
+            <a:r>
+              <a:rPr lang="vi-VN" dirty="0" err="1">
+                <a:solidFill>
+                  <a:schemeClr val="accent1">
+                    <a:lumMod val="75000"/>
+                  </a:schemeClr>
+                </a:solidFill>
+                <a:latin typeface="UVN Bai Sau Nhe" panose="04030405020802020C03" pitchFamily="82" charset="0"/>
+              </a:rPr>
+              <a:t>thể</a:t>
+            </a:r>
+            <a:r>
+              <a:rPr lang="vi-VN" dirty="0">
+                <a:solidFill>
+                  <a:schemeClr val="accent1">
+                    <a:lumMod val="75000"/>
+                  </a:schemeClr>
+                </a:solidFill>
+                <a:latin typeface="UVN Bai Sau Nhe" panose="04030405020802020C03" pitchFamily="82" charset="0"/>
+              </a:rPr>
+              <a:t> phân </a:t>
+            </a:r>
+            <a:r>
+              <a:rPr lang="vi-VN" dirty="0" err="1">
+                <a:solidFill>
+                  <a:schemeClr val="accent1">
+                    <a:lumMod val="75000"/>
+                  </a:schemeClr>
+                </a:solidFill>
+                <a:latin typeface="UVN Bai Sau Nhe" panose="04030405020802020C03" pitchFamily="82" charset="0"/>
+              </a:rPr>
+              <a:t>tích</a:t>
+            </a:r>
+            <a:r>
+              <a:rPr lang="vi-VN" dirty="0">
+                <a:solidFill>
+                  <a:schemeClr val="accent1">
+                    <a:lumMod val="75000"/>
+                  </a:schemeClr>
+                </a:solidFill>
+                <a:latin typeface="UVN Bai Sau Nhe" panose="04030405020802020C03" pitchFamily="82" charset="0"/>
+              </a:rPr>
+              <a:t> </a:t>
+            </a:r>
+            <a:r>
+              <a:rPr lang="vi-VN" dirty="0" err="1">
+                <a:solidFill>
+                  <a:schemeClr val="accent1">
+                    <a:lumMod val="75000"/>
+                  </a:schemeClr>
+                </a:solidFill>
+                <a:latin typeface="UVN Bai Sau Nhe" panose="04030405020802020C03" pitchFamily="82" charset="0"/>
+              </a:rPr>
+              <a:t>được</a:t>
+            </a:r>
+            <a:br>
+              <a:rPr lang="vi-VN" dirty="0">
+                <a:solidFill>
+                  <a:schemeClr val="accent1">
+                    <a:lumMod val="75000"/>
+                  </a:schemeClr>
+                </a:solidFill>
+                <a:latin typeface="UVN Bai Sau Nhe" panose="04030405020802020C03" pitchFamily="82" charset="0"/>
+              </a:rPr>
+            </a:br>
+            <a:endParaRPr lang="en-US" dirty="0">
+              <a:solidFill>
+                <a:schemeClr val="accent1">
+                  <a:lumMod val="75000"/>
+                </a:schemeClr>
+              </a:solidFill>
+              <a:latin typeface="UVN Bai Sau Nhe" panose="04030405020802020C03" pitchFamily="82" charset="0"/>
+            </a:endParaRPr>
+          </a:p>
+        </p:txBody>
+      </p:sp>
+      <p:sp>
+        <p:nvSpPr>
+          <p:cNvPr id="3" name="Chỗ dành sẵn cho Nội dung 2">
+            <a:extLst>
+              <a:ext uri="{FF2B5EF4-FFF2-40B4-BE49-F238E27FC236}">
+                <a16:creationId xmlns:a16="http://schemas.microsoft.com/office/drawing/2014/main" id="{B009B68D-914C-43B3-A914-D219D48B5C13}"/>
+              </a:ext>
+            </a:extLst>
+          </p:cNvPr>
+          <p:cNvSpPr>
+            <a:spLocks noGrp="1"/>
+          </p:cNvSpPr>
+          <p:nvPr>
+            <p:ph idx="1"/>
+          </p:nvPr>
+        </p:nvSpPr>
+        <p:spPr/>
+        <p:txBody>
+          <a:bodyPr/>
+          <a:lstStyle/>
+          <a:p>
+            <a:r>
+              <a:rPr lang="en-US" dirty="0" err="1">
+                <a:latin typeface="UVN Bai Sau Nhe" panose="04030405020802020C03" pitchFamily="82" charset="0"/>
+              </a:rPr>
+              <a:t>Tiền</a:t>
+            </a:r>
+            <a:r>
+              <a:rPr lang="en-US" dirty="0">
+                <a:latin typeface="UVN Bai Sau Nhe" panose="04030405020802020C03" pitchFamily="82" charset="0"/>
+              </a:rPr>
+              <a:t> </a:t>
+            </a:r>
+            <a:r>
+              <a:rPr lang="en-US" dirty="0" err="1">
+                <a:latin typeface="UVN Bai Sau Nhe" panose="04030405020802020C03" pitchFamily="82" charset="0"/>
+              </a:rPr>
+              <a:t>xử</a:t>
+            </a:r>
+            <a:r>
+              <a:rPr lang="en-US" dirty="0">
+                <a:latin typeface="UVN Bai Sau Nhe" panose="04030405020802020C03" pitchFamily="82" charset="0"/>
+              </a:rPr>
+              <a:t> </a:t>
+            </a:r>
+            <a:r>
+              <a:rPr lang="en-US" dirty="0" err="1">
+                <a:latin typeface="UVN Bai Sau Nhe" panose="04030405020802020C03" pitchFamily="82" charset="0"/>
+              </a:rPr>
+              <a:t>lý</a:t>
+            </a:r>
+            <a:r>
+              <a:rPr lang="en-US" dirty="0">
+                <a:latin typeface="UVN Bai Sau Nhe" panose="04030405020802020C03" pitchFamily="82" charset="0"/>
+              </a:rPr>
+              <a:t>:</a:t>
+            </a:r>
+          </a:p>
+          <a:p>
+            <a:pPr>
+              <a:buFontTx/>
+              <a:buChar char="-"/>
+            </a:pPr>
+            <a:r>
+              <a:rPr lang="en-US" dirty="0">
+                <a:latin typeface="UVN Bai Sau Nhe" panose="04030405020802020C03" pitchFamily="82" charset="0"/>
+              </a:rPr>
+              <a:t>Sau </a:t>
+            </a:r>
+            <a:r>
+              <a:rPr lang="en-US" dirty="0" err="1">
+                <a:latin typeface="UVN Bai Sau Nhe" panose="04030405020802020C03" pitchFamily="82" charset="0"/>
+              </a:rPr>
+              <a:t>khi</a:t>
+            </a:r>
+            <a:r>
+              <a:rPr lang="en-US" dirty="0">
+                <a:latin typeface="UVN Bai Sau Nhe" panose="04030405020802020C03" pitchFamily="82" charset="0"/>
+              </a:rPr>
+              <a:t> </a:t>
+            </a:r>
+            <a:r>
+              <a:rPr lang="en-US" dirty="0" err="1">
+                <a:latin typeface="UVN Bai Sau Nhe" panose="04030405020802020C03" pitchFamily="82" charset="0"/>
+              </a:rPr>
+              <a:t>thực</a:t>
+            </a:r>
+            <a:r>
+              <a:rPr lang="en-US" dirty="0">
+                <a:latin typeface="UVN Bai Sau Nhe" panose="04030405020802020C03" pitchFamily="82" charset="0"/>
+              </a:rPr>
+              <a:t> </a:t>
+            </a:r>
+            <a:r>
+              <a:rPr lang="en-US" dirty="0" err="1">
+                <a:latin typeface="UVN Bai Sau Nhe" panose="04030405020802020C03" pitchFamily="82" charset="0"/>
+              </a:rPr>
+              <a:t>hiện</a:t>
+            </a:r>
+            <a:r>
+              <a:rPr lang="en-US" dirty="0">
+                <a:latin typeface="UVN Bai Sau Nhe" panose="04030405020802020C03" pitchFamily="82" charset="0"/>
+              </a:rPr>
+              <a:t> </a:t>
+            </a:r>
+            <a:r>
+              <a:rPr lang="en-US" dirty="0" err="1">
+                <a:latin typeface="UVN Bai Sau Nhe" panose="04030405020802020C03" pitchFamily="82" charset="0"/>
+              </a:rPr>
+              <a:t>những</a:t>
+            </a:r>
+            <a:r>
+              <a:rPr lang="en-US" dirty="0">
+                <a:latin typeface="UVN Bai Sau Nhe" panose="04030405020802020C03" pitchFamily="82" charset="0"/>
+              </a:rPr>
+              <a:t> b</a:t>
+            </a:r>
+            <a:r>
+              <a:rPr lang="vi-VN" dirty="0">
+                <a:latin typeface="UVN Bai Sau Nhe" panose="04030405020802020C03" pitchFamily="82" charset="0"/>
+              </a:rPr>
+              <a:t>ư</a:t>
+            </a:r>
+            <a:r>
+              <a:rPr lang="en-US" dirty="0" err="1">
+                <a:latin typeface="UVN Bai Sau Nhe" panose="04030405020802020C03" pitchFamily="82" charset="0"/>
+              </a:rPr>
+              <a:t>ớc</a:t>
+            </a:r>
+            <a:r>
+              <a:rPr lang="en-US" dirty="0">
+                <a:latin typeface="UVN Bai Sau Nhe" panose="04030405020802020C03" pitchFamily="82" charset="0"/>
+              </a:rPr>
+              <a:t> </a:t>
+            </a:r>
+            <a:r>
+              <a:rPr lang="en-US" dirty="0" err="1">
+                <a:latin typeface="UVN Bai Sau Nhe" panose="04030405020802020C03" pitchFamily="82" charset="0"/>
+              </a:rPr>
+              <a:t>trên</a:t>
+            </a:r>
+            <a:r>
+              <a:rPr lang="en-US" dirty="0">
+                <a:latin typeface="UVN Bai Sau Nhe" panose="04030405020802020C03" pitchFamily="82" charset="0"/>
+              </a:rPr>
+              <a:t>, </a:t>
+            </a:r>
+            <a:r>
+              <a:rPr lang="en-US" dirty="0" err="1">
+                <a:latin typeface="UVN Bai Sau Nhe" panose="04030405020802020C03" pitchFamily="82" charset="0"/>
+              </a:rPr>
+              <a:t>tiến</a:t>
+            </a:r>
+            <a:r>
+              <a:rPr lang="en-US" dirty="0">
+                <a:latin typeface="UVN Bai Sau Nhe" panose="04030405020802020C03" pitchFamily="82" charset="0"/>
+              </a:rPr>
+              <a:t> </a:t>
+            </a:r>
+            <a:r>
+              <a:rPr lang="en-US" dirty="0" err="1">
+                <a:latin typeface="UVN Bai Sau Nhe" panose="04030405020802020C03" pitchFamily="82" charset="0"/>
+              </a:rPr>
+              <a:t>hành</a:t>
+            </a:r>
+            <a:r>
+              <a:rPr lang="en-US" dirty="0">
+                <a:latin typeface="UVN Bai Sau Nhe" panose="04030405020802020C03" pitchFamily="82" charset="0"/>
+              </a:rPr>
+              <a:t> </a:t>
+            </a:r>
+            <a:r>
+              <a:rPr lang="en-US" dirty="0" err="1">
+                <a:latin typeface="UVN Bai Sau Nhe" panose="04030405020802020C03" pitchFamily="82" charset="0"/>
+              </a:rPr>
+              <a:t>chuẩn</a:t>
+            </a:r>
+            <a:r>
+              <a:rPr lang="en-US" dirty="0">
+                <a:latin typeface="UVN Bai Sau Nhe" panose="04030405020802020C03" pitchFamily="82" charset="0"/>
+              </a:rPr>
+              <a:t> </a:t>
+            </a:r>
+            <a:r>
+              <a:rPr lang="en-US" dirty="0" err="1">
+                <a:latin typeface="UVN Bai Sau Nhe" panose="04030405020802020C03" pitchFamily="82" charset="0"/>
+              </a:rPr>
+              <a:t>hóa</a:t>
+            </a:r>
+            <a:r>
+              <a:rPr lang="en-US" dirty="0">
+                <a:latin typeface="UVN Bai Sau Nhe" panose="04030405020802020C03" pitchFamily="82" charset="0"/>
+              </a:rPr>
+              <a:t> </a:t>
+            </a:r>
+            <a:r>
+              <a:rPr lang="en-US" dirty="0" err="1">
+                <a:latin typeface="UVN Bai Sau Nhe" panose="04030405020802020C03" pitchFamily="82" charset="0"/>
+              </a:rPr>
+              <a:t>dữ</a:t>
+            </a:r>
+            <a:r>
+              <a:rPr lang="en-US" dirty="0">
+                <a:latin typeface="UVN Bai Sau Nhe" panose="04030405020802020C03" pitchFamily="82" charset="0"/>
+              </a:rPr>
+              <a:t> </a:t>
+            </a:r>
+            <a:r>
+              <a:rPr lang="en-US" dirty="0" err="1">
+                <a:latin typeface="UVN Bai Sau Nhe" panose="04030405020802020C03" pitchFamily="82" charset="0"/>
+              </a:rPr>
+              <a:t>liệu</a:t>
+            </a:r>
+            <a:r>
+              <a:rPr lang="en-US" dirty="0">
+                <a:latin typeface="UVN Bai Sau Nhe" panose="04030405020802020C03" pitchFamily="82" charset="0"/>
+              </a:rPr>
+              <a:t> qua </a:t>
+            </a:r>
+            <a:r>
+              <a:rPr lang="en-US" dirty="0" err="1">
+                <a:latin typeface="UVN Bai Sau Nhe" panose="04030405020802020C03" pitchFamily="82" charset="0"/>
+              </a:rPr>
+              <a:t>StandardScaler</a:t>
+            </a:r>
+            <a:r>
+              <a:rPr lang="en-US" dirty="0">
+                <a:latin typeface="UVN Bai Sau Nhe" panose="04030405020802020C03" pitchFamily="82" charset="0"/>
+              </a:rPr>
+              <a:t> </a:t>
+            </a:r>
+            <a:r>
+              <a:rPr lang="en-US" dirty="0" err="1">
+                <a:latin typeface="UVN Bai Sau Nhe" panose="04030405020802020C03" pitchFamily="82" charset="0"/>
+              </a:rPr>
+              <a:t>với</a:t>
+            </a:r>
+            <a:r>
+              <a:rPr lang="en-US" dirty="0">
+                <a:latin typeface="UVN Bai Sau Nhe" panose="04030405020802020C03" pitchFamily="82" charset="0"/>
+              </a:rPr>
+              <a:t> </a:t>
+            </a:r>
+            <a:r>
+              <a:rPr lang="en-US" dirty="0" err="1">
+                <a:latin typeface="UVN Bai Sau Nhe" panose="04030405020802020C03" pitchFamily="82" charset="0"/>
+              </a:rPr>
+              <a:t>những</a:t>
+            </a:r>
+            <a:r>
+              <a:rPr lang="en-US" dirty="0">
+                <a:latin typeface="UVN Bai Sau Nhe" panose="04030405020802020C03" pitchFamily="82" charset="0"/>
+              </a:rPr>
+              <a:t> </a:t>
+            </a:r>
+            <a:r>
+              <a:rPr lang="en-US" dirty="0" err="1">
+                <a:latin typeface="UVN Bai Sau Nhe" panose="04030405020802020C03" pitchFamily="82" charset="0"/>
+              </a:rPr>
+              <a:t>thuộc</a:t>
+            </a:r>
+            <a:r>
+              <a:rPr lang="en-US" dirty="0">
+                <a:latin typeface="UVN Bai Sau Nhe" panose="04030405020802020C03" pitchFamily="82" charset="0"/>
+              </a:rPr>
+              <a:t> </a:t>
+            </a:r>
+            <a:r>
+              <a:rPr lang="en-US" dirty="0" err="1">
+                <a:latin typeface="UVN Bai Sau Nhe" panose="04030405020802020C03" pitchFamily="82" charset="0"/>
+              </a:rPr>
+              <a:t>tính</a:t>
+            </a:r>
+            <a:r>
+              <a:rPr lang="en-US" dirty="0">
+                <a:latin typeface="UVN Bai Sau Nhe" panose="04030405020802020C03" pitchFamily="82" charset="0"/>
+              </a:rPr>
+              <a:t> </a:t>
+            </a:r>
+            <a:r>
+              <a:rPr lang="en-US" dirty="0" err="1">
+                <a:latin typeface="UVN Bai Sau Nhe" panose="04030405020802020C03" pitchFamily="82" charset="0"/>
+              </a:rPr>
+              <a:t>không</a:t>
+            </a:r>
+            <a:r>
+              <a:rPr lang="en-US" dirty="0">
+                <a:latin typeface="UVN Bai Sau Nhe" panose="04030405020802020C03" pitchFamily="82" charset="0"/>
+              </a:rPr>
+              <a:t> </a:t>
+            </a:r>
+            <a:r>
+              <a:rPr lang="en-US" dirty="0" err="1">
+                <a:latin typeface="UVN Bai Sau Nhe" panose="04030405020802020C03" pitchFamily="82" charset="0"/>
+              </a:rPr>
+              <a:t>phải</a:t>
+            </a:r>
+            <a:r>
+              <a:rPr lang="en-US" dirty="0">
+                <a:latin typeface="UVN Bai Sau Nhe" panose="04030405020802020C03" pitchFamily="82" charset="0"/>
+              </a:rPr>
+              <a:t> </a:t>
+            </a:r>
+            <a:r>
+              <a:rPr lang="en-US" dirty="0" err="1">
+                <a:latin typeface="UVN Bai Sau Nhe" panose="04030405020802020C03" pitchFamily="82" charset="0"/>
+              </a:rPr>
+              <a:t>kiểu</a:t>
+            </a:r>
+            <a:r>
+              <a:rPr lang="en-US" dirty="0">
+                <a:latin typeface="UVN Bai Sau Nhe" panose="04030405020802020C03" pitchFamily="82" charset="0"/>
+              </a:rPr>
+              <a:t> binary</a:t>
+            </a:r>
+            <a:endParaRPr lang="en-US" dirty="0">
+              <a:latin typeface="UVN Bai Sau Nhe" panose="04030405020802020C03" pitchFamily="82" charset="0"/>
+              <a:sym typeface="Wingdings" panose="05000000000000000000" pitchFamily="2" charset="2"/>
+            </a:endParaRPr>
+          </a:p>
+          <a:p>
+            <a:pPr lvl="1"/>
+            <a:endParaRPr lang="en-US" dirty="0">
+              <a:latin typeface="UVN Bai Sau Nhe" panose="04030405020802020C03" pitchFamily="82" charset="0"/>
+            </a:endParaRPr>
+          </a:p>
+          <a:p>
+            <a:endParaRPr lang="en-US" dirty="0">
+              <a:latin typeface="UVN Bai Sau Nhe" panose="04030405020802020C03" pitchFamily="82" charset="0"/>
+            </a:endParaRPr>
+          </a:p>
+        </p:txBody>
+      </p:sp>
+      <p:sp>
+        <p:nvSpPr>
+          <p:cNvPr id="4" name="Chỗ dành sẵn cho Số hiệu Bản chiếu 3">
+            <a:extLst>
+              <a:ext uri="{FF2B5EF4-FFF2-40B4-BE49-F238E27FC236}">
+                <a16:creationId xmlns:a16="http://schemas.microsoft.com/office/drawing/2014/main" id="{C9EE6B47-9E90-4C3D-86CD-99A2F0300918}"/>
+              </a:ext>
+            </a:extLst>
+          </p:cNvPr>
+          <p:cNvSpPr>
+            <a:spLocks noGrp="1"/>
+          </p:cNvSpPr>
+          <p:nvPr>
+            <p:ph type="sldNum" sz="quarter" idx="12"/>
+          </p:nvPr>
+        </p:nvSpPr>
+        <p:spPr/>
+        <p:txBody>
+          <a:bodyPr/>
+          <a:lstStyle/>
+          <a:p>
+            <a:fld id="{A1703E46-08D3-493D-87DC-EAF3522C7E57}" type="slidenum">
+              <a:rPr lang="en-US" smtClean="0"/>
+              <a:t>22</a:t>
+            </a:fld>
+            <a:endParaRPr lang="en-US"/>
+          </a:p>
+        </p:txBody>
+      </p:sp>
+    </p:spTree>
+    <p:extLst>
+      <p:ext uri="{BB962C8B-B14F-4D97-AF65-F5344CB8AC3E}">
+        <p14:creationId xmlns:p14="http://schemas.microsoft.com/office/powerpoint/2010/main" val="2519890666"/>
+      </p:ext>
+    </p:extLst>
+  </p:cSld>
+  <p:clrMapOvr>
+    <a:masterClrMapping/>
+  </p:clrMapOvr>
+</p:sld>
+</file>
+
+<file path=ppt/slides/slide23.xml><?xml version="1.0" encoding="utf-8"?>
+<p:sld xmlns:a="http://schemas.openxmlformats.org/drawingml/2006/main" xmlns:r="http://schemas.openxmlformats.org/officeDocument/2006/relationships" xmlns:p="http://schemas.openxmlformats.org/presentationml/2006/main">
+  <p:cSld>
+    <p:spTree>
+      <p:nvGrpSpPr>
+        <p:cNvPr id="1" name=""/>
+        <p:cNvGrpSpPr/>
+        <p:nvPr/>
+      </p:nvGrpSpPr>
+      <p:grpSpPr>
+        <a:xfrm>
+          <a:off x="0" y="0"/>
+          <a:ext cx="0" cy="0"/>
+          <a:chOff x="0" y="0"/>
+          <a:chExt cx="0" cy="0"/>
+        </a:xfrm>
+      </p:grpSpPr>
+      <p:sp>
+        <p:nvSpPr>
+          <p:cNvPr id="2" name="Tiêu đề 1">
+            <a:extLst>
+              <a:ext uri="{FF2B5EF4-FFF2-40B4-BE49-F238E27FC236}">
+                <a16:creationId xmlns:a16="http://schemas.microsoft.com/office/drawing/2014/main" id="{FEB487A8-D070-44EC-BFFA-383AC850A504}"/>
+              </a:ext>
+            </a:extLst>
+          </p:cNvPr>
+          <p:cNvSpPr>
+            <a:spLocks noGrp="1"/>
+          </p:cNvSpPr>
+          <p:nvPr>
+            <p:ph type="title"/>
+          </p:nvPr>
+        </p:nvSpPr>
+        <p:spPr/>
+        <p:txBody>
+          <a:bodyPr/>
+          <a:lstStyle/>
+          <a:p>
+            <a:r>
+              <a:rPr lang="en-US" dirty="0" err="1">
+                <a:solidFill>
+                  <a:schemeClr val="accent1">
+                    <a:lumMod val="75000"/>
+                  </a:schemeClr>
+                </a:solidFill>
+                <a:latin typeface="UVN Bai Sau Nhe" panose="04030405020802020C03" pitchFamily="82" charset="0"/>
+              </a:rPr>
+              <a:t>Phân</a:t>
+            </a:r>
+            <a:r>
+              <a:rPr lang="en-US" dirty="0">
+                <a:solidFill>
+                  <a:schemeClr val="accent1">
+                    <a:lumMod val="75000"/>
+                  </a:schemeClr>
+                </a:solidFill>
+                <a:latin typeface="UVN Bai Sau Nhe" panose="04030405020802020C03" pitchFamily="82" charset="0"/>
+              </a:rPr>
+              <a:t> </a:t>
+            </a:r>
+            <a:r>
+              <a:rPr lang="en-US" dirty="0" err="1">
+                <a:solidFill>
+                  <a:schemeClr val="accent1">
+                    <a:lumMod val="75000"/>
+                  </a:schemeClr>
+                </a:solidFill>
+                <a:latin typeface="UVN Bai Sau Nhe" panose="04030405020802020C03" pitchFamily="82" charset="0"/>
+              </a:rPr>
+              <a:t>tích</a:t>
+            </a:r>
+            <a:r>
+              <a:rPr lang="en-US" dirty="0">
+                <a:solidFill>
+                  <a:schemeClr val="accent1">
+                    <a:lumMod val="75000"/>
+                  </a:schemeClr>
+                </a:solidFill>
+                <a:latin typeface="UVN Bai Sau Nhe" panose="04030405020802020C03" pitchFamily="82" charset="0"/>
+              </a:rPr>
+              <a:t> </a:t>
+            </a:r>
+            <a:r>
+              <a:rPr lang="en-US" dirty="0" err="1">
+                <a:solidFill>
+                  <a:schemeClr val="accent1">
+                    <a:lumMod val="75000"/>
+                  </a:schemeClr>
+                </a:solidFill>
+                <a:latin typeface="UVN Bai Sau Nhe" panose="04030405020802020C03" pitchFamily="82" charset="0"/>
+              </a:rPr>
+              <a:t>và</a:t>
+            </a:r>
+            <a:r>
+              <a:rPr lang="en-US" dirty="0">
+                <a:solidFill>
+                  <a:schemeClr val="accent1">
+                    <a:lumMod val="75000"/>
+                  </a:schemeClr>
+                </a:solidFill>
+                <a:latin typeface="UVN Bai Sau Nhe" panose="04030405020802020C03" pitchFamily="82" charset="0"/>
+              </a:rPr>
+              <a:t> </a:t>
+            </a:r>
+            <a:r>
+              <a:rPr lang="en-US" dirty="0" err="1">
+                <a:solidFill>
+                  <a:schemeClr val="accent1">
+                    <a:lumMod val="75000"/>
+                  </a:schemeClr>
+                </a:solidFill>
+                <a:latin typeface="UVN Bai Sau Nhe" panose="04030405020802020C03" pitchFamily="82" charset="0"/>
+              </a:rPr>
+              <a:t>mô</a:t>
+            </a:r>
+            <a:r>
+              <a:rPr lang="en-US" dirty="0">
+                <a:solidFill>
+                  <a:schemeClr val="accent1">
+                    <a:lumMod val="75000"/>
+                  </a:schemeClr>
+                </a:solidFill>
+                <a:latin typeface="UVN Bai Sau Nhe" panose="04030405020802020C03" pitchFamily="82" charset="0"/>
+              </a:rPr>
+              <a:t> </a:t>
+            </a:r>
+            <a:r>
+              <a:rPr lang="en-US" dirty="0" err="1">
+                <a:solidFill>
+                  <a:schemeClr val="accent1">
+                    <a:lumMod val="75000"/>
+                  </a:schemeClr>
+                </a:solidFill>
+                <a:latin typeface="UVN Bai Sau Nhe" panose="04030405020802020C03" pitchFamily="82" charset="0"/>
+              </a:rPr>
+              <a:t>hình</a:t>
+            </a:r>
+            <a:r>
+              <a:rPr lang="en-US" dirty="0">
+                <a:solidFill>
+                  <a:schemeClr val="accent1">
+                    <a:lumMod val="75000"/>
+                  </a:schemeClr>
+                </a:solidFill>
+                <a:latin typeface="UVN Bai Sau Nhe" panose="04030405020802020C03" pitchFamily="82" charset="0"/>
+              </a:rPr>
+              <a:t> </a:t>
+            </a:r>
+            <a:r>
+              <a:rPr lang="en-US" dirty="0" err="1">
+                <a:solidFill>
+                  <a:schemeClr val="accent1">
+                    <a:lumMod val="75000"/>
+                  </a:schemeClr>
+                </a:solidFill>
+                <a:latin typeface="UVN Bai Sau Nhe" panose="04030405020802020C03" pitchFamily="82" charset="0"/>
+              </a:rPr>
+              <a:t>hóa</a:t>
+            </a:r>
+            <a:r>
+              <a:rPr lang="en-US" dirty="0">
+                <a:solidFill>
+                  <a:schemeClr val="accent1">
+                    <a:lumMod val="75000"/>
+                  </a:schemeClr>
+                </a:solidFill>
+                <a:latin typeface="UVN Bai Sau Nhe" panose="04030405020802020C03" pitchFamily="82" charset="0"/>
+              </a:rPr>
+              <a:t> </a:t>
+            </a:r>
+            <a:r>
+              <a:rPr lang="en-US" dirty="0" err="1">
+                <a:solidFill>
+                  <a:schemeClr val="accent1">
+                    <a:lumMod val="75000"/>
+                  </a:schemeClr>
+                </a:solidFill>
+                <a:latin typeface="UVN Bai Sau Nhe" panose="04030405020802020C03" pitchFamily="82" charset="0"/>
+              </a:rPr>
+              <a:t>dữ</a:t>
+            </a:r>
+            <a:r>
+              <a:rPr lang="en-US" dirty="0">
+                <a:solidFill>
+                  <a:schemeClr val="accent1">
+                    <a:lumMod val="75000"/>
+                  </a:schemeClr>
+                </a:solidFill>
+                <a:latin typeface="UVN Bai Sau Nhe" panose="04030405020802020C03" pitchFamily="82" charset="0"/>
+              </a:rPr>
+              <a:t> </a:t>
+            </a:r>
+            <a:r>
+              <a:rPr lang="en-US" dirty="0" err="1">
+                <a:solidFill>
+                  <a:schemeClr val="accent1">
+                    <a:lumMod val="75000"/>
+                  </a:schemeClr>
+                </a:solidFill>
+                <a:latin typeface="UVN Bai Sau Nhe" panose="04030405020802020C03" pitchFamily="82" charset="0"/>
+              </a:rPr>
+              <a:t>liệu</a:t>
+            </a:r>
+            <a:endParaRPr lang="en-US" dirty="0">
+              <a:solidFill>
+                <a:schemeClr val="accent1">
+                  <a:lumMod val="75000"/>
+                </a:schemeClr>
+              </a:solidFill>
+              <a:latin typeface="UVN Bai Sau Nhe" panose="04030405020802020C03" pitchFamily="82" charset="0"/>
+            </a:endParaRPr>
+          </a:p>
+        </p:txBody>
+      </p:sp>
+      <p:sp>
+        <p:nvSpPr>
+          <p:cNvPr id="3" name="Chỗ dành sẵn cho Nội dung 2">
+            <a:extLst>
+              <a:ext uri="{FF2B5EF4-FFF2-40B4-BE49-F238E27FC236}">
+                <a16:creationId xmlns:a16="http://schemas.microsoft.com/office/drawing/2014/main" id="{B009B68D-914C-43B3-A914-D219D48B5C13}"/>
+              </a:ext>
+            </a:extLst>
+          </p:cNvPr>
+          <p:cNvSpPr>
+            <a:spLocks noGrp="1"/>
+          </p:cNvSpPr>
+          <p:nvPr>
+            <p:ph idx="1"/>
+          </p:nvPr>
+        </p:nvSpPr>
+        <p:spPr/>
+        <p:txBody>
+          <a:bodyPr/>
+          <a:lstStyle/>
+          <a:p>
+            <a:r>
+              <a:rPr lang="en-US" dirty="0" err="1">
+                <a:latin typeface="UVN Bai Sau Nhe" panose="04030405020802020C03" pitchFamily="82" charset="0"/>
+              </a:rPr>
+              <a:t>Dữ</a:t>
+            </a:r>
+            <a:r>
+              <a:rPr lang="en-US" dirty="0">
+                <a:latin typeface="UVN Bai Sau Nhe" panose="04030405020802020C03" pitchFamily="82" charset="0"/>
+              </a:rPr>
+              <a:t> </a:t>
+            </a:r>
+            <a:r>
+              <a:rPr lang="en-US" dirty="0" err="1">
+                <a:latin typeface="UVN Bai Sau Nhe" panose="04030405020802020C03" pitchFamily="82" charset="0"/>
+              </a:rPr>
+              <a:t>liệu</a:t>
+            </a:r>
+            <a:r>
+              <a:rPr lang="en-US" dirty="0">
+                <a:latin typeface="UVN Bai Sau Nhe" panose="04030405020802020C03" pitchFamily="82" charset="0"/>
+              </a:rPr>
+              <a:t> ban </a:t>
+            </a:r>
+            <a:r>
+              <a:rPr lang="en-US" dirty="0" err="1">
+                <a:latin typeface="UVN Bai Sau Nhe" panose="04030405020802020C03" pitchFamily="82" charset="0"/>
+              </a:rPr>
+              <a:t>đầu</a:t>
+            </a:r>
+            <a:r>
+              <a:rPr lang="en-US" dirty="0">
+                <a:latin typeface="UVN Bai Sau Nhe" panose="04030405020802020C03" pitchFamily="82" charset="0"/>
+              </a:rPr>
+              <a:t>, chia </a:t>
+            </a:r>
+            <a:r>
+              <a:rPr lang="en-US" dirty="0" err="1">
+                <a:latin typeface="UVN Bai Sau Nhe" panose="04030405020802020C03" pitchFamily="82" charset="0"/>
+              </a:rPr>
+              <a:t>thành</a:t>
+            </a:r>
+            <a:r>
+              <a:rPr lang="en-US" dirty="0">
+                <a:latin typeface="UVN Bai Sau Nhe" panose="04030405020802020C03" pitchFamily="82" charset="0"/>
+              </a:rPr>
+              <a:t> 2 </a:t>
+            </a:r>
+            <a:r>
+              <a:rPr lang="en-US" dirty="0" err="1">
+                <a:latin typeface="UVN Bai Sau Nhe" panose="04030405020802020C03" pitchFamily="82" charset="0"/>
+              </a:rPr>
+              <a:t>tập</a:t>
+            </a:r>
+            <a:endParaRPr lang="en-US" dirty="0">
+              <a:latin typeface="UVN Bai Sau Nhe" panose="04030405020802020C03" pitchFamily="82" charset="0"/>
+            </a:endParaRPr>
+          </a:p>
+          <a:p>
+            <a:pPr lvl="1"/>
+            <a:r>
+              <a:rPr lang="en-US" dirty="0" err="1">
+                <a:latin typeface="UVN Bai Sau Nhe" panose="04030405020802020C03" pitchFamily="82" charset="0"/>
+              </a:rPr>
+              <a:t>Tập</a:t>
+            </a:r>
+            <a:r>
+              <a:rPr lang="en-US" dirty="0">
+                <a:latin typeface="UVN Bai Sau Nhe" panose="04030405020802020C03" pitchFamily="82" charset="0"/>
+              </a:rPr>
+              <a:t> train-validation: 80 %</a:t>
+            </a:r>
+          </a:p>
+          <a:p>
+            <a:pPr lvl="1"/>
+            <a:r>
+              <a:rPr lang="en-US" dirty="0" err="1">
+                <a:latin typeface="UVN Bai Sau Nhe" panose="04030405020802020C03" pitchFamily="82" charset="0"/>
+              </a:rPr>
+              <a:t>Tập</a:t>
+            </a:r>
+            <a:r>
+              <a:rPr lang="en-US" dirty="0">
+                <a:latin typeface="UVN Bai Sau Nhe" panose="04030405020802020C03" pitchFamily="82" charset="0"/>
+              </a:rPr>
+              <a:t> test: 20%</a:t>
+            </a:r>
+          </a:p>
+        </p:txBody>
+      </p:sp>
+      <p:sp>
+        <p:nvSpPr>
+          <p:cNvPr id="4" name="Chỗ dành sẵn cho Số hiệu Bản chiếu 3">
+            <a:extLst>
+              <a:ext uri="{FF2B5EF4-FFF2-40B4-BE49-F238E27FC236}">
+                <a16:creationId xmlns:a16="http://schemas.microsoft.com/office/drawing/2014/main" id="{D17D921C-2EF5-40A8-8F6E-F3F279A34F85}"/>
+              </a:ext>
+            </a:extLst>
+          </p:cNvPr>
+          <p:cNvSpPr>
+            <a:spLocks noGrp="1"/>
+          </p:cNvSpPr>
+          <p:nvPr>
+            <p:ph type="sldNum" sz="quarter" idx="12"/>
+          </p:nvPr>
+        </p:nvSpPr>
+        <p:spPr/>
+        <p:txBody>
+          <a:bodyPr/>
+          <a:lstStyle/>
+          <a:p>
+            <a:fld id="{A1703E46-08D3-493D-87DC-EAF3522C7E57}" type="slidenum">
+              <a:rPr lang="en-US" smtClean="0"/>
+              <a:t>23</a:t>
+            </a:fld>
+            <a:endParaRPr lang="en-US"/>
+          </a:p>
+        </p:txBody>
+      </p:sp>
+    </p:spTree>
+    <p:extLst>
+      <p:ext uri="{BB962C8B-B14F-4D97-AF65-F5344CB8AC3E}">
+        <p14:creationId xmlns:p14="http://schemas.microsoft.com/office/powerpoint/2010/main" val="185957236"/>
+      </p:ext>
+    </p:extLst>
+  </p:cSld>
+  <p:clrMapOvr>
+    <a:masterClrMapping/>
+  </p:clrMapOvr>
+</p:sld>
+</file>
+
+<file path=ppt/slides/slide24.xml><?xml version="1.0" encoding="utf-8"?>
+<p:sld xmlns:a="http://schemas.openxmlformats.org/drawingml/2006/main" xmlns:r="http://schemas.openxmlformats.org/officeDocument/2006/relationships" xmlns:p="http://schemas.openxmlformats.org/presentationml/2006/main">
+  <p:cSld>
+    <p:spTree>
+      <p:nvGrpSpPr>
+        <p:cNvPr id="1" name=""/>
+        <p:cNvGrpSpPr/>
+        <p:nvPr/>
+      </p:nvGrpSpPr>
+      <p:grpSpPr>
+        <a:xfrm>
+          <a:off x="0" y="0"/>
+          <a:ext cx="0" cy="0"/>
+          <a:chOff x="0" y="0"/>
+          <a:chExt cx="0" cy="0"/>
+        </a:xfrm>
+      </p:grpSpPr>
+      <p:sp>
+        <p:nvSpPr>
+          <p:cNvPr id="2" name="Tiêu đề 1">
+            <a:extLst>
+              <a:ext uri="{FF2B5EF4-FFF2-40B4-BE49-F238E27FC236}">
+                <a16:creationId xmlns:a16="http://schemas.microsoft.com/office/drawing/2014/main" id="{FEB487A8-D070-44EC-BFFA-383AC850A504}"/>
+              </a:ext>
+            </a:extLst>
+          </p:cNvPr>
+          <p:cNvSpPr>
+            <a:spLocks noGrp="1"/>
+          </p:cNvSpPr>
+          <p:nvPr>
+            <p:ph type="title"/>
+          </p:nvPr>
+        </p:nvSpPr>
+        <p:spPr/>
+        <p:txBody>
+          <a:bodyPr/>
+          <a:lstStyle/>
+          <a:p>
+            <a:r>
+              <a:rPr lang="en-US" dirty="0" err="1">
+                <a:solidFill>
+                  <a:schemeClr val="accent1">
+                    <a:lumMod val="75000"/>
+                  </a:schemeClr>
+                </a:solidFill>
+                <a:latin typeface="UVN Bai Sau Nhe" panose="04030405020802020C03" pitchFamily="82" charset="0"/>
+              </a:rPr>
+              <a:t>Phân</a:t>
+            </a:r>
+            <a:r>
+              <a:rPr lang="en-US" dirty="0">
+                <a:solidFill>
+                  <a:schemeClr val="accent1">
+                    <a:lumMod val="75000"/>
+                  </a:schemeClr>
+                </a:solidFill>
+                <a:latin typeface="UVN Bai Sau Nhe" panose="04030405020802020C03" pitchFamily="82" charset="0"/>
+              </a:rPr>
+              <a:t> </a:t>
+            </a:r>
+            <a:r>
+              <a:rPr lang="en-US" dirty="0" err="1">
+                <a:solidFill>
+                  <a:schemeClr val="accent1">
+                    <a:lumMod val="75000"/>
+                  </a:schemeClr>
+                </a:solidFill>
+                <a:latin typeface="UVN Bai Sau Nhe" panose="04030405020802020C03" pitchFamily="82" charset="0"/>
+              </a:rPr>
+              <a:t>tích</a:t>
+            </a:r>
+            <a:r>
+              <a:rPr lang="en-US" dirty="0">
+                <a:solidFill>
+                  <a:schemeClr val="accent1">
+                    <a:lumMod val="75000"/>
+                  </a:schemeClr>
+                </a:solidFill>
+                <a:latin typeface="UVN Bai Sau Nhe" panose="04030405020802020C03" pitchFamily="82" charset="0"/>
+              </a:rPr>
+              <a:t> </a:t>
+            </a:r>
+            <a:r>
+              <a:rPr lang="en-US" dirty="0" err="1">
+                <a:solidFill>
+                  <a:schemeClr val="accent1">
+                    <a:lumMod val="75000"/>
+                  </a:schemeClr>
+                </a:solidFill>
+                <a:latin typeface="UVN Bai Sau Nhe" panose="04030405020802020C03" pitchFamily="82" charset="0"/>
+              </a:rPr>
+              <a:t>và</a:t>
+            </a:r>
+            <a:r>
+              <a:rPr lang="en-US" dirty="0">
+                <a:solidFill>
+                  <a:schemeClr val="accent1">
+                    <a:lumMod val="75000"/>
+                  </a:schemeClr>
+                </a:solidFill>
+                <a:latin typeface="UVN Bai Sau Nhe" panose="04030405020802020C03" pitchFamily="82" charset="0"/>
+              </a:rPr>
+              <a:t> </a:t>
+            </a:r>
+            <a:r>
+              <a:rPr lang="en-US" dirty="0" err="1">
+                <a:solidFill>
+                  <a:schemeClr val="accent1">
+                    <a:lumMod val="75000"/>
+                  </a:schemeClr>
+                </a:solidFill>
+                <a:latin typeface="UVN Bai Sau Nhe" panose="04030405020802020C03" pitchFamily="82" charset="0"/>
+              </a:rPr>
+              <a:t>mô</a:t>
+            </a:r>
+            <a:r>
+              <a:rPr lang="en-US" dirty="0">
+                <a:solidFill>
+                  <a:schemeClr val="accent1">
+                    <a:lumMod val="75000"/>
+                  </a:schemeClr>
+                </a:solidFill>
+                <a:latin typeface="UVN Bai Sau Nhe" panose="04030405020802020C03" pitchFamily="82" charset="0"/>
+              </a:rPr>
+              <a:t> </a:t>
+            </a:r>
+            <a:r>
+              <a:rPr lang="en-US" dirty="0" err="1">
+                <a:solidFill>
+                  <a:schemeClr val="accent1">
+                    <a:lumMod val="75000"/>
+                  </a:schemeClr>
+                </a:solidFill>
+                <a:latin typeface="UVN Bai Sau Nhe" panose="04030405020802020C03" pitchFamily="82" charset="0"/>
+              </a:rPr>
+              <a:t>hình</a:t>
+            </a:r>
+            <a:r>
+              <a:rPr lang="en-US" dirty="0">
+                <a:solidFill>
+                  <a:schemeClr val="accent1">
+                    <a:lumMod val="75000"/>
+                  </a:schemeClr>
+                </a:solidFill>
+                <a:latin typeface="UVN Bai Sau Nhe" panose="04030405020802020C03" pitchFamily="82" charset="0"/>
+              </a:rPr>
+              <a:t> </a:t>
+            </a:r>
+            <a:r>
+              <a:rPr lang="en-US" dirty="0" err="1">
+                <a:solidFill>
+                  <a:schemeClr val="accent1">
+                    <a:lumMod val="75000"/>
+                  </a:schemeClr>
+                </a:solidFill>
+                <a:latin typeface="UVN Bai Sau Nhe" panose="04030405020802020C03" pitchFamily="82" charset="0"/>
+              </a:rPr>
+              <a:t>hóa</a:t>
+            </a:r>
+            <a:r>
+              <a:rPr lang="en-US" dirty="0">
+                <a:solidFill>
+                  <a:schemeClr val="accent1">
+                    <a:lumMod val="75000"/>
+                  </a:schemeClr>
+                </a:solidFill>
+                <a:latin typeface="UVN Bai Sau Nhe" panose="04030405020802020C03" pitchFamily="82" charset="0"/>
+              </a:rPr>
+              <a:t> </a:t>
+            </a:r>
+            <a:r>
+              <a:rPr lang="en-US" dirty="0" err="1">
+                <a:solidFill>
+                  <a:schemeClr val="accent1">
+                    <a:lumMod val="75000"/>
+                  </a:schemeClr>
+                </a:solidFill>
+                <a:latin typeface="UVN Bai Sau Nhe" panose="04030405020802020C03" pitchFamily="82" charset="0"/>
+              </a:rPr>
+              <a:t>dữ</a:t>
+            </a:r>
+            <a:r>
+              <a:rPr lang="en-US" dirty="0">
+                <a:solidFill>
+                  <a:schemeClr val="accent1">
+                    <a:lumMod val="75000"/>
+                  </a:schemeClr>
+                </a:solidFill>
+                <a:latin typeface="UVN Bai Sau Nhe" panose="04030405020802020C03" pitchFamily="82" charset="0"/>
+              </a:rPr>
+              <a:t> </a:t>
+            </a:r>
+            <a:r>
+              <a:rPr lang="en-US" dirty="0" err="1">
+                <a:solidFill>
+                  <a:schemeClr val="accent1">
+                    <a:lumMod val="75000"/>
+                  </a:schemeClr>
+                </a:solidFill>
+                <a:latin typeface="UVN Bai Sau Nhe" panose="04030405020802020C03" pitchFamily="82" charset="0"/>
+              </a:rPr>
+              <a:t>liệu</a:t>
+            </a:r>
+            <a:endParaRPr lang="en-US" dirty="0">
+              <a:solidFill>
+                <a:schemeClr val="accent1">
+                  <a:lumMod val="75000"/>
+                </a:schemeClr>
+              </a:solidFill>
+              <a:latin typeface="UVN Bai Sau Nhe" panose="04030405020802020C03" pitchFamily="82" charset="0"/>
+            </a:endParaRPr>
+          </a:p>
+        </p:txBody>
+      </p:sp>
+      <p:sp>
+        <p:nvSpPr>
+          <p:cNvPr id="3" name="Chỗ dành sẵn cho Nội dung 2">
+            <a:extLst>
+              <a:ext uri="{FF2B5EF4-FFF2-40B4-BE49-F238E27FC236}">
+                <a16:creationId xmlns:a16="http://schemas.microsoft.com/office/drawing/2014/main" id="{B009B68D-914C-43B3-A914-D219D48B5C13}"/>
+              </a:ext>
+            </a:extLst>
+          </p:cNvPr>
+          <p:cNvSpPr>
+            <a:spLocks noGrp="1"/>
+          </p:cNvSpPr>
+          <p:nvPr>
+            <p:ph idx="1"/>
+          </p:nvPr>
+        </p:nvSpPr>
+        <p:spPr/>
+        <p:txBody>
+          <a:bodyPr/>
+          <a:lstStyle/>
+          <a:p>
+            <a:r>
+              <a:rPr lang="en-US" dirty="0">
+                <a:latin typeface="UVN Bai Sau Nhe" panose="04030405020802020C03" pitchFamily="82" charset="0"/>
+              </a:rPr>
+              <a:t>Ban </a:t>
+            </a:r>
+            <a:r>
+              <a:rPr lang="en-US" dirty="0" err="1">
+                <a:latin typeface="UVN Bai Sau Nhe" panose="04030405020802020C03" pitchFamily="82" charset="0"/>
+              </a:rPr>
+              <a:t>đầu</a:t>
+            </a:r>
+            <a:r>
+              <a:rPr lang="en-US" dirty="0">
+                <a:latin typeface="UVN Bai Sau Nhe" panose="04030405020802020C03" pitchFamily="82" charset="0"/>
+              </a:rPr>
+              <a:t>, </a:t>
+            </a:r>
+            <a:r>
+              <a:rPr lang="en-US" dirty="0" err="1">
+                <a:latin typeface="UVN Bai Sau Nhe" panose="04030405020802020C03" pitchFamily="82" charset="0"/>
+              </a:rPr>
+              <a:t>nhóm</a:t>
+            </a:r>
+            <a:r>
+              <a:rPr lang="en-US" dirty="0">
+                <a:latin typeface="UVN Bai Sau Nhe" panose="04030405020802020C03" pitchFamily="82" charset="0"/>
+              </a:rPr>
+              <a:t> chia </a:t>
+            </a:r>
+            <a:r>
+              <a:rPr lang="en-US" dirty="0" err="1">
+                <a:latin typeface="UVN Bai Sau Nhe" panose="04030405020802020C03" pitchFamily="82" charset="0"/>
+              </a:rPr>
+              <a:t>tập</a:t>
+            </a:r>
+            <a:r>
+              <a:rPr lang="en-US" dirty="0">
+                <a:latin typeface="UVN Bai Sau Nhe" panose="04030405020802020C03" pitchFamily="82" charset="0"/>
+              </a:rPr>
+              <a:t> train-validation ra </a:t>
+            </a:r>
+            <a:r>
+              <a:rPr lang="en-US" dirty="0" err="1">
+                <a:latin typeface="UVN Bai Sau Nhe" panose="04030405020802020C03" pitchFamily="82" charset="0"/>
+              </a:rPr>
+              <a:t>làm</a:t>
+            </a:r>
+            <a:r>
+              <a:rPr lang="en-US" dirty="0">
+                <a:latin typeface="UVN Bai Sau Nhe" panose="04030405020802020C03" pitchFamily="82" charset="0"/>
+              </a:rPr>
+              <a:t> 2 </a:t>
+            </a:r>
+            <a:r>
+              <a:rPr lang="en-US" dirty="0" err="1">
+                <a:latin typeface="UVN Bai Sau Nhe" panose="04030405020802020C03" pitchFamily="82" charset="0"/>
+              </a:rPr>
+              <a:t>phần</a:t>
+            </a:r>
+            <a:endParaRPr lang="en-US" dirty="0">
+              <a:latin typeface="UVN Bai Sau Nhe" panose="04030405020802020C03" pitchFamily="82" charset="0"/>
+            </a:endParaRPr>
+          </a:p>
+          <a:p>
+            <a:pPr lvl="1"/>
+            <a:r>
+              <a:rPr lang="en-US" dirty="0">
+                <a:latin typeface="UVN Bai Sau Nhe" panose="04030405020802020C03" pitchFamily="82" charset="0"/>
+              </a:rPr>
+              <a:t>train: 75%</a:t>
+            </a:r>
+          </a:p>
+          <a:p>
+            <a:pPr lvl="1"/>
+            <a:r>
+              <a:rPr lang="en-US" dirty="0">
+                <a:latin typeface="UVN Bai Sau Nhe" panose="04030405020802020C03" pitchFamily="82" charset="0"/>
+              </a:rPr>
+              <a:t>validation: 25% (</a:t>
+            </a:r>
+            <a:r>
+              <a:rPr lang="en-US" dirty="0" err="1">
+                <a:latin typeface="UVN Bai Sau Nhe" panose="04030405020802020C03" pitchFamily="82" charset="0"/>
+              </a:rPr>
+              <a:t>để</a:t>
+            </a:r>
+            <a:r>
+              <a:rPr lang="en-US" dirty="0">
+                <a:latin typeface="UVN Bai Sau Nhe" panose="04030405020802020C03" pitchFamily="82" charset="0"/>
+              </a:rPr>
+              <a:t> </a:t>
+            </a:r>
+            <a:r>
+              <a:rPr lang="en-US" dirty="0" err="1">
+                <a:latin typeface="UVN Bai Sau Nhe" panose="04030405020802020C03" pitchFamily="82" charset="0"/>
+              </a:rPr>
+              <a:t>bằng</a:t>
+            </a:r>
+            <a:r>
+              <a:rPr lang="en-US" dirty="0">
+                <a:latin typeface="UVN Bai Sau Nhe" panose="04030405020802020C03" pitchFamily="82" charset="0"/>
+              </a:rPr>
+              <a:t> </a:t>
+            </a:r>
+            <a:r>
+              <a:rPr lang="en-US" dirty="0" err="1">
+                <a:latin typeface="UVN Bai Sau Nhe" panose="04030405020802020C03" pitchFamily="82" charset="0"/>
+              </a:rPr>
+              <a:t>số</a:t>
+            </a:r>
+            <a:r>
+              <a:rPr lang="en-US" dirty="0">
+                <a:latin typeface="UVN Bai Sau Nhe" panose="04030405020802020C03" pitchFamily="82" charset="0"/>
+              </a:rPr>
+              <a:t> </a:t>
+            </a:r>
+            <a:r>
+              <a:rPr lang="en-US" dirty="0" err="1">
+                <a:latin typeface="UVN Bai Sau Nhe" panose="04030405020802020C03" pitchFamily="82" charset="0"/>
+              </a:rPr>
+              <a:t>dòng</a:t>
+            </a:r>
+            <a:r>
+              <a:rPr lang="en-US" dirty="0">
+                <a:latin typeface="UVN Bai Sau Nhe" panose="04030405020802020C03" pitchFamily="82" charset="0"/>
+              </a:rPr>
+              <a:t> </a:t>
+            </a:r>
+            <a:r>
+              <a:rPr lang="en-US" dirty="0" err="1">
+                <a:latin typeface="UVN Bai Sau Nhe" panose="04030405020802020C03" pitchFamily="82" charset="0"/>
+              </a:rPr>
+              <a:t>với</a:t>
+            </a:r>
+            <a:r>
+              <a:rPr lang="en-US" dirty="0">
+                <a:latin typeface="UVN Bai Sau Nhe" panose="04030405020802020C03" pitchFamily="82" charset="0"/>
+              </a:rPr>
+              <a:t> </a:t>
+            </a:r>
+            <a:r>
+              <a:rPr lang="en-US" dirty="0" err="1">
+                <a:latin typeface="UVN Bai Sau Nhe" panose="04030405020802020C03" pitchFamily="82" charset="0"/>
+              </a:rPr>
+              <a:t>tập</a:t>
+            </a:r>
+            <a:r>
+              <a:rPr lang="en-US" dirty="0">
+                <a:latin typeface="UVN Bai Sau Nhe" panose="04030405020802020C03" pitchFamily="82" charset="0"/>
+              </a:rPr>
+              <a:t> test) </a:t>
+            </a:r>
+          </a:p>
+          <a:p>
+            <a:pPr lvl="1"/>
+            <a:r>
+              <a:rPr lang="en-US" dirty="0" err="1">
+                <a:latin typeface="UVN Bai Sau Nhe" panose="04030405020802020C03" pitchFamily="82" charset="0"/>
+              </a:rPr>
+              <a:t>Thực</a:t>
+            </a:r>
+            <a:r>
+              <a:rPr lang="en-US" dirty="0">
+                <a:latin typeface="UVN Bai Sau Nhe" panose="04030405020802020C03" pitchFamily="82" charset="0"/>
+              </a:rPr>
+              <a:t> </a:t>
+            </a:r>
+            <a:r>
+              <a:rPr lang="en-US" dirty="0" err="1">
+                <a:latin typeface="UVN Bai Sau Nhe" panose="04030405020802020C03" pitchFamily="82" charset="0"/>
+              </a:rPr>
+              <a:t>hiện</a:t>
+            </a:r>
+            <a:r>
+              <a:rPr lang="en-US" dirty="0">
+                <a:latin typeface="UVN Bai Sau Nhe" panose="04030405020802020C03" pitchFamily="82" charset="0"/>
+              </a:rPr>
+              <a:t> </a:t>
+            </a:r>
+            <a:r>
+              <a:rPr lang="en-US" dirty="0" err="1">
+                <a:latin typeface="UVN Bai Sau Nhe" panose="04030405020802020C03" pitchFamily="82" charset="0"/>
+              </a:rPr>
+              <a:t>mô</a:t>
+            </a:r>
+            <a:r>
+              <a:rPr lang="en-US" dirty="0">
+                <a:latin typeface="UVN Bai Sau Nhe" panose="04030405020802020C03" pitchFamily="82" charset="0"/>
+              </a:rPr>
+              <a:t> </a:t>
+            </a:r>
+            <a:r>
+              <a:rPr lang="en-US" dirty="0" err="1">
+                <a:latin typeface="UVN Bai Sau Nhe" panose="04030405020802020C03" pitchFamily="82" charset="0"/>
+              </a:rPr>
+              <a:t>hình</a:t>
+            </a:r>
+            <a:r>
+              <a:rPr lang="en-US" dirty="0">
+                <a:latin typeface="UVN Bai Sau Nhe" panose="04030405020802020C03" pitchFamily="82" charset="0"/>
+              </a:rPr>
+              <a:t> </a:t>
+            </a:r>
+            <a:r>
+              <a:rPr lang="en-US" dirty="0" err="1">
+                <a:latin typeface="UVN Bai Sau Nhe" panose="04030405020802020C03" pitchFamily="82" charset="0"/>
+              </a:rPr>
+              <a:t>hóa</a:t>
+            </a:r>
+            <a:r>
+              <a:rPr lang="en-US" dirty="0">
+                <a:latin typeface="UVN Bai Sau Nhe" panose="04030405020802020C03" pitchFamily="82" charset="0"/>
+              </a:rPr>
+              <a:t> </a:t>
+            </a:r>
+            <a:r>
+              <a:rPr lang="en-US" dirty="0" err="1">
+                <a:latin typeface="UVN Bai Sau Nhe" panose="04030405020802020C03" pitchFamily="82" charset="0"/>
+              </a:rPr>
+              <a:t>dữ</a:t>
+            </a:r>
+            <a:r>
+              <a:rPr lang="en-US" dirty="0">
+                <a:latin typeface="UVN Bai Sau Nhe" panose="04030405020802020C03" pitchFamily="82" charset="0"/>
+              </a:rPr>
+              <a:t> </a:t>
+            </a:r>
+            <a:r>
+              <a:rPr lang="en-US" dirty="0" err="1">
+                <a:latin typeface="UVN Bai Sau Nhe" panose="04030405020802020C03" pitchFamily="82" charset="0"/>
+              </a:rPr>
+              <a:t>liệu</a:t>
+            </a:r>
+            <a:r>
+              <a:rPr lang="en-US" dirty="0">
+                <a:latin typeface="UVN Bai Sau Nhe" panose="04030405020802020C03" pitchFamily="82" charset="0"/>
+              </a:rPr>
+              <a:t> </a:t>
+            </a:r>
+            <a:r>
+              <a:rPr lang="en-US" dirty="0" err="1">
+                <a:latin typeface="UVN Bai Sau Nhe" panose="04030405020802020C03" pitchFamily="82" charset="0"/>
+              </a:rPr>
+              <a:t>bằng</a:t>
+            </a:r>
+            <a:r>
+              <a:rPr lang="en-US" dirty="0">
+                <a:latin typeface="UVN Bai Sau Nhe" panose="04030405020802020C03" pitchFamily="82" charset="0"/>
+              </a:rPr>
+              <a:t> Linear Regression </a:t>
+            </a:r>
+            <a:r>
+              <a:rPr lang="en-US" dirty="0" err="1">
+                <a:latin typeface="UVN Bai Sau Nhe" panose="04030405020802020C03" pitchFamily="82" charset="0"/>
+              </a:rPr>
+              <a:t>và</a:t>
+            </a:r>
+            <a:r>
+              <a:rPr lang="en-US" dirty="0">
+                <a:latin typeface="UVN Bai Sau Nhe" panose="04030405020802020C03" pitchFamily="82" charset="0"/>
+              </a:rPr>
+              <a:t> Neural Network (</a:t>
+            </a:r>
+            <a:r>
+              <a:rPr lang="en-US" dirty="0" err="1">
+                <a:latin typeface="UVN Bai Sau Nhe" panose="04030405020802020C03" pitchFamily="82" charset="0"/>
+              </a:rPr>
+              <a:t>MLPRegressor</a:t>
+            </a:r>
+            <a:r>
+              <a:rPr lang="en-US" dirty="0">
+                <a:latin typeface="UVN Bai Sau Nhe" panose="04030405020802020C03" pitchFamily="82" charset="0"/>
+              </a:rPr>
+              <a:t>) 1 </a:t>
+            </a:r>
+            <a:r>
+              <a:rPr lang="en-US" dirty="0" err="1">
+                <a:latin typeface="UVN Bai Sau Nhe" panose="04030405020802020C03" pitchFamily="82" charset="0"/>
+              </a:rPr>
+              <a:t>lớp</a:t>
+            </a:r>
+            <a:r>
+              <a:rPr lang="en-US" dirty="0">
+                <a:latin typeface="UVN Bai Sau Nhe" panose="04030405020802020C03" pitchFamily="82" charset="0"/>
+              </a:rPr>
+              <a:t> </a:t>
+            </a:r>
+            <a:r>
+              <a:rPr lang="en-US" dirty="0" err="1">
+                <a:latin typeface="UVN Bai Sau Nhe" panose="04030405020802020C03" pitchFamily="82" charset="0"/>
+              </a:rPr>
+              <a:t>ẩn</a:t>
+            </a:r>
+            <a:endParaRPr lang="en-US" dirty="0">
+              <a:latin typeface="UVN Bai Sau Nhe" panose="04030405020802020C03" pitchFamily="82" charset="0"/>
+            </a:endParaRPr>
+          </a:p>
+          <a:p>
+            <a:pPr lvl="2"/>
+            <a:r>
+              <a:rPr lang="en-US" dirty="0" err="1">
+                <a:latin typeface="UVN Bai Sau Nhe" panose="04030405020802020C03" pitchFamily="82" charset="0"/>
+              </a:rPr>
+              <a:t>Đối</a:t>
+            </a:r>
+            <a:r>
+              <a:rPr lang="en-US" dirty="0">
+                <a:latin typeface="UVN Bai Sau Nhe" panose="04030405020802020C03" pitchFamily="82" charset="0"/>
+              </a:rPr>
+              <a:t> </a:t>
+            </a:r>
+            <a:r>
+              <a:rPr lang="en-US" dirty="0" err="1">
+                <a:latin typeface="UVN Bai Sau Nhe" panose="04030405020802020C03" pitchFamily="82" charset="0"/>
+              </a:rPr>
+              <a:t>với</a:t>
+            </a:r>
+            <a:r>
+              <a:rPr lang="en-US" dirty="0">
+                <a:latin typeface="UVN Bai Sau Nhe" panose="04030405020802020C03" pitchFamily="82" charset="0"/>
+              </a:rPr>
+              <a:t> </a:t>
+            </a:r>
+            <a:r>
+              <a:rPr lang="en-US" dirty="0" err="1">
+                <a:latin typeface="UVN Bai Sau Nhe" panose="04030405020802020C03" pitchFamily="82" charset="0"/>
+              </a:rPr>
+              <a:t>MLPRegressor</a:t>
+            </a:r>
+            <a:r>
+              <a:rPr lang="en-US" dirty="0">
+                <a:latin typeface="UVN Bai Sau Nhe" panose="04030405020802020C03" pitchFamily="82" charset="0"/>
+              </a:rPr>
+              <a:t>, </a:t>
+            </a:r>
+            <a:r>
+              <a:rPr lang="en-US" dirty="0" err="1">
+                <a:latin typeface="UVN Bai Sau Nhe" panose="04030405020802020C03" pitchFamily="82" charset="0"/>
+              </a:rPr>
+              <a:t>thực</a:t>
+            </a:r>
+            <a:r>
+              <a:rPr lang="en-US" dirty="0">
+                <a:latin typeface="UVN Bai Sau Nhe" panose="04030405020802020C03" pitchFamily="82" charset="0"/>
+              </a:rPr>
+              <a:t> </a:t>
+            </a:r>
+            <a:r>
+              <a:rPr lang="en-US" dirty="0" err="1">
+                <a:latin typeface="UVN Bai Sau Nhe" panose="04030405020802020C03" pitchFamily="82" charset="0"/>
+              </a:rPr>
+              <a:t>hiện</a:t>
+            </a:r>
+            <a:r>
+              <a:rPr lang="en-US" dirty="0">
+                <a:latin typeface="UVN Bai Sau Nhe" panose="04030405020802020C03" pitchFamily="82" charset="0"/>
+              </a:rPr>
+              <a:t> </a:t>
+            </a:r>
+            <a:r>
+              <a:rPr lang="en-US" dirty="0" err="1">
+                <a:latin typeface="UVN Bai Sau Nhe" panose="04030405020802020C03" pitchFamily="82" charset="0"/>
+              </a:rPr>
+              <a:t>thử</a:t>
+            </a:r>
+            <a:r>
+              <a:rPr lang="en-US" dirty="0">
+                <a:latin typeface="UVN Bai Sau Nhe" panose="04030405020802020C03" pitchFamily="82" charset="0"/>
+              </a:rPr>
+              <a:t> </a:t>
+            </a:r>
+            <a:r>
+              <a:rPr lang="en-US" dirty="0" err="1">
+                <a:latin typeface="UVN Bai Sau Nhe" panose="04030405020802020C03" pitchFamily="82" charset="0"/>
+              </a:rPr>
+              <a:t>lần</a:t>
+            </a:r>
+            <a:r>
+              <a:rPr lang="en-US" dirty="0">
+                <a:latin typeface="UVN Bai Sau Nhe" panose="04030405020802020C03" pitchFamily="82" charset="0"/>
+              </a:rPr>
+              <a:t> l</a:t>
+            </a:r>
+            <a:r>
+              <a:rPr lang="vi-VN" dirty="0">
+                <a:latin typeface="UVN Bai Sau Nhe" panose="04030405020802020C03" pitchFamily="82" charset="0"/>
+              </a:rPr>
+              <a:t>ư</a:t>
+            </a:r>
+            <a:r>
+              <a:rPr lang="en-US" dirty="0" err="1">
+                <a:latin typeface="UVN Bai Sau Nhe" panose="04030405020802020C03" pitchFamily="82" charset="0"/>
+              </a:rPr>
+              <a:t>ợt</a:t>
+            </a:r>
+            <a:r>
+              <a:rPr lang="en-US" dirty="0">
+                <a:latin typeface="UVN Bai Sau Nhe" panose="04030405020802020C03" pitchFamily="82" charset="0"/>
+              </a:rPr>
+              <a:t> </a:t>
+            </a:r>
+            <a:r>
+              <a:rPr lang="en-US" dirty="0" err="1">
+                <a:latin typeface="UVN Bai Sau Nhe" panose="04030405020802020C03" pitchFamily="82" charset="0"/>
+              </a:rPr>
+              <a:t>các</a:t>
+            </a:r>
+            <a:r>
+              <a:rPr lang="en-US" dirty="0">
+                <a:latin typeface="UVN Bai Sau Nhe" panose="04030405020802020C03" pitchFamily="82" charset="0"/>
+              </a:rPr>
+              <a:t> </a:t>
+            </a:r>
+            <a:r>
+              <a:rPr lang="en-US" dirty="0" err="1">
+                <a:latin typeface="UVN Bai Sau Nhe" panose="04030405020802020C03" pitchFamily="82" charset="0"/>
+              </a:rPr>
+              <a:t>hàm</a:t>
+            </a:r>
+            <a:r>
+              <a:rPr lang="en-US" dirty="0">
+                <a:latin typeface="UVN Bai Sau Nhe" panose="04030405020802020C03" pitchFamily="82" charset="0"/>
+              </a:rPr>
+              <a:t> activation </a:t>
+            </a:r>
+            <a:r>
+              <a:rPr lang="en-US" dirty="0" err="1">
+                <a:latin typeface="UVN Bai Sau Nhe" panose="04030405020802020C03" pitchFamily="82" charset="0"/>
+              </a:rPr>
+              <a:t>và</a:t>
+            </a:r>
+            <a:r>
+              <a:rPr lang="en-US" dirty="0">
+                <a:latin typeface="UVN Bai Sau Nhe" panose="04030405020802020C03" pitchFamily="82" charset="0"/>
+              </a:rPr>
+              <a:t> </a:t>
+            </a:r>
+            <a:r>
+              <a:rPr lang="en-US" dirty="0" err="1">
+                <a:latin typeface="UVN Bai Sau Nhe" panose="04030405020802020C03" pitchFamily="82" charset="0"/>
+              </a:rPr>
+              <a:t>số</a:t>
+            </a:r>
+            <a:r>
+              <a:rPr lang="en-US" dirty="0">
+                <a:latin typeface="UVN Bai Sau Nhe" panose="04030405020802020C03" pitchFamily="82" charset="0"/>
+              </a:rPr>
+              <a:t> neural </a:t>
+            </a:r>
+            <a:r>
+              <a:rPr lang="en-US" dirty="0" err="1">
+                <a:latin typeface="UVN Bai Sau Nhe" panose="04030405020802020C03" pitchFamily="82" charset="0"/>
+              </a:rPr>
+              <a:t>ẩn</a:t>
+            </a:r>
+            <a:endParaRPr lang="en-US" dirty="0">
+              <a:latin typeface="UVN Bai Sau Nhe" panose="04030405020802020C03" pitchFamily="82" charset="0"/>
+            </a:endParaRPr>
+          </a:p>
+          <a:p>
+            <a:pPr lvl="2"/>
+            <a:r>
+              <a:rPr lang="en-US" dirty="0" err="1">
+                <a:latin typeface="UVN Bai Sau Nhe" panose="04030405020802020C03" pitchFamily="82" charset="0"/>
+              </a:rPr>
+              <a:t>Chọn</a:t>
+            </a:r>
+            <a:r>
+              <a:rPr lang="en-US" dirty="0">
+                <a:latin typeface="UVN Bai Sau Nhe" panose="04030405020802020C03" pitchFamily="82" charset="0"/>
+              </a:rPr>
+              <a:t> đ</a:t>
+            </a:r>
+            <a:r>
+              <a:rPr lang="vi-VN" dirty="0">
+                <a:latin typeface="UVN Bai Sau Nhe" panose="04030405020802020C03" pitchFamily="82" charset="0"/>
+              </a:rPr>
+              <a:t>ư</a:t>
+            </a:r>
+            <a:r>
+              <a:rPr lang="en-US" dirty="0" err="1">
+                <a:latin typeface="UVN Bai Sau Nhe" panose="04030405020802020C03" pitchFamily="82" charset="0"/>
+              </a:rPr>
+              <a:t>ợc</a:t>
+            </a:r>
+            <a:r>
+              <a:rPr lang="en-US" dirty="0">
+                <a:latin typeface="UVN Bai Sau Nhe" panose="04030405020802020C03" pitchFamily="82" charset="0"/>
+              </a:rPr>
+              <a:t> </a:t>
+            </a:r>
+            <a:r>
+              <a:rPr lang="en-US" dirty="0" err="1">
+                <a:latin typeface="UVN Bai Sau Nhe" panose="04030405020802020C03" pitchFamily="82" charset="0"/>
+              </a:rPr>
+              <a:t>mạng</a:t>
+            </a:r>
+            <a:r>
+              <a:rPr lang="en-US" dirty="0">
+                <a:latin typeface="UVN Bai Sau Nhe" panose="04030405020802020C03" pitchFamily="82" charset="0"/>
+              </a:rPr>
+              <a:t> </a:t>
+            </a:r>
+            <a:r>
+              <a:rPr lang="en-US" dirty="0" err="1">
+                <a:latin typeface="UVN Bai Sau Nhe" panose="04030405020802020C03" pitchFamily="82" charset="0"/>
+              </a:rPr>
+              <a:t>với</a:t>
+            </a:r>
+            <a:r>
+              <a:rPr lang="en-US" dirty="0">
+                <a:latin typeface="UVN Bai Sau Nhe" panose="04030405020802020C03" pitchFamily="82" charset="0"/>
+              </a:rPr>
+              <a:t> </a:t>
+            </a:r>
+            <a:r>
+              <a:rPr lang="en-US" dirty="0" err="1">
+                <a:latin typeface="UVN Bai Sau Nhe" panose="04030405020802020C03" pitchFamily="82" charset="0"/>
+              </a:rPr>
+              <a:t>tham</a:t>
+            </a:r>
+            <a:r>
+              <a:rPr lang="en-US" dirty="0">
+                <a:latin typeface="UVN Bai Sau Nhe" panose="04030405020802020C03" pitchFamily="82" charset="0"/>
+              </a:rPr>
+              <a:t> </a:t>
+            </a:r>
+            <a:r>
+              <a:rPr lang="en-US" dirty="0" err="1">
+                <a:latin typeface="UVN Bai Sau Nhe" panose="04030405020802020C03" pitchFamily="82" charset="0"/>
+              </a:rPr>
+              <a:t>số</a:t>
+            </a:r>
+            <a:r>
+              <a:rPr lang="en-US" dirty="0">
+                <a:latin typeface="UVN Bai Sau Nhe" panose="04030405020802020C03" pitchFamily="82" charset="0"/>
+              </a:rPr>
+              <a:t> </a:t>
+            </a:r>
+            <a:r>
+              <a:rPr lang="en-US" dirty="0" err="1">
+                <a:latin typeface="UVN Bai Sau Nhe" panose="04030405020802020C03" pitchFamily="82" charset="0"/>
+              </a:rPr>
+              <a:t>sau</a:t>
+            </a:r>
+            <a:endParaRPr lang="en-US" dirty="0">
+              <a:latin typeface="UVN Bai Sau Nhe" panose="04030405020802020C03" pitchFamily="82" charset="0"/>
+            </a:endParaRPr>
+          </a:p>
+        </p:txBody>
+      </p:sp>
+      <p:sp>
+        <p:nvSpPr>
+          <p:cNvPr id="4" name="Chỗ dành sẵn cho Số hiệu Bản chiếu 3">
+            <a:extLst>
+              <a:ext uri="{FF2B5EF4-FFF2-40B4-BE49-F238E27FC236}">
+                <a16:creationId xmlns:a16="http://schemas.microsoft.com/office/drawing/2014/main" id="{D17D921C-2EF5-40A8-8F6E-F3F279A34F85}"/>
+              </a:ext>
+            </a:extLst>
+          </p:cNvPr>
+          <p:cNvSpPr>
+            <a:spLocks noGrp="1"/>
+          </p:cNvSpPr>
+          <p:nvPr>
+            <p:ph type="sldNum" sz="quarter" idx="12"/>
+          </p:nvPr>
+        </p:nvSpPr>
+        <p:spPr/>
+        <p:txBody>
+          <a:bodyPr/>
+          <a:lstStyle/>
+          <a:p>
+            <a:fld id="{A1703E46-08D3-493D-87DC-EAF3522C7E57}" type="slidenum">
+              <a:rPr lang="en-US" smtClean="0"/>
+              <a:t>24</a:t>
+            </a:fld>
+            <a:endParaRPr lang="en-US"/>
+          </a:p>
+        </p:txBody>
+      </p:sp>
+      <p:pic>
+        <p:nvPicPr>
+          <p:cNvPr id="5" name="Picture 4">
+            <a:extLst>
+              <a:ext uri="{FF2B5EF4-FFF2-40B4-BE49-F238E27FC236}">
+                <a16:creationId xmlns:a16="http://schemas.microsoft.com/office/drawing/2014/main" id="{0CD3BEA9-3A3D-48CE-B631-06568C7877B0}"/>
+              </a:ext>
+            </a:extLst>
+          </p:cNvPr>
+          <p:cNvPicPr>
+            <a:picLocks noChangeAspect="1"/>
+          </p:cNvPicPr>
+          <p:nvPr/>
+        </p:nvPicPr>
+        <p:blipFill>
+          <a:blip r:embed="rId2"/>
+          <a:stretch>
+            <a:fillRect/>
+          </a:stretch>
+        </p:blipFill>
+        <p:spPr>
+          <a:xfrm>
+            <a:off x="2351931" y="4757036"/>
+            <a:ext cx="7488137" cy="729364"/>
+          </a:xfrm>
+          <a:prstGeom prst="rect">
+            <a:avLst/>
+          </a:prstGeom>
+        </p:spPr>
+      </p:pic>
+    </p:spTree>
+    <p:extLst>
+      <p:ext uri="{BB962C8B-B14F-4D97-AF65-F5344CB8AC3E}">
+        <p14:creationId xmlns:p14="http://schemas.microsoft.com/office/powerpoint/2010/main" val="4107275198"/>
+      </p:ext>
+    </p:extLst>
+  </p:cSld>
+  <p:clrMapOvr>
+    <a:masterClrMapping/>
+  </p:clrMapOvr>
+</p:sld>
+</file>
+
+<file path=ppt/slides/slide25.xml><?xml version="1.0" encoding="utf-8"?>
+<p:sld xmlns:a="http://schemas.openxmlformats.org/drawingml/2006/main" xmlns:r="http://schemas.openxmlformats.org/officeDocument/2006/relationships" xmlns:p="http://schemas.openxmlformats.org/presentationml/2006/main">
+  <p:cSld>
+    <p:spTree>
+      <p:nvGrpSpPr>
+        <p:cNvPr id="1" name=""/>
+        <p:cNvGrpSpPr/>
+        <p:nvPr/>
+      </p:nvGrpSpPr>
+      <p:grpSpPr>
+        <a:xfrm>
+          <a:off x="0" y="0"/>
+          <a:ext cx="0" cy="0"/>
+          <a:chOff x="0" y="0"/>
+          <a:chExt cx="0" cy="0"/>
+        </a:xfrm>
+      </p:grpSpPr>
+      <p:sp>
+        <p:nvSpPr>
+          <p:cNvPr id="2" name="Tiêu đề 1">
+            <a:extLst>
+              <a:ext uri="{FF2B5EF4-FFF2-40B4-BE49-F238E27FC236}">
+                <a16:creationId xmlns:a16="http://schemas.microsoft.com/office/drawing/2014/main" id="{FEB487A8-D070-44EC-BFFA-383AC850A504}"/>
+              </a:ext>
+            </a:extLst>
+          </p:cNvPr>
+          <p:cNvSpPr>
+            <a:spLocks noGrp="1"/>
+          </p:cNvSpPr>
+          <p:nvPr>
+            <p:ph type="title"/>
+          </p:nvPr>
+        </p:nvSpPr>
+        <p:spPr/>
+        <p:txBody>
+          <a:bodyPr/>
+          <a:lstStyle/>
+          <a:p>
+            <a:r>
+              <a:rPr lang="en-US" dirty="0" err="1">
+                <a:solidFill>
+                  <a:schemeClr val="accent1">
+                    <a:lumMod val="75000"/>
+                  </a:schemeClr>
+                </a:solidFill>
+                <a:latin typeface="UVN Bai Sau Nhe" panose="04030405020802020C03" pitchFamily="82" charset="0"/>
+              </a:rPr>
+              <a:t>Phân</a:t>
+            </a:r>
+            <a:r>
+              <a:rPr lang="en-US" dirty="0">
+                <a:solidFill>
+                  <a:schemeClr val="accent1">
+                    <a:lumMod val="75000"/>
+                  </a:schemeClr>
+                </a:solidFill>
+                <a:latin typeface="UVN Bai Sau Nhe" panose="04030405020802020C03" pitchFamily="82" charset="0"/>
+              </a:rPr>
+              <a:t> </a:t>
+            </a:r>
+            <a:r>
+              <a:rPr lang="en-US" dirty="0" err="1">
+                <a:solidFill>
+                  <a:schemeClr val="accent1">
+                    <a:lumMod val="75000"/>
+                  </a:schemeClr>
+                </a:solidFill>
+                <a:latin typeface="UVN Bai Sau Nhe" panose="04030405020802020C03" pitchFamily="82" charset="0"/>
+              </a:rPr>
+              <a:t>tích</a:t>
+            </a:r>
+            <a:r>
+              <a:rPr lang="en-US" dirty="0">
+                <a:solidFill>
+                  <a:schemeClr val="accent1">
+                    <a:lumMod val="75000"/>
+                  </a:schemeClr>
+                </a:solidFill>
+                <a:latin typeface="UVN Bai Sau Nhe" panose="04030405020802020C03" pitchFamily="82" charset="0"/>
+              </a:rPr>
+              <a:t> </a:t>
+            </a:r>
+            <a:r>
+              <a:rPr lang="en-US" dirty="0" err="1">
+                <a:solidFill>
+                  <a:schemeClr val="accent1">
+                    <a:lumMod val="75000"/>
+                  </a:schemeClr>
+                </a:solidFill>
+                <a:latin typeface="UVN Bai Sau Nhe" panose="04030405020802020C03" pitchFamily="82" charset="0"/>
+              </a:rPr>
+              <a:t>và</a:t>
+            </a:r>
+            <a:r>
+              <a:rPr lang="en-US" dirty="0">
+                <a:solidFill>
+                  <a:schemeClr val="accent1">
+                    <a:lumMod val="75000"/>
+                  </a:schemeClr>
+                </a:solidFill>
+                <a:latin typeface="UVN Bai Sau Nhe" panose="04030405020802020C03" pitchFamily="82" charset="0"/>
+              </a:rPr>
+              <a:t> </a:t>
+            </a:r>
+            <a:r>
+              <a:rPr lang="en-US" dirty="0" err="1">
+                <a:solidFill>
+                  <a:schemeClr val="accent1">
+                    <a:lumMod val="75000"/>
+                  </a:schemeClr>
+                </a:solidFill>
+                <a:latin typeface="UVN Bai Sau Nhe" panose="04030405020802020C03" pitchFamily="82" charset="0"/>
+              </a:rPr>
+              <a:t>mô</a:t>
+            </a:r>
+            <a:r>
+              <a:rPr lang="en-US" dirty="0">
+                <a:solidFill>
+                  <a:schemeClr val="accent1">
+                    <a:lumMod val="75000"/>
+                  </a:schemeClr>
+                </a:solidFill>
+                <a:latin typeface="UVN Bai Sau Nhe" panose="04030405020802020C03" pitchFamily="82" charset="0"/>
+              </a:rPr>
+              <a:t> </a:t>
+            </a:r>
+            <a:r>
+              <a:rPr lang="en-US" dirty="0" err="1">
+                <a:solidFill>
+                  <a:schemeClr val="accent1">
+                    <a:lumMod val="75000"/>
+                  </a:schemeClr>
+                </a:solidFill>
+                <a:latin typeface="UVN Bai Sau Nhe" panose="04030405020802020C03" pitchFamily="82" charset="0"/>
+              </a:rPr>
+              <a:t>hình</a:t>
+            </a:r>
+            <a:r>
+              <a:rPr lang="en-US" dirty="0">
+                <a:solidFill>
+                  <a:schemeClr val="accent1">
+                    <a:lumMod val="75000"/>
+                  </a:schemeClr>
+                </a:solidFill>
+                <a:latin typeface="UVN Bai Sau Nhe" panose="04030405020802020C03" pitchFamily="82" charset="0"/>
+              </a:rPr>
+              <a:t> </a:t>
+            </a:r>
+            <a:r>
+              <a:rPr lang="en-US" dirty="0" err="1">
+                <a:solidFill>
+                  <a:schemeClr val="accent1">
+                    <a:lumMod val="75000"/>
+                  </a:schemeClr>
+                </a:solidFill>
+                <a:latin typeface="UVN Bai Sau Nhe" panose="04030405020802020C03" pitchFamily="82" charset="0"/>
+              </a:rPr>
+              <a:t>hóa</a:t>
+            </a:r>
+            <a:r>
+              <a:rPr lang="en-US" dirty="0">
+                <a:solidFill>
+                  <a:schemeClr val="accent1">
+                    <a:lumMod val="75000"/>
+                  </a:schemeClr>
+                </a:solidFill>
+                <a:latin typeface="UVN Bai Sau Nhe" panose="04030405020802020C03" pitchFamily="82" charset="0"/>
+              </a:rPr>
+              <a:t> </a:t>
+            </a:r>
+            <a:r>
+              <a:rPr lang="en-US" dirty="0" err="1">
+                <a:solidFill>
+                  <a:schemeClr val="accent1">
+                    <a:lumMod val="75000"/>
+                  </a:schemeClr>
+                </a:solidFill>
+                <a:latin typeface="UVN Bai Sau Nhe" panose="04030405020802020C03" pitchFamily="82" charset="0"/>
+              </a:rPr>
+              <a:t>dữ</a:t>
+            </a:r>
+            <a:r>
+              <a:rPr lang="en-US" dirty="0">
+                <a:solidFill>
+                  <a:schemeClr val="accent1">
+                    <a:lumMod val="75000"/>
+                  </a:schemeClr>
+                </a:solidFill>
+                <a:latin typeface="UVN Bai Sau Nhe" panose="04030405020802020C03" pitchFamily="82" charset="0"/>
+              </a:rPr>
+              <a:t> </a:t>
+            </a:r>
+            <a:r>
+              <a:rPr lang="en-US" dirty="0" err="1">
+                <a:solidFill>
+                  <a:schemeClr val="accent1">
+                    <a:lumMod val="75000"/>
+                  </a:schemeClr>
+                </a:solidFill>
+                <a:latin typeface="UVN Bai Sau Nhe" panose="04030405020802020C03" pitchFamily="82" charset="0"/>
+              </a:rPr>
+              <a:t>liệu</a:t>
+            </a:r>
+            <a:endParaRPr lang="en-US" dirty="0">
+              <a:solidFill>
+                <a:schemeClr val="accent1">
+                  <a:lumMod val="75000"/>
+                </a:schemeClr>
+              </a:solidFill>
+              <a:latin typeface="UVN Bai Sau Nhe" panose="04030405020802020C03" pitchFamily="82" charset="0"/>
+            </a:endParaRPr>
+          </a:p>
+        </p:txBody>
+      </p:sp>
+      <p:sp>
+        <p:nvSpPr>
+          <p:cNvPr id="3" name="Chỗ dành sẵn cho Nội dung 2">
+            <a:extLst>
+              <a:ext uri="{FF2B5EF4-FFF2-40B4-BE49-F238E27FC236}">
+                <a16:creationId xmlns:a16="http://schemas.microsoft.com/office/drawing/2014/main" id="{B009B68D-914C-43B3-A914-D219D48B5C13}"/>
+              </a:ext>
+            </a:extLst>
+          </p:cNvPr>
+          <p:cNvSpPr>
+            <a:spLocks noGrp="1"/>
+          </p:cNvSpPr>
+          <p:nvPr>
+            <p:ph idx="1"/>
+          </p:nvPr>
+        </p:nvSpPr>
+        <p:spPr/>
+        <p:txBody>
+          <a:bodyPr/>
+          <a:lstStyle/>
+          <a:p>
+            <a:r>
+              <a:rPr lang="en-US" dirty="0" err="1">
+                <a:latin typeface="UVN Bai Sau Nhe" panose="04030405020802020C03" pitchFamily="82" charset="0"/>
+              </a:rPr>
+              <a:t>Kết</a:t>
+            </a:r>
+            <a:r>
+              <a:rPr lang="en-US" dirty="0">
+                <a:latin typeface="UVN Bai Sau Nhe" panose="04030405020802020C03" pitchFamily="82" charset="0"/>
+              </a:rPr>
+              <a:t> </a:t>
+            </a:r>
+            <a:r>
+              <a:rPr lang="en-US" dirty="0" err="1">
+                <a:latin typeface="UVN Bai Sau Nhe" panose="04030405020802020C03" pitchFamily="82" charset="0"/>
+              </a:rPr>
+              <a:t>quả</a:t>
+            </a:r>
+            <a:r>
+              <a:rPr lang="en-US" dirty="0">
+                <a:latin typeface="UVN Bai Sau Nhe" panose="04030405020802020C03" pitchFamily="82" charset="0"/>
+              </a:rPr>
+              <a:t> </a:t>
+            </a:r>
+            <a:r>
+              <a:rPr lang="en-US" dirty="0" err="1">
+                <a:latin typeface="UVN Bai Sau Nhe" panose="04030405020802020C03" pitchFamily="82" charset="0"/>
+              </a:rPr>
+              <a:t>mô</a:t>
+            </a:r>
+            <a:r>
+              <a:rPr lang="en-US" dirty="0">
+                <a:latin typeface="UVN Bai Sau Nhe" panose="04030405020802020C03" pitchFamily="82" charset="0"/>
+              </a:rPr>
+              <a:t> </a:t>
+            </a:r>
+            <a:r>
+              <a:rPr lang="en-US" dirty="0" err="1">
+                <a:latin typeface="UVN Bai Sau Nhe" panose="04030405020802020C03" pitchFamily="82" charset="0"/>
+              </a:rPr>
+              <a:t>hình</a:t>
+            </a:r>
+            <a:r>
+              <a:rPr lang="en-US" dirty="0">
+                <a:latin typeface="UVN Bai Sau Nhe" panose="04030405020802020C03" pitchFamily="82" charset="0"/>
+              </a:rPr>
+              <a:t> </a:t>
+            </a:r>
+            <a:r>
+              <a:rPr lang="en-US" dirty="0" err="1">
+                <a:latin typeface="UVN Bai Sau Nhe" panose="04030405020802020C03" pitchFamily="82" charset="0"/>
+              </a:rPr>
+              <a:t>khi</a:t>
+            </a:r>
+            <a:r>
+              <a:rPr lang="en-US" dirty="0">
+                <a:latin typeface="UVN Bai Sau Nhe" panose="04030405020802020C03" pitchFamily="82" charset="0"/>
+              </a:rPr>
+              <a:t> </a:t>
+            </a:r>
+            <a:r>
+              <a:rPr lang="en-US" dirty="0" err="1">
+                <a:latin typeface="UVN Bai Sau Nhe" panose="04030405020802020C03" pitchFamily="82" charset="0"/>
+              </a:rPr>
+              <a:t>thực</a:t>
+            </a:r>
+            <a:r>
+              <a:rPr lang="en-US" dirty="0">
+                <a:latin typeface="UVN Bai Sau Nhe" panose="04030405020802020C03" pitchFamily="82" charset="0"/>
+              </a:rPr>
+              <a:t> </a:t>
+            </a:r>
+            <a:r>
+              <a:rPr lang="en-US" dirty="0" err="1">
+                <a:latin typeface="UVN Bai Sau Nhe" panose="04030405020802020C03" pitchFamily="82" charset="0"/>
+              </a:rPr>
+              <a:t>hiện</a:t>
+            </a:r>
+            <a:r>
+              <a:rPr lang="en-US" dirty="0">
+                <a:latin typeface="UVN Bai Sau Nhe" panose="04030405020802020C03" pitchFamily="82" charset="0"/>
+              </a:rPr>
+              <a:t> </a:t>
+            </a:r>
+            <a:r>
+              <a:rPr lang="en-US" dirty="0" err="1">
+                <a:latin typeface="UVN Bai Sau Nhe" panose="04030405020802020C03" pitchFamily="82" charset="0"/>
+              </a:rPr>
+              <a:t>bằng</a:t>
+            </a:r>
+            <a:r>
+              <a:rPr lang="en-US" dirty="0">
+                <a:latin typeface="UVN Bai Sau Nhe" panose="04030405020802020C03" pitchFamily="82" charset="0"/>
+              </a:rPr>
+              <a:t> Linear Regression (</a:t>
+            </a:r>
+            <a:r>
+              <a:rPr lang="en-US" dirty="0" err="1">
+                <a:latin typeface="UVN Bai Sau Nhe" panose="04030405020802020C03" pitchFamily="82" charset="0"/>
+              </a:rPr>
+              <a:t>dự</a:t>
+            </a:r>
+            <a:r>
+              <a:rPr lang="en-US" dirty="0">
+                <a:latin typeface="UVN Bai Sau Nhe" panose="04030405020802020C03" pitchFamily="82" charset="0"/>
+              </a:rPr>
+              <a:t> </a:t>
+            </a:r>
+            <a:r>
+              <a:rPr lang="en-US" dirty="0" err="1">
+                <a:latin typeface="UVN Bai Sau Nhe" panose="04030405020802020C03" pitchFamily="82" charset="0"/>
+              </a:rPr>
+              <a:t>đoán</a:t>
+            </a:r>
+            <a:r>
+              <a:rPr lang="en-US" dirty="0">
+                <a:latin typeface="UVN Bai Sau Nhe" panose="04030405020802020C03" pitchFamily="82" charset="0"/>
+              </a:rPr>
+              <a:t> </a:t>
+            </a:r>
+            <a:r>
+              <a:rPr lang="en-US" dirty="0" err="1">
+                <a:latin typeface="UVN Bai Sau Nhe" panose="04030405020802020C03" pitchFamily="82" charset="0"/>
+              </a:rPr>
+              <a:t>trên</a:t>
+            </a:r>
+            <a:r>
+              <a:rPr lang="en-US" dirty="0">
+                <a:latin typeface="UVN Bai Sau Nhe" panose="04030405020802020C03" pitchFamily="82" charset="0"/>
+              </a:rPr>
+              <a:t> </a:t>
+            </a:r>
+            <a:r>
+              <a:rPr lang="en-US" dirty="0" err="1">
+                <a:latin typeface="UVN Bai Sau Nhe" panose="04030405020802020C03" pitchFamily="82" charset="0"/>
+              </a:rPr>
+              <a:t>tập</a:t>
+            </a:r>
+            <a:r>
+              <a:rPr lang="en-US" dirty="0">
+                <a:latin typeface="UVN Bai Sau Nhe" panose="04030405020802020C03" pitchFamily="82" charset="0"/>
+              </a:rPr>
+              <a:t> validation).</a:t>
+            </a:r>
+          </a:p>
+          <a:p>
+            <a:pPr lvl="1"/>
+            <a:r>
+              <a:rPr lang="en-US" dirty="0">
+                <a:latin typeface="UVN Bai Sau Nhe" panose="04030405020802020C03" pitchFamily="82" charset="0"/>
+              </a:rPr>
+              <a:t>RMSE: 375123</a:t>
+            </a:r>
+          </a:p>
+          <a:p>
+            <a:pPr lvl="1"/>
+            <a:r>
+              <a:rPr lang="en-US" dirty="0">
+                <a:latin typeface="UVN Bai Sau Nhe" panose="04030405020802020C03" pitchFamily="82" charset="0"/>
+              </a:rPr>
+              <a:t>R</a:t>
+            </a:r>
+            <a:r>
+              <a:rPr lang="en-US" baseline="30000" dirty="0">
+                <a:latin typeface="UVN Bai Sau Nhe" panose="04030405020802020C03" pitchFamily="82" charset="0"/>
+              </a:rPr>
+              <a:t>2</a:t>
+            </a:r>
+            <a:r>
+              <a:rPr lang="en-US" dirty="0">
+                <a:latin typeface="UVN Bai Sau Nhe" panose="04030405020802020C03" pitchFamily="82" charset="0"/>
+              </a:rPr>
+              <a:t>: 0.62</a:t>
+            </a:r>
+          </a:p>
+        </p:txBody>
+      </p:sp>
+      <p:sp>
+        <p:nvSpPr>
+          <p:cNvPr id="4" name="Chỗ dành sẵn cho Số hiệu Bản chiếu 3">
+            <a:extLst>
+              <a:ext uri="{FF2B5EF4-FFF2-40B4-BE49-F238E27FC236}">
+                <a16:creationId xmlns:a16="http://schemas.microsoft.com/office/drawing/2014/main" id="{D17D921C-2EF5-40A8-8F6E-F3F279A34F85}"/>
+              </a:ext>
+            </a:extLst>
+          </p:cNvPr>
+          <p:cNvSpPr>
+            <a:spLocks noGrp="1"/>
+          </p:cNvSpPr>
+          <p:nvPr>
+            <p:ph type="sldNum" sz="quarter" idx="12"/>
+          </p:nvPr>
+        </p:nvSpPr>
+        <p:spPr/>
+        <p:txBody>
+          <a:bodyPr/>
+          <a:lstStyle/>
+          <a:p>
+            <a:fld id="{A1703E46-08D3-493D-87DC-EAF3522C7E57}" type="slidenum">
+              <a:rPr lang="en-US" smtClean="0"/>
+              <a:t>25</a:t>
+            </a:fld>
+            <a:endParaRPr lang="en-US"/>
+          </a:p>
+        </p:txBody>
+      </p:sp>
+      <p:pic>
+        <p:nvPicPr>
+          <p:cNvPr id="6" name="Picture 5">
+            <a:extLst>
+              <a:ext uri="{FF2B5EF4-FFF2-40B4-BE49-F238E27FC236}">
+                <a16:creationId xmlns:a16="http://schemas.microsoft.com/office/drawing/2014/main" id="{42EB4D37-60EA-490E-B834-546F77D87625}"/>
+              </a:ext>
+            </a:extLst>
+          </p:cNvPr>
+          <p:cNvPicPr>
+            <a:picLocks noChangeAspect="1"/>
+          </p:cNvPicPr>
+          <p:nvPr/>
+        </p:nvPicPr>
+        <p:blipFill>
+          <a:blip r:embed="rId2"/>
+          <a:stretch>
+            <a:fillRect/>
+          </a:stretch>
+        </p:blipFill>
+        <p:spPr>
+          <a:xfrm>
+            <a:off x="3899229" y="2525486"/>
+            <a:ext cx="6569988" cy="4040697"/>
+          </a:xfrm>
+          <a:prstGeom prst="rect">
+            <a:avLst/>
+          </a:prstGeom>
+        </p:spPr>
+      </p:pic>
+    </p:spTree>
+    <p:extLst>
+      <p:ext uri="{BB962C8B-B14F-4D97-AF65-F5344CB8AC3E}">
+        <p14:creationId xmlns:p14="http://schemas.microsoft.com/office/powerpoint/2010/main" val="222009375"/>
+      </p:ext>
+    </p:extLst>
+  </p:cSld>
+  <p:clrMapOvr>
+    <a:masterClrMapping/>
+  </p:clrMapOvr>
+</p:sld>
+</file>
+
+<file path=ppt/slides/slide26.xml><?xml version="1.0" encoding="utf-8"?>
+<p:sld xmlns:a="http://schemas.openxmlformats.org/drawingml/2006/main" xmlns:r="http://schemas.openxmlformats.org/officeDocument/2006/relationships" xmlns:p="http://schemas.openxmlformats.org/presentationml/2006/main">
+  <p:cSld>
+    <p:spTree>
+      <p:nvGrpSpPr>
+        <p:cNvPr id="1" name=""/>
+        <p:cNvGrpSpPr/>
+        <p:nvPr/>
+      </p:nvGrpSpPr>
+      <p:grpSpPr>
+        <a:xfrm>
+          <a:off x="0" y="0"/>
+          <a:ext cx="0" cy="0"/>
+          <a:chOff x="0" y="0"/>
+          <a:chExt cx="0" cy="0"/>
+        </a:xfrm>
+      </p:grpSpPr>
+      <p:sp>
+        <p:nvSpPr>
+          <p:cNvPr id="2" name="Tiêu đề 1">
+            <a:extLst>
+              <a:ext uri="{FF2B5EF4-FFF2-40B4-BE49-F238E27FC236}">
+                <a16:creationId xmlns:a16="http://schemas.microsoft.com/office/drawing/2014/main" id="{FEB487A8-D070-44EC-BFFA-383AC850A504}"/>
+              </a:ext>
+            </a:extLst>
+          </p:cNvPr>
+          <p:cNvSpPr>
+            <a:spLocks noGrp="1"/>
+          </p:cNvSpPr>
+          <p:nvPr>
+            <p:ph type="title"/>
+          </p:nvPr>
+        </p:nvSpPr>
+        <p:spPr/>
+        <p:txBody>
+          <a:bodyPr/>
+          <a:lstStyle/>
+          <a:p>
+            <a:r>
+              <a:rPr lang="en-US" dirty="0" err="1">
+                <a:solidFill>
+                  <a:schemeClr val="accent1">
+                    <a:lumMod val="75000"/>
+                  </a:schemeClr>
+                </a:solidFill>
+                <a:latin typeface="UVN Bai Sau Nhe" panose="04030405020802020C03" pitchFamily="82" charset="0"/>
+              </a:rPr>
+              <a:t>Phân</a:t>
+            </a:r>
+            <a:r>
+              <a:rPr lang="en-US" dirty="0">
+                <a:solidFill>
+                  <a:schemeClr val="accent1">
+                    <a:lumMod val="75000"/>
+                  </a:schemeClr>
+                </a:solidFill>
+                <a:latin typeface="UVN Bai Sau Nhe" panose="04030405020802020C03" pitchFamily="82" charset="0"/>
+              </a:rPr>
+              <a:t> </a:t>
+            </a:r>
+            <a:r>
+              <a:rPr lang="en-US" dirty="0" err="1">
+                <a:solidFill>
+                  <a:schemeClr val="accent1">
+                    <a:lumMod val="75000"/>
+                  </a:schemeClr>
+                </a:solidFill>
+                <a:latin typeface="UVN Bai Sau Nhe" panose="04030405020802020C03" pitchFamily="82" charset="0"/>
+              </a:rPr>
+              <a:t>tích</a:t>
+            </a:r>
+            <a:r>
+              <a:rPr lang="en-US" dirty="0">
+                <a:solidFill>
+                  <a:schemeClr val="accent1">
+                    <a:lumMod val="75000"/>
+                  </a:schemeClr>
+                </a:solidFill>
+                <a:latin typeface="UVN Bai Sau Nhe" panose="04030405020802020C03" pitchFamily="82" charset="0"/>
+              </a:rPr>
+              <a:t> </a:t>
+            </a:r>
+            <a:r>
+              <a:rPr lang="en-US" dirty="0" err="1">
+                <a:solidFill>
+                  <a:schemeClr val="accent1">
+                    <a:lumMod val="75000"/>
+                  </a:schemeClr>
+                </a:solidFill>
+                <a:latin typeface="UVN Bai Sau Nhe" panose="04030405020802020C03" pitchFamily="82" charset="0"/>
+              </a:rPr>
+              <a:t>và</a:t>
+            </a:r>
+            <a:r>
+              <a:rPr lang="en-US" dirty="0">
+                <a:solidFill>
+                  <a:schemeClr val="accent1">
+                    <a:lumMod val="75000"/>
+                  </a:schemeClr>
+                </a:solidFill>
+                <a:latin typeface="UVN Bai Sau Nhe" panose="04030405020802020C03" pitchFamily="82" charset="0"/>
+              </a:rPr>
+              <a:t> </a:t>
+            </a:r>
+            <a:r>
+              <a:rPr lang="en-US" dirty="0" err="1">
+                <a:solidFill>
+                  <a:schemeClr val="accent1">
+                    <a:lumMod val="75000"/>
+                  </a:schemeClr>
+                </a:solidFill>
+                <a:latin typeface="UVN Bai Sau Nhe" panose="04030405020802020C03" pitchFamily="82" charset="0"/>
+              </a:rPr>
+              <a:t>mô</a:t>
+            </a:r>
+            <a:r>
+              <a:rPr lang="en-US" dirty="0">
+                <a:solidFill>
+                  <a:schemeClr val="accent1">
+                    <a:lumMod val="75000"/>
+                  </a:schemeClr>
+                </a:solidFill>
+                <a:latin typeface="UVN Bai Sau Nhe" panose="04030405020802020C03" pitchFamily="82" charset="0"/>
+              </a:rPr>
+              <a:t> </a:t>
+            </a:r>
+            <a:r>
+              <a:rPr lang="en-US" dirty="0" err="1">
+                <a:solidFill>
+                  <a:schemeClr val="accent1">
+                    <a:lumMod val="75000"/>
+                  </a:schemeClr>
+                </a:solidFill>
+                <a:latin typeface="UVN Bai Sau Nhe" panose="04030405020802020C03" pitchFamily="82" charset="0"/>
+              </a:rPr>
+              <a:t>hình</a:t>
+            </a:r>
+            <a:r>
+              <a:rPr lang="en-US" dirty="0">
+                <a:solidFill>
+                  <a:schemeClr val="accent1">
+                    <a:lumMod val="75000"/>
+                  </a:schemeClr>
+                </a:solidFill>
+                <a:latin typeface="UVN Bai Sau Nhe" panose="04030405020802020C03" pitchFamily="82" charset="0"/>
+              </a:rPr>
+              <a:t> </a:t>
+            </a:r>
+            <a:r>
+              <a:rPr lang="en-US" dirty="0" err="1">
+                <a:solidFill>
+                  <a:schemeClr val="accent1">
+                    <a:lumMod val="75000"/>
+                  </a:schemeClr>
+                </a:solidFill>
+                <a:latin typeface="UVN Bai Sau Nhe" panose="04030405020802020C03" pitchFamily="82" charset="0"/>
+              </a:rPr>
+              <a:t>hóa</a:t>
+            </a:r>
+            <a:r>
+              <a:rPr lang="en-US" dirty="0">
+                <a:solidFill>
+                  <a:schemeClr val="accent1">
+                    <a:lumMod val="75000"/>
+                  </a:schemeClr>
+                </a:solidFill>
+                <a:latin typeface="UVN Bai Sau Nhe" panose="04030405020802020C03" pitchFamily="82" charset="0"/>
+              </a:rPr>
+              <a:t> </a:t>
+            </a:r>
+            <a:r>
+              <a:rPr lang="en-US" dirty="0" err="1">
+                <a:solidFill>
+                  <a:schemeClr val="accent1">
+                    <a:lumMod val="75000"/>
+                  </a:schemeClr>
+                </a:solidFill>
+                <a:latin typeface="UVN Bai Sau Nhe" panose="04030405020802020C03" pitchFamily="82" charset="0"/>
+              </a:rPr>
+              <a:t>dữ</a:t>
+            </a:r>
+            <a:r>
+              <a:rPr lang="en-US" dirty="0">
+                <a:solidFill>
+                  <a:schemeClr val="accent1">
+                    <a:lumMod val="75000"/>
+                  </a:schemeClr>
+                </a:solidFill>
+                <a:latin typeface="UVN Bai Sau Nhe" panose="04030405020802020C03" pitchFamily="82" charset="0"/>
+              </a:rPr>
+              <a:t> </a:t>
+            </a:r>
+            <a:r>
+              <a:rPr lang="en-US" dirty="0" err="1">
+                <a:solidFill>
+                  <a:schemeClr val="accent1">
+                    <a:lumMod val="75000"/>
+                  </a:schemeClr>
+                </a:solidFill>
+                <a:latin typeface="UVN Bai Sau Nhe" panose="04030405020802020C03" pitchFamily="82" charset="0"/>
+              </a:rPr>
+              <a:t>liệu</a:t>
+            </a:r>
+            <a:endParaRPr lang="en-US" dirty="0">
+              <a:solidFill>
+                <a:schemeClr val="accent1">
+                  <a:lumMod val="75000"/>
+                </a:schemeClr>
+              </a:solidFill>
+              <a:latin typeface="UVN Bai Sau Nhe" panose="04030405020802020C03" pitchFamily="82" charset="0"/>
+            </a:endParaRPr>
+          </a:p>
+        </p:txBody>
+      </p:sp>
+      <p:sp>
+        <p:nvSpPr>
+          <p:cNvPr id="3" name="Chỗ dành sẵn cho Nội dung 2">
+            <a:extLst>
+              <a:ext uri="{FF2B5EF4-FFF2-40B4-BE49-F238E27FC236}">
+                <a16:creationId xmlns:a16="http://schemas.microsoft.com/office/drawing/2014/main" id="{B009B68D-914C-43B3-A914-D219D48B5C13}"/>
+              </a:ext>
+            </a:extLst>
+          </p:cNvPr>
+          <p:cNvSpPr>
+            <a:spLocks noGrp="1"/>
+          </p:cNvSpPr>
+          <p:nvPr>
+            <p:ph idx="1"/>
+          </p:nvPr>
+        </p:nvSpPr>
+        <p:spPr/>
+        <p:txBody>
+          <a:bodyPr/>
+          <a:lstStyle/>
+          <a:p>
+            <a:r>
+              <a:rPr lang="en-US" dirty="0" err="1">
+                <a:latin typeface="UVN Bai Sau Nhe" panose="04030405020802020C03" pitchFamily="82" charset="0"/>
+              </a:rPr>
+              <a:t>Kết</a:t>
+            </a:r>
+            <a:r>
+              <a:rPr lang="en-US" dirty="0">
+                <a:latin typeface="UVN Bai Sau Nhe" panose="04030405020802020C03" pitchFamily="82" charset="0"/>
+              </a:rPr>
+              <a:t> </a:t>
+            </a:r>
+            <a:r>
+              <a:rPr lang="en-US" dirty="0" err="1">
+                <a:latin typeface="UVN Bai Sau Nhe" panose="04030405020802020C03" pitchFamily="82" charset="0"/>
+              </a:rPr>
+              <a:t>quả</a:t>
+            </a:r>
+            <a:r>
+              <a:rPr lang="en-US" dirty="0">
+                <a:latin typeface="UVN Bai Sau Nhe" panose="04030405020802020C03" pitchFamily="82" charset="0"/>
+              </a:rPr>
+              <a:t> </a:t>
+            </a:r>
+            <a:r>
+              <a:rPr lang="en-US" dirty="0" err="1">
+                <a:latin typeface="UVN Bai Sau Nhe" panose="04030405020802020C03" pitchFamily="82" charset="0"/>
+              </a:rPr>
+              <a:t>mô</a:t>
+            </a:r>
+            <a:r>
+              <a:rPr lang="en-US" dirty="0">
+                <a:latin typeface="UVN Bai Sau Nhe" panose="04030405020802020C03" pitchFamily="82" charset="0"/>
+              </a:rPr>
+              <a:t> </a:t>
+            </a:r>
+            <a:r>
+              <a:rPr lang="en-US" dirty="0" err="1">
+                <a:latin typeface="UVN Bai Sau Nhe" panose="04030405020802020C03" pitchFamily="82" charset="0"/>
+              </a:rPr>
+              <a:t>hình</a:t>
+            </a:r>
+            <a:r>
+              <a:rPr lang="en-US" dirty="0">
+                <a:latin typeface="UVN Bai Sau Nhe" panose="04030405020802020C03" pitchFamily="82" charset="0"/>
+              </a:rPr>
+              <a:t> </a:t>
+            </a:r>
+            <a:r>
+              <a:rPr lang="en-US" dirty="0" err="1">
+                <a:latin typeface="UVN Bai Sau Nhe" panose="04030405020802020C03" pitchFamily="82" charset="0"/>
+              </a:rPr>
+              <a:t>khi</a:t>
+            </a:r>
+            <a:r>
+              <a:rPr lang="en-US" dirty="0">
+                <a:latin typeface="UVN Bai Sau Nhe" panose="04030405020802020C03" pitchFamily="82" charset="0"/>
+              </a:rPr>
+              <a:t> </a:t>
+            </a:r>
+            <a:r>
+              <a:rPr lang="en-US" dirty="0" err="1">
+                <a:latin typeface="UVN Bai Sau Nhe" panose="04030405020802020C03" pitchFamily="82" charset="0"/>
+              </a:rPr>
+              <a:t>thực</a:t>
+            </a:r>
+            <a:r>
+              <a:rPr lang="en-US" dirty="0">
+                <a:latin typeface="UVN Bai Sau Nhe" panose="04030405020802020C03" pitchFamily="82" charset="0"/>
+              </a:rPr>
+              <a:t> </a:t>
+            </a:r>
+            <a:r>
+              <a:rPr lang="en-US" dirty="0" err="1">
+                <a:latin typeface="UVN Bai Sau Nhe" panose="04030405020802020C03" pitchFamily="82" charset="0"/>
+              </a:rPr>
+              <a:t>hiện</a:t>
+            </a:r>
+            <a:r>
+              <a:rPr lang="en-US" dirty="0">
+                <a:latin typeface="UVN Bai Sau Nhe" panose="04030405020802020C03" pitchFamily="82" charset="0"/>
+              </a:rPr>
+              <a:t> </a:t>
+            </a:r>
+            <a:r>
+              <a:rPr lang="en-US" dirty="0" err="1">
+                <a:latin typeface="UVN Bai Sau Nhe" panose="04030405020802020C03" pitchFamily="82" charset="0"/>
+              </a:rPr>
+              <a:t>bằng</a:t>
+            </a:r>
+            <a:r>
+              <a:rPr lang="en-US" dirty="0">
+                <a:latin typeface="UVN Bai Sau Nhe" panose="04030405020802020C03" pitchFamily="82" charset="0"/>
+              </a:rPr>
+              <a:t> Neural Network. </a:t>
+            </a:r>
+            <a:r>
+              <a:rPr lang="en-US" dirty="0" err="1">
+                <a:latin typeface="UVN Bai Sau Nhe" panose="04030405020802020C03" pitchFamily="82" charset="0"/>
+              </a:rPr>
+              <a:t>Dự</a:t>
+            </a:r>
+            <a:r>
+              <a:rPr lang="en-US" dirty="0">
+                <a:latin typeface="UVN Bai Sau Nhe" panose="04030405020802020C03" pitchFamily="82" charset="0"/>
+              </a:rPr>
+              <a:t> </a:t>
+            </a:r>
+            <a:r>
+              <a:rPr lang="en-US" dirty="0" err="1">
+                <a:latin typeface="UVN Bai Sau Nhe" panose="04030405020802020C03" pitchFamily="82" charset="0"/>
+              </a:rPr>
+              <a:t>đoán</a:t>
+            </a:r>
+            <a:r>
+              <a:rPr lang="en-US" dirty="0">
+                <a:latin typeface="UVN Bai Sau Nhe" panose="04030405020802020C03" pitchFamily="82" charset="0"/>
+              </a:rPr>
+              <a:t> </a:t>
+            </a:r>
+            <a:r>
+              <a:rPr lang="en-US" dirty="0" err="1">
+                <a:latin typeface="UVN Bai Sau Nhe" panose="04030405020802020C03" pitchFamily="82" charset="0"/>
+              </a:rPr>
+              <a:t>trên</a:t>
+            </a:r>
+            <a:r>
+              <a:rPr lang="en-US" dirty="0">
+                <a:latin typeface="UVN Bai Sau Nhe" panose="04030405020802020C03" pitchFamily="82" charset="0"/>
+              </a:rPr>
+              <a:t> </a:t>
+            </a:r>
+            <a:r>
+              <a:rPr lang="en-US" dirty="0" err="1">
+                <a:latin typeface="UVN Bai Sau Nhe" panose="04030405020802020C03" pitchFamily="82" charset="0"/>
+              </a:rPr>
+              <a:t>tập</a:t>
+            </a:r>
+            <a:r>
+              <a:rPr lang="en-US" dirty="0">
+                <a:latin typeface="UVN Bai Sau Nhe" panose="04030405020802020C03" pitchFamily="82" charset="0"/>
+              </a:rPr>
+              <a:t> validation</a:t>
+            </a:r>
+          </a:p>
+          <a:p>
+            <a:pPr lvl="1"/>
+            <a:r>
+              <a:rPr lang="en-US" dirty="0">
+                <a:latin typeface="UVN Bai Sau Nhe" panose="04030405020802020C03" pitchFamily="82" charset="0"/>
+              </a:rPr>
+              <a:t>RMSE: 129040</a:t>
+            </a:r>
+          </a:p>
+          <a:p>
+            <a:pPr lvl="1"/>
+            <a:r>
+              <a:rPr lang="en-US" dirty="0">
+                <a:latin typeface="UVN Bai Sau Nhe" panose="04030405020802020C03" pitchFamily="82" charset="0"/>
+              </a:rPr>
+              <a:t>R</a:t>
+            </a:r>
+            <a:r>
+              <a:rPr lang="en-US" baseline="30000" dirty="0">
+                <a:latin typeface="UVN Bai Sau Nhe" panose="04030405020802020C03" pitchFamily="82" charset="0"/>
+              </a:rPr>
+              <a:t>2</a:t>
+            </a:r>
+            <a:r>
+              <a:rPr lang="en-US" dirty="0">
+                <a:latin typeface="UVN Bai Sau Nhe" panose="04030405020802020C03" pitchFamily="82" charset="0"/>
+              </a:rPr>
+              <a:t>: 0.95</a:t>
+            </a:r>
+          </a:p>
+        </p:txBody>
+      </p:sp>
+      <p:sp>
+        <p:nvSpPr>
+          <p:cNvPr id="4" name="Chỗ dành sẵn cho Số hiệu Bản chiếu 3">
+            <a:extLst>
+              <a:ext uri="{FF2B5EF4-FFF2-40B4-BE49-F238E27FC236}">
+                <a16:creationId xmlns:a16="http://schemas.microsoft.com/office/drawing/2014/main" id="{D17D921C-2EF5-40A8-8F6E-F3F279A34F85}"/>
+              </a:ext>
+            </a:extLst>
+          </p:cNvPr>
+          <p:cNvSpPr>
+            <a:spLocks noGrp="1"/>
+          </p:cNvSpPr>
+          <p:nvPr>
+            <p:ph type="sldNum" sz="quarter" idx="12"/>
+          </p:nvPr>
+        </p:nvSpPr>
+        <p:spPr/>
+        <p:txBody>
+          <a:bodyPr/>
+          <a:lstStyle/>
+          <a:p>
+            <a:fld id="{A1703E46-08D3-493D-87DC-EAF3522C7E57}" type="slidenum">
+              <a:rPr lang="en-US" smtClean="0"/>
+              <a:t>26</a:t>
+            </a:fld>
+            <a:endParaRPr lang="en-US"/>
+          </a:p>
+        </p:txBody>
+      </p:sp>
+      <p:pic>
+        <p:nvPicPr>
+          <p:cNvPr id="5" name="Picture 4">
+            <a:extLst>
+              <a:ext uri="{FF2B5EF4-FFF2-40B4-BE49-F238E27FC236}">
+                <a16:creationId xmlns:a16="http://schemas.microsoft.com/office/drawing/2014/main" id="{CBD87AA2-6432-42EC-B42A-2BA935816245}"/>
+              </a:ext>
+            </a:extLst>
+          </p:cNvPr>
+          <p:cNvPicPr>
+            <a:picLocks noChangeAspect="1"/>
+          </p:cNvPicPr>
+          <p:nvPr/>
+        </p:nvPicPr>
+        <p:blipFill>
+          <a:blip r:embed="rId2"/>
+          <a:stretch>
+            <a:fillRect/>
+          </a:stretch>
+        </p:blipFill>
+        <p:spPr>
+          <a:xfrm>
+            <a:off x="4135559" y="2462626"/>
+            <a:ext cx="6059041" cy="3849273"/>
+          </a:xfrm>
+          <a:prstGeom prst="rect">
+            <a:avLst/>
+          </a:prstGeom>
+        </p:spPr>
+      </p:pic>
+    </p:spTree>
+    <p:extLst>
+      <p:ext uri="{BB962C8B-B14F-4D97-AF65-F5344CB8AC3E}">
+        <p14:creationId xmlns:p14="http://schemas.microsoft.com/office/powerpoint/2010/main" val="427341653"/>
+      </p:ext>
+    </p:extLst>
+  </p:cSld>
+  <p:clrMapOvr>
+    <a:masterClrMapping/>
+  </p:clrMapOvr>
+</p:sld>
+</file>
+
+<file path=ppt/slides/slide27.xml><?xml version="1.0" encoding="utf-8"?>
+<p:sld xmlns:a="http://schemas.openxmlformats.org/drawingml/2006/main" xmlns:r="http://schemas.openxmlformats.org/officeDocument/2006/relationships" xmlns:p="http://schemas.openxmlformats.org/presentationml/2006/main">
+  <p:cSld>
+    <p:spTree>
+      <p:nvGrpSpPr>
+        <p:cNvPr id="1" name=""/>
+        <p:cNvGrpSpPr/>
+        <p:nvPr/>
+      </p:nvGrpSpPr>
+      <p:grpSpPr>
+        <a:xfrm>
+          <a:off x="0" y="0"/>
+          <a:ext cx="0" cy="0"/>
+          <a:chOff x="0" y="0"/>
+          <a:chExt cx="0" cy="0"/>
+        </a:xfrm>
+      </p:grpSpPr>
+      <p:sp>
+        <p:nvSpPr>
+          <p:cNvPr id="2" name="Tiêu đề 1">
+            <a:extLst>
+              <a:ext uri="{FF2B5EF4-FFF2-40B4-BE49-F238E27FC236}">
+                <a16:creationId xmlns:a16="http://schemas.microsoft.com/office/drawing/2014/main" id="{FEB487A8-D070-44EC-BFFA-383AC850A504}"/>
+              </a:ext>
+            </a:extLst>
+          </p:cNvPr>
+          <p:cNvSpPr>
+            <a:spLocks noGrp="1"/>
+          </p:cNvSpPr>
+          <p:nvPr>
+            <p:ph type="title"/>
+          </p:nvPr>
+        </p:nvSpPr>
+        <p:spPr/>
+        <p:txBody>
+          <a:bodyPr/>
+          <a:lstStyle/>
+          <a:p>
+            <a:r>
+              <a:rPr lang="en-US" dirty="0" err="1">
+                <a:solidFill>
+                  <a:schemeClr val="accent1">
+                    <a:lumMod val="75000"/>
+                  </a:schemeClr>
+                </a:solidFill>
+                <a:latin typeface="UVN Bai Sau Nhe" panose="04030405020802020C03" pitchFamily="82" charset="0"/>
+              </a:rPr>
+              <a:t>Phân</a:t>
+            </a:r>
+            <a:r>
+              <a:rPr lang="en-US" dirty="0">
+                <a:solidFill>
+                  <a:schemeClr val="accent1">
+                    <a:lumMod val="75000"/>
+                  </a:schemeClr>
+                </a:solidFill>
+                <a:latin typeface="UVN Bai Sau Nhe" panose="04030405020802020C03" pitchFamily="82" charset="0"/>
+              </a:rPr>
+              <a:t> </a:t>
+            </a:r>
+            <a:r>
+              <a:rPr lang="en-US" dirty="0" err="1">
+                <a:solidFill>
+                  <a:schemeClr val="accent1">
+                    <a:lumMod val="75000"/>
+                  </a:schemeClr>
+                </a:solidFill>
+                <a:latin typeface="UVN Bai Sau Nhe" panose="04030405020802020C03" pitchFamily="82" charset="0"/>
+              </a:rPr>
+              <a:t>tích</a:t>
+            </a:r>
+            <a:r>
+              <a:rPr lang="en-US" dirty="0">
+                <a:solidFill>
+                  <a:schemeClr val="accent1">
+                    <a:lumMod val="75000"/>
+                  </a:schemeClr>
+                </a:solidFill>
+                <a:latin typeface="UVN Bai Sau Nhe" panose="04030405020802020C03" pitchFamily="82" charset="0"/>
+              </a:rPr>
+              <a:t> </a:t>
+            </a:r>
+            <a:r>
+              <a:rPr lang="en-US" dirty="0" err="1">
+                <a:solidFill>
+                  <a:schemeClr val="accent1">
+                    <a:lumMod val="75000"/>
+                  </a:schemeClr>
+                </a:solidFill>
+                <a:latin typeface="UVN Bai Sau Nhe" panose="04030405020802020C03" pitchFamily="82" charset="0"/>
+              </a:rPr>
+              <a:t>và</a:t>
+            </a:r>
+            <a:r>
+              <a:rPr lang="en-US" dirty="0">
+                <a:solidFill>
+                  <a:schemeClr val="accent1">
+                    <a:lumMod val="75000"/>
+                  </a:schemeClr>
+                </a:solidFill>
+                <a:latin typeface="UVN Bai Sau Nhe" panose="04030405020802020C03" pitchFamily="82" charset="0"/>
+              </a:rPr>
+              <a:t> </a:t>
+            </a:r>
+            <a:r>
+              <a:rPr lang="en-US" dirty="0" err="1">
+                <a:solidFill>
+                  <a:schemeClr val="accent1">
+                    <a:lumMod val="75000"/>
+                  </a:schemeClr>
+                </a:solidFill>
+                <a:latin typeface="UVN Bai Sau Nhe" panose="04030405020802020C03" pitchFamily="82" charset="0"/>
+              </a:rPr>
+              <a:t>mô</a:t>
+            </a:r>
+            <a:r>
+              <a:rPr lang="en-US" dirty="0">
+                <a:solidFill>
+                  <a:schemeClr val="accent1">
+                    <a:lumMod val="75000"/>
+                  </a:schemeClr>
+                </a:solidFill>
+                <a:latin typeface="UVN Bai Sau Nhe" panose="04030405020802020C03" pitchFamily="82" charset="0"/>
+              </a:rPr>
+              <a:t> </a:t>
+            </a:r>
+            <a:r>
+              <a:rPr lang="en-US" dirty="0" err="1">
+                <a:solidFill>
+                  <a:schemeClr val="accent1">
+                    <a:lumMod val="75000"/>
+                  </a:schemeClr>
+                </a:solidFill>
+                <a:latin typeface="UVN Bai Sau Nhe" panose="04030405020802020C03" pitchFamily="82" charset="0"/>
+              </a:rPr>
+              <a:t>hình</a:t>
+            </a:r>
+            <a:r>
+              <a:rPr lang="en-US" dirty="0">
+                <a:solidFill>
+                  <a:schemeClr val="accent1">
+                    <a:lumMod val="75000"/>
+                  </a:schemeClr>
+                </a:solidFill>
+                <a:latin typeface="UVN Bai Sau Nhe" panose="04030405020802020C03" pitchFamily="82" charset="0"/>
+              </a:rPr>
+              <a:t> </a:t>
+            </a:r>
+            <a:r>
+              <a:rPr lang="en-US" dirty="0" err="1">
+                <a:solidFill>
+                  <a:schemeClr val="accent1">
+                    <a:lumMod val="75000"/>
+                  </a:schemeClr>
+                </a:solidFill>
+                <a:latin typeface="UVN Bai Sau Nhe" panose="04030405020802020C03" pitchFamily="82" charset="0"/>
+              </a:rPr>
+              <a:t>hóa</a:t>
+            </a:r>
+            <a:r>
+              <a:rPr lang="en-US" dirty="0">
+                <a:solidFill>
+                  <a:schemeClr val="accent1">
+                    <a:lumMod val="75000"/>
+                  </a:schemeClr>
+                </a:solidFill>
+                <a:latin typeface="UVN Bai Sau Nhe" panose="04030405020802020C03" pitchFamily="82" charset="0"/>
+              </a:rPr>
+              <a:t> </a:t>
+            </a:r>
+            <a:r>
+              <a:rPr lang="en-US" dirty="0" err="1">
+                <a:solidFill>
+                  <a:schemeClr val="accent1">
+                    <a:lumMod val="75000"/>
+                  </a:schemeClr>
+                </a:solidFill>
+                <a:latin typeface="UVN Bai Sau Nhe" panose="04030405020802020C03" pitchFamily="82" charset="0"/>
+              </a:rPr>
+              <a:t>dữ</a:t>
+            </a:r>
+            <a:r>
+              <a:rPr lang="en-US" dirty="0">
+                <a:solidFill>
+                  <a:schemeClr val="accent1">
+                    <a:lumMod val="75000"/>
+                  </a:schemeClr>
+                </a:solidFill>
+                <a:latin typeface="UVN Bai Sau Nhe" panose="04030405020802020C03" pitchFamily="82" charset="0"/>
+              </a:rPr>
+              <a:t> </a:t>
+            </a:r>
+            <a:r>
+              <a:rPr lang="en-US" dirty="0" err="1">
+                <a:solidFill>
+                  <a:schemeClr val="accent1">
+                    <a:lumMod val="75000"/>
+                  </a:schemeClr>
+                </a:solidFill>
+                <a:latin typeface="UVN Bai Sau Nhe" panose="04030405020802020C03" pitchFamily="82" charset="0"/>
+              </a:rPr>
+              <a:t>liệu</a:t>
+            </a:r>
+            <a:endParaRPr lang="en-US" dirty="0">
+              <a:solidFill>
+                <a:schemeClr val="accent1">
+                  <a:lumMod val="75000"/>
+                </a:schemeClr>
+              </a:solidFill>
+              <a:latin typeface="UVN Bai Sau Nhe" panose="04030405020802020C03" pitchFamily="82" charset="0"/>
+            </a:endParaRPr>
+          </a:p>
+        </p:txBody>
+      </p:sp>
+      <p:sp>
+        <p:nvSpPr>
+          <p:cNvPr id="3" name="Chỗ dành sẵn cho Nội dung 2">
+            <a:extLst>
+              <a:ext uri="{FF2B5EF4-FFF2-40B4-BE49-F238E27FC236}">
+                <a16:creationId xmlns:a16="http://schemas.microsoft.com/office/drawing/2014/main" id="{B009B68D-914C-43B3-A914-D219D48B5C13}"/>
+              </a:ext>
+            </a:extLst>
+          </p:cNvPr>
+          <p:cNvSpPr>
+            <a:spLocks noGrp="1"/>
+          </p:cNvSpPr>
+          <p:nvPr>
+            <p:ph idx="1"/>
+          </p:nvPr>
+        </p:nvSpPr>
+        <p:spPr/>
+        <p:txBody>
+          <a:bodyPr/>
+          <a:lstStyle/>
+          <a:p>
+            <a:r>
+              <a:rPr lang="en-US" dirty="0">
+                <a:latin typeface="UVN Bai Sau Nhe" panose="04030405020802020C03" pitchFamily="82" charset="0"/>
+              </a:rPr>
+              <a:t>Sau </a:t>
+            </a:r>
+            <a:r>
+              <a:rPr lang="en-US" dirty="0" err="1">
+                <a:latin typeface="UVN Bai Sau Nhe" panose="04030405020802020C03" pitchFamily="82" charset="0"/>
+              </a:rPr>
+              <a:t>khi</a:t>
+            </a:r>
+            <a:r>
+              <a:rPr lang="en-US" dirty="0">
+                <a:latin typeface="UVN Bai Sau Nhe" panose="04030405020802020C03" pitchFamily="82" charset="0"/>
+              </a:rPr>
+              <a:t> </a:t>
+            </a:r>
+            <a:r>
+              <a:rPr lang="en-US" dirty="0" err="1">
+                <a:latin typeface="UVN Bai Sau Nhe" panose="04030405020802020C03" pitchFamily="82" charset="0"/>
+              </a:rPr>
+              <a:t>tìm</a:t>
+            </a:r>
+            <a:r>
+              <a:rPr lang="en-US" dirty="0">
+                <a:latin typeface="UVN Bai Sau Nhe" panose="04030405020802020C03" pitchFamily="82" charset="0"/>
+              </a:rPr>
+              <a:t> đ</a:t>
+            </a:r>
+            <a:r>
+              <a:rPr lang="vi-VN" dirty="0">
+                <a:latin typeface="UVN Bai Sau Nhe" panose="04030405020802020C03" pitchFamily="82" charset="0"/>
+              </a:rPr>
+              <a:t>ư</a:t>
+            </a:r>
+            <a:r>
+              <a:rPr lang="en-US" dirty="0" err="1">
+                <a:latin typeface="UVN Bai Sau Nhe" panose="04030405020802020C03" pitchFamily="82" charset="0"/>
+              </a:rPr>
+              <a:t>ợc</a:t>
+            </a:r>
+            <a:r>
+              <a:rPr lang="en-US" dirty="0">
+                <a:latin typeface="UVN Bai Sau Nhe" panose="04030405020802020C03" pitchFamily="82" charset="0"/>
+              </a:rPr>
+              <a:t> </a:t>
+            </a:r>
+            <a:r>
+              <a:rPr lang="en-US" dirty="0" err="1">
+                <a:latin typeface="UVN Bai Sau Nhe" panose="04030405020802020C03" pitchFamily="82" charset="0"/>
+              </a:rPr>
+              <a:t>mô</a:t>
+            </a:r>
+            <a:r>
+              <a:rPr lang="en-US" dirty="0">
+                <a:latin typeface="UVN Bai Sau Nhe" panose="04030405020802020C03" pitchFamily="82" charset="0"/>
+              </a:rPr>
+              <a:t> </a:t>
+            </a:r>
+            <a:r>
+              <a:rPr lang="en-US" dirty="0" err="1">
+                <a:latin typeface="UVN Bai Sau Nhe" panose="04030405020802020C03" pitchFamily="82" charset="0"/>
+              </a:rPr>
+              <a:t>hình</a:t>
+            </a:r>
+            <a:r>
+              <a:rPr lang="en-US" dirty="0">
+                <a:latin typeface="UVN Bai Sau Nhe" panose="04030405020802020C03" pitchFamily="82" charset="0"/>
+              </a:rPr>
+              <a:t> Neural Network, </a:t>
+            </a:r>
+            <a:r>
+              <a:rPr lang="en-US" dirty="0" err="1">
+                <a:latin typeface="UVN Bai Sau Nhe" panose="04030405020802020C03" pitchFamily="82" charset="0"/>
+              </a:rPr>
+              <a:t>nhóm</a:t>
+            </a:r>
+            <a:r>
+              <a:rPr lang="en-US" dirty="0">
+                <a:latin typeface="UVN Bai Sau Nhe" panose="04030405020802020C03" pitchFamily="82" charset="0"/>
+              </a:rPr>
+              <a:t> </a:t>
+            </a:r>
+            <a:r>
+              <a:rPr lang="en-US" dirty="0" err="1">
+                <a:latin typeface="UVN Bai Sau Nhe" panose="04030405020802020C03" pitchFamily="82" charset="0"/>
+              </a:rPr>
+              <a:t>sử</a:t>
+            </a:r>
+            <a:r>
+              <a:rPr lang="en-US" dirty="0">
+                <a:latin typeface="UVN Bai Sau Nhe" panose="04030405020802020C03" pitchFamily="82" charset="0"/>
+              </a:rPr>
+              <a:t> </a:t>
+            </a:r>
+            <a:r>
+              <a:rPr lang="en-US" dirty="0" err="1">
+                <a:latin typeface="UVN Bai Sau Nhe" panose="04030405020802020C03" pitchFamily="82" charset="0"/>
+              </a:rPr>
+              <a:t>dụng</a:t>
+            </a:r>
+            <a:r>
+              <a:rPr lang="en-US" dirty="0">
+                <a:latin typeface="UVN Bai Sau Nhe" panose="04030405020802020C03" pitchFamily="82" charset="0"/>
+              </a:rPr>
+              <a:t> </a:t>
+            </a:r>
+            <a:r>
+              <a:rPr lang="en-US" dirty="0" err="1">
+                <a:latin typeface="UVN Bai Sau Nhe" panose="04030405020802020C03" pitchFamily="82" charset="0"/>
+              </a:rPr>
+              <a:t>KFold</a:t>
+            </a:r>
+            <a:r>
+              <a:rPr lang="en-US" dirty="0">
+                <a:latin typeface="UVN Bai Sau Nhe" panose="04030405020802020C03" pitchFamily="82" charset="0"/>
+              </a:rPr>
+              <a:t> (K=5) </a:t>
+            </a:r>
+            <a:r>
+              <a:rPr lang="en-US" dirty="0" err="1">
+                <a:latin typeface="UVN Bai Sau Nhe" panose="04030405020802020C03" pitchFamily="82" charset="0"/>
+              </a:rPr>
+              <a:t>để</a:t>
+            </a:r>
+            <a:r>
+              <a:rPr lang="en-US" dirty="0">
+                <a:latin typeface="UVN Bai Sau Nhe" panose="04030405020802020C03" pitchFamily="82" charset="0"/>
+              </a:rPr>
+              <a:t> </a:t>
+            </a:r>
+            <a:r>
+              <a:rPr lang="en-US" dirty="0" err="1">
+                <a:latin typeface="UVN Bai Sau Nhe" panose="04030405020802020C03" pitchFamily="82" charset="0"/>
+              </a:rPr>
+              <a:t>tìm</a:t>
+            </a:r>
+            <a:r>
+              <a:rPr lang="en-US" dirty="0">
+                <a:latin typeface="UVN Bai Sau Nhe" panose="04030405020802020C03" pitchFamily="82" charset="0"/>
+              </a:rPr>
+              <a:t> đ</a:t>
+            </a:r>
+            <a:r>
+              <a:rPr lang="vi-VN" dirty="0">
+                <a:latin typeface="UVN Bai Sau Nhe" panose="04030405020802020C03" pitchFamily="82" charset="0"/>
+              </a:rPr>
+              <a:t>ư</a:t>
+            </a:r>
+            <a:r>
+              <a:rPr lang="en-US" dirty="0" err="1">
+                <a:latin typeface="UVN Bai Sau Nhe" panose="04030405020802020C03" pitchFamily="82" charset="0"/>
+              </a:rPr>
+              <a:t>ợc</a:t>
+            </a:r>
+            <a:r>
+              <a:rPr lang="en-US" dirty="0">
+                <a:latin typeface="UVN Bai Sau Nhe" panose="04030405020802020C03" pitchFamily="82" charset="0"/>
+              </a:rPr>
+              <a:t> </a:t>
+            </a:r>
+            <a:r>
+              <a:rPr lang="en-US" dirty="0" err="1">
+                <a:latin typeface="UVN Bai Sau Nhe" panose="04030405020802020C03" pitchFamily="82" charset="0"/>
+              </a:rPr>
+              <a:t>mô</a:t>
+            </a:r>
+            <a:r>
+              <a:rPr lang="en-US" dirty="0">
+                <a:latin typeface="UVN Bai Sau Nhe" panose="04030405020802020C03" pitchFamily="82" charset="0"/>
+              </a:rPr>
+              <a:t> </a:t>
+            </a:r>
+            <a:r>
+              <a:rPr lang="en-US" dirty="0" err="1">
+                <a:latin typeface="UVN Bai Sau Nhe" panose="04030405020802020C03" pitchFamily="82" charset="0"/>
+              </a:rPr>
+              <a:t>hình</a:t>
+            </a:r>
+            <a:r>
+              <a:rPr lang="en-US" dirty="0">
+                <a:latin typeface="UVN Bai Sau Nhe" panose="04030405020802020C03" pitchFamily="82" charset="0"/>
+              </a:rPr>
+              <a:t> </a:t>
+            </a:r>
+            <a:r>
+              <a:rPr lang="en-US" dirty="0" err="1">
+                <a:latin typeface="UVN Bai Sau Nhe" panose="04030405020802020C03" pitchFamily="82" charset="0"/>
+              </a:rPr>
+              <a:t>tốt</a:t>
+            </a:r>
+            <a:r>
+              <a:rPr lang="en-US" dirty="0">
+                <a:latin typeface="UVN Bai Sau Nhe" panose="04030405020802020C03" pitchFamily="82" charset="0"/>
+              </a:rPr>
+              <a:t> </a:t>
+            </a:r>
+            <a:r>
+              <a:rPr lang="en-US" dirty="0" err="1">
+                <a:latin typeface="UVN Bai Sau Nhe" panose="04030405020802020C03" pitchFamily="82" charset="0"/>
+              </a:rPr>
+              <a:t>nhất</a:t>
+            </a:r>
+            <a:endParaRPr lang="en-US" dirty="0">
+              <a:latin typeface="UVN Bai Sau Nhe" panose="04030405020802020C03" pitchFamily="82" charset="0"/>
+            </a:endParaRPr>
+          </a:p>
+        </p:txBody>
+      </p:sp>
+      <p:sp>
+        <p:nvSpPr>
+          <p:cNvPr id="4" name="Chỗ dành sẵn cho Số hiệu Bản chiếu 3">
+            <a:extLst>
+              <a:ext uri="{FF2B5EF4-FFF2-40B4-BE49-F238E27FC236}">
+                <a16:creationId xmlns:a16="http://schemas.microsoft.com/office/drawing/2014/main" id="{D17D921C-2EF5-40A8-8F6E-F3F279A34F85}"/>
+              </a:ext>
+            </a:extLst>
+          </p:cNvPr>
+          <p:cNvSpPr>
+            <a:spLocks noGrp="1"/>
+          </p:cNvSpPr>
+          <p:nvPr>
+            <p:ph type="sldNum" sz="quarter" idx="12"/>
+          </p:nvPr>
+        </p:nvSpPr>
+        <p:spPr/>
+        <p:txBody>
+          <a:bodyPr/>
+          <a:lstStyle/>
+          <a:p>
+            <a:fld id="{A1703E46-08D3-493D-87DC-EAF3522C7E57}" type="slidenum">
+              <a:rPr lang="en-US" smtClean="0"/>
+              <a:t>27</a:t>
+            </a:fld>
+            <a:endParaRPr lang="en-US"/>
+          </a:p>
+        </p:txBody>
+      </p:sp>
+    </p:spTree>
+    <p:extLst>
+      <p:ext uri="{BB962C8B-B14F-4D97-AF65-F5344CB8AC3E}">
+        <p14:creationId xmlns:p14="http://schemas.microsoft.com/office/powerpoint/2010/main" val="1670009656"/>
+      </p:ext>
+    </p:extLst>
+  </p:cSld>
+  <p:clrMapOvr>
+    <a:masterClrMapping/>
+  </p:clrMapOvr>
+</p:sld>
+</file>
+
+<file path=ppt/slides/slide28.xml><?xml version="1.0" encoding="utf-8"?>
+<p:sld xmlns:a="http://schemas.openxmlformats.org/drawingml/2006/main" xmlns:r="http://schemas.openxmlformats.org/officeDocument/2006/relationships" xmlns:p="http://schemas.openxmlformats.org/presentationml/2006/main">
+  <p:cSld>
+    <p:spTree>
+      <p:nvGrpSpPr>
+        <p:cNvPr id="1" name=""/>
+        <p:cNvGrpSpPr/>
+        <p:nvPr/>
+      </p:nvGrpSpPr>
+      <p:grpSpPr>
+        <a:xfrm>
+          <a:off x="0" y="0"/>
+          <a:ext cx="0" cy="0"/>
+          <a:chOff x="0" y="0"/>
+          <a:chExt cx="0" cy="0"/>
+        </a:xfrm>
+      </p:grpSpPr>
+      <p:sp>
+        <p:nvSpPr>
+          <p:cNvPr id="2" name="Tiêu đề 1">
+            <a:extLst>
+              <a:ext uri="{FF2B5EF4-FFF2-40B4-BE49-F238E27FC236}">
+                <a16:creationId xmlns:a16="http://schemas.microsoft.com/office/drawing/2014/main" id="{FEB487A8-D070-44EC-BFFA-383AC850A504}"/>
+              </a:ext>
+            </a:extLst>
+          </p:cNvPr>
+          <p:cNvSpPr>
+            <a:spLocks noGrp="1"/>
+          </p:cNvSpPr>
+          <p:nvPr>
+            <p:ph type="title"/>
+          </p:nvPr>
+        </p:nvSpPr>
+        <p:spPr/>
+        <p:txBody>
+          <a:bodyPr/>
+          <a:lstStyle/>
+          <a:p>
+            <a:r>
+              <a:rPr lang="en-US" dirty="0" err="1">
+                <a:solidFill>
+                  <a:schemeClr val="accent1">
+                    <a:lumMod val="75000"/>
+                  </a:schemeClr>
+                </a:solidFill>
+                <a:latin typeface="UVN Bai Sau Nhe" panose="04030405020802020C03" pitchFamily="82" charset="0"/>
+              </a:rPr>
+              <a:t>Phân</a:t>
+            </a:r>
+            <a:r>
+              <a:rPr lang="en-US" dirty="0">
+                <a:solidFill>
+                  <a:schemeClr val="accent1">
+                    <a:lumMod val="75000"/>
+                  </a:schemeClr>
+                </a:solidFill>
+                <a:latin typeface="UVN Bai Sau Nhe" panose="04030405020802020C03" pitchFamily="82" charset="0"/>
+              </a:rPr>
+              <a:t> </a:t>
+            </a:r>
+            <a:r>
+              <a:rPr lang="en-US" dirty="0" err="1">
+                <a:solidFill>
+                  <a:schemeClr val="accent1">
+                    <a:lumMod val="75000"/>
+                  </a:schemeClr>
+                </a:solidFill>
+                <a:latin typeface="UVN Bai Sau Nhe" panose="04030405020802020C03" pitchFamily="82" charset="0"/>
+              </a:rPr>
+              <a:t>tích</a:t>
+            </a:r>
+            <a:r>
+              <a:rPr lang="en-US" dirty="0">
+                <a:solidFill>
+                  <a:schemeClr val="accent1">
+                    <a:lumMod val="75000"/>
+                  </a:schemeClr>
+                </a:solidFill>
+                <a:latin typeface="UVN Bai Sau Nhe" panose="04030405020802020C03" pitchFamily="82" charset="0"/>
+              </a:rPr>
+              <a:t> </a:t>
+            </a:r>
+            <a:r>
+              <a:rPr lang="en-US" dirty="0" err="1">
+                <a:solidFill>
+                  <a:schemeClr val="accent1">
+                    <a:lumMod val="75000"/>
+                  </a:schemeClr>
+                </a:solidFill>
+                <a:latin typeface="UVN Bai Sau Nhe" panose="04030405020802020C03" pitchFamily="82" charset="0"/>
+              </a:rPr>
+              <a:t>và</a:t>
+            </a:r>
+            <a:r>
+              <a:rPr lang="en-US" dirty="0">
+                <a:solidFill>
+                  <a:schemeClr val="accent1">
+                    <a:lumMod val="75000"/>
+                  </a:schemeClr>
+                </a:solidFill>
+                <a:latin typeface="UVN Bai Sau Nhe" panose="04030405020802020C03" pitchFamily="82" charset="0"/>
+              </a:rPr>
+              <a:t> </a:t>
+            </a:r>
+            <a:r>
+              <a:rPr lang="en-US" dirty="0" err="1">
+                <a:solidFill>
+                  <a:schemeClr val="accent1">
+                    <a:lumMod val="75000"/>
+                  </a:schemeClr>
+                </a:solidFill>
+                <a:latin typeface="UVN Bai Sau Nhe" panose="04030405020802020C03" pitchFamily="82" charset="0"/>
+              </a:rPr>
+              <a:t>mô</a:t>
+            </a:r>
+            <a:r>
+              <a:rPr lang="en-US" dirty="0">
+                <a:solidFill>
+                  <a:schemeClr val="accent1">
+                    <a:lumMod val="75000"/>
+                  </a:schemeClr>
+                </a:solidFill>
+                <a:latin typeface="UVN Bai Sau Nhe" panose="04030405020802020C03" pitchFamily="82" charset="0"/>
+              </a:rPr>
+              <a:t> </a:t>
+            </a:r>
+            <a:r>
+              <a:rPr lang="en-US" dirty="0" err="1">
+                <a:solidFill>
+                  <a:schemeClr val="accent1">
+                    <a:lumMod val="75000"/>
+                  </a:schemeClr>
+                </a:solidFill>
+                <a:latin typeface="UVN Bai Sau Nhe" panose="04030405020802020C03" pitchFamily="82" charset="0"/>
+              </a:rPr>
+              <a:t>hình</a:t>
+            </a:r>
+            <a:r>
+              <a:rPr lang="en-US" dirty="0">
+                <a:solidFill>
+                  <a:schemeClr val="accent1">
+                    <a:lumMod val="75000"/>
+                  </a:schemeClr>
+                </a:solidFill>
+                <a:latin typeface="UVN Bai Sau Nhe" panose="04030405020802020C03" pitchFamily="82" charset="0"/>
+              </a:rPr>
+              <a:t> </a:t>
+            </a:r>
+            <a:r>
+              <a:rPr lang="en-US" dirty="0" err="1">
+                <a:solidFill>
+                  <a:schemeClr val="accent1">
+                    <a:lumMod val="75000"/>
+                  </a:schemeClr>
+                </a:solidFill>
+                <a:latin typeface="UVN Bai Sau Nhe" panose="04030405020802020C03" pitchFamily="82" charset="0"/>
+              </a:rPr>
+              <a:t>hóa</a:t>
+            </a:r>
+            <a:r>
+              <a:rPr lang="en-US" dirty="0">
+                <a:solidFill>
+                  <a:schemeClr val="accent1">
+                    <a:lumMod val="75000"/>
+                  </a:schemeClr>
+                </a:solidFill>
+                <a:latin typeface="UVN Bai Sau Nhe" panose="04030405020802020C03" pitchFamily="82" charset="0"/>
+              </a:rPr>
+              <a:t> </a:t>
+            </a:r>
+            <a:r>
+              <a:rPr lang="en-US" dirty="0" err="1">
+                <a:solidFill>
+                  <a:schemeClr val="accent1">
+                    <a:lumMod val="75000"/>
+                  </a:schemeClr>
+                </a:solidFill>
+                <a:latin typeface="UVN Bai Sau Nhe" panose="04030405020802020C03" pitchFamily="82" charset="0"/>
+              </a:rPr>
+              <a:t>dữ</a:t>
+            </a:r>
+            <a:r>
+              <a:rPr lang="en-US" dirty="0">
+                <a:solidFill>
+                  <a:schemeClr val="accent1">
+                    <a:lumMod val="75000"/>
+                  </a:schemeClr>
+                </a:solidFill>
+                <a:latin typeface="UVN Bai Sau Nhe" panose="04030405020802020C03" pitchFamily="82" charset="0"/>
+              </a:rPr>
+              <a:t> </a:t>
+            </a:r>
+            <a:r>
+              <a:rPr lang="en-US" dirty="0" err="1">
+                <a:solidFill>
+                  <a:schemeClr val="accent1">
+                    <a:lumMod val="75000"/>
+                  </a:schemeClr>
+                </a:solidFill>
+                <a:latin typeface="UVN Bai Sau Nhe" panose="04030405020802020C03" pitchFamily="82" charset="0"/>
+              </a:rPr>
+              <a:t>liệu</a:t>
+            </a:r>
+            <a:endParaRPr lang="en-US" dirty="0">
+              <a:solidFill>
+                <a:schemeClr val="accent1">
+                  <a:lumMod val="75000"/>
+                </a:schemeClr>
+              </a:solidFill>
+              <a:latin typeface="UVN Bai Sau Nhe" panose="04030405020802020C03" pitchFamily="82" charset="0"/>
+            </a:endParaRPr>
+          </a:p>
+        </p:txBody>
+      </p:sp>
+      <p:sp>
+        <p:nvSpPr>
+          <p:cNvPr id="3" name="Chỗ dành sẵn cho Nội dung 2">
+            <a:extLst>
+              <a:ext uri="{FF2B5EF4-FFF2-40B4-BE49-F238E27FC236}">
+                <a16:creationId xmlns:a16="http://schemas.microsoft.com/office/drawing/2014/main" id="{B009B68D-914C-43B3-A914-D219D48B5C13}"/>
+              </a:ext>
+            </a:extLst>
+          </p:cNvPr>
+          <p:cNvSpPr>
+            <a:spLocks noGrp="1"/>
+          </p:cNvSpPr>
+          <p:nvPr>
+            <p:ph idx="1"/>
+          </p:nvPr>
+        </p:nvSpPr>
+        <p:spPr/>
+        <p:txBody>
+          <a:bodyPr/>
+          <a:lstStyle/>
+          <a:p>
+            <a:r>
+              <a:rPr lang="en-US" dirty="0" err="1">
+                <a:latin typeface="UVN Bai Sau Nhe" panose="04030405020802020C03" pitchFamily="82" charset="0"/>
+              </a:rPr>
+              <a:t>Dùng</a:t>
+            </a:r>
+            <a:r>
+              <a:rPr lang="en-US" dirty="0">
+                <a:latin typeface="UVN Bai Sau Nhe" panose="04030405020802020C03" pitchFamily="82" charset="0"/>
+              </a:rPr>
+              <a:t> </a:t>
+            </a:r>
+            <a:r>
+              <a:rPr lang="en-US" dirty="0" err="1">
+                <a:latin typeface="UVN Bai Sau Nhe" panose="04030405020802020C03" pitchFamily="82" charset="0"/>
+              </a:rPr>
+              <a:t>mô</a:t>
+            </a:r>
+            <a:r>
+              <a:rPr lang="en-US" dirty="0">
+                <a:latin typeface="UVN Bai Sau Nhe" panose="04030405020802020C03" pitchFamily="82" charset="0"/>
+              </a:rPr>
+              <a:t> </a:t>
+            </a:r>
+            <a:r>
+              <a:rPr lang="en-US" dirty="0" err="1">
+                <a:latin typeface="UVN Bai Sau Nhe" panose="04030405020802020C03" pitchFamily="82" charset="0"/>
+              </a:rPr>
+              <a:t>hình</a:t>
+            </a:r>
+            <a:r>
+              <a:rPr lang="en-US" dirty="0">
+                <a:latin typeface="UVN Bai Sau Nhe" panose="04030405020802020C03" pitchFamily="82" charset="0"/>
+              </a:rPr>
+              <a:t> </a:t>
+            </a:r>
+            <a:r>
+              <a:rPr lang="en-US" dirty="0" err="1">
+                <a:latin typeface="UVN Bai Sau Nhe" panose="04030405020802020C03" pitchFamily="82" charset="0"/>
+              </a:rPr>
+              <a:t>với</a:t>
+            </a:r>
+            <a:r>
+              <a:rPr lang="en-US" dirty="0">
+                <a:latin typeface="UVN Bai Sau Nhe" panose="04030405020802020C03" pitchFamily="82" charset="0"/>
+              </a:rPr>
+              <a:t> </a:t>
+            </a:r>
+            <a:r>
+              <a:rPr lang="en-US" dirty="0" err="1">
+                <a:latin typeface="UVN Bai Sau Nhe" panose="04030405020802020C03" pitchFamily="82" charset="0"/>
+              </a:rPr>
+              <a:t>dữ</a:t>
+            </a:r>
+            <a:r>
+              <a:rPr lang="en-US" dirty="0">
+                <a:latin typeface="UVN Bai Sau Nhe" panose="04030405020802020C03" pitchFamily="82" charset="0"/>
+              </a:rPr>
+              <a:t> </a:t>
+            </a:r>
+            <a:r>
+              <a:rPr lang="en-US" dirty="0" err="1">
+                <a:latin typeface="UVN Bai Sau Nhe" panose="04030405020802020C03" pitchFamily="82" charset="0"/>
+              </a:rPr>
+              <a:t>liệu</a:t>
+            </a:r>
+            <a:r>
+              <a:rPr lang="en-US" dirty="0">
+                <a:latin typeface="UVN Bai Sau Nhe" panose="04030405020802020C03" pitchFamily="82" charset="0"/>
+              </a:rPr>
+              <a:t> </a:t>
+            </a:r>
+            <a:r>
+              <a:rPr lang="en-US" dirty="0" err="1">
+                <a:latin typeface="UVN Bai Sau Nhe" panose="04030405020802020C03" pitchFamily="82" charset="0"/>
+              </a:rPr>
+              <a:t>tìm</a:t>
+            </a:r>
+            <a:r>
+              <a:rPr lang="en-US" dirty="0">
+                <a:latin typeface="UVN Bai Sau Nhe" panose="04030405020802020C03" pitchFamily="82" charset="0"/>
+              </a:rPr>
+              <a:t> đ</a:t>
+            </a:r>
+            <a:r>
+              <a:rPr lang="vi-VN" dirty="0">
+                <a:latin typeface="UVN Bai Sau Nhe" panose="04030405020802020C03" pitchFamily="82" charset="0"/>
+              </a:rPr>
+              <a:t>ư</a:t>
+            </a:r>
+            <a:r>
+              <a:rPr lang="en-US" dirty="0" err="1">
+                <a:latin typeface="UVN Bai Sau Nhe" panose="04030405020802020C03" pitchFamily="82" charset="0"/>
+              </a:rPr>
+              <a:t>ợc</a:t>
+            </a:r>
+            <a:r>
+              <a:rPr lang="en-US" dirty="0">
+                <a:latin typeface="UVN Bai Sau Nhe" panose="04030405020802020C03" pitchFamily="82" charset="0"/>
+              </a:rPr>
+              <a:t> </a:t>
+            </a:r>
+            <a:r>
+              <a:rPr lang="en-US" dirty="0" err="1">
+                <a:latin typeface="UVN Bai Sau Nhe" panose="04030405020802020C03" pitchFamily="82" charset="0"/>
+              </a:rPr>
+              <a:t>bởi</a:t>
+            </a:r>
+            <a:r>
+              <a:rPr lang="en-US" dirty="0">
+                <a:latin typeface="UVN Bai Sau Nhe" panose="04030405020802020C03" pitchFamily="82" charset="0"/>
+              </a:rPr>
+              <a:t> </a:t>
+            </a:r>
+            <a:r>
+              <a:rPr lang="en-US" dirty="0" err="1">
+                <a:latin typeface="UVN Bai Sau Nhe" panose="04030405020802020C03" pitchFamily="82" charset="0"/>
+              </a:rPr>
+              <a:t>Kfold</a:t>
+            </a:r>
+            <a:r>
+              <a:rPr lang="en-US" dirty="0">
+                <a:latin typeface="UVN Bai Sau Nhe" panose="04030405020802020C03" pitchFamily="82" charset="0"/>
+              </a:rPr>
+              <a:t> </a:t>
+            </a:r>
+            <a:r>
+              <a:rPr lang="en-US" dirty="0" err="1">
+                <a:latin typeface="UVN Bai Sau Nhe" panose="04030405020802020C03" pitchFamily="82" charset="0"/>
+              </a:rPr>
+              <a:t>dự</a:t>
+            </a:r>
+            <a:r>
+              <a:rPr lang="en-US" dirty="0">
+                <a:latin typeface="UVN Bai Sau Nhe" panose="04030405020802020C03" pitchFamily="82" charset="0"/>
+              </a:rPr>
+              <a:t> </a:t>
+            </a:r>
+            <a:r>
+              <a:rPr lang="en-US" dirty="0" err="1">
+                <a:latin typeface="UVN Bai Sau Nhe" panose="04030405020802020C03" pitchFamily="82" charset="0"/>
+              </a:rPr>
+              <a:t>đoán</a:t>
+            </a:r>
+            <a:r>
+              <a:rPr lang="en-US" dirty="0">
+                <a:latin typeface="UVN Bai Sau Nhe" panose="04030405020802020C03" pitchFamily="82" charset="0"/>
+              </a:rPr>
+              <a:t> </a:t>
+            </a:r>
+            <a:r>
+              <a:rPr lang="en-US" dirty="0" err="1">
+                <a:latin typeface="UVN Bai Sau Nhe" panose="04030405020802020C03" pitchFamily="82" charset="0"/>
+              </a:rPr>
+              <a:t>trên</a:t>
+            </a:r>
+            <a:r>
+              <a:rPr lang="en-US" dirty="0">
+                <a:latin typeface="UVN Bai Sau Nhe" panose="04030405020802020C03" pitchFamily="82" charset="0"/>
+              </a:rPr>
+              <a:t> </a:t>
+            </a:r>
+            <a:r>
+              <a:rPr lang="en-US" dirty="0" err="1">
+                <a:latin typeface="UVN Bai Sau Nhe" panose="04030405020802020C03" pitchFamily="82" charset="0"/>
+              </a:rPr>
+              <a:t>tập</a:t>
+            </a:r>
+            <a:r>
+              <a:rPr lang="en-US" dirty="0">
+                <a:latin typeface="UVN Bai Sau Nhe" panose="04030405020802020C03" pitchFamily="82" charset="0"/>
+              </a:rPr>
+              <a:t> test. </a:t>
+            </a:r>
+            <a:r>
+              <a:rPr lang="en-US" dirty="0" err="1">
+                <a:latin typeface="UVN Bai Sau Nhe" panose="04030405020802020C03" pitchFamily="82" charset="0"/>
+              </a:rPr>
+              <a:t>Kết</a:t>
+            </a:r>
+            <a:r>
+              <a:rPr lang="en-US" dirty="0">
+                <a:latin typeface="UVN Bai Sau Nhe" panose="04030405020802020C03" pitchFamily="82" charset="0"/>
+              </a:rPr>
+              <a:t> </a:t>
+            </a:r>
+            <a:r>
+              <a:rPr lang="en-US" dirty="0" err="1">
+                <a:latin typeface="UVN Bai Sau Nhe" panose="04030405020802020C03" pitchFamily="82" charset="0"/>
+              </a:rPr>
+              <a:t>quả</a:t>
+            </a:r>
+            <a:r>
+              <a:rPr lang="en-US" dirty="0">
+                <a:latin typeface="UVN Bai Sau Nhe" panose="04030405020802020C03" pitchFamily="82" charset="0"/>
+              </a:rPr>
+              <a:t>:</a:t>
+            </a:r>
+          </a:p>
+          <a:p>
+            <a:pPr lvl="1">
+              <a:buFontTx/>
+              <a:buChar char="-"/>
+            </a:pPr>
+            <a:r>
+              <a:rPr lang="en-US" dirty="0">
+                <a:latin typeface="UVN Bai Sau Nhe" panose="04030405020802020C03" pitchFamily="82" charset="0"/>
+              </a:rPr>
+              <a:t>R</a:t>
+            </a:r>
+            <a:r>
+              <a:rPr lang="en-US" baseline="30000" dirty="0">
+                <a:latin typeface="UVN Bai Sau Nhe" panose="04030405020802020C03" pitchFamily="82" charset="0"/>
+              </a:rPr>
+              <a:t>2</a:t>
+            </a:r>
+            <a:r>
+              <a:rPr lang="en-US" dirty="0">
+                <a:latin typeface="UVN Bai Sau Nhe" panose="04030405020802020C03" pitchFamily="82" charset="0"/>
+              </a:rPr>
+              <a:t> score: 0.952</a:t>
+            </a:r>
+          </a:p>
+          <a:p>
+            <a:pPr lvl="1">
+              <a:buFontTx/>
+              <a:buChar char="-"/>
+            </a:pPr>
+            <a:r>
+              <a:rPr lang="en-US" dirty="0">
+                <a:latin typeface="UVN Bai Sau Nhe" panose="04030405020802020C03" pitchFamily="82" charset="0"/>
+              </a:rPr>
+              <a:t>RMSE: 120609</a:t>
+            </a:r>
+          </a:p>
+        </p:txBody>
+      </p:sp>
+      <p:sp>
+        <p:nvSpPr>
+          <p:cNvPr id="4" name="Chỗ dành sẵn cho Số hiệu Bản chiếu 3">
+            <a:extLst>
+              <a:ext uri="{FF2B5EF4-FFF2-40B4-BE49-F238E27FC236}">
+                <a16:creationId xmlns:a16="http://schemas.microsoft.com/office/drawing/2014/main" id="{D17D921C-2EF5-40A8-8F6E-F3F279A34F85}"/>
+              </a:ext>
+            </a:extLst>
+          </p:cNvPr>
+          <p:cNvSpPr>
+            <a:spLocks noGrp="1"/>
+          </p:cNvSpPr>
+          <p:nvPr>
+            <p:ph type="sldNum" sz="quarter" idx="12"/>
+          </p:nvPr>
+        </p:nvSpPr>
+        <p:spPr/>
+        <p:txBody>
+          <a:bodyPr/>
+          <a:lstStyle/>
+          <a:p>
+            <a:fld id="{A1703E46-08D3-493D-87DC-EAF3522C7E57}" type="slidenum">
+              <a:rPr lang="en-US" smtClean="0"/>
+              <a:t>28</a:t>
+            </a:fld>
+            <a:endParaRPr lang="en-US"/>
+          </a:p>
+        </p:txBody>
+      </p:sp>
+      <p:pic>
+        <p:nvPicPr>
+          <p:cNvPr id="5" name="Picture 4">
+            <a:extLst>
+              <a:ext uri="{FF2B5EF4-FFF2-40B4-BE49-F238E27FC236}">
+                <a16:creationId xmlns:a16="http://schemas.microsoft.com/office/drawing/2014/main" id="{A3F91FCC-CD6B-43BD-BD3B-B260FDC27262}"/>
+              </a:ext>
+            </a:extLst>
+          </p:cNvPr>
+          <p:cNvPicPr>
+            <a:picLocks noChangeAspect="1"/>
+          </p:cNvPicPr>
+          <p:nvPr/>
+        </p:nvPicPr>
+        <p:blipFill>
+          <a:blip r:embed="rId2"/>
+          <a:stretch>
+            <a:fillRect/>
+          </a:stretch>
+        </p:blipFill>
+        <p:spPr>
+          <a:xfrm>
+            <a:off x="4369946" y="2449512"/>
+            <a:ext cx="6496138" cy="4043363"/>
+          </a:xfrm>
+          <a:prstGeom prst="rect">
+            <a:avLst/>
+          </a:prstGeom>
+        </p:spPr>
+      </p:pic>
+    </p:spTree>
+    <p:extLst>
+      <p:ext uri="{BB962C8B-B14F-4D97-AF65-F5344CB8AC3E}">
+        <p14:creationId xmlns:p14="http://schemas.microsoft.com/office/powerpoint/2010/main" val="307623559"/>
+      </p:ext>
+    </p:extLst>
+  </p:cSld>
+  <p:clrMapOvr>
+    <a:masterClrMapping/>
+  </p:clrMapOvr>
+</p:sld>
+</file>
+
+<file path=ppt/slides/slide29.xml><?xml version="1.0" encoding="utf-8"?>
+<p:sld xmlns:a="http://schemas.openxmlformats.org/drawingml/2006/main" xmlns:r="http://schemas.openxmlformats.org/officeDocument/2006/relationships" xmlns:p="http://schemas.openxmlformats.org/presentationml/2006/main">
+  <p:cSld>
+    <p:spTree>
+      <p:nvGrpSpPr>
+        <p:cNvPr id="1" name=""/>
+        <p:cNvGrpSpPr/>
+        <p:nvPr/>
+      </p:nvGrpSpPr>
+      <p:grpSpPr>
+        <a:xfrm>
+          <a:off x="0" y="0"/>
+          <a:ext cx="0" cy="0"/>
+          <a:chOff x="0" y="0"/>
+          <a:chExt cx="0" cy="0"/>
+        </a:xfrm>
+      </p:grpSpPr>
+      <p:sp>
+        <p:nvSpPr>
+          <p:cNvPr id="2" name="Tiêu đề 1">
+            <a:extLst>
+              <a:ext uri="{FF2B5EF4-FFF2-40B4-BE49-F238E27FC236}">
+                <a16:creationId xmlns:a16="http://schemas.microsoft.com/office/drawing/2014/main" id="{FEB487A8-D070-44EC-BFFA-383AC850A504}"/>
+              </a:ext>
+            </a:extLst>
+          </p:cNvPr>
+          <p:cNvSpPr>
+            <a:spLocks noGrp="1"/>
+          </p:cNvSpPr>
+          <p:nvPr>
+            <p:ph type="title"/>
+          </p:nvPr>
+        </p:nvSpPr>
+        <p:spPr/>
+        <p:txBody>
+          <a:bodyPr/>
+          <a:lstStyle/>
+          <a:p>
+            <a:r>
+              <a:rPr lang="en-US" dirty="0" err="1">
+                <a:solidFill>
+                  <a:schemeClr val="accent1">
+                    <a:lumMod val="75000"/>
+                  </a:schemeClr>
+                </a:solidFill>
+                <a:latin typeface="UVN Bai Sau Nhe" panose="04030405020802020C03" pitchFamily="82" charset="0"/>
+              </a:rPr>
+              <a:t>Truyền</a:t>
+            </a:r>
+            <a:r>
+              <a:rPr lang="en-US" dirty="0">
+                <a:solidFill>
+                  <a:schemeClr val="accent1">
+                    <a:lumMod val="75000"/>
+                  </a:schemeClr>
+                </a:solidFill>
+                <a:latin typeface="UVN Bai Sau Nhe" panose="04030405020802020C03" pitchFamily="82" charset="0"/>
+              </a:rPr>
+              <a:t> </a:t>
+            </a:r>
+            <a:r>
+              <a:rPr lang="en-US" dirty="0" err="1">
+                <a:solidFill>
+                  <a:schemeClr val="accent1">
+                    <a:lumMod val="75000"/>
+                  </a:schemeClr>
+                </a:solidFill>
+                <a:latin typeface="UVN Bai Sau Nhe" panose="04030405020802020C03" pitchFamily="82" charset="0"/>
+              </a:rPr>
+              <a:t>thông</a:t>
+            </a:r>
+            <a:r>
+              <a:rPr lang="en-US" dirty="0">
+                <a:solidFill>
+                  <a:schemeClr val="accent1">
+                    <a:lumMod val="75000"/>
+                  </a:schemeClr>
+                </a:solidFill>
+                <a:latin typeface="UVN Bai Sau Nhe" panose="04030405020802020C03" pitchFamily="82" charset="0"/>
+              </a:rPr>
+              <a:t> </a:t>
+            </a:r>
+            <a:r>
+              <a:rPr lang="en-US" dirty="0" err="1">
+                <a:solidFill>
+                  <a:schemeClr val="accent1">
+                    <a:lumMod val="75000"/>
+                  </a:schemeClr>
+                </a:solidFill>
+                <a:latin typeface="UVN Bai Sau Nhe" panose="04030405020802020C03" pitchFamily="82" charset="0"/>
+              </a:rPr>
+              <a:t>kết</a:t>
+            </a:r>
+            <a:r>
+              <a:rPr lang="en-US" dirty="0">
+                <a:solidFill>
+                  <a:schemeClr val="accent1">
+                    <a:lumMod val="75000"/>
+                  </a:schemeClr>
+                </a:solidFill>
+                <a:latin typeface="UVN Bai Sau Nhe" panose="04030405020802020C03" pitchFamily="82" charset="0"/>
+              </a:rPr>
+              <a:t> </a:t>
+            </a:r>
+            <a:r>
+              <a:rPr lang="en-US" dirty="0" err="1">
+                <a:solidFill>
+                  <a:schemeClr val="accent1">
+                    <a:lumMod val="75000"/>
+                  </a:schemeClr>
+                </a:solidFill>
+                <a:latin typeface="UVN Bai Sau Nhe" panose="04030405020802020C03" pitchFamily="82" charset="0"/>
+              </a:rPr>
+              <a:t>quả</a:t>
+            </a:r>
+            <a:endParaRPr lang="en-US" dirty="0">
+              <a:solidFill>
+                <a:schemeClr val="accent1">
+                  <a:lumMod val="75000"/>
+                </a:schemeClr>
+              </a:solidFill>
+              <a:latin typeface="UVN Bai Sau Nhe" panose="04030405020802020C03" pitchFamily="82" charset="0"/>
+            </a:endParaRPr>
+          </a:p>
+        </p:txBody>
+      </p:sp>
+      <p:sp>
+        <p:nvSpPr>
+          <p:cNvPr id="3" name="Chỗ dành sẵn cho Nội dung 2">
+            <a:extLst>
+              <a:ext uri="{FF2B5EF4-FFF2-40B4-BE49-F238E27FC236}">
+                <a16:creationId xmlns:a16="http://schemas.microsoft.com/office/drawing/2014/main" id="{B009B68D-914C-43B3-A914-D219D48B5C13}"/>
+              </a:ext>
+            </a:extLst>
+          </p:cNvPr>
+          <p:cNvSpPr>
+            <a:spLocks noGrp="1"/>
+          </p:cNvSpPr>
+          <p:nvPr>
+            <p:ph idx="1"/>
+          </p:nvPr>
+        </p:nvSpPr>
+        <p:spPr/>
+        <p:txBody>
+          <a:bodyPr/>
+          <a:lstStyle/>
+          <a:p>
+            <a:r>
+              <a:rPr lang="en-US" dirty="0" err="1">
+                <a:latin typeface="UVN Bai Sau Nhe" panose="04030405020802020C03" pitchFamily="82" charset="0"/>
+              </a:rPr>
+              <a:t>Thông</a:t>
+            </a:r>
+            <a:r>
+              <a:rPr lang="en-US" dirty="0">
+                <a:latin typeface="UVN Bai Sau Nhe" panose="04030405020802020C03" pitchFamily="82" charset="0"/>
+              </a:rPr>
+              <a:t> tin </a:t>
+            </a:r>
+            <a:r>
+              <a:rPr lang="en-US" dirty="0" err="1">
+                <a:latin typeface="UVN Bai Sau Nhe" panose="04030405020802020C03" pitchFamily="82" charset="0"/>
+              </a:rPr>
+              <a:t>đầu</a:t>
+            </a:r>
+            <a:r>
+              <a:rPr lang="en-US" dirty="0">
+                <a:latin typeface="UVN Bai Sau Nhe" panose="04030405020802020C03" pitchFamily="82" charset="0"/>
+              </a:rPr>
+              <a:t> </a:t>
+            </a:r>
+            <a:r>
+              <a:rPr lang="en-US" dirty="0" err="1">
+                <a:latin typeface="UVN Bai Sau Nhe" panose="04030405020802020C03" pitchFamily="82" charset="0"/>
+              </a:rPr>
+              <a:t>vào</a:t>
+            </a:r>
+            <a:r>
+              <a:rPr lang="en-US" dirty="0">
+                <a:latin typeface="UVN Bai Sau Nhe" panose="04030405020802020C03" pitchFamily="82" charset="0"/>
+              </a:rPr>
+              <a:t> bao </a:t>
+            </a:r>
+            <a:r>
+              <a:rPr lang="en-US" dirty="0" err="1">
+                <a:latin typeface="UVN Bai Sau Nhe" panose="04030405020802020C03" pitchFamily="82" charset="0"/>
+              </a:rPr>
+              <a:t>gồm</a:t>
+            </a:r>
+            <a:endParaRPr lang="en-US" dirty="0">
+              <a:latin typeface="UVN Bai Sau Nhe" panose="04030405020802020C03" pitchFamily="82" charset="0"/>
+            </a:endParaRPr>
+          </a:p>
+          <a:p>
+            <a:pPr lvl="1"/>
+            <a:r>
+              <a:rPr lang="en-US" dirty="0">
+                <a:latin typeface="UVN Bai Sau Nhe" panose="04030405020802020C03" pitchFamily="82" charset="0"/>
+              </a:rPr>
+              <a:t>star</a:t>
+            </a:r>
+          </a:p>
+          <a:p>
+            <a:pPr lvl="1"/>
+            <a:r>
+              <a:rPr lang="en-US" dirty="0" err="1">
+                <a:latin typeface="UVN Bai Sau Nhe" panose="04030405020802020C03" pitchFamily="82" charset="0"/>
+              </a:rPr>
+              <a:t>lat,long</a:t>
+            </a:r>
+            <a:endParaRPr lang="en-US" dirty="0">
+              <a:latin typeface="UVN Bai Sau Nhe" panose="04030405020802020C03" pitchFamily="82" charset="0"/>
+            </a:endParaRPr>
+          </a:p>
+          <a:p>
+            <a:pPr lvl="1"/>
+            <a:r>
+              <a:rPr lang="en-US" dirty="0" err="1">
+                <a:latin typeface="UVN Bai Sau Nhe" panose="04030405020802020C03" pitchFamily="82" charset="0"/>
+              </a:rPr>
+              <a:t>order_day</a:t>
+            </a:r>
+            <a:r>
+              <a:rPr lang="en-US" dirty="0">
+                <a:latin typeface="UVN Bai Sau Nhe" panose="04030405020802020C03" pitchFamily="82" charset="0"/>
+              </a:rPr>
+              <a:t>, </a:t>
+            </a:r>
+            <a:r>
+              <a:rPr lang="en-US" dirty="0" err="1">
+                <a:latin typeface="UVN Bai Sau Nhe" panose="04030405020802020C03" pitchFamily="82" charset="0"/>
+              </a:rPr>
+              <a:t>checkin_day</a:t>
+            </a:r>
+            <a:endParaRPr lang="en-US" dirty="0">
+              <a:latin typeface="UVN Bai Sau Nhe" panose="04030405020802020C03" pitchFamily="82" charset="0"/>
+            </a:endParaRPr>
+          </a:p>
+          <a:p>
+            <a:pPr lvl="1"/>
+            <a:r>
+              <a:rPr lang="en-US" dirty="0">
+                <a:latin typeface="UVN Bai Sau Nhe" panose="04030405020802020C03" pitchFamily="82" charset="0"/>
+              </a:rPr>
+              <a:t>size, orientation, bed</a:t>
+            </a:r>
+          </a:p>
+          <a:p>
+            <a:pPr lvl="1"/>
+            <a:r>
+              <a:rPr lang="en-US" dirty="0" err="1">
+                <a:latin typeface="UVN Bai Sau Nhe" panose="04030405020802020C03" pitchFamily="82" charset="0"/>
+              </a:rPr>
+              <a:t>attribute_number</a:t>
+            </a:r>
+            <a:r>
+              <a:rPr lang="en-US" dirty="0">
+                <a:latin typeface="UVN Bai Sau Nhe" panose="04030405020802020C03" pitchFamily="82" charset="0"/>
+              </a:rPr>
+              <a:t>, </a:t>
+            </a:r>
+            <a:r>
+              <a:rPr lang="en-US" dirty="0" err="1">
+                <a:latin typeface="UVN Bai Sau Nhe" panose="04030405020802020C03" pitchFamily="82" charset="0"/>
+              </a:rPr>
+              <a:t>max_guest_number</a:t>
+            </a:r>
+            <a:endParaRPr lang="en-US" dirty="0">
+              <a:latin typeface="UVN Bai Sau Nhe" panose="04030405020802020C03" pitchFamily="82" charset="0"/>
+            </a:endParaRPr>
+          </a:p>
+          <a:p>
+            <a:pPr lvl="1"/>
+            <a:r>
+              <a:rPr lang="en-US" dirty="0" err="1">
+                <a:latin typeface="UVN Bai Sau Nhe" panose="04030405020802020C03" pitchFamily="82" charset="0"/>
+              </a:rPr>
+              <a:t>have_breakfast</a:t>
+            </a:r>
+            <a:r>
+              <a:rPr lang="en-US" dirty="0">
+                <a:latin typeface="UVN Bai Sau Nhe" panose="04030405020802020C03" pitchFamily="82" charset="0"/>
+              </a:rPr>
+              <a:t>, </a:t>
+            </a:r>
+            <a:r>
+              <a:rPr lang="en-US" dirty="0" err="1">
+                <a:latin typeface="UVN Bai Sau Nhe" panose="04030405020802020C03" pitchFamily="82" charset="0"/>
+              </a:rPr>
+              <a:t>cancel_ticket</a:t>
+            </a:r>
+            <a:endParaRPr lang="en-US" dirty="0">
+              <a:latin typeface="UVN Bai Sau Nhe" panose="04030405020802020C03" pitchFamily="82" charset="0"/>
+            </a:endParaRPr>
+          </a:p>
+          <a:p>
+            <a:r>
+              <a:rPr lang="en-US" dirty="0" err="1">
+                <a:latin typeface="UVN Bai Sau Nhe" panose="04030405020802020C03" pitchFamily="82" charset="0"/>
+              </a:rPr>
+              <a:t>Thông</a:t>
+            </a:r>
+            <a:r>
+              <a:rPr lang="en-US" dirty="0">
+                <a:latin typeface="UVN Bai Sau Nhe" panose="04030405020802020C03" pitchFamily="82" charset="0"/>
+              </a:rPr>
+              <a:t> tin </a:t>
+            </a:r>
+            <a:r>
+              <a:rPr lang="en-US" dirty="0" err="1">
+                <a:latin typeface="UVN Bai Sau Nhe" panose="04030405020802020C03" pitchFamily="82" charset="0"/>
+              </a:rPr>
+              <a:t>đầu</a:t>
+            </a:r>
+            <a:r>
+              <a:rPr lang="en-US" dirty="0">
+                <a:latin typeface="UVN Bai Sau Nhe" panose="04030405020802020C03" pitchFamily="82" charset="0"/>
+              </a:rPr>
+              <a:t> ra:</a:t>
+            </a:r>
+          </a:p>
+          <a:p>
+            <a:pPr lvl="1"/>
+            <a:r>
+              <a:rPr lang="en-US" dirty="0" err="1">
+                <a:latin typeface="UVN Bai Sau Nhe" panose="04030405020802020C03" pitchFamily="82" charset="0"/>
+              </a:rPr>
+              <a:t>Giá</a:t>
+            </a:r>
+            <a:r>
+              <a:rPr lang="en-US" dirty="0">
+                <a:latin typeface="UVN Bai Sau Nhe" panose="04030405020802020C03" pitchFamily="82" charset="0"/>
+              </a:rPr>
+              <a:t> </a:t>
+            </a:r>
+            <a:r>
+              <a:rPr lang="en-US" dirty="0" err="1">
+                <a:latin typeface="UVN Bai Sau Nhe" panose="04030405020802020C03" pitchFamily="82" charset="0"/>
+              </a:rPr>
+              <a:t>của</a:t>
+            </a:r>
+            <a:r>
+              <a:rPr lang="en-US" dirty="0">
+                <a:latin typeface="UVN Bai Sau Nhe" panose="04030405020802020C03" pitchFamily="82" charset="0"/>
+              </a:rPr>
+              <a:t> </a:t>
+            </a:r>
+            <a:r>
+              <a:rPr lang="en-US" dirty="0" err="1">
+                <a:latin typeface="UVN Bai Sau Nhe" panose="04030405020802020C03" pitchFamily="82" charset="0"/>
+              </a:rPr>
+              <a:t>khách</a:t>
+            </a:r>
+            <a:r>
+              <a:rPr lang="en-US" dirty="0">
+                <a:latin typeface="UVN Bai Sau Nhe" panose="04030405020802020C03" pitchFamily="82" charset="0"/>
+              </a:rPr>
+              <a:t> </a:t>
+            </a:r>
+            <a:r>
+              <a:rPr lang="en-US" dirty="0" err="1">
+                <a:latin typeface="UVN Bai Sau Nhe" panose="04030405020802020C03" pitchFamily="82" charset="0"/>
+              </a:rPr>
+              <a:t>sạn</a:t>
+            </a:r>
+            <a:endParaRPr lang="en-US" dirty="0">
+              <a:latin typeface="UVN Bai Sau Nhe" panose="04030405020802020C03" pitchFamily="82" charset="0"/>
+            </a:endParaRPr>
+          </a:p>
+        </p:txBody>
+      </p:sp>
+      <p:sp>
+        <p:nvSpPr>
+          <p:cNvPr id="4" name="Chỗ dành sẵn cho Số hiệu Bản chiếu 3">
+            <a:extLst>
+              <a:ext uri="{FF2B5EF4-FFF2-40B4-BE49-F238E27FC236}">
+                <a16:creationId xmlns:a16="http://schemas.microsoft.com/office/drawing/2014/main" id="{4C057417-4375-4D3A-9CBE-722EBC74CA7B}"/>
+              </a:ext>
+            </a:extLst>
+          </p:cNvPr>
+          <p:cNvSpPr>
+            <a:spLocks noGrp="1"/>
+          </p:cNvSpPr>
+          <p:nvPr>
+            <p:ph type="sldNum" sz="quarter" idx="12"/>
+          </p:nvPr>
+        </p:nvSpPr>
+        <p:spPr/>
+        <p:txBody>
+          <a:bodyPr/>
+          <a:lstStyle/>
+          <a:p>
+            <a:fld id="{A1703E46-08D3-493D-87DC-EAF3522C7E57}" type="slidenum">
+              <a:rPr lang="en-US" smtClean="0"/>
+              <a:t>29</a:t>
+            </a:fld>
+            <a:endParaRPr lang="en-US"/>
+          </a:p>
+        </p:txBody>
+      </p:sp>
+    </p:spTree>
+    <p:extLst>
+      <p:ext uri="{BB962C8B-B14F-4D97-AF65-F5344CB8AC3E}">
+        <p14:creationId xmlns:p14="http://schemas.microsoft.com/office/powerpoint/2010/main" val="1750192053"/>
       </p:ext>
     </p:extLst>
   </p:cSld>
@@ -12950,13 +22169,79 @@
               <a:rPr lang="en-US" dirty="0">
                 <a:latin typeface="UVN Bai Sau Nhe" panose="04030405020802020C03" pitchFamily="82" charset="0"/>
               </a:rPr>
-              <a:t>152 </a:t>
-            </a:r>
-            <a:r>
-              <a:rPr lang="en-US">
+              <a:t>151 </a:t>
+            </a:r>
+            <a:r>
+              <a:rPr lang="en-US" dirty="0" err="1">
                 <a:latin typeface="UVN Bai Sau Nhe" panose="04030405020802020C03" pitchFamily="82" charset="0"/>
               </a:rPr>
               <a:t>dòng</a:t>
+            </a:r>
+            <a:r>
+              <a:rPr lang="en-US" dirty="0">
+                <a:latin typeface="UVN Bai Sau Nhe" panose="04030405020802020C03" pitchFamily="82" charset="0"/>
+              </a:rPr>
+              <a:t>, t</a:t>
+            </a:r>
+            <a:r>
+              <a:rPr lang="vi-VN" dirty="0">
+                <a:latin typeface="UVN Bai Sau Nhe" panose="04030405020802020C03" pitchFamily="82" charset="0"/>
+              </a:rPr>
+              <a:t>ư</a:t>
+            </a:r>
+            <a:r>
+              <a:rPr lang="en-US" dirty="0" err="1">
+                <a:latin typeface="UVN Bai Sau Nhe" panose="04030405020802020C03" pitchFamily="82" charset="0"/>
+              </a:rPr>
+              <a:t>ơng</a:t>
+            </a:r>
+            <a:r>
+              <a:rPr lang="en-US" dirty="0">
+                <a:latin typeface="UVN Bai Sau Nhe" panose="04030405020802020C03" pitchFamily="82" charset="0"/>
+              </a:rPr>
+              <a:t> </a:t>
+            </a:r>
+            <a:r>
+              <a:rPr lang="en-US" dirty="0" err="1">
+                <a:latin typeface="UVN Bai Sau Nhe" panose="04030405020802020C03" pitchFamily="82" charset="0"/>
+              </a:rPr>
+              <a:t>ứng</a:t>
+            </a:r>
+            <a:r>
+              <a:rPr lang="en-US" dirty="0">
+                <a:latin typeface="UVN Bai Sau Nhe" panose="04030405020802020C03" pitchFamily="82" charset="0"/>
+              </a:rPr>
+              <a:t> </a:t>
+            </a:r>
+            <a:r>
+              <a:rPr lang="en-US" dirty="0" err="1">
+                <a:latin typeface="UVN Bai Sau Nhe" panose="04030405020802020C03" pitchFamily="82" charset="0"/>
+              </a:rPr>
+              <a:t>với</a:t>
+            </a:r>
+            <a:r>
+              <a:rPr lang="en-US" dirty="0">
+                <a:latin typeface="UVN Bai Sau Nhe" panose="04030405020802020C03" pitchFamily="82" charset="0"/>
+              </a:rPr>
+              <a:t> 151 </a:t>
+            </a:r>
+            <a:r>
+              <a:rPr lang="en-US" dirty="0" err="1">
+                <a:latin typeface="UVN Bai Sau Nhe" panose="04030405020802020C03" pitchFamily="82" charset="0"/>
+              </a:rPr>
+              <a:t>khách</a:t>
+            </a:r>
+            <a:r>
+              <a:rPr lang="en-US" dirty="0">
+                <a:latin typeface="UVN Bai Sau Nhe" panose="04030405020802020C03" pitchFamily="82" charset="0"/>
+              </a:rPr>
+              <a:t> </a:t>
+            </a:r>
+            <a:r>
+              <a:rPr lang="en-US" dirty="0" err="1">
+                <a:latin typeface="UVN Bai Sau Nhe" panose="04030405020802020C03" pitchFamily="82" charset="0"/>
+              </a:rPr>
+              <a:t>sạn</a:t>
             </a:r>
             <a:endParaRPr lang="en-US" dirty="0">
               <a:latin typeface="UVN Bai Sau Nhe" panose="04030405020802020C03" pitchFamily="82" charset="0"/>
